--- a/presentation/slides.pptx
+++ b/presentation/slides.pptx
@@ -15,11 +15,11 @@
     <p:sldId id="282" r:id="rId3"/>
     <p:sldId id="289" r:id="rId4"/>
     <p:sldId id="285" r:id="rId5"/>
-    <p:sldId id="291" r:id="rId6"/>
-    <p:sldId id="292" r:id="rId7"/>
-    <p:sldId id="293" r:id="rId8"/>
-    <p:sldId id="294" r:id="rId9"/>
-    <p:sldId id="296" r:id="rId10"/>
+    <p:sldId id="296" r:id="rId6"/>
+    <p:sldId id="291" r:id="rId7"/>
+    <p:sldId id="292" r:id="rId8"/>
+    <p:sldId id="293" r:id="rId9"/>
+    <p:sldId id="294" r:id="rId10"/>
     <p:sldId id="295" r:id="rId11"/>
   </p:sldIdLst>
   <p:sldSz cx="12192000" cy="6858000"/>
@@ -253,7 +253,7 @@
                 <a:cs typeface="Arial" pitchFamily="34" charset="0"/>
               </a:rPr>
               <a:pPr/>
-              <a:t>7/03/2019</a:t>
+              <a:t>25/03/2019</a:t>
             </a:fld>
             <a:endParaRPr lang="nl-BE" sz="1000">
               <a:latin typeface="Arial" pitchFamily="34" charset="0"/>
@@ -326,7 +326,7 @@
             <a:fld id="{6A024B3E-C6E9-4CB0-843C-3CD5676655AA}" type="slidenum">
               <a:rPr lang="nl-BE" sz="1000" smtClean="0"/>
               <a:pPr/>
-              <a:t>‹nr.›</a:t>
+              <a:t>‹#›</a:t>
             </a:fld>
             <a:endParaRPr lang="nl-BE" sz="1000"/>
           </a:p>
@@ -432,7 +432,7 @@
             <a:fld id="{7AF0A2F9-EF49-41B3-9E69-7CDBDC14786A}" type="datetimeFigureOut">
               <a:rPr lang="nl-BE" smtClean="0"/>
               <a:pPr/>
-              <a:t>7/03/2019</a:t>
+              <a:t>25/03/2019</a:t>
             </a:fld>
             <a:endParaRPr lang="nl-BE"/>
           </a:p>
@@ -598,7 +598,7 @@
             <a:fld id="{17C257C2-8D60-4760-88CB-024AF3EEC641}" type="slidenum">
               <a:rPr lang="nl-BE" smtClean="0"/>
               <a:pPr/>
-              <a:t>‹nr.›</a:t>
+              <a:t>‹#›</a:t>
             </a:fld>
             <a:endParaRPr lang="nl-BE"/>
           </a:p>
@@ -1619,7 +1619,7 @@
           <a:p>
             <a:fld id="{A25A1E03-75DD-4733-9EB7-E1B21C513EDE}" type="datetime1">
               <a:rPr lang="nl-BE" smtClean="0"/>
-              <a:t>7/03/2019</a:t>
+              <a:t>25/03/2019</a:t>
             </a:fld>
             <a:endParaRPr lang="nl-BE" dirty="0"/>
           </a:p>
@@ -1662,7 +1662,7 @@
             <a:fld id="{F35D8031-C8E5-48F8-A3B6-81643B27A3AF}" type="slidenum">
               <a:rPr lang="nl-BE" smtClean="0"/>
               <a:pPr/>
-              <a:t>‹nr.›</a:t>
+              <a:t>‹#›</a:t>
             </a:fld>
             <a:endParaRPr lang="nl-BE" dirty="0"/>
           </a:p>
@@ -2288,7 +2288,7 @@
           <a:p>
             <a:fld id="{3B2D1818-9582-4953-B1EE-38B8195A306A}" type="datetime1">
               <a:rPr lang="nl-BE" smtClean="0"/>
-              <a:t>7/03/2019</a:t>
+              <a:t>25/03/2019</a:t>
             </a:fld>
             <a:endParaRPr lang="nl-BE"/>
           </a:p>
@@ -2331,7 +2331,7 @@
             <a:fld id="{F35D8031-C8E5-48F8-A3B6-81643B27A3AF}" type="slidenum">
               <a:rPr lang="nl-BE" smtClean="0"/>
               <a:pPr/>
-              <a:t>‹nr.›</a:t>
+              <a:t>‹#›</a:t>
             </a:fld>
             <a:endParaRPr lang="nl-BE"/>
           </a:p>
@@ -2719,7 +2719,7 @@
           <a:p>
             <a:fld id="{53A16DF1-98C7-44EB-A81C-DD6332C3D0D0}" type="datetime1">
               <a:rPr lang="nl-BE" smtClean="0"/>
-              <a:t>7/03/2019</a:t>
+              <a:t>25/03/2019</a:t>
             </a:fld>
             <a:endParaRPr lang="nl-BE"/>
           </a:p>
@@ -2762,7 +2762,7 @@
             <a:fld id="{F35D8031-C8E5-48F8-A3B6-81643B27A3AF}" type="slidenum">
               <a:rPr lang="nl-BE" smtClean="0"/>
               <a:pPr/>
-              <a:t>‹nr.›</a:t>
+              <a:t>‹#›</a:t>
             </a:fld>
             <a:endParaRPr lang="nl-BE" dirty="0"/>
           </a:p>
@@ -2842,7 +2842,7 @@
           <a:p>
             <a:fld id="{E74E6699-E900-4833-A806-8DC10C961E35}" type="datetime1">
               <a:rPr lang="nl-BE" smtClean="0"/>
-              <a:t>7/03/2019</a:t>
+              <a:t>25/03/2019</a:t>
             </a:fld>
             <a:endParaRPr lang="nl-BE"/>
           </a:p>
@@ -2885,7 +2885,7 @@
             <a:fld id="{F35D8031-C8E5-48F8-A3B6-81643B27A3AF}" type="slidenum">
               <a:rPr lang="nl-BE" smtClean="0"/>
               <a:pPr/>
-              <a:t>‹nr.›</a:t>
+              <a:t>‹#›</a:t>
             </a:fld>
             <a:endParaRPr lang="nl-BE"/>
           </a:p>
@@ -2938,7 +2938,7 @@
           <a:p>
             <a:fld id="{EE9D4C1C-14AC-42EC-86A4-1A1F1C8665A0}" type="datetime1">
               <a:rPr lang="nl-BE" smtClean="0"/>
-              <a:t>7/03/2019</a:t>
+              <a:t>25/03/2019</a:t>
             </a:fld>
             <a:endParaRPr lang="nl-BE"/>
           </a:p>
@@ -2981,7 +2981,7 @@
             <a:fld id="{F35D8031-C8E5-48F8-A3B6-81643B27A3AF}" type="slidenum">
               <a:rPr lang="nl-BE" smtClean="0"/>
               <a:pPr/>
-              <a:t>‹nr.›</a:t>
+              <a:t>‹#›</a:t>
             </a:fld>
             <a:endParaRPr lang="nl-BE"/>
           </a:p>
@@ -3223,7 +3223,7 @@
           <a:p>
             <a:fld id="{841AD2C4-6CDA-4BAF-BCA5-159D526DA322}" type="datetime1">
               <a:rPr lang="nl-BE" smtClean="0"/>
-              <a:t>7/03/2019</a:t>
+              <a:t>25/03/2019</a:t>
             </a:fld>
             <a:endParaRPr lang="nl-BE"/>
           </a:p>
@@ -3266,7 +3266,7 @@
             <a:fld id="{F35D8031-C8E5-48F8-A3B6-81643B27A3AF}" type="slidenum">
               <a:rPr lang="nl-BE" smtClean="0"/>
               <a:pPr/>
-              <a:t>‹nr.›</a:t>
+              <a:t>‹#›</a:t>
             </a:fld>
             <a:endParaRPr lang="nl-BE"/>
           </a:p>
@@ -3484,7 +3484,7 @@
             <a:fld id="{F35D8031-C8E5-48F8-A3B6-81643B27A3AF}" type="slidenum">
               <a:rPr lang="nl-BE" smtClean="0"/>
               <a:pPr/>
-              <a:t>‹nr.›</a:t>
+              <a:t>‹#›</a:t>
             </a:fld>
             <a:endParaRPr lang="nl-BE" dirty="0"/>
           </a:p>
@@ -3536,7 +3536,7 @@
           <a:p>
             <a:fld id="{C099C56F-7887-4E01-83A4-B62C704AF368}" type="datetime1">
               <a:rPr lang="nl-BE" smtClean="0"/>
-              <a:t>7/03/2019</a:t>
+              <a:t>25/03/2019</a:t>
             </a:fld>
             <a:endParaRPr lang="nl-BE" dirty="0"/>
           </a:p>
@@ -3616,7 +3616,7 @@
           <a:p>
             <a:fld id="{D1F088C9-0FC0-440B-8314-5EF9819A24DA}" type="datetime1">
               <a:rPr lang="nl-BE" smtClean="0"/>
-              <a:t>7/03/2019</a:t>
+              <a:t>25/03/2019</a:t>
             </a:fld>
             <a:endParaRPr lang="nl-BE" dirty="0"/>
           </a:p>
@@ -3659,7 +3659,7 @@
             <a:fld id="{F35D8031-C8E5-48F8-A3B6-81643B27A3AF}" type="slidenum">
               <a:rPr lang="nl-BE" smtClean="0"/>
               <a:pPr/>
-              <a:t>‹nr.›</a:t>
+              <a:t>‹#›</a:t>
             </a:fld>
             <a:endParaRPr lang="nl-BE" dirty="0"/>
           </a:p>
@@ -4396,7 +4396,7 @@
           <a:p>
             <a:fld id="{A3DC81F3-DF63-45EB-BC9D-33AF77580B52}" type="datetime1">
               <a:rPr lang="nl-BE" smtClean="0"/>
-              <a:t>7/03/2019</a:t>
+              <a:t>25/03/2019</a:t>
             </a:fld>
             <a:endParaRPr lang="nl-BE"/>
           </a:p>
@@ -4439,7 +4439,7 @@
             <a:fld id="{F35D8031-C8E5-48F8-A3B6-81643B27A3AF}" type="slidenum">
               <a:rPr lang="nl-BE" smtClean="0"/>
               <a:pPr/>
-              <a:t>‹nr.›</a:t>
+              <a:t>‹#›</a:t>
             </a:fld>
             <a:endParaRPr lang="nl-BE"/>
           </a:p>
@@ -4827,7 +4827,7 @@
           <a:p>
             <a:fld id="{06B5AFA0-1713-4D1E-A5CE-7A72D7E34AF2}" type="datetime1">
               <a:rPr lang="nl-BE" smtClean="0"/>
-              <a:t>7/03/2019</a:t>
+              <a:t>25/03/2019</a:t>
             </a:fld>
             <a:endParaRPr lang="nl-BE"/>
           </a:p>
@@ -4870,7 +4870,7 @@
             <a:fld id="{F35D8031-C8E5-48F8-A3B6-81643B27A3AF}" type="slidenum">
               <a:rPr lang="nl-BE" smtClean="0"/>
               <a:pPr/>
-              <a:t>‹nr.›</a:t>
+              <a:t>‹#›</a:t>
             </a:fld>
             <a:endParaRPr lang="nl-BE" dirty="0"/>
           </a:p>
@@ -4950,7 +4950,7 @@
           <a:p>
             <a:fld id="{6AAC73DC-3C0A-4EDD-9DC2-84D707D8214B}" type="datetime1">
               <a:rPr lang="nl-BE" smtClean="0"/>
-              <a:t>7/03/2019</a:t>
+              <a:t>25/03/2019</a:t>
             </a:fld>
             <a:endParaRPr lang="nl-BE"/>
           </a:p>
@@ -4993,7 +4993,7 @@
             <a:fld id="{F35D8031-C8E5-48F8-A3B6-81643B27A3AF}" type="slidenum">
               <a:rPr lang="nl-BE" smtClean="0"/>
               <a:pPr/>
-              <a:t>‹nr.›</a:t>
+              <a:t>‹#›</a:t>
             </a:fld>
             <a:endParaRPr lang="nl-BE"/>
           </a:p>
@@ -5046,7 +5046,7 @@
           <a:p>
             <a:fld id="{E4D22462-08EE-46A5-B614-B58F8B9D7749}" type="datetime1">
               <a:rPr lang="nl-BE" smtClean="0"/>
-              <a:t>7/03/2019</a:t>
+              <a:t>25/03/2019</a:t>
             </a:fld>
             <a:endParaRPr lang="nl-BE"/>
           </a:p>
@@ -5089,7 +5089,7 @@
             <a:fld id="{F35D8031-C8E5-48F8-A3B6-81643B27A3AF}" type="slidenum">
               <a:rPr lang="nl-BE" smtClean="0"/>
               <a:pPr/>
-              <a:t>‹nr.›</a:t>
+              <a:t>‹#›</a:t>
             </a:fld>
             <a:endParaRPr lang="nl-BE"/>
           </a:p>
@@ -5331,7 +5331,7 @@
           <a:p>
             <a:fld id="{612D67E1-890D-490E-BBA5-F7A383241BCC}" type="datetime1">
               <a:rPr lang="nl-BE" smtClean="0"/>
-              <a:t>7/03/2019</a:t>
+              <a:t>25/03/2019</a:t>
             </a:fld>
             <a:endParaRPr lang="nl-BE"/>
           </a:p>
@@ -5374,7 +5374,7 @@
             <a:fld id="{F35D8031-C8E5-48F8-A3B6-81643B27A3AF}" type="slidenum">
               <a:rPr lang="nl-BE" smtClean="0"/>
               <a:pPr/>
-              <a:t>‹nr.›</a:t>
+              <a:t>‹#›</a:t>
             </a:fld>
             <a:endParaRPr lang="nl-BE"/>
           </a:p>
@@ -5596,7 +5596,7 @@
           <a:p>
             <a:fld id="{6535815E-1DF4-4E01-BC2D-31A156755E79}" type="datetime1">
               <a:rPr lang="nl-BE" smtClean="0"/>
-              <a:t>7/03/2019</a:t>
+              <a:t>25/03/2019</a:t>
             </a:fld>
             <a:endParaRPr lang="nl-BE" dirty="0"/>
           </a:p>
@@ -5620,7 +5620,7 @@
             <a:fld id="{F35D8031-C8E5-48F8-A3B6-81643B27A3AF}" type="slidenum">
               <a:rPr lang="nl-BE" smtClean="0"/>
               <a:pPr/>
-              <a:t>‹nr.›</a:t>
+              <a:t>‹#›</a:t>
             </a:fld>
             <a:endParaRPr lang="nl-BE" dirty="0"/>
           </a:p>
@@ -5815,7 +5815,7 @@
           <a:p>
             <a:fld id="{79F43CF7-32C8-44EC-86BF-99A2657BA3D3}" type="datetime1">
               <a:rPr lang="nl-BE" smtClean="0"/>
-              <a:t>7/03/2019</a:t>
+              <a:t>25/03/2019</a:t>
             </a:fld>
             <a:endParaRPr lang="nl-BE" dirty="0"/>
           </a:p>
@@ -5894,7 +5894,7 @@
             <a:fld id="{F35D8031-C8E5-48F8-A3B6-81643B27A3AF}" type="slidenum">
               <a:rPr lang="nl-BE" smtClean="0"/>
               <a:pPr/>
-              <a:t>‹nr.›</a:t>
+              <a:t>‹#›</a:t>
             </a:fld>
             <a:endParaRPr lang="nl-BE" dirty="0"/>
           </a:p>
@@ -6438,7 +6438,7 @@
           <a:p>
             <a:fld id="{FCC81C21-CD04-4C56-8510-F9D751A99BC5}" type="datetime1">
               <a:rPr lang="nl-BE" smtClean="0"/>
-              <a:t>7/03/2019</a:t>
+              <a:t>25/03/2019</a:t>
             </a:fld>
             <a:endParaRPr lang="nl-BE" dirty="0"/>
           </a:p>
@@ -6517,7 +6517,7 @@
             <a:fld id="{F35D8031-C8E5-48F8-A3B6-81643B27A3AF}" type="slidenum">
               <a:rPr lang="nl-BE" smtClean="0"/>
               <a:pPr/>
-              <a:t>‹nr.›</a:t>
+              <a:t>‹#›</a:t>
             </a:fld>
             <a:endParaRPr lang="nl-BE" dirty="0"/>
           </a:p>
@@ -7169,17 +7169,6 @@
               <a:t>Gilles Callebaut 				</a:t>
             </a:r>
             <a:r>
-              <a:rPr lang="nl-BE" sz="1200" dirty="0">
-                <a:solidFill>
-                  <a:schemeClr val="accent3">
-                    <a:lumMod val="60000"/>
-                    <a:lumOff val="40000"/>
-                  </a:schemeClr>
-                </a:solidFill>
-              </a:rPr>
-              <a:t>v0.2</a:t>
-            </a:r>
-            <a:r>
               <a:rPr lang="nl-BE" sz="1600" dirty="0">
                 <a:solidFill>
                   <a:schemeClr val="accent3">
@@ -7188,27 +7177,8 @@
                   </a:schemeClr>
                 </a:solidFill>
               </a:rPr>
-              <a:t> 	</a:t>
-            </a:r>
-            <a:r>
-              <a:rPr lang="en-GB" sz="1600" dirty="0">
-                <a:solidFill>
-                  <a:schemeClr val="accent3">
-                    <a:lumMod val="60000"/>
-                    <a:lumOff val="40000"/>
-                  </a:schemeClr>
-                </a:solidFill>
-              </a:rPr>
-              <a:t>06/02/2018</a:t>
-            </a:r>
-            <a:endParaRPr lang="nl-BE" sz="1600" dirty="0">
-              <a:solidFill>
-                <a:schemeClr val="accent3">
-                  <a:lumMod val="60000"/>
-                  <a:lumOff val="40000"/>
-                </a:schemeClr>
-              </a:solidFill>
-            </a:endParaRPr>
+              <a:t> 	25/03/2019</a:t>
+            </a:r>
           </a:p>
           <a:p>
             <a:endParaRPr lang="en-US" dirty="0"/>
@@ -8062,35 +8032,6 @@
       </p:sp>
       <p:sp>
         <p:nvSpPr>
-          <p:cNvPr id="3" name="Date Placeholder 2">
-            <a:extLst>
-              <a:ext uri="{FF2B5EF4-FFF2-40B4-BE49-F238E27FC236}">
-                <a16:creationId xmlns:a16="http://schemas.microsoft.com/office/drawing/2014/main" id="{E69717A0-6CC1-4551-BB49-D89C40274454}"/>
-              </a:ext>
-            </a:extLst>
-          </p:cNvPr>
-          <p:cNvSpPr>
-            <a:spLocks noGrp="1"/>
-          </p:cNvSpPr>
-          <p:nvPr>
-            <p:ph type="dt" sz="half" idx="10"/>
-          </p:nvPr>
-        </p:nvSpPr>
-        <p:spPr/>
-        <p:txBody>
-          <a:bodyPr/>
-          <a:lstStyle/>
-          <a:p>
-            <a:fld id="{D1F088C9-0FC0-440B-8314-5EF9819A24DA}" type="datetime1">
-              <a:rPr lang="nl-BE" smtClean="0"/>
-              <a:t>7/03/2019</a:t>
-            </a:fld>
-            <a:endParaRPr lang="nl-BE" dirty="0"/>
-          </a:p>
-        </p:txBody>
-      </p:sp>
-      <p:sp>
-        <p:nvSpPr>
           <p:cNvPr id="4" name="Slide Number Placeholder 3">
             <a:extLst>
               <a:ext uri="{FF2B5EF4-FFF2-40B4-BE49-F238E27FC236}">
@@ -8224,7 +8165,7 @@
         <p:spPr>
           <a:xfrm>
             <a:off x="2711624" y="1628800"/>
-            <a:ext cx="3672408" cy="615553"/>
+            <a:ext cx="3672408" cy="565411"/>
           </a:xfrm>
           <a:prstGeom prst="rect">
             <a:avLst/>
@@ -8238,20 +8179,12 @@
           <a:lstStyle/>
           <a:p>
             <a:r>
-              <a:rPr lang="en-US" sz="1600" dirty="0">
+              <a:rPr lang="en-US" sz="1600">
                 <a:latin typeface="Open Sans" panose="020B0606030504020204" pitchFamily="34" charset="0"/>
                 <a:ea typeface="Open Sans" panose="020B0606030504020204" pitchFamily="34" charset="0"/>
                 <a:cs typeface="Open Sans" panose="020B0606030504020204" pitchFamily="34" charset="0"/>
               </a:rPr>
-              <a:t>Type of </a:t>
-            </a:r>
-            <a:r>
-              <a:rPr lang="en-US" sz="1600" dirty="0" err="1">
-                <a:latin typeface="Open Sans" panose="020B0606030504020204" pitchFamily="34" charset="0"/>
-                <a:ea typeface="Open Sans" panose="020B0606030504020204" pitchFamily="34" charset="0"/>
-                <a:cs typeface="Open Sans" panose="020B0606030504020204" pitchFamily="34" charset="0"/>
-              </a:rPr>
-              <a:t>communicatie</a:t>
+              <a:t>Type communicatie</a:t>
             </a:r>
             <a:r>
               <a:rPr lang="en-US" sz="1600" dirty="0">
@@ -8905,7 +8838,7 @@
           <a:p>
             <a:fld id="{D1F088C9-0FC0-440B-8314-5EF9819A24DA}" type="datetime1">
               <a:rPr lang="nl-BE" smtClean="0"/>
-              <a:t>7/03/2019</a:t>
+              <a:t>25/03/2019</a:t>
             </a:fld>
             <a:endParaRPr lang="nl-BE" dirty="0"/>
           </a:p>
@@ -8980,7 +8913,7 @@
     <p:bg>
       <p:bgPr>
         <a:solidFill>
-          <a:srgbClr val="262626"/>
+          <a:srgbClr val="272822"/>
         </a:solidFill>
         <a:effectLst/>
       </p:bgPr>
@@ -9004,7 +8937,7 @@
           <p:cNvPr id="4" name="Tijdelijke aanduiding voor dianummer 3">
             <a:extLst>
               <a:ext uri="{FF2B5EF4-FFF2-40B4-BE49-F238E27FC236}">
-                <a16:creationId xmlns:a16="http://schemas.microsoft.com/office/drawing/2014/main" id="{5C0B1E3F-3392-4BA1-8F06-95A89E3CC284}"/>
+                <a16:creationId xmlns:a16="http://schemas.microsoft.com/office/drawing/2014/main" id="{C440A0D6-A5B0-4A30-923D-34CCB83953C5}"/>
               </a:ext>
             </a:extLst>
           </p:cNvPr>
@@ -9034,7 +8967,7 @@
           <p:cNvPr id="6" name="Afbeelding 5">
             <a:extLst>
               <a:ext uri="{FF2B5EF4-FFF2-40B4-BE49-F238E27FC236}">
-                <a16:creationId xmlns:a16="http://schemas.microsoft.com/office/drawing/2014/main" id="{EAECAA62-7509-4746-ACC5-CD0AB416F125}"/>
+                <a16:creationId xmlns:a16="http://schemas.microsoft.com/office/drawing/2014/main" id="{AEF7C9B1-7216-4257-A4D3-D52800B73733}"/>
               </a:ext>
             </a:extLst>
           </p:cNvPr>
@@ -9051,8 +8984,8 @@
         </p:blipFill>
         <p:spPr>
           <a:xfrm>
-            <a:off x="540000" y="2081875"/>
-            <a:ext cx="11382000" cy="2900675"/>
+            <a:off x="405000" y="1325179"/>
+            <a:ext cx="11652000" cy="4546605"/>
           </a:xfrm>
           <a:prstGeom prst="rect">
             <a:avLst/>
@@ -9062,7 +8995,7 @@
     </p:spTree>
     <p:extLst>
       <p:ext uri="{BB962C8B-B14F-4D97-AF65-F5344CB8AC3E}">
-        <p14:creationId xmlns:p14="http://schemas.microsoft.com/office/powerpoint/2010/main" val="346886031"/>
+        <p14:creationId xmlns:p14="http://schemas.microsoft.com/office/powerpoint/2010/main" val="407016784"/>
       </p:ext>
     </p:extLst>
   </p:cSld>
@@ -9102,7 +9035,7 @@
           <p:cNvPr id="4" name="Tijdelijke aanduiding voor dianummer 3">
             <a:extLst>
               <a:ext uri="{FF2B5EF4-FFF2-40B4-BE49-F238E27FC236}">
-                <a16:creationId xmlns:a16="http://schemas.microsoft.com/office/drawing/2014/main" id="{FF639518-4AC1-4756-A5FD-FEECD1BECC64}"/>
+                <a16:creationId xmlns:a16="http://schemas.microsoft.com/office/drawing/2014/main" id="{5C0B1E3F-3392-4BA1-8F06-95A89E3CC284}"/>
               </a:ext>
             </a:extLst>
           </p:cNvPr>
@@ -9129,10 +9062,10 @@
       </p:sp>
       <p:pic>
         <p:nvPicPr>
-          <p:cNvPr id="7" name="Afbeelding 6">
+          <p:cNvPr id="6" name="Afbeelding 5">
             <a:extLst>
               <a:ext uri="{FF2B5EF4-FFF2-40B4-BE49-F238E27FC236}">
-                <a16:creationId xmlns:a16="http://schemas.microsoft.com/office/drawing/2014/main" id="{48FCD688-7397-43D5-A673-9E81B881C97B}"/>
+                <a16:creationId xmlns:a16="http://schemas.microsoft.com/office/drawing/2014/main" id="{EAECAA62-7509-4746-ACC5-CD0AB416F125}"/>
               </a:ext>
             </a:extLst>
           </p:cNvPr>
@@ -9149,128 +9082,8 @@
         </p:blipFill>
         <p:spPr>
           <a:xfrm>
-            <a:off x="667853" y="2638583"/>
-            <a:ext cx="3509691" cy="2734634"/>
-          </a:xfrm>
-          <a:prstGeom prst="rect">
-            <a:avLst/>
-          </a:prstGeom>
-        </p:spPr>
-      </p:pic>
-      <p:pic>
-        <p:nvPicPr>
-          <p:cNvPr id="8" name="Afbeelding 7">
-            <a:extLst>
-              <a:ext uri="{FF2B5EF4-FFF2-40B4-BE49-F238E27FC236}">
-                <a16:creationId xmlns:a16="http://schemas.microsoft.com/office/drawing/2014/main" id="{35FC942A-D349-4E14-8212-3BC1C9619FE2}"/>
-              </a:ext>
-            </a:extLst>
-          </p:cNvPr>
-          <p:cNvPicPr>
-            <a:picLocks noChangeAspect="1"/>
-          </p:cNvPicPr>
-          <p:nvPr/>
-        </p:nvPicPr>
-        <p:blipFill>
-          <a:blip r:embed="rId3"/>
-          <a:stretch>
-            <a:fillRect/>
-          </a:stretch>
-        </p:blipFill>
-        <p:spPr>
-          <a:xfrm>
-            <a:off x="493913" y="625138"/>
-            <a:ext cx="2725782" cy="1480129"/>
-          </a:xfrm>
-          <a:prstGeom prst="rect">
-            <a:avLst/>
-          </a:prstGeom>
-        </p:spPr>
-      </p:pic>
-      <p:pic>
-        <p:nvPicPr>
-          <p:cNvPr id="9" name="Afbeelding 8">
-            <a:extLst>
-              <a:ext uri="{FF2B5EF4-FFF2-40B4-BE49-F238E27FC236}">
-                <a16:creationId xmlns:a16="http://schemas.microsoft.com/office/drawing/2014/main" id="{30A86DF7-EA50-4DD9-B977-3B0D2B619490}"/>
-              </a:ext>
-            </a:extLst>
-          </p:cNvPr>
-          <p:cNvPicPr>
-            <a:picLocks noChangeAspect="1"/>
-          </p:cNvPicPr>
-          <p:nvPr/>
-        </p:nvPicPr>
-        <p:blipFill>
-          <a:blip r:embed="rId4"/>
-          <a:stretch>
-            <a:fillRect/>
-          </a:stretch>
-        </p:blipFill>
-        <p:spPr>
-          <a:xfrm>
-            <a:off x="6816080" y="4030066"/>
-            <a:ext cx="5340526" cy="2552565"/>
-          </a:xfrm>
-          <a:prstGeom prst="rect">
-            <a:avLst/>
-          </a:prstGeom>
-        </p:spPr>
-      </p:pic>
-      <p:pic>
-        <p:nvPicPr>
-          <p:cNvPr id="6" name="Afbeelding 5">
-            <a:extLst>
-              <a:ext uri="{FF2B5EF4-FFF2-40B4-BE49-F238E27FC236}">
-                <a16:creationId xmlns:a16="http://schemas.microsoft.com/office/drawing/2014/main" id="{F4135EAE-8940-49C3-92B1-DE226574D771}"/>
-              </a:ext>
-            </a:extLst>
-          </p:cNvPr>
-          <p:cNvPicPr>
-            <a:picLocks noChangeAspect="1"/>
-          </p:cNvPicPr>
-          <p:nvPr/>
-        </p:nvPicPr>
-        <p:blipFill>
-          <a:blip r:embed="rId5"/>
-          <a:stretch>
-            <a:fillRect/>
-          </a:stretch>
-        </p:blipFill>
-        <p:spPr>
-          <a:xfrm>
-            <a:off x="4871864" y="516014"/>
-            <a:ext cx="2354667" cy="2984994"/>
-          </a:xfrm>
-          <a:prstGeom prst="rect">
-            <a:avLst/>
-          </a:prstGeom>
-        </p:spPr>
-      </p:pic>
-      <p:pic>
-        <p:nvPicPr>
-          <p:cNvPr id="10" name="Afbeelding 9">
-            <a:extLst>
-              <a:ext uri="{FF2B5EF4-FFF2-40B4-BE49-F238E27FC236}">
-                <a16:creationId xmlns:a16="http://schemas.microsoft.com/office/drawing/2014/main" id="{9AA8E809-F9DF-488C-83EB-79D22CE5CE53}"/>
-              </a:ext>
-            </a:extLst>
-          </p:cNvPr>
-          <p:cNvPicPr>
-            <a:picLocks noChangeAspect="1"/>
-          </p:cNvPicPr>
-          <p:nvPr/>
-        </p:nvPicPr>
-        <p:blipFill>
-          <a:blip r:embed="rId6"/>
-          <a:stretch>
-            <a:fillRect/>
-          </a:stretch>
-        </p:blipFill>
-        <p:spPr>
-          <a:xfrm>
-            <a:off x="7683820" y="908720"/>
-            <a:ext cx="3287127" cy="1292181"/>
+            <a:off x="540000" y="2081875"/>
+            <a:ext cx="11382000" cy="2900675"/>
           </a:xfrm>
           <a:prstGeom prst="rect">
             <a:avLst/>
@@ -9280,7 +9093,7 @@
     </p:spTree>
     <p:extLst>
       <p:ext uri="{BB962C8B-B14F-4D97-AF65-F5344CB8AC3E}">
-        <p14:creationId xmlns:p14="http://schemas.microsoft.com/office/powerpoint/2010/main" val="3591631687"/>
+        <p14:creationId xmlns:p14="http://schemas.microsoft.com/office/powerpoint/2010/main" val="346886031"/>
       </p:ext>
     </p:extLst>
   </p:cSld>
@@ -9320,7 +9133,7 @@
           <p:cNvPr id="4" name="Tijdelijke aanduiding voor dianummer 3">
             <a:extLst>
               <a:ext uri="{FF2B5EF4-FFF2-40B4-BE49-F238E27FC236}">
-                <a16:creationId xmlns:a16="http://schemas.microsoft.com/office/drawing/2014/main" id="{3324A62C-75E2-464B-B294-CD18A9383A22}"/>
+                <a16:creationId xmlns:a16="http://schemas.microsoft.com/office/drawing/2014/main" id="{FF639518-4AC1-4756-A5FD-FEECD1BECC64}"/>
               </a:ext>
             </a:extLst>
           </p:cNvPr>
@@ -9347,10 +9160,10 @@
       </p:sp>
       <p:pic>
         <p:nvPicPr>
-          <p:cNvPr id="6" name="Afbeelding 5">
+          <p:cNvPr id="7" name="Afbeelding 6">
             <a:extLst>
               <a:ext uri="{FF2B5EF4-FFF2-40B4-BE49-F238E27FC236}">
-                <a16:creationId xmlns:a16="http://schemas.microsoft.com/office/drawing/2014/main" id="{2FA17438-47E6-4500-913F-CF0C48F80E56}"/>
+                <a16:creationId xmlns:a16="http://schemas.microsoft.com/office/drawing/2014/main" id="{48FCD688-7397-43D5-A673-9E81B881C97B}"/>
               </a:ext>
             </a:extLst>
           </p:cNvPr>
@@ -9367,8 +9180,128 @@
         </p:blipFill>
         <p:spPr>
           <a:xfrm>
-            <a:off x="1055440" y="476672"/>
-            <a:ext cx="9938826" cy="5898592"/>
+            <a:off x="667853" y="2638583"/>
+            <a:ext cx="3509691" cy="2734634"/>
+          </a:xfrm>
+          <a:prstGeom prst="rect">
+            <a:avLst/>
+          </a:prstGeom>
+        </p:spPr>
+      </p:pic>
+      <p:pic>
+        <p:nvPicPr>
+          <p:cNvPr id="8" name="Afbeelding 7">
+            <a:extLst>
+              <a:ext uri="{FF2B5EF4-FFF2-40B4-BE49-F238E27FC236}">
+                <a16:creationId xmlns:a16="http://schemas.microsoft.com/office/drawing/2014/main" id="{35FC942A-D349-4E14-8212-3BC1C9619FE2}"/>
+              </a:ext>
+            </a:extLst>
+          </p:cNvPr>
+          <p:cNvPicPr>
+            <a:picLocks noChangeAspect="1"/>
+          </p:cNvPicPr>
+          <p:nvPr/>
+        </p:nvPicPr>
+        <p:blipFill>
+          <a:blip r:embed="rId3"/>
+          <a:stretch>
+            <a:fillRect/>
+          </a:stretch>
+        </p:blipFill>
+        <p:spPr>
+          <a:xfrm>
+            <a:off x="493913" y="625138"/>
+            <a:ext cx="2725782" cy="1480129"/>
+          </a:xfrm>
+          <a:prstGeom prst="rect">
+            <a:avLst/>
+          </a:prstGeom>
+        </p:spPr>
+      </p:pic>
+      <p:pic>
+        <p:nvPicPr>
+          <p:cNvPr id="9" name="Afbeelding 8">
+            <a:extLst>
+              <a:ext uri="{FF2B5EF4-FFF2-40B4-BE49-F238E27FC236}">
+                <a16:creationId xmlns:a16="http://schemas.microsoft.com/office/drawing/2014/main" id="{30A86DF7-EA50-4DD9-B977-3B0D2B619490}"/>
+              </a:ext>
+            </a:extLst>
+          </p:cNvPr>
+          <p:cNvPicPr>
+            <a:picLocks noChangeAspect="1"/>
+          </p:cNvPicPr>
+          <p:nvPr/>
+        </p:nvPicPr>
+        <p:blipFill>
+          <a:blip r:embed="rId4"/>
+          <a:stretch>
+            <a:fillRect/>
+          </a:stretch>
+        </p:blipFill>
+        <p:spPr>
+          <a:xfrm>
+            <a:off x="6816080" y="4030066"/>
+            <a:ext cx="5340526" cy="2552565"/>
+          </a:xfrm>
+          <a:prstGeom prst="rect">
+            <a:avLst/>
+          </a:prstGeom>
+        </p:spPr>
+      </p:pic>
+      <p:pic>
+        <p:nvPicPr>
+          <p:cNvPr id="6" name="Afbeelding 5">
+            <a:extLst>
+              <a:ext uri="{FF2B5EF4-FFF2-40B4-BE49-F238E27FC236}">
+                <a16:creationId xmlns:a16="http://schemas.microsoft.com/office/drawing/2014/main" id="{F4135EAE-8940-49C3-92B1-DE226574D771}"/>
+              </a:ext>
+            </a:extLst>
+          </p:cNvPr>
+          <p:cNvPicPr>
+            <a:picLocks noChangeAspect="1"/>
+          </p:cNvPicPr>
+          <p:nvPr/>
+        </p:nvPicPr>
+        <p:blipFill>
+          <a:blip r:embed="rId5"/>
+          <a:stretch>
+            <a:fillRect/>
+          </a:stretch>
+        </p:blipFill>
+        <p:spPr>
+          <a:xfrm>
+            <a:off x="4871864" y="516014"/>
+            <a:ext cx="2354667" cy="2984994"/>
+          </a:xfrm>
+          <a:prstGeom prst="rect">
+            <a:avLst/>
+          </a:prstGeom>
+        </p:spPr>
+      </p:pic>
+      <p:pic>
+        <p:nvPicPr>
+          <p:cNvPr id="10" name="Afbeelding 9">
+            <a:extLst>
+              <a:ext uri="{FF2B5EF4-FFF2-40B4-BE49-F238E27FC236}">
+                <a16:creationId xmlns:a16="http://schemas.microsoft.com/office/drawing/2014/main" id="{9AA8E809-F9DF-488C-83EB-79D22CE5CE53}"/>
+              </a:ext>
+            </a:extLst>
+          </p:cNvPr>
+          <p:cNvPicPr>
+            <a:picLocks noChangeAspect="1"/>
+          </p:cNvPicPr>
+          <p:nvPr/>
+        </p:nvPicPr>
+        <p:blipFill>
+          <a:blip r:embed="rId6"/>
+          <a:stretch>
+            <a:fillRect/>
+          </a:stretch>
+        </p:blipFill>
+        <p:spPr>
+          <a:xfrm>
+            <a:off x="7683820" y="908720"/>
+            <a:ext cx="3287127" cy="1292181"/>
           </a:xfrm>
           <a:prstGeom prst="rect">
             <a:avLst/>
@@ -9378,7 +9311,7 @@
     </p:spTree>
     <p:extLst>
       <p:ext uri="{BB962C8B-B14F-4D97-AF65-F5344CB8AC3E}">
-        <p14:creationId xmlns:p14="http://schemas.microsoft.com/office/powerpoint/2010/main" val="814184074"/>
+        <p14:creationId xmlns:p14="http://schemas.microsoft.com/office/powerpoint/2010/main" val="3591631687"/>
       </p:ext>
     </p:extLst>
   </p:cSld>
@@ -9418,6 +9351,104 @@
           <p:cNvPr id="4" name="Tijdelijke aanduiding voor dianummer 3">
             <a:extLst>
               <a:ext uri="{FF2B5EF4-FFF2-40B4-BE49-F238E27FC236}">
+                <a16:creationId xmlns:a16="http://schemas.microsoft.com/office/drawing/2014/main" id="{3324A62C-75E2-464B-B294-CD18A9383A22}"/>
+              </a:ext>
+            </a:extLst>
+          </p:cNvPr>
+          <p:cNvSpPr>
+            <a:spLocks noGrp="1"/>
+          </p:cNvSpPr>
+          <p:nvPr>
+            <p:ph type="sldNum" sz="quarter" idx="12"/>
+          </p:nvPr>
+        </p:nvSpPr>
+        <p:spPr/>
+        <p:txBody>
+          <a:bodyPr/>
+          <a:lstStyle/>
+          <a:p>
+            <a:fld id="{F35D8031-C8E5-48F8-A3B6-81643B27A3AF}" type="slidenum">
+              <a:rPr lang="nl-BE" smtClean="0"/>
+              <a:pPr/>
+              <a:t>7</a:t>
+            </a:fld>
+            <a:endParaRPr lang="nl-BE" dirty="0"/>
+          </a:p>
+        </p:txBody>
+      </p:sp>
+      <p:pic>
+        <p:nvPicPr>
+          <p:cNvPr id="6" name="Afbeelding 5">
+            <a:extLst>
+              <a:ext uri="{FF2B5EF4-FFF2-40B4-BE49-F238E27FC236}">
+                <a16:creationId xmlns:a16="http://schemas.microsoft.com/office/drawing/2014/main" id="{2FA17438-47E6-4500-913F-CF0C48F80E56}"/>
+              </a:ext>
+            </a:extLst>
+          </p:cNvPr>
+          <p:cNvPicPr>
+            <a:picLocks noChangeAspect="1"/>
+          </p:cNvPicPr>
+          <p:nvPr/>
+        </p:nvPicPr>
+        <p:blipFill>
+          <a:blip r:embed="rId2"/>
+          <a:stretch>
+            <a:fillRect/>
+          </a:stretch>
+        </p:blipFill>
+        <p:spPr>
+          <a:xfrm>
+            <a:off x="1055440" y="476672"/>
+            <a:ext cx="9938826" cy="5898592"/>
+          </a:xfrm>
+          <a:prstGeom prst="rect">
+            <a:avLst/>
+          </a:prstGeom>
+        </p:spPr>
+      </p:pic>
+    </p:spTree>
+    <p:extLst>
+      <p:ext uri="{BB962C8B-B14F-4D97-AF65-F5344CB8AC3E}">
+        <p14:creationId xmlns:p14="http://schemas.microsoft.com/office/powerpoint/2010/main" val="814184074"/>
+      </p:ext>
+    </p:extLst>
+  </p:cSld>
+  <p:clrMapOvr>
+    <a:masterClrMapping/>
+  </p:clrMapOvr>
+</p:sld>
+</file>
+
+<file path=ppt/slides/slide8.xml><?xml version="1.0" encoding="utf-8"?>
+<p:sld xmlns:a="http://schemas.openxmlformats.org/drawingml/2006/main" xmlns:r="http://schemas.openxmlformats.org/officeDocument/2006/relationships" xmlns:p="http://schemas.openxmlformats.org/presentationml/2006/main" showMasterSp="0">
+  <p:cSld>
+    <p:bg>
+      <p:bgPr>
+        <a:solidFill>
+          <a:srgbClr val="262626"/>
+        </a:solidFill>
+        <a:effectLst/>
+      </p:bgPr>
+    </p:bg>
+    <p:spTree>
+      <p:nvGrpSpPr>
+        <p:cNvPr id="1" name=""/>
+        <p:cNvGrpSpPr/>
+        <p:nvPr/>
+      </p:nvGrpSpPr>
+      <p:grpSpPr>
+        <a:xfrm>
+          <a:off x="0" y="0"/>
+          <a:ext cx="0" cy="0"/>
+          <a:chOff x="0" y="0"/>
+          <a:chExt cx="0" cy="0"/>
+        </a:xfrm>
+      </p:grpSpPr>
+      <p:sp>
+        <p:nvSpPr>
+          <p:cNvPr id="4" name="Tijdelijke aanduiding voor dianummer 3">
+            <a:extLst>
+              <a:ext uri="{FF2B5EF4-FFF2-40B4-BE49-F238E27FC236}">
                 <a16:creationId xmlns:a16="http://schemas.microsoft.com/office/drawing/2014/main" id="{FCEC9C8F-DB2E-4984-9A58-2A92BE43401B}"/>
               </a:ext>
             </a:extLst>
@@ -9437,7 +9468,7 @@
             <a:fld id="{F35D8031-C8E5-48F8-A3B6-81643B27A3AF}" type="slidenum">
               <a:rPr lang="nl-BE" smtClean="0"/>
               <a:pPr/>
-              <a:t>7</a:t>
+              <a:t>8</a:t>
             </a:fld>
             <a:endParaRPr lang="nl-BE" dirty="0"/>
           </a:p>
@@ -9533,104 +9564,6 @@
     <p:extLst>
       <p:ext uri="{BB962C8B-B14F-4D97-AF65-F5344CB8AC3E}">
         <p14:creationId xmlns:p14="http://schemas.microsoft.com/office/powerpoint/2010/main" val="2770049197"/>
-      </p:ext>
-    </p:extLst>
-  </p:cSld>
-  <p:clrMapOvr>
-    <a:masterClrMapping/>
-  </p:clrMapOvr>
-</p:sld>
-</file>
-
-<file path=ppt/slides/slide8.xml><?xml version="1.0" encoding="utf-8"?>
-<p:sld xmlns:a="http://schemas.openxmlformats.org/drawingml/2006/main" xmlns:r="http://schemas.openxmlformats.org/officeDocument/2006/relationships" xmlns:p="http://schemas.openxmlformats.org/presentationml/2006/main" showMasterSp="0">
-  <p:cSld>
-    <p:bg>
-      <p:bgPr>
-        <a:solidFill>
-          <a:srgbClr val="272822"/>
-        </a:solidFill>
-        <a:effectLst/>
-      </p:bgPr>
-    </p:bg>
-    <p:spTree>
-      <p:nvGrpSpPr>
-        <p:cNvPr id="1" name=""/>
-        <p:cNvGrpSpPr/>
-        <p:nvPr/>
-      </p:nvGrpSpPr>
-      <p:grpSpPr>
-        <a:xfrm>
-          <a:off x="0" y="0"/>
-          <a:ext cx="0" cy="0"/>
-          <a:chOff x="0" y="0"/>
-          <a:chExt cx="0" cy="0"/>
-        </a:xfrm>
-      </p:grpSpPr>
-      <p:sp>
-        <p:nvSpPr>
-          <p:cNvPr id="4" name="Tijdelijke aanduiding voor dianummer 3">
-            <a:extLst>
-              <a:ext uri="{FF2B5EF4-FFF2-40B4-BE49-F238E27FC236}">
-                <a16:creationId xmlns:a16="http://schemas.microsoft.com/office/drawing/2014/main" id="{C440A0D6-A5B0-4A30-923D-34CCB83953C5}"/>
-              </a:ext>
-            </a:extLst>
-          </p:cNvPr>
-          <p:cNvSpPr>
-            <a:spLocks noGrp="1"/>
-          </p:cNvSpPr>
-          <p:nvPr>
-            <p:ph type="sldNum" sz="quarter" idx="12"/>
-          </p:nvPr>
-        </p:nvSpPr>
-        <p:spPr/>
-        <p:txBody>
-          <a:bodyPr/>
-          <a:lstStyle/>
-          <a:p>
-            <a:fld id="{F35D8031-C8E5-48F8-A3B6-81643B27A3AF}" type="slidenum">
-              <a:rPr lang="nl-BE" smtClean="0"/>
-              <a:pPr/>
-              <a:t>8</a:t>
-            </a:fld>
-            <a:endParaRPr lang="nl-BE" dirty="0"/>
-          </a:p>
-        </p:txBody>
-      </p:sp>
-      <p:pic>
-        <p:nvPicPr>
-          <p:cNvPr id="6" name="Afbeelding 5">
-            <a:extLst>
-              <a:ext uri="{FF2B5EF4-FFF2-40B4-BE49-F238E27FC236}">
-                <a16:creationId xmlns:a16="http://schemas.microsoft.com/office/drawing/2014/main" id="{AEF7C9B1-7216-4257-A4D3-D52800B73733}"/>
-              </a:ext>
-            </a:extLst>
-          </p:cNvPr>
-          <p:cNvPicPr>
-            <a:picLocks noChangeAspect="1"/>
-          </p:cNvPicPr>
-          <p:nvPr/>
-        </p:nvPicPr>
-        <p:blipFill>
-          <a:blip r:embed="rId2"/>
-          <a:stretch>
-            <a:fillRect/>
-          </a:stretch>
-        </p:blipFill>
-        <p:spPr>
-          <a:xfrm>
-            <a:off x="405000" y="1325179"/>
-            <a:ext cx="11652000" cy="4546605"/>
-          </a:xfrm>
-          <a:prstGeom prst="rect">
-            <a:avLst/>
-          </a:prstGeom>
-        </p:spPr>
-      </p:pic>
-    </p:spTree>
-    <p:extLst>
-      <p:ext uri="{BB962C8B-B14F-4D97-AF65-F5344CB8AC3E}">
-        <p14:creationId xmlns:p14="http://schemas.microsoft.com/office/powerpoint/2010/main" val="407016784"/>
       </p:ext>
     </p:extLst>
   </p:cSld>
@@ -9705,7 +9638,7 @@
           <a:p>
             <a:fld id="{D1F088C9-0FC0-440B-8314-5EF9819A24DA}" type="datetime1">
               <a:rPr lang="nl-BE" smtClean="0"/>
-              <a:t>7/03/2019</a:t>
+              <a:t>25/03/2019</a:t>
             </a:fld>
             <a:endParaRPr lang="nl-BE" dirty="0"/>
           </a:p>

--- a/presentation/slides.pptx
+++ b/presentation/slides.pptx
@@ -6,10 +6,10 @@
     <p:sldMasterId id="2147483730" r:id="rId2"/>
   </p:sldMasterIdLst>
   <p:notesMasterIdLst>
-    <p:notesMasterId r:id="rId12"/>
+    <p:notesMasterId r:id="rId16"/>
   </p:notesMasterIdLst>
   <p:handoutMasterIdLst>
-    <p:handoutMasterId r:id="rId13"/>
+    <p:handoutMasterId r:id="rId17"/>
   </p:handoutMasterIdLst>
   <p:sldIdLst>
     <p:sldId id="282" r:id="rId3"/>
@@ -20,7 +20,11 @@
     <p:sldId id="292" r:id="rId8"/>
     <p:sldId id="293" r:id="rId9"/>
     <p:sldId id="294" r:id="rId10"/>
-    <p:sldId id="295" r:id="rId11"/>
+    <p:sldId id="297" r:id="rId11"/>
+    <p:sldId id="298" r:id="rId12"/>
+    <p:sldId id="299" r:id="rId13"/>
+    <p:sldId id="300" r:id="rId14"/>
+    <p:sldId id="301" r:id="rId15"/>
   </p:sldIdLst>
   <p:sldSz cx="12192000" cy="6858000"/>
   <p:notesSz cx="6858000" cy="9144000"/>
@@ -164,6 +168,842 @@
 </p:cmAuthorLst>
 </file>
 
+<file path=ppt/revisionInfo.xml><?xml version="1.0" encoding="utf-8"?>
+<p1510:revInfo xmlns:a="http://schemas.openxmlformats.org/drawingml/2006/main" xmlns:r="http://schemas.openxmlformats.org/officeDocument/2006/relationships" xmlns:p1510="http://schemas.microsoft.com/office/powerpoint/2015/10/main">
+  <p1510:revLst>
+    <p1510:client id="{A9C715DB-1EBC-4EDC-8EF2-5C81401341D9}" v="29" dt="2022-09-27T14:31:28.109"/>
+  </p1510:revLst>
+</p1510:revInfo>
+</file>
+
+<file path=ppt/changesInfos/changesInfo1.xml><?xml version="1.0" encoding="utf-8"?>
+<pc:chgInfo xmlns:a="http://schemas.openxmlformats.org/drawingml/2006/main" xmlns:r="http://schemas.openxmlformats.org/officeDocument/2006/relationships" xmlns:ac="http://schemas.microsoft.com/office/drawing/2013/main/command" xmlns:pc="http://schemas.microsoft.com/office/powerpoint/2013/main/command">
+  <pc:docChgLst>
+    <pc:chgData name="Gilles" userId="90d84f0f-f349-4bb0-9539-68c5fc4b2c17" providerId="ADAL" clId="{A9C715DB-1EBC-4EDC-8EF2-5C81401341D9}"/>
+    <pc:docChg chg="undo custSel addSld delSld modSld">
+      <pc:chgData name="Gilles" userId="90d84f0f-f349-4bb0-9539-68c5fc4b2c17" providerId="ADAL" clId="{A9C715DB-1EBC-4EDC-8EF2-5C81401341D9}" dt="2022-09-27T14:32:39.831" v="605" actId="20577"/>
+      <pc:docMkLst>
+        <pc:docMk/>
+      </pc:docMkLst>
+      <pc:sldChg chg="delSp modSp mod delAnim">
+        <pc:chgData name="Gilles" userId="90d84f0f-f349-4bb0-9539-68c5fc4b2c17" providerId="ADAL" clId="{A9C715DB-1EBC-4EDC-8EF2-5C81401341D9}" dt="2022-09-27T14:08:51.470" v="31" actId="478"/>
+        <pc:sldMkLst>
+          <pc:docMk/>
+          <pc:sldMk cId="3889240153" sldId="282"/>
+        </pc:sldMkLst>
+        <pc:spChg chg="mod">
+          <ac:chgData name="Gilles" userId="90d84f0f-f349-4bb0-9539-68c5fc4b2c17" providerId="ADAL" clId="{A9C715DB-1EBC-4EDC-8EF2-5C81401341D9}" dt="2022-09-27T14:08:37.449" v="22" actId="20577"/>
+          <ac:spMkLst>
+            <pc:docMk/>
+            <pc:sldMk cId="3889240153" sldId="282"/>
+            <ac:spMk id="2" creationId="{00000000-0000-0000-0000-000000000000}"/>
+          </ac:spMkLst>
+        </pc:spChg>
+        <pc:spChg chg="mod">
+          <ac:chgData name="Gilles" userId="90d84f0f-f349-4bb0-9539-68c5fc4b2c17" providerId="ADAL" clId="{A9C715DB-1EBC-4EDC-8EF2-5C81401341D9}" dt="2022-09-27T14:08:47.654" v="30" actId="20577"/>
+          <ac:spMkLst>
+            <pc:docMk/>
+            <pc:sldMk cId="3889240153" sldId="282"/>
+            <ac:spMk id="3" creationId="{00000000-0000-0000-0000-000000000000}"/>
+          </ac:spMkLst>
+        </pc:spChg>
+        <pc:picChg chg="del">
+          <ac:chgData name="Gilles" userId="90d84f0f-f349-4bb0-9539-68c5fc4b2c17" providerId="ADAL" clId="{A9C715DB-1EBC-4EDC-8EF2-5C81401341D9}" dt="2022-09-27T14:08:51.470" v="31" actId="478"/>
+          <ac:picMkLst>
+            <pc:docMk/>
+            <pc:sldMk cId="3889240153" sldId="282"/>
+            <ac:picMk id="4" creationId="{00000000-0000-0000-0000-000000000000}"/>
+          </ac:picMkLst>
+        </pc:picChg>
+        <pc:picChg chg="del">
+          <ac:chgData name="Gilles" userId="90d84f0f-f349-4bb0-9539-68c5fc4b2c17" providerId="ADAL" clId="{A9C715DB-1EBC-4EDC-8EF2-5C81401341D9}" dt="2022-09-27T14:08:51.470" v="31" actId="478"/>
+          <ac:picMkLst>
+            <pc:docMk/>
+            <pc:sldMk cId="3889240153" sldId="282"/>
+            <ac:picMk id="5" creationId="{00000000-0000-0000-0000-000000000000}"/>
+          </ac:picMkLst>
+        </pc:picChg>
+        <pc:picChg chg="del">
+          <ac:chgData name="Gilles" userId="90d84f0f-f349-4bb0-9539-68c5fc4b2c17" providerId="ADAL" clId="{A9C715DB-1EBC-4EDC-8EF2-5C81401341D9}" dt="2022-09-27T14:08:51.470" v="31" actId="478"/>
+          <ac:picMkLst>
+            <pc:docMk/>
+            <pc:sldMk cId="3889240153" sldId="282"/>
+            <ac:picMk id="6" creationId="{00000000-0000-0000-0000-000000000000}"/>
+          </ac:picMkLst>
+        </pc:picChg>
+        <pc:picChg chg="del">
+          <ac:chgData name="Gilles" userId="90d84f0f-f349-4bb0-9539-68c5fc4b2c17" providerId="ADAL" clId="{A9C715DB-1EBC-4EDC-8EF2-5C81401341D9}" dt="2022-09-27T14:08:51.470" v="31" actId="478"/>
+          <ac:picMkLst>
+            <pc:docMk/>
+            <pc:sldMk cId="3889240153" sldId="282"/>
+            <ac:picMk id="7" creationId="{00000000-0000-0000-0000-000000000000}"/>
+          </ac:picMkLst>
+        </pc:picChg>
+        <pc:picChg chg="del">
+          <ac:chgData name="Gilles" userId="90d84f0f-f349-4bb0-9539-68c5fc4b2c17" providerId="ADAL" clId="{A9C715DB-1EBC-4EDC-8EF2-5C81401341D9}" dt="2022-09-27T14:08:51.470" v="31" actId="478"/>
+          <ac:picMkLst>
+            <pc:docMk/>
+            <pc:sldMk cId="3889240153" sldId="282"/>
+            <ac:picMk id="8" creationId="{00000000-0000-0000-0000-000000000000}"/>
+          </ac:picMkLst>
+        </pc:picChg>
+        <pc:picChg chg="del">
+          <ac:chgData name="Gilles" userId="90d84f0f-f349-4bb0-9539-68c5fc4b2c17" providerId="ADAL" clId="{A9C715DB-1EBC-4EDC-8EF2-5C81401341D9}" dt="2022-09-27T14:08:51.470" v="31" actId="478"/>
+          <ac:picMkLst>
+            <pc:docMk/>
+            <pc:sldMk cId="3889240153" sldId="282"/>
+            <ac:picMk id="9" creationId="{00000000-0000-0000-0000-000000000000}"/>
+          </ac:picMkLst>
+        </pc:picChg>
+        <pc:picChg chg="del">
+          <ac:chgData name="Gilles" userId="90d84f0f-f349-4bb0-9539-68c5fc4b2c17" providerId="ADAL" clId="{A9C715DB-1EBC-4EDC-8EF2-5C81401341D9}" dt="2022-09-27T14:08:51.470" v="31" actId="478"/>
+          <ac:picMkLst>
+            <pc:docMk/>
+            <pc:sldMk cId="3889240153" sldId="282"/>
+            <ac:picMk id="11" creationId="{00000000-0000-0000-0000-000000000000}"/>
+          </ac:picMkLst>
+        </pc:picChg>
+        <pc:picChg chg="del">
+          <ac:chgData name="Gilles" userId="90d84f0f-f349-4bb0-9539-68c5fc4b2c17" providerId="ADAL" clId="{A9C715DB-1EBC-4EDC-8EF2-5C81401341D9}" dt="2022-09-27T14:08:51.470" v="31" actId="478"/>
+          <ac:picMkLst>
+            <pc:docMk/>
+            <pc:sldMk cId="3889240153" sldId="282"/>
+            <ac:picMk id="12" creationId="{00000000-0000-0000-0000-000000000000}"/>
+          </ac:picMkLst>
+        </pc:picChg>
+        <pc:picChg chg="del">
+          <ac:chgData name="Gilles" userId="90d84f0f-f349-4bb0-9539-68c5fc4b2c17" providerId="ADAL" clId="{A9C715DB-1EBC-4EDC-8EF2-5C81401341D9}" dt="2022-09-27T14:08:51.470" v="31" actId="478"/>
+          <ac:picMkLst>
+            <pc:docMk/>
+            <pc:sldMk cId="3889240153" sldId="282"/>
+            <ac:picMk id="13" creationId="{00000000-0000-0000-0000-000000000000}"/>
+          </ac:picMkLst>
+        </pc:picChg>
+        <pc:picChg chg="del">
+          <ac:chgData name="Gilles" userId="90d84f0f-f349-4bb0-9539-68c5fc4b2c17" providerId="ADAL" clId="{A9C715DB-1EBC-4EDC-8EF2-5C81401341D9}" dt="2022-09-27T14:08:51.470" v="31" actId="478"/>
+          <ac:picMkLst>
+            <pc:docMk/>
+            <pc:sldMk cId="3889240153" sldId="282"/>
+            <ac:picMk id="15" creationId="{00000000-0000-0000-0000-000000000000}"/>
+          </ac:picMkLst>
+        </pc:picChg>
+        <pc:picChg chg="del">
+          <ac:chgData name="Gilles" userId="90d84f0f-f349-4bb0-9539-68c5fc4b2c17" providerId="ADAL" clId="{A9C715DB-1EBC-4EDC-8EF2-5C81401341D9}" dt="2022-09-27T14:08:51.470" v="31" actId="478"/>
+          <ac:picMkLst>
+            <pc:docMk/>
+            <pc:sldMk cId="3889240153" sldId="282"/>
+            <ac:picMk id="17" creationId="{00000000-0000-0000-0000-000000000000}"/>
+          </ac:picMkLst>
+        </pc:picChg>
+        <pc:picChg chg="del">
+          <ac:chgData name="Gilles" userId="90d84f0f-f349-4bb0-9539-68c5fc4b2c17" providerId="ADAL" clId="{A9C715DB-1EBC-4EDC-8EF2-5C81401341D9}" dt="2022-09-27T14:08:51.470" v="31" actId="478"/>
+          <ac:picMkLst>
+            <pc:docMk/>
+            <pc:sldMk cId="3889240153" sldId="282"/>
+            <ac:picMk id="18" creationId="{00000000-0000-0000-0000-000000000000}"/>
+          </ac:picMkLst>
+        </pc:picChg>
+        <pc:picChg chg="del">
+          <ac:chgData name="Gilles" userId="90d84f0f-f349-4bb0-9539-68c5fc4b2c17" providerId="ADAL" clId="{A9C715DB-1EBC-4EDC-8EF2-5C81401341D9}" dt="2022-09-27T14:08:51.470" v="31" actId="478"/>
+          <ac:picMkLst>
+            <pc:docMk/>
+            <pc:sldMk cId="3889240153" sldId="282"/>
+            <ac:picMk id="20" creationId="{00000000-0000-0000-0000-000000000000}"/>
+          </ac:picMkLst>
+        </pc:picChg>
+        <pc:picChg chg="del">
+          <ac:chgData name="Gilles" userId="90d84f0f-f349-4bb0-9539-68c5fc4b2c17" providerId="ADAL" clId="{A9C715DB-1EBC-4EDC-8EF2-5C81401341D9}" dt="2022-09-27T14:08:51.470" v="31" actId="478"/>
+          <ac:picMkLst>
+            <pc:docMk/>
+            <pc:sldMk cId="3889240153" sldId="282"/>
+            <ac:picMk id="21" creationId="{00000000-0000-0000-0000-000000000000}"/>
+          </ac:picMkLst>
+        </pc:picChg>
+        <pc:picChg chg="del">
+          <ac:chgData name="Gilles" userId="90d84f0f-f349-4bb0-9539-68c5fc4b2c17" providerId="ADAL" clId="{A9C715DB-1EBC-4EDC-8EF2-5C81401341D9}" dt="2022-09-27T14:08:51.470" v="31" actId="478"/>
+          <ac:picMkLst>
+            <pc:docMk/>
+            <pc:sldMk cId="3889240153" sldId="282"/>
+            <ac:picMk id="22" creationId="{00000000-0000-0000-0000-000000000000}"/>
+          </ac:picMkLst>
+        </pc:picChg>
+      </pc:sldChg>
+      <pc:sldChg chg="delSp mod">
+        <pc:chgData name="Gilles" userId="90d84f0f-f349-4bb0-9539-68c5fc4b2c17" providerId="ADAL" clId="{A9C715DB-1EBC-4EDC-8EF2-5C81401341D9}" dt="2022-09-27T14:12:18.277" v="290" actId="478"/>
+        <pc:sldMkLst>
+          <pc:docMk/>
+          <pc:sldMk cId="1526719683" sldId="285"/>
+        </pc:sldMkLst>
+        <pc:spChg chg="del">
+          <ac:chgData name="Gilles" userId="90d84f0f-f349-4bb0-9539-68c5fc4b2c17" providerId="ADAL" clId="{A9C715DB-1EBC-4EDC-8EF2-5C81401341D9}" dt="2022-09-27T14:12:18.277" v="290" actId="478"/>
+          <ac:spMkLst>
+            <pc:docMk/>
+            <pc:sldMk cId="1526719683" sldId="285"/>
+            <ac:spMk id="3" creationId="{00000000-0000-0000-0000-000000000000}"/>
+          </ac:spMkLst>
+        </pc:spChg>
+      </pc:sldChg>
+      <pc:sldChg chg="modSp mod">
+        <pc:chgData name="Gilles" userId="90d84f0f-f349-4bb0-9539-68c5fc4b2c17" providerId="ADAL" clId="{A9C715DB-1EBC-4EDC-8EF2-5C81401341D9}" dt="2022-09-27T14:12:11.098" v="289" actId="6549"/>
+        <pc:sldMkLst>
+          <pc:docMk/>
+          <pc:sldMk cId="4054771280" sldId="289"/>
+        </pc:sldMkLst>
+        <pc:spChg chg="mod">
+          <ac:chgData name="Gilles" userId="90d84f0f-f349-4bb0-9539-68c5fc4b2c17" providerId="ADAL" clId="{A9C715DB-1EBC-4EDC-8EF2-5C81401341D9}" dt="2022-09-27T14:10:49.902" v="287" actId="20577"/>
+          <ac:spMkLst>
+            <pc:docMk/>
+            <pc:sldMk cId="4054771280" sldId="289"/>
+            <ac:spMk id="2" creationId="{851F2A4C-4108-4B50-BA7A-DEAEA770058E}"/>
+          </ac:spMkLst>
+        </pc:spChg>
+        <pc:spChg chg="mod">
+          <ac:chgData name="Gilles" userId="90d84f0f-f349-4bb0-9539-68c5fc4b2c17" providerId="ADAL" clId="{A9C715DB-1EBC-4EDC-8EF2-5C81401341D9}" dt="2022-09-27T14:12:09.984" v="288" actId="6549"/>
+          <ac:spMkLst>
+            <pc:docMk/>
+            <pc:sldMk cId="4054771280" sldId="289"/>
+            <ac:spMk id="10" creationId="{1AF19B0A-494A-46D5-BDA4-D2D6D502BFB1}"/>
+          </ac:spMkLst>
+        </pc:spChg>
+        <pc:spChg chg="mod">
+          <ac:chgData name="Gilles" userId="90d84f0f-f349-4bb0-9539-68c5fc4b2c17" providerId="ADAL" clId="{A9C715DB-1EBC-4EDC-8EF2-5C81401341D9}" dt="2022-09-27T14:12:11.098" v="289" actId="6549"/>
+          <ac:spMkLst>
+            <pc:docMk/>
+            <pc:sldMk cId="4054771280" sldId="289"/>
+            <ac:spMk id="16" creationId="{8A0C5C32-80CB-465C-8FA2-E3027A7CC33E}"/>
+          </ac:spMkLst>
+        </pc:spChg>
+        <pc:spChg chg="mod">
+          <ac:chgData name="Gilles" userId="90d84f0f-f349-4bb0-9539-68c5fc4b2c17" providerId="ADAL" clId="{A9C715DB-1EBC-4EDC-8EF2-5C81401341D9}" dt="2022-09-27T14:09:56.195" v="144" actId="20577"/>
+          <ac:spMkLst>
+            <pc:docMk/>
+            <pc:sldMk cId="4054771280" sldId="289"/>
+            <ac:spMk id="17" creationId="{EF7503DF-59FB-49B6-A858-C460B3C03DEE}"/>
+          </ac:spMkLst>
+        </pc:spChg>
+        <pc:spChg chg="mod">
+          <ac:chgData name="Gilles" userId="90d84f0f-f349-4bb0-9539-68c5fc4b2c17" providerId="ADAL" clId="{A9C715DB-1EBC-4EDC-8EF2-5C81401341D9}" dt="2022-09-27T14:10:07.465" v="170" actId="20577"/>
+          <ac:spMkLst>
+            <pc:docMk/>
+            <pc:sldMk cId="4054771280" sldId="289"/>
+            <ac:spMk id="18" creationId="{11A2D636-005C-4B17-BCD8-B193E674DFE3}"/>
+          </ac:spMkLst>
+        </pc:spChg>
+        <pc:spChg chg="mod">
+          <ac:chgData name="Gilles" userId="90d84f0f-f349-4bb0-9539-68c5fc4b2c17" providerId="ADAL" clId="{A9C715DB-1EBC-4EDC-8EF2-5C81401341D9}" dt="2022-09-27T14:10:12.660" v="191" actId="20577"/>
+          <ac:spMkLst>
+            <pc:docMk/>
+            <pc:sldMk cId="4054771280" sldId="289"/>
+            <ac:spMk id="19" creationId="{9C82F25D-A31E-4A51-BAA2-7A7404520C18}"/>
+          </ac:spMkLst>
+        </pc:spChg>
+        <pc:spChg chg="mod">
+          <ac:chgData name="Gilles" userId="90d84f0f-f349-4bb0-9539-68c5fc4b2c17" providerId="ADAL" clId="{A9C715DB-1EBC-4EDC-8EF2-5C81401341D9}" dt="2022-09-27T14:10:27.220" v="245" actId="20577"/>
+          <ac:spMkLst>
+            <pc:docMk/>
+            <pc:sldMk cId="4054771280" sldId="289"/>
+            <ac:spMk id="20" creationId="{4A97A24B-B517-4AE5-A7B2-30080B4189DB}"/>
+          </ac:spMkLst>
+        </pc:spChg>
+        <pc:spChg chg="mod">
+          <ac:chgData name="Gilles" userId="90d84f0f-f349-4bb0-9539-68c5fc4b2c17" providerId="ADAL" clId="{A9C715DB-1EBC-4EDC-8EF2-5C81401341D9}" dt="2022-09-27T14:10:33.246" v="265" actId="20577"/>
+          <ac:spMkLst>
+            <pc:docMk/>
+            <pc:sldMk cId="4054771280" sldId="289"/>
+            <ac:spMk id="21" creationId="{85010601-79EE-4A74-AA9F-4577699F7D6A}"/>
+          </ac:spMkLst>
+        </pc:spChg>
+      </pc:sldChg>
+      <pc:sldChg chg="del">
+        <pc:chgData name="Gilles" userId="90d84f0f-f349-4bb0-9539-68c5fc4b2c17" providerId="ADAL" clId="{A9C715DB-1EBC-4EDC-8EF2-5C81401341D9}" dt="2022-09-27T14:12:55.421" v="291" actId="47"/>
+        <pc:sldMkLst>
+          <pc:docMk/>
+          <pc:sldMk cId="713254081" sldId="295"/>
+        </pc:sldMkLst>
+      </pc:sldChg>
+      <pc:sldChg chg="addSp delSp modSp new mod">
+        <pc:chgData name="Gilles" userId="90d84f0f-f349-4bb0-9539-68c5fc4b2c17" providerId="ADAL" clId="{A9C715DB-1EBC-4EDC-8EF2-5C81401341D9}" dt="2022-09-27T14:15:55.949" v="343" actId="21"/>
+        <pc:sldMkLst>
+          <pc:docMk/>
+          <pc:sldMk cId="2019430980" sldId="297"/>
+        </pc:sldMkLst>
+        <pc:spChg chg="mod">
+          <ac:chgData name="Gilles" userId="90d84f0f-f349-4bb0-9539-68c5fc4b2c17" providerId="ADAL" clId="{A9C715DB-1EBC-4EDC-8EF2-5C81401341D9}" dt="2022-09-27T14:13:15.432" v="316" actId="20577"/>
+          <ac:spMkLst>
+            <pc:docMk/>
+            <pc:sldMk cId="2019430980" sldId="297"/>
+            <ac:spMk id="2" creationId="{9EA55982-6A49-0C7B-67A8-393E5A2EABAF}"/>
+          </ac:spMkLst>
+        </pc:spChg>
+        <pc:spChg chg="del">
+          <ac:chgData name="Gilles" userId="90d84f0f-f349-4bb0-9539-68c5fc4b2c17" providerId="ADAL" clId="{A9C715DB-1EBC-4EDC-8EF2-5C81401341D9}" dt="2022-09-27T14:14:05.236" v="318" actId="478"/>
+          <ac:spMkLst>
+            <pc:docMk/>
+            <pc:sldMk cId="2019430980" sldId="297"/>
+            <ac:spMk id="5" creationId="{C7E4808E-92D5-15C9-24A3-D2A6D8C36D55}"/>
+          </ac:spMkLst>
+        </pc:spChg>
+        <pc:spChg chg="add mod">
+          <ac:chgData name="Gilles" userId="90d84f0f-f349-4bb0-9539-68c5fc4b2c17" providerId="ADAL" clId="{A9C715DB-1EBC-4EDC-8EF2-5C81401341D9}" dt="2022-09-27T14:14:02.920" v="317"/>
+          <ac:spMkLst>
+            <pc:docMk/>
+            <pc:sldMk cId="2019430980" sldId="297"/>
+            <ac:spMk id="7" creationId="{CBE42F95-4511-B8B5-D152-86AA94812B21}"/>
+          </ac:spMkLst>
+        </pc:spChg>
+        <pc:spChg chg="add mod">
+          <ac:chgData name="Gilles" userId="90d84f0f-f349-4bb0-9539-68c5fc4b2c17" providerId="ADAL" clId="{A9C715DB-1EBC-4EDC-8EF2-5C81401341D9}" dt="2022-09-27T14:14:02.920" v="317"/>
+          <ac:spMkLst>
+            <pc:docMk/>
+            <pc:sldMk cId="2019430980" sldId="297"/>
+            <ac:spMk id="8" creationId="{11D6C0CA-E6A7-AC67-113B-26ACEB92D24A}"/>
+          </ac:spMkLst>
+        </pc:spChg>
+        <pc:spChg chg="add mod">
+          <ac:chgData name="Gilles" userId="90d84f0f-f349-4bb0-9539-68c5fc4b2c17" providerId="ADAL" clId="{A9C715DB-1EBC-4EDC-8EF2-5C81401341D9}" dt="2022-09-27T14:14:02.920" v="317"/>
+          <ac:spMkLst>
+            <pc:docMk/>
+            <pc:sldMk cId="2019430980" sldId="297"/>
+            <ac:spMk id="9" creationId="{697C8F4F-250E-4051-0A94-5B8A2BB279C4}"/>
+          </ac:spMkLst>
+        </pc:spChg>
+        <pc:spChg chg="add mod">
+          <ac:chgData name="Gilles" userId="90d84f0f-f349-4bb0-9539-68c5fc4b2c17" providerId="ADAL" clId="{A9C715DB-1EBC-4EDC-8EF2-5C81401341D9}" dt="2022-09-27T14:14:02.920" v="317"/>
+          <ac:spMkLst>
+            <pc:docMk/>
+            <pc:sldMk cId="2019430980" sldId="297"/>
+            <ac:spMk id="10" creationId="{2E9BA3F2-4531-EAB0-9D3B-C045C716930E}"/>
+          </ac:spMkLst>
+        </pc:spChg>
+        <pc:spChg chg="add mod">
+          <ac:chgData name="Gilles" userId="90d84f0f-f349-4bb0-9539-68c5fc4b2c17" providerId="ADAL" clId="{A9C715DB-1EBC-4EDC-8EF2-5C81401341D9}" dt="2022-09-27T14:14:02.920" v="317"/>
+          <ac:spMkLst>
+            <pc:docMk/>
+            <pc:sldMk cId="2019430980" sldId="297"/>
+            <ac:spMk id="11" creationId="{8A2C09BA-F746-F9D6-761D-F58EEA877B51}"/>
+          </ac:spMkLst>
+        </pc:spChg>
+        <pc:spChg chg="add mod">
+          <ac:chgData name="Gilles" userId="90d84f0f-f349-4bb0-9539-68c5fc4b2c17" providerId="ADAL" clId="{A9C715DB-1EBC-4EDC-8EF2-5C81401341D9}" dt="2022-09-27T14:14:02.920" v="317"/>
+          <ac:spMkLst>
+            <pc:docMk/>
+            <pc:sldMk cId="2019430980" sldId="297"/>
+            <ac:spMk id="12" creationId="{3F1FAC01-C69A-DD50-10BA-59761DEC53D2}"/>
+          </ac:spMkLst>
+        </pc:spChg>
+        <pc:spChg chg="add mod">
+          <ac:chgData name="Gilles" userId="90d84f0f-f349-4bb0-9539-68c5fc4b2c17" providerId="ADAL" clId="{A9C715DB-1EBC-4EDC-8EF2-5C81401341D9}" dt="2022-09-27T14:14:02.920" v="317"/>
+          <ac:spMkLst>
+            <pc:docMk/>
+            <pc:sldMk cId="2019430980" sldId="297"/>
+            <ac:spMk id="13" creationId="{2FB7625C-6FFD-F993-93D1-B9E46FFED28F}"/>
+          </ac:spMkLst>
+        </pc:spChg>
+        <pc:spChg chg="add mod">
+          <ac:chgData name="Gilles" userId="90d84f0f-f349-4bb0-9539-68c5fc4b2c17" providerId="ADAL" clId="{A9C715DB-1EBC-4EDC-8EF2-5C81401341D9}" dt="2022-09-27T14:14:42.622" v="327" actId="14100"/>
+          <ac:spMkLst>
+            <pc:docMk/>
+            <pc:sldMk cId="2019430980" sldId="297"/>
+            <ac:spMk id="14" creationId="{D72490DE-1CBE-2AB5-41BB-30DABD650596}"/>
+          </ac:spMkLst>
+        </pc:spChg>
+        <pc:spChg chg="add mod">
+          <ac:chgData name="Gilles" userId="90d84f0f-f349-4bb0-9539-68c5fc4b2c17" providerId="ADAL" clId="{A9C715DB-1EBC-4EDC-8EF2-5C81401341D9}" dt="2022-09-27T14:14:36.163" v="326" actId="14100"/>
+          <ac:spMkLst>
+            <pc:docMk/>
+            <pc:sldMk cId="2019430980" sldId="297"/>
+            <ac:spMk id="15" creationId="{379C91B9-2DFE-2ACF-AEA7-4A6588E2418D}"/>
+          </ac:spMkLst>
+        </pc:spChg>
+        <pc:spChg chg="add del mod">
+          <ac:chgData name="Gilles" userId="90d84f0f-f349-4bb0-9539-68c5fc4b2c17" providerId="ADAL" clId="{A9C715DB-1EBC-4EDC-8EF2-5C81401341D9}" dt="2022-09-27T14:15:55.949" v="343" actId="21"/>
+          <ac:spMkLst>
+            <pc:docMk/>
+            <pc:sldMk cId="2019430980" sldId="297"/>
+            <ac:spMk id="16" creationId="{7625460E-56B4-497C-EDDF-93A035A86FFB}"/>
+          </ac:spMkLst>
+        </pc:spChg>
+        <pc:spChg chg="add del mod">
+          <ac:chgData name="Gilles" userId="90d84f0f-f349-4bb0-9539-68c5fc4b2c17" providerId="ADAL" clId="{A9C715DB-1EBC-4EDC-8EF2-5C81401341D9}" dt="2022-09-27T14:15:55.949" v="343" actId="21"/>
+          <ac:spMkLst>
+            <pc:docMk/>
+            <pc:sldMk cId="2019430980" sldId="297"/>
+            <ac:spMk id="17" creationId="{0F17E66C-919C-4E10-3EF2-2A96649B82B1}"/>
+          </ac:spMkLst>
+        </pc:spChg>
+        <pc:spChg chg="add del mod">
+          <ac:chgData name="Gilles" userId="90d84f0f-f349-4bb0-9539-68c5fc4b2c17" providerId="ADAL" clId="{A9C715DB-1EBC-4EDC-8EF2-5C81401341D9}" dt="2022-09-27T14:15:55.949" v="343" actId="21"/>
+          <ac:spMkLst>
+            <pc:docMk/>
+            <pc:sldMk cId="2019430980" sldId="297"/>
+            <ac:spMk id="18" creationId="{00CB306C-FFE2-73A8-728A-01C7DA12502D}"/>
+          </ac:spMkLst>
+        </pc:spChg>
+        <pc:spChg chg="add del mod">
+          <ac:chgData name="Gilles" userId="90d84f0f-f349-4bb0-9539-68c5fc4b2c17" providerId="ADAL" clId="{A9C715DB-1EBC-4EDC-8EF2-5C81401341D9}" dt="2022-09-27T14:15:55.949" v="343" actId="21"/>
+          <ac:spMkLst>
+            <pc:docMk/>
+            <pc:sldMk cId="2019430980" sldId="297"/>
+            <ac:spMk id="19" creationId="{D1716A0C-5ECA-7120-B46B-854D0EEEBBD2}"/>
+          </ac:spMkLst>
+        </pc:spChg>
+        <pc:spChg chg="add del mod">
+          <ac:chgData name="Gilles" userId="90d84f0f-f349-4bb0-9539-68c5fc4b2c17" providerId="ADAL" clId="{A9C715DB-1EBC-4EDC-8EF2-5C81401341D9}" dt="2022-09-27T14:15:52.592" v="342" actId="478"/>
+          <ac:spMkLst>
+            <pc:docMk/>
+            <pc:sldMk cId="2019430980" sldId="297"/>
+            <ac:spMk id="22" creationId="{41243E0E-D520-9ADD-7820-7226CD8E7AC0}"/>
+          </ac:spMkLst>
+        </pc:spChg>
+        <pc:spChg chg="add del mod">
+          <ac:chgData name="Gilles" userId="90d84f0f-f349-4bb0-9539-68c5fc4b2c17" providerId="ADAL" clId="{A9C715DB-1EBC-4EDC-8EF2-5C81401341D9}" dt="2022-09-27T14:15:52.592" v="342" actId="478"/>
+          <ac:spMkLst>
+            <pc:docMk/>
+            <pc:sldMk cId="2019430980" sldId="297"/>
+            <ac:spMk id="23" creationId="{B3E5BDBF-1E0F-BF2D-9662-55AE666436A6}"/>
+          </ac:spMkLst>
+        </pc:spChg>
+        <pc:spChg chg="add del mod">
+          <ac:chgData name="Gilles" userId="90d84f0f-f349-4bb0-9539-68c5fc4b2c17" providerId="ADAL" clId="{A9C715DB-1EBC-4EDC-8EF2-5C81401341D9}" dt="2022-09-27T14:15:52.592" v="342" actId="478"/>
+          <ac:spMkLst>
+            <pc:docMk/>
+            <pc:sldMk cId="2019430980" sldId="297"/>
+            <ac:spMk id="24" creationId="{09B5A298-515A-DCDB-37E8-48EB0F7D73D1}"/>
+          </ac:spMkLst>
+        </pc:spChg>
+        <pc:spChg chg="add del mod">
+          <ac:chgData name="Gilles" userId="90d84f0f-f349-4bb0-9539-68c5fc4b2c17" providerId="ADAL" clId="{A9C715DB-1EBC-4EDC-8EF2-5C81401341D9}" dt="2022-09-27T14:15:52.592" v="342" actId="478"/>
+          <ac:spMkLst>
+            <pc:docMk/>
+            <pc:sldMk cId="2019430980" sldId="297"/>
+            <ac:spMk id="25" creationId="{DD3871C8-D946-18B3-921A-1142AB5DD98B}"/>
+          </ac:spMkLst>
+        </pc:spChg>
+        <pc:picChg chg="add mod">
+          <ac:chgData name="Gilles" userId="90d84f0f-f349-4bb0-9539-68c5fc4b2c17" providerId="ADAL" clId="{A9C715DB-1EBC-4EDC-8EF2-5C81401341D9}" dt="2022-09-27T14:14:02.920" v="317"/>
+          <ac:picMkLst>
+            <pc:docMk/>
+            <pc:sldMk cId="2019430980" sldId="297"/>
+            <ac:picMk id="6" creationId="{A5DEE92E-B6F9-C2F1-4019-31AEE1E2F1E0}"/>
+          </ac:picMkLst>
+        </pc:picChg>
+        <pc:cxnChg chg="add del mod">
+          <ac:chgData name="Gilles" userId="90d84f0f-f349-4bb0-9539-68c5fc4b2c17" providerId="ADAL" clId="{A9C715DB-1EBC-4EDC-8EF2-5C81401341D9}" dt="2022-09-27T14:15:55.949" v="343" actId="21"/>
+          <ac:cxnSpMkLst>
+            <pc:docMk/>
+            <pc:sldMk cId="2019430980" sldId="297"/>
+            <ac:cxnSpMk id="21" creationId="{BACE2338-355B-AF87-8812-D3EA73919D27}"/>
+          </ac:cxnSpMkLst>
+        </pc:cxnChg>
+        <pc:cxnChg chg="add del mod">
+          <ac:chgData name="Gilles" userId="90d84f0f-f349-4bb0-9539-68c5fc4b2c17" providerId="ADAL" clId="{A9C715DB-1EBC-4EDC-8EF2-5C81401341D9}" dt="2022-09-27T14:15:52.592" v="342" actId="478"/>
+          <ac:cxnSpMkLst>
+            <pc:docMk/>
+            <pc:sldMk cId="2019430980" sldId="297"/>
+            <ac:cxnSpMk id="26" creationId="{C1B89804-5D8B-60A4-EA9E-3B84FBEC5691}"/>
+          </ac:cxnSpMkLst>
+        </pc:cxnChg>
+      </pc:sldChg>
+      <pc:sldChg chg="new del">
+        <pc:chgData name="Gilles" userId="90d84f0f-f349-4bb0-9539-68c5fc4b2c17" providerId="ADAL" clId="{A9C715DB-1EBC-4EDC-8EF2-5C81401341D9}" dt="2022-09-27T14:12:59.733" v="294" actId="47"/>
+        <pc:sldMkLst>
+          <pc:docMk/>
+          <pc:sldMk cId="112087315" sldId="298"/>
+        </pc:sldMkLst>
+      </pc:sldChg>
+      <pc:sldChg chg="addSp delSp modSp add mod">
+        <pc:chgData name="Gilles" userId="90d84f0f-f349-4bb0-9539-68c5fc4b2c17" providerId="ADAL" clId="{A9C715DB-1EBC-4EDC-8EF2-5C81401341D9}" dt="2022-09-27T14:16:21.431" v="352" actId="478"/>
+        <pc:sldMkLst>
+          <pc:docMk/>
+          <pc:sldMk cId="421692358" sldId="298"/>
+        </pc:sldMkLst>
+        <pc:spChg chg="add mod">
+          <ac:chgData name="Gilles" userId="90d84f0f-f349-4bb0-9539-68c5fc4b2c17" providerId="ADAL" clId="{A9C715DB-1EBC-4EDC-8EF2-5C81401341D9}" dt="2022-09-27T14:16:00.715" v="346" actId="1076"/>
+          <ac:spMkLst>
+            <pc:docMk/>
+            <pc:sldMk cId="421692358" sldId="298"/>
+            <ac:spMk id="5" creationId="{25086D6E-E7A4-C9DB-16DA-70EE9852A6AA}"/>
+          </ac:spMkLst>
+        </pc:spChg>
+        <pc:spChg chg="add mod">
+          <ac:chgData name="Gilles" userId="90d84f0f-f349-4bb0-9539-68c5fc4b2c17" providerId="ADAL" clId="{A9C715DB-1EBC-4EDC-8EF2-5C81401341D9}" dt="2022-09-27T14:16:00.715" v="346" actId="1076"/>
+          <ac:spMkLst>
+            <pc:docMk/>
+            <pc:sldMk cId="421692358" sldId="298"/>
+            <ac:spMk id="16" creationId="{097DC7C8-2978-B2C5-AB33-716B257AEA45}"/>
+          </ac:spMkLst>
+        </pc:spChg>
+        <pc:spChg chg="add mod">
+          <ac:chgData name="Gilles" userId="90d84f0f-f349-4bb0-9539-68c5fc4b2c17" providerId="ADAL" clId="{A9C715DB-1EBC-4EDC-8EF2-5C81401341D9}" dt="2022-09-27T14:16:00.715" v="346" actId="1076"/>
+          <ac:spMkLst>
+            <pc:docMk/>
+            <pc:sldMk cId="421692358" sldId="298"/>
+            <ac:spMk id="17" creationId="{DCE0C8E4-5837-5332-6264-8E1A01F3E420}"/>
+          </ac:spMkLst>
+        </pc:spChg>
+        <pc:spChg chg="add del mod">
+          <ac:chgData name="Gilles" userId="90d84f0f-f349-4bb0-9539-68c5fc4b2c17" providerId="ADAL" clId="{A9C715DB-1EBC-4EDC-8EF2-5C81401341D9}" dt="2022-09-27T14:16:21.431" v="352" actId="478"/>
+          <ac:spMkLst>
+            <pc:docMk/>
+            <pc:sldMk cId="421692358" sldId="298"/>
+            <ac:spMk id="18" creationId="{279B9576-A645-27F8-E5C7-F44661BE27FC}"/>
+          </ac:spMkLst>
+        </pc:spChg>
+        <pc:cxnChg chg="add mod">
+          <ac:chgData name="Gilles" userId="90d84f0f-f349-4bb0-9539-68c5fc4b2c17" providerId="ADAL" clId="{A9C715DB-1EBC-4EDC-8EF2-5C81401341D9}" dt="2022-09-27T14:16:00.715" v="346" actId="1076"/>
+          <ac:cxnSpMkLst>
+            <pc:docMk/>
+            <pc:sldMk cId="421692358" sldId="298"/>
+            <ac:cxnSpMk id="19" creationId="{7C34CC47-B172-CF57-24F1-3407E1AD7C9E}"/>
+          </ac:cxnSpMkLst>
+        </pc:cxnChg>
+      </pc:sldChg>
+      <pc:sldChg chg="delSp modSp add mod">
+        <pc:chgData name="Gilles" userId="90d84f0f-f349-4bb0-9539-68c5fc4b2c17" providerId="ADAL" clId="{A9C715DB-1EBC-4EDC-8EF2-5C81401341D9}" dt="2022-09-27T14:16:30.253" v="355" actId="207"/>
+        <pc:sldMkLst>
+          <pc:docMk/>
+          <pc:sldMk cId="1861365021" sldId="299"/>
+        </pc:sldMkLst>
+        <pc:spChg chg="mod">
+          <ac:chgData name="Gilles" userId="90d84f0f-f349-4bb0-9539-68c5fc4b2c17" providerId="ADAL" clId="{A9C715DB-1EBC-4EDC-8EF2-5C81401341D9}" dt="2022-09-27T14:16:10.461" v="348" actId="207"/>
+          <ac:spMkLst>
+            <pc:docMk/>
+            <pc:sldMk cId="1861365021" sldId="299"/>
+            <ac:spMk id="5" creationId="{25086D6E-E7A4-C9DB-16DA-70EE9852A6AA}"/>
+          </ac:spMkLst>
+        </pc:spChg>
+        <pc:spChg chg="mod">
+          <ac:chgData name="Gilles" userId="90d84f0f-f349-4bb0-9539-68c5fc4b2c17" providerId="ADAL" clId="{A9C715DB-1EBC-4EDC-8EF2-5C81401341D9}" dt="2022-09-27T14:16:30.253" v="355" actId="207"/>
+          <ac:spMkLst>
+            <pc:docMk/>
+            <pc:sldMk cId="1861365021" sldId="299"/>
+            <ac:spMk id="17" creationId="{DCE0C8E4-5837-5332-6264-8E1A01F3E420}"/>
+          </ac:spMkLst>
+        </pc:spChg>
+        <pc:spChg chg="del">
+          <ac:chgData name="Gilles" userId="90d84f0f-f349-4bb0-9539-68c5fc4b2c17" providerId="ADAL" clId="{A9C715DB-1EBC-4EDC-8EF2-5C81401341D9}" dt="2022-09-27T14:16:18.093" v="351" actId="21"/>
+          <ac:spMkLst>
+            <pc:docMk/>
+            <pc:sldMk cId="1861365021" sldId="299"/>
+            <ac:spMk id="18" creationId="{279B9576-A645-27F8-E5C7-F44661BE27FC}"/>
+          </ac:spMkLst>
+        </pc:spChg>
+        <pc:cxnChg chg="mod">
+          <ac:chgData name="Gilles" userId="90d84f0f-f349-4bb0-9539-68c5fc4b2c17" providerId="ADAL" clId="{A9C715DB-1EBC-4EDC-8EF2-5C81401341D9}" dt="2022-09-27T14:16:16.682" v="350" actId="14100"/>
+          <ac:cxnSpMkLst>
+            <pc:docMk/>
+            <pc:sldMk cId="1861365021" sldId="299"/>
+            <ac:cxnSpMk id="19" creationId="{7C34CC47-B172-CF57-24F1-3407E1AD7C9E}"/>
+          </ac:cxnSpMkLst>
+        </pc:cxnChg>
+      </pc:sldChg>
+      <pc:sldChg chg="addSp modSp add mod">
+        <pc:chgData name="Gilles" userId="90d84f0f-f349-4bb0-9539-68c5fc4b2c17" providerId="ADAL" clId="{A9C715DB-1EBC-4EDC-8EF2-5C81401341D9}" dt="2022-09-27T14:17:03.957" v="361" actId="208"/>
+        <pc:sldMkLst>
+          <pc:docMk/>
+          <pc:sldMk cId="1170055241" sldId="300"/>
+        </pc:sldMkLst>
+        <pc:spChg chg="mod">
+          <ac:chgData name="Gilles" userId="90d84f0f-f349-4bb0-9539-68c5fc4b2c17" providerId="ADAL" clId="{A9C715DB-1EBC-4EDC-8EF2-5C81401341D9}" dt="2022-09-27T14:16:53.917" v="359" actId="207"/>
+          <ac:spMkLst>
+            <pc:docMk/>
+            <pc:sldMk cId="1170055241" sldId="300"/>
+            <ac:spMk id="5" creationId="{25086D6E-E7A4-C9DB-16DA-70EE9852A6AA}"/>
+          </ac:spMkLst>
+        </pc:spChg>
+        <pc:spChg chg="mod">
+          <ac:chgData name="Gilles" userId="90d84f0f-f349-4bb0-9539-68c5fc4b2c17" providerId="ADAL" clId="{A9C715DB-1EBC-4EDC-8EF2-5C81401341D9}" dt="2022-09-27T14:16:59.471" v="360" actId="207"/>
+          <ac:spMkLst>
+            <pc:docMk/>
+            <pc:sldMk cId="1170055241" sldId="300"/>
+            <ac:spMk id="16" creationId="{097DC7C8-2978-B2C5-AB33-716B257AEA45}"/>
+          </ac:spMkLst>
+        </pc:spChg>
+        <pc:spChg chg="mod">
+          <ac:chgData name="Gilles" userId="90d84f0f-f349-4bb0-9539-68c5fc4b2c17" providerId="ADAL" clId="{A9C715DB-1EBC-4EDC-8EF2-5C81401341D9}" dt="2022-09-27T14:16:59.471" v="360" actId="207"/>
+          <ac:spMkLst>
+            <pc:docMk/>
+            <pc:sldMk cId="1170055241" sldId="300"/>
+            <ac:spMk id="17" creationId="{DCE0C8E4-5837-5332-6264-8E1A01F3E420}"/>
+          </ac:spMkLst>
+        </pc:spChg>
+        <pc:cxnChg chg="add mod">
+          <ac:chgData name="Gilles" userId="90d84f0f-f349-4bb0-9539-68c5fc4b2c17" providerId="ADAL" clId="{A9C715DB-1EBC-4EDC-8EF2-5C81401341D9}" dt="2022-09-27T14:17:03.957" v="361" actId="208"/>
+          <ac:cxnSpMkLst>
+            <pc:docMk/>
+            <pc:sldMk cId="1170055241" sldId="300"/>
+            <ac:cxnSpMk id="18" creationId="{6FAEBB8A-5FA4-3964-BFBD-2252CC5F3608}"/>
+          </ac:cxnSpMkLst>
+        </pc:cxnChg>
+        <pc:cxnChg chg="mod">
+          <ac:chgData name="Gilles" userId="90d84f0f-f349-4bb0-9539-68c5fc4b2c17" providerId="ADAL" clId="{A9C715DB-1EBC-4EDC-8EF2-5C81401341D9}" dt="2022-09-27T14:17:03.957" v="361" actId="208"/>
+          <ac:cxnSpMkLst>
+            <pc:docMk/>
+            <pc:sldMk cId="1170055241" sldId="300"/>
+            <ac:cxnSpMk id="19" creationId="{7C34CC47-B172-CF57-24F1-3407E1AD7C9E}"/>
+          </ac:cxnSpMkLst>
+        </pc:cxnChg>
+      </pc:sldChg>
+      <pc:sldChg chg="addSp delSp modSp new mod">
+        <pc:chgData name="Gilles" userId="90d84f0f-f349-4bb0-9539-68c5fc4b2c17" providerId="ADAL" clId="{A9C715DB-1EBC-4EDC-8EF2-5C81401341D9}" dt="2022-09-27T14:32:39.831" v="605" actId="20577"/>
+        <pc:sldMkLst>
+          <pc:docMk/>
+          <pc:sldMk cId="2529858331" sldId="301"/>
+        </pc:sldMkLst>
+        <pc:spChg chg="mod">
+          <ac:chgData name="Gilles" userId="90d84f0f-f349-4bb0-9539-68c5fc4b2c17" providerId="ADAL" clId="{A9C715DB-1EBC-4EDC-8EF2-5C81401341D9}" dt="2022-09-27T14:21:46.896" v="374" actId="20577"/>
+          <ac:spMkLst>
+            <pc:docMk/>
+            <pc:sldMk cId="2529858331" sldId="301"/>
+            <ac:spMk id="2" creationId="{10D9C8E0-91FC-E5EC-7D5F-8F3DD0D8AE7E}"/>
+          </ac:spMkLst>
+        </pc:spChg>
+        <pc:spChg chg="del">
+          <ac:chgData name="Gilles" userId="90d84f0f-f349-4bb0-9539-68c5fc4b2c17" providerId="ADAL" clId="{A9C715DB-1EBC-4EDC-8EF2-5C81401341D9}" dt="2022-09-27T14:24:55.739" v="379" actId="478"/>
+          <ac:spMkLst>
+            <pc:docMk/>
+            <pc:sldMk cId="2529858331" sldId="301"/>
+            <ac:spMk id="5" creationId="{DA83D406-B93C-9C34-4728-65530F649292}"/>
+          </ac:spMkLst>
+        </pc:spChg>
+        <pc:spChg chg="add del mod">
+          <ac:chgData name="Gilles" userId="90d84f0f-f349-4bb0-9539-68c5fc4b2c17" providerId="ADAL" clId="{A9C715DB-1EBC-4EDC-8EF2-5C81401341D9}" dt="2022-09-27T14:25:44.025" v="392" actId="478"/>
+          <ac:spMkLst>
+            <pc:docMk/>
+            <pc:sldMk cId="2529858331" sldId="301"/>
+            <ac:spMk id="8" creationId="{418ED7F9-A6E0-DAA4-2F40-B223A4C5EBB1}"/>
+          </ac:spMkLst>
+        </pc:spChg>
+        <pc:spChg chg="add mod">
+          <ac:chgData name="Gilles" userId="90d84f0f-f349-4bb0-9539-68c5fc4b2c17" providerId="ADAL" clId="{A9C715DB-1EBC-4EDC-8EF2-5C81401341D9}" dt="2022-09-27T14:31:05.014" v="567" actId="1038"/>
+          <ac:spMkLst>
+            <pc:docMk/>
+            <pc:sldMk cId="2529858331" sldId="301"/>
+            <ac:spMk id="9" creationId="{3A30E81A-DA80-4EAB-F9B7-9206EA4163B9}"/>
+          </ac:spMkLst>
+        </pc:spChg>
+        <pc:spChg chg="add mod">
+          <ac:chgData name="Gilles" userId="90d84f0f-f349-4bb0-9539-68c5fc4b2c17" providerId="ADAL" clId="{A9C715DB-1EBC-4EDC-8EF2-5C81401341D9}" dt="2022-09-27T14:31:05.014" v="567" actId="1038"/>
+          <ac:spMkLst>
+            <pc:docMk/>
+            <pc:sldMk cId="2529858331" sldId="301"/>
+            <ac:spMk id="10" creationId="{993C3FF0-041F-1631-55DB-E49C8FE62629}"/>
+          </ac:spMkLst>
+        </pc:spChg>
+        <pc:spChg chg="add mod">
+          <ac:chgData name="Gilles" userId="90d84f0f-f349-4bb0-9539-68c5fc4b2c17" providerId="ADAL" clId="{A9C715DB-1EBC-4EDC-8EF2-5C81401341D9}" dt="2022-09-27T14:31:05.014" v="567" actId="1038"/>
+          <ac:spMkLst>
+            <pc:docMk/>
+            <pc:sldMk cId="2529858331" sldId="301"/>
+            <ac:spMk id="13" creationId="{5BA6FFF1-3017-7762-B645-5204C8C39BC6}"/>
+          </ac:spMkLst>
+        </pc:spChg>
+        <pc:spChg chg="add del mod">
+          <ac:chgData name="Gilles" userId="90d84f0f-f349-4bb0-9539-68c5fc4b2c17" providerId="ADAL" clId="{A9C715DB-1EBC-4EDC-8EF2-5C81401341D9}" dt="2022-09-27T14:25:57.172" v="396" actId="478"/>
+          <ac:spMkLst>
+            <pc:docMk/>
+            <pc:sldMk cId="2529858331" sldId="301"/>
+            <ac:spMk id="14" creationId="{8B3CD907-1787-5525-580B-A12B2D1F8AB3}"/>
+          </ac:spMkLst>
+        </pc:spChg>
+        <pc:spChg chg="add mod">
+          <ac:chgData name="Gilles" userId="90d84f0f-f349-4bb0-9539-68c5fc4b2c17" providerId="ADAL" clId="{A9C715DB-1EBC-4EDC-8EF2-5C81401341D9}" dt="2022-09-27T14:31:05.014" v="567" actId="1038"/>
+          <ac:spMkLst>
+            <pc:docMk/>
+            <pc:sldMk cId="2529858331" sldId="301"/>
+            <ac:spMk id="15" creationId="{B0E6C160-02F2-EFC7-FD9E-994FCF874B8E}"/>
+          </ac:spMkLst>
+        </pc:spChg>
+        <pc:spChg chg="add mod">
+          <ac:chgData name="Gilles" userId="90d84f0f-f349-4bb0-9539-68c5fc4b2c17" providerId="ADAL" clId="{A9C715DB-1EBC-4EDC-8EF2-5C81401341D9}" dt="2022-09-27T14:31:05.014" v="567" actId="1038"/>
+          <ac:spMkLst>
+            <pc:docMk/>
+            <pc:sldMk cId="2529858331" sldId="301"/>
+            <ac:spMk id="16" creationId="{4B2D8261-DBA9-14B1-FF41-0074FB4E9387}"/>
+          </ac:spMkLst>
+        </pc:spChg>
+        <pc:spChg chg="add mod">
+          <ac:chgData name="Gilles" userId="90d84f0f-f349-4bb0-9539-68c5fc4b2c17" providerId="ADAL" clId="{A9C715DB-1EBC-4EDC-8EF2-5C81401341D9}" dt="2022-09-27T14:31:05.014" v="567" actId="1038"/>
+          <ac:spMkLst>
+            <pc:docMk/>
+            <pc:sldMk cId="2529858331" sldId="301"/>
+            <ac:spMk id="17" creationId="{F96A8CCD-47BC-5E24-8666-3B738EA333BE}"/>
+          </ac:spMkLst>
+        </pc:spChg>
+        <pc:spChg chg="add del mod">
+          <ac:chgData name="Gilles" userId="90d84f0f-f349-4bb0-9539-68c5fc4b2c17" providerId="ADAL" clId="{A9C715DB-1EBC-4EDC-8EF2-5C81401341D9}" dt="2022-09-27T14:30:56.064" v="543" actId="478"/>
+          <ac:spMkLst>
+            <pc:docMk/>
+            <pc:sldMk cId="2529858331" sldId="301"/>
+            <ac:spMk id="18" creationId="{A5293183-2D24-1126-AD72-F94A0D2455B0}"/>
+          </ac:spMkLst>
+        </pc:spChg>
+        <pc:spChg chg="add del mod">
+          <ac:chgData name="Gilles" userId="90d84f0f-f349-4bb0-9539-68c5fc4b2c17" providerId="ADAL" clId="{A9C715DB-1EBC-4EDC-8EF2-5C81401341D9}" dt="2022-09-27T14:30:55.314" v="542" actId="478"/>
+          <ac:spMkLst>
+            <pc:docMk/>
+            <pc:sldMk cId="2529858331" sldId="301"/>
+            <ac:spMk id="19" creationId="{9047D5B8-39E0-1192-10F3-DE09F84359F2}"/>
+          </ac:spMkLst>
+        </pc:spChg>
+        <pc:spChg chg="add mod">
+          <ac:chgData name="Gilles" userId="90d84f0f-f349-4bb0-9539-68c5fc4b2c17" providerId="ADAL" clId="{A9C715DB-1EBC-4EDC-8EF2-5C81401341D9}" dt="2022-09-27T14:31:20.637" v="570" actId="555"/>
+          <ac:spMkLst>
+            <pc:docMk/>
+            <pc:sldMk cId="2529858331" sldId="301"/>
+            <ac:spMk id="20" creationId="{74CA381C-5730-2AB8-6331-84C73FE4225B}"/>
+          </ac:spMkLst>
+        </pc:spChg>
+        <pc:spChg chg="add mod">
+          <ac:chgData name="Gilles" userId="90d84f0f-f349-4bb0-9539-68c5fc4b2c17" providerId="ADAL" clId="{A9C715DB-1EBC-4EDC-8EF2-5C81401341D9}" dt="2022-09-27T14:32:39.831" v="605" actId="20577"/>
+          <ac:spMkLst>
+            <pc:docMk/>
+            <pc:sldMk cId="2529858331" sldId="301"/>
+            <ac:spMk id="21" creationId="{FC0371C1-233F-C9E4-B071-793E97E63009}"/>
+          </ac:spMkLst>
+        </pc:spChg>
+        <pc:spChg chg="add mod">
+          <ac:chgData name="Gilles" userId="90d84f0f-f349-4bb0-9539-68c5fc4b2c17" providerId="ADAL" clId="{A9C715DB-1EBC-4EDC-8EF2-5C81401341D9}" dt="2022-09-27T14:31:20.637" v="570" actId="555"/>
+          <ac:spMkLst>
+            <pc:docMk/>
+            <pc:sldMk cId="2529858331" sldId="301"/>
+            <ac:spMk id="22" creationId="{21D0F762-7F2E-9BE8-A181-3351DBE0AEDC}"/>
+          </ac:spMkLst>
+        </pc:spChg>
+        <pc:spChg chg="add mod">
+          <ac:chgData name="Gilles" userId="90d84f0f-f349-4bb0-9539-68c5fc4b2c17" providerId="ADAL" clId="{A9C715DB-1EBC-4EDC-8EF2-5C81401341D9}" dt="2022-09-27T14:32:04.455" v="595" actId="20577"/>
+          <ac:spMkLst>
+            <pc:docMk/>
+            <pc:sldMk cId="2529858331" sldId="301"/>
+            <ac:spMk id="38" creationId="{65921716-A323-1E9D-8D5C-60105685D98A}"/>
+          </ac:spMkLst>
+        </pc:spChg>
+        <pc:spChg chg="add mod">
+          <ac:chgData name="Gilles" userId="90d84f0f-f349-4bb0-9539-68c5fc4b2c17" providerId="ADAL" clId="{A9C715DB-1EBC-4EDC-8EF2-5C81401341D9}" dt="2022-09-27T14:31:05.014" v="567" actId="1038"/>
+          <ac:spMkLst>
+            <pc:docMk/>
+            <pc:sldMk cId="2529858331" sldId="301"/>
+            <ac:spMk id="40" creationId="{197BAE4A-77B6-5C1B-4F4E-0FD85CFBA031}"/>
+          </ac:spMkLst>
+        </pc:spChg>
+        <pc:spChg chg="add mod">
+          <ac:chgData name="Gilles" userId="90d84f0f-f349-4bb0-9539-68c5fc4b2c17" providerId="ADAL" clId="{A9C715DB-1EBC-4EDC-8EF2-5C81401341D9}" dt="2022-09-27T14:31:36.353" v="590" actId="20577"/>
+          <ac:spMkLst>
+            <pc:docMk/>
+            <pc:sldMk cId="2529858331" sldId="301"/>
+            <ac:spMk id="43" creationId="{FCB52EBE-37C6-DDC6-ABE5-4C737DBF3FD9}"/>
+          </ac:spMkLst>
+        </pc:spChg>
+        <pc:picChg chg="add del mod">
+          <ac:chgData name="Gilles" userId="90d84f0f-f349-4bb0-9539-68c5fc4b2c17" providerId="ADAL" clId="{A9C715DB-1EBC-4EDC-8EF2-5C81401341D9}" dt="2022-09-27T14:32:22.961" v="596" actId="478"/>
+          <ac:picMkLst>
+            <pc:docMk/>
+            <pc:sldMk cId="2529858331" sldId="301"/>
+            <ac:picMk id="7" creationId="{9193516D-26D5-1927-F6B3-26772E98786A}"/>
+          </ac:picMkLst>
+        </pc:picChg>
+        <pc:cxnChg chg="add mod ord">
+          <ac:chgData name="Gilles" userId="90d84f0f-f349-4bb0-9539-68c5fc4b2c17" providerId="ADAL" clId="{A9C715DB-1EBC-4EDC-8EF2-5C81401341D9}" dt="2022-09-27T14:31:05.014" v="567" actId="1038"/>
+          <ac:cxnSpMkLst>
+            <pc:docMk/>
+            <pc:sldMk cId="2529858331" sldId="301"/>
+            <ac:cxnSpMk id="12" creationId="{05EF5605-5F50-B26E-C586-A912D9C1E1DE}"/>
+          </ac:cxnSpMkLst>
+        </pc:cxnChg>
+        <pc:cxnChg chg="add mod">
+          <ac:chgData name="Gilles" userId="90d84f0f-f349-4bb0-9539-68c5fc4b2c17" providerId="ADAL" clId="{A9C715DB-1EBC-4EDC-8EF2-5C81401341D9}" dt="2022-09-27T14:31:05.014" v="567" actId="1038"/>
+          <ac:cxnSpMkLst>
+            <pc:docMk/>
+            <pc:sldMk cId="2529858331" sldId="301"/>
+            <ac:cxnSpMk id="24" creationId="{BC1922FC-0B94-1EA6-2F14-6EB70FD0C5DF}"/>
+          </ac:cxnSpMkLst>
+        </pc:cxnChg>
+        <pc:cxnChg chg="add mod">
+          <ac:chgData name="Gilles" userId="90d84f0f-f349-4bb0-9539-68c5fc4b2c17" providerId="ADAL" clId="{A9C715DB-1EBC-4EDC-8EF2-5C81401341D9}" dt="2022-09-27T14:31:05.014" v="567" actId="1038"/>
+          <ac:cxnSpMkLst>
+            <pc:docMk/>
+            <pc:sldMk cId="2529858331" sldId="301"/>
+            <ac:cxnSpMk id="25" creationId="{1588CA34-02FF-A9B8-AE11-0213CCC2E266}"/>
+          </ac:cxnSpMkLst>
+        </pc:cxnChg>
+        <pc:cxnChg chg="add mod">
+          <ac:chgData name="Gilles" userId="90d84f0f-f349-4bb0-9539-68c5fc4b2c17" providerId="ADAL" clId="{A9C715DB-1EBC-4EDC-8EF2-5C81401341D9}" dt="2022-09-27T14:31:05.014" v="567" actId="1038"/>
+          <ac:cxnSpMkLst>
+            <pc:docMk/>
+            <pc:sldMk cId="2529858331" sldId="301"/>
+            <ac:cxnSpMk id="28" creationId="{6DB465E5-EF14-C26D-D8C0-7EFF9700D6C8}"/>
+          </ac:cxnSpMkLst>
+        </pc:cxnChg>
+        <pc:cxnChg chg="add mod">
+          <ac:chgData name="Gilles" userId="90d84f0f-f349-4bb0-9539-68c5fc4b2c17" providerId="ADAL" clId="{A9C715DB-1EBC-4EDC-8EF2-5C81401341D9}" dt="2022-09-27T14:31:05.014" v="567" actId="1038"/>
+          <ac:cxnSpMkLst>
+            <pc:docMk/>
+            <pc:sldMk cId="2529858331" sldId="301"/>
+            <ac:cxnSpMk id="29" creationId="{52709D63-1649-2B7F-7417-C5DF7AF3D27B}"/>
+          </ac:cxnSpMkLst>
+        </pc:cxnChg>
+        <pc:cxnChg chg="add del mod">
+          <ac:chgData name="Gilles" userId="90d84f0f-f349-4bb0-9539-68c5fc4b2c17" providerId="ADAL" clId="{A9C715DB-1EBC-4EDC-8EF2-5C81401341D9}" dt="2022-09-27T14:28:43.108" v="497" actId="478"/>
+          <ac:cxnSpMkLst>
+            <pc:docMk/>
+            <pc:sldMk cId="2529858331" sldId="301"/>
+            <ac:cxnSpMk id="32" creationId="{51A7D46E-1F6D-DDD9-DE41-A4AD32FB1F6B}"/>
+          </ac:cxnSpMkLst>
+        </pc:cxnChg>
+        <pc:cxnChg chg="add mod">
+          <ac:chgData name="Gilles" userId="90d84f0f-f349-4bb0-9539-68c5fc4b2c17" providerId="ADAL" clId="{A9C715DB-1EBC-4EDC-8EF2-5C81401341D9}" dt="2022-09-27T14:31:05.014" v="567" actId="1038"/>
+          <ac:cxnSpMkLst>
+            <pc:docMk/>
+            <pc:sldMk cId="2529858331" sldId="301"/>
+            <ac:cxnSpMk id="33" creationId="{B39AEA4B-B861-636B-3B59-34E49D164002}"/>
+          </ac:cxnSpMkLst>
+        </pc:cxnChg>
+        <pc:cxnChg chg="add mod">
+          <ac:chgData name="Gilles" userId="90d84f0f-f349-4bb0-9539-68c5fc4b2c17" providerId="ADAL" clId="{A9C715DB-1EBC-4EDC-8EF2-5C81401341D9}" dt="2022-09-27T14:31:05.014" v="567" actId="1038"/>
+          <ac:cxnSpMkLst>
+            <pc:docMk/>
+            <pc:sldMk cId="2529858331" sldId="301"/>
+            <ac:cxnSpMk id="35" creationId="{A1FD05DD-7989-34FF-FB8C-5B832E79BE14}"/>
+          </ac:cxnSpMkLst>
+        </pc:cxnChg>
+        <pc:cxnChg chg="add del mod">
+          <ac:chgData name="Gilles" userId="90d84f0f-f349-4bb0-9539-68c5fc4b2c17" providerId="ADAL" clId="{A9C715DB-1EBC-4EDC-8EF2-5C81401341D9}" dt="2022-09-27T14:30:02.522" v="508" actId="478"/>
+          <ac:cxnSpMkLst>
+            <pc:docMk/>
+            <pc:sldMk cId="2529858331" sldId="301"/>
+            <ac:cxnSpMk id="36" creationId="{14E83A77-BFB6-135D-B3CF-382EDA96AF92}"/>
+          </ac:cxnSpMkLst>
+        </pc:cxnChg>
+        <pc:cxnChg chg="add mod">
+          <ac:chgData name="Gilles" userId="90d84f0f-f349-4bb0-9539-68c5fc4b2c17" providerId="ADAL" clId="{A9C715DB-1EBC-4EDC-8EF2-5C81401341D9}" dt="2022-09-27T14:31:05.014" v="567" actId="1038"/>
+          <ac:cxnSpMkLst>
+            <pc:docMk/>
+            <pc:sldMk cId="2529858331" sldId="301"/>
+            <ac:cxnSpMk id="37" creationId="{4BB8B9ED-873B-F033-92C1-7D9AD8ADE83D}"/>
+          </ac:cxnSpMkLst>
+        </pc:cxnChg>
+        <pc:cxnChg chg="add mod">
+          <ac:chgData name="Gilles" userId="90d84f0f-f349-4bb0-9539-68c5fc4b2c17" providerId="ADAL" clId="{A9C715DB-1EBC-4EDC-8EF2-5C81401341D9}" dt="2022-09-27T14:31:05.014" v="567" actId="1038"/>
+          <ac:cxnSpMkLst>
+            <pc:docMk/>
+            <pc:sldMk cId="2529858331" sldId="301"/>
+            <ac:cxnSpMk id="39" creationId="{458C34B2-8DDA-9046-536C-10209C88E1AC}"/>
+          </ac:cxnSpMkLst>
+        </pc:cxnChg>
+        <pc:cxnChg chg="add mod">
+          <ac:chgData name="Gilles" userId="90d84f0f-f349-4bb0-9539-68c5fc4b2c17" providerId="ADAL" clId="{A9C715DB-1EBC-4EDC-8EF2-5C81401341D9}" dt="2022-09-27T14:31:30.506" v="572" actId="1076"/>
+          <ac:cxnSpMkLst>
+            <pc:docMk/>
+            <pc:sldMk cId="2529858331" sldId="301"/>
+            <ac:cxnSpMk id="42" creationId="{6EBBE4B2-6A10-0ACD-0025-B78D2475B984}"/>
+          </ac:cxnSpMkLst>
+        </pc:cxnChg>
+      </pc:sldChg>
+    </pc:docChg>
+  </pc:docChgLst>
+</pc:chgInfo>
+</file>
+
 <file path=ppt/handoutMasters/handoutMaster1.xml><?xml version="1.0" encoding="utf-8"?>
 <p:handoutMaster xmlns:a="http://schemas.openxmlformats.org/drawingml/2006/main" xmlns:r="http://schemas.openxmlformats.org/officeDocument/2006/relationships" xmlns:p="http://schemas.openxmlformats.org/presentationml/2006/main">
   <p:cSld>
@@ -253,7 +1093,7 @@
                 <a:cs typeface="Arial" pitchFamily="34" charset="0"/>
               </a:rPr>
               <a:pPr/>
-              <a:t>25/03/2019</a:t>
+              <a:t>27/09/2022</a:t>
             </a:fld>
             <a:endParaRPr lang="nl-BE" sz="1000">
               <a:latin typeface="Arial" pitchFamily="34" charset="0"/>
@@ -432,7 +1272,7 @@
             <a:fld id="{7AF0A2F9-EF49-41B3-9E69-7CDBDC14786A}" type="datetimeFigureOut">
               <a:rPr lang="nl-BE" smtClean="0"/>
               <a:pPr/>
-              <a:t>25/03/2019</a:t>
+              <a:t>27/09/2022</a:t>
             </a:fld>
             <a:endParaRPr lang="nl-BE"/>
           </a:p>
@@ -792,6 +1632,91 @@
 </p:notes>
 </file>
 
+<file path=ppt/notesSlides/notesSlide2.xml><?xml version="1.0" encoding="utf-8"?>
+<p:notes xmlns:a="http://schemas.openxmlformats.org/drawingml/2006/main" xmlns:r="http://schemas.openxmlformats.org/officeDocument/2006/relationships" xmlns:p="http://schemas.openxmlformats.org/presentationml/2006/main">
+  <p:cSld>
+    <p:spTree>
+      <p:nvGrpSpPr>
+        <p:cNvPr id="1" name=""/>
+        <p:cNvGrpSpPr/>
+        <p:nvPr/>
+      </p:nvGrpSpPr>
+      <p:grpSpPr>
+        <a:xfrm>
+          <a:off x="0" y="0"/>
+          <a:ext cx="0" cy="0"/>
+          <a:chOff x="0" y="0"/>
+          <a:chExt cx="0" cy="0"/>
+        </a:xfrm>
+      </p:grpSpPr>
+      <p:sp>
+        <p:nvSpPr>
+          <p:cNvPr id="2" name="Slide Image Placeholder 1"/>
+          <p:cNvSpPr>
+            <a:spLocks noGrp="1" noRot="1" noChangeAspect="1"/>
+          </p:cNvSpPr>
+          <p:nvPr>
+            <p:ph type="sldImg"/>
+          </p:nvPr>
+        </p:nvSpPr>
+        <p:spPr/>
+      </p:sp>
+      <p:sp>
+        <p:nvSpPr>
+          <p:cNvPr id="3" name="Notes Placeholder 2"/>
+          <p:cNvSpPr>
+            <a:spLocks noGrp="1"/>
+          </p:cNvSpPr>
+          <p:nvPr>
+            <p:ph type="body" idx="1"/>
+          </p:nvPr>
+        </p:nvSpPr>
+        <p:spPr/>
+        <p:txBody>
+          <a:bodyPr/>
+          <a:lstStyle/>
+          <a:p>
+            <a:endParaRPr lang="en-BE" dirty="0"/>
+          </a:p>
+        </p:txBody>
+      </p:sp>
+      <p:sp>
+        <p:nvSpPr>
+          <p:cNvPr id="4" name="Slide Number Placeholder 3"/>
+          <p:cNvSpPr>
+            <a:spLocks noGrp="1"/>
+          </p:cNvSpPr>
+          <p:nvPr>
+            <p:ph type="sldNum" sz="quarter" idx="5"/>
+          </p:nvPr>
+        </p:nvSpPr>
+        <p:spPr/>
+        <p:txBody>
+          <a:bodyPr/>
+          <a:lstStyle/>
+          <a:p>
+            <a:fld id="{17C257C2-8D60-4760-88CB-024AF3EEC641}" type="slidenum">
+              <a:rPr lang="nl-BE" smtClean="0"/>
+              <a:pPr/>
+              <a:t>3</a:t>
+            </a:fld>
+            <a:endParaRPr lang="nl-BE"/>
+          </a:p>
+        </p:txBody>
+      </p:sp>
+    </p:spTree>
+    <p:extLst>
+      <p:ext uri="{BB962C8B-B14F-4D97-AF65-F5344CB8AC3E}">
+        <p14:creationId xmlns:p14="http://schemas.microsoft.com/office/powerpoint/2010/main" val="3356713958"/>
+      </p:ext>
+    </p:extLst>
+  </p:cSld>
+  <p:clrMapOvr>
+    <a:masterClrMapping/>
+  </p:clrMapOvr>
+</p:notes>
+</file>
+
 <file path=ppt/slideLayouts/slideLayout1.xml><?xml version="1.0" encoding="utf-8"?>
 <p:sldLayout xmlns:a="http://schemas.openxmlformats.org/drawingml/2006/main" xmlns:r="http://schemas.openxmlformats.org/officeDocument/2006/relationships" xmlns:p="http://schemas.openxmlformats.org/presentationml/2006/main" showMasterSp="0" preserve="1">
   <p:cSld name="Titeldia">
@@ -1619,7 +2544,7 @@
           <a:p>
             <a:fld id="{A25A1E03-75DD-4733-9EB7-E1B21C513EDE}" type="datetime1">
               <a:rPr lang="nl-BE" smtClean="0"/>
-              <a:t>25/03/2019</a:t>
+              <a:t>27/09/2022</a:t>
             </a:fld>
             <a:endParaRPr lang="nl-BE" dirty="0"/>
           </a:p>
@@ -2288,7 +3213,7 @@
           <a:p>
             <a:fld id="{3B2D1818-9582-4953-B1EE-38B8195A306A}" type="datetime1">
               <a:rPr lang="nl-BE" smtClean="0"/>
-              <a:t>25/03/2019</a:t>
+              <a:t>27/09/2022</a:t>
             </a:fld>
             <a:endParaRPr lang="nl-BE"/>
           </a:p>
@@ -2719,7 +3644,7 @@
           <a:p>
             <a:fld id="{53A16DF1-98C7-44EB-A81C-DD6332C3D0D0}" type="datetime1">
               <a:rPr lang="nl-BE" smtClean="0"/>
-              <a:t>25/03/2019</a:t>
+              <a:t>27/09/2022</a:t>
             </a:fld>
             <a:endParaRPr lang="nl-BE"/>
           </a:p>
@@ -2842,7 +3767,7 @@
           <a:p>
             <a:fld id="{E74E6699-E900-4833-A806-8DC10C961E35}" type="datetime1">
               <a:rPr lang="nl-BE" smtClean="0"/>
-              <a:t>25/03/2019</a:t>
+              <a:t>27/09/2022</a:t>
             </a:fld>
             <a:endParaRPr lang="nl-BE"/>
           </a:p>
@@ -2938,7 +3863,7 @@
           <a:p>
             <a:fld id="{EE9D4C1C-14AC-42EC-86A4-1A1F1C8665A0}" type="datetime1">
               <a:rPr lang="nl-BE" smtClean="0"/>
-              <a:t>25/03/2019</a:t>
+              <a:t>27/09/2022</a:t>
             </a:fld>
             <a:endParaRPr lang="nl-BE"/>
           </a:p>
@@ -3223,7 +4148,7 @@
           <a:p>
             <a:fld id="{841AD2C4-6CDA-4BAF-BCA5-159D526DA322}" type="datetime1">
               <a:rPr lang="nl-BE" smtClean="0"/>
-              <a:t>25/03/2019</a:t>
+              <a:t>27/09/2022</a:t>
             </a:fld>
             <a:endParaRPr lang="nl-BE"/>
           </a:p>
@@ -3536,7 +4461,7 @@
           <a:p>
             <a:fld id="{C099C56F-7887-4E01-83A4-B62C704AF368}" type="datetime1">
               <a:rPr lang="nl-BE" smtClean="0"/>
-              <a:t>25/03/2019</a:t>
+              <a:t>27/09/2022</a:t>
             </a:fld>
             <a:endParaRPr lang="nl-BE" dirty="0"/>
           </a:p>
@@ -3616,7 +4541,7 @@
           <a:p>
             <a:fld id="{D1F088C9-0FC0-440B-8314-5EF9819A24DA}" type="datetime1">
               <a:rPr lang="nl-BE" smtClean="0"/>
-              <a:t>25/03/2019</a:t>
+              <a:t>27/09/2022</a:t>
             </a:fld>
             <a:endParaRPr lang="nl-BE" dirty="0"/>
           </a:p>
@@ -4396,7 +5321,7 @@
           <a:p>
             <a:fld id="{A3DC81F3-DF63-45EB-BC9D-33AF77580B52}" type="datetime1">
               <a:rPr lang="nl-BE" smtClean="0"/>
-              <a:t>25/03/2019</a:t>
+              <a:t>27/09/2022</a:t>
             </a:fld>
             <a:endParaRPr lang="nl-BE"/>
           </a:p>
@@ -4827,7 +5752,7 @@
           <a:p>
             <a:fld id="{06B5AFA0-1713-4D1E-A5CE-7A72D7E34AF2}" type="datetime1">
               <a:rPr lang="nl-BE" smtClean="0"/>
-              <a:t>25/03/2019</a:t>
+              <a:t>27/09/2022</a:t>
             </a:fld>
             <a:endParaRPr lang="nl-BE"/>
           </a:p>
@@ -4950,7 +5875,7 @@
           <a:p>
             <a:fld id="{6AAC73DC-3C0A-4EDD-9DC2-84D707D8214B}" type="datetime1">
               <a:rPr lang="nl-BE" smtClean="0"/>
-              <a:t>25/03/2019</a:t>
+              <a:t>27/09/2022</a:t>
             </a:fld>
             <a:endParaRPr lang="nl-BE"/>
           </a:p>
@@ -5046,7 +5971,7 @@
           <a:p>
             <a:fld id="{E4D22462-08EE-46A5-B614-B58F8B9D7749}" type="datetime1">
               <a:rPr lang="nl-BE" smtClean="0"/>
-              <a:t>25/03/2019</a:t>
+              <a:t>27/09/2022</a:t>
             </a:fld>
             <a:endParaRPr lang="nl-BE"/>
           </a:p>
@@ -5331,7 +6256,7 @@
           <a:p>
             <a:fld id="{612D67E1-890D-490E-BBA5-F7A383241BCC}" type="datetime1">
               <a:rPr lang="nl-BE" smtClean="0"/>
-              <a:t>25/03/2019</a:t>
+              <a:t>27/09/2022</a:t>
             </a:fld>
             <a:endParaRPr lang="nl-BE"/>
           </a:p>
@@ -5596,7 +6521,7 @@
           <a:p>
             <a:fld id="{6535815E-1DF4-4E01-BC2D-31A156755E79}" type="datetime1">
               <a:rPr lang="nl-BE" smtClean="0"/>
-              <a:t>25/03/2019</a:t>
+              <a:t>27/09/2022</a:t>
             </a:fld>
             <a:endParaRPr lang="nl-BE" dirty="0"/>
           </a:p>
@@ -5815,7 +6740,7 @@
           <a:p>
             <a:fld id="{79F43CF7-32C8-44EC-86BF-99A2657BA3D3}" type="datetime1">
               <a:rPr lang="nl-BE" smtClean="0"/>
-              <a:t>25/03/2019</a:t>
+              <a:t>27/09/2022</a:t>
             </a:fld>
             <a:endParaRPr lang="nl-BE" dirty="0"/>
           </a:p>
@@ -6438,7 +7363,7 @@
           <a:p>
             <a:fld id="{FCC81C21-CD04-4C56-8510-F9D751A99BC5}" type="datetime1">
               <a:rPr lang="nl-BE" smtClean="0"/>
-              <a:t>25/03/2019</a:t>
+              <a:t>27/09/2022</a:t>
             </a:fld>
             <a:endParaRPr lang="nl-BE" dirty="0"/>
           </a:p>
@@ -6892,155 +7817,6 @@
           <a:chExt cx="0" cy="0"/>
         </a:xfrm>
       </p:grpSpPr>
-      <p:pic>
-        <p:nvPicPr>
-          <p:cNvPr id="20" name="Afbeelding 19"/>
-          <p:cNvPicPr>
-            <a:picLocks noChangeAspect="1"/>
-          </p:cNvPicPr>
-          <p:nvPr/>
-        </p:nvPicPr>
-        <p:blipFill>
-          <a:blip r:embed="rId3" cstate="print">
-            <a:extLst>
-              <a:ext uri="{28A0092B-C50C-407E-A947-70E740481C1C}">
-                <a14:useLocalDpi xmlns:a14="http://schemas.microsoft.com/office/drawing/2010/main" val="0"/>
-              </a:ext>
-            </a:extLst>
-          </a:blip>
-          <a:stretch>
-            <a:fillRect/>
-          </a:stretch>
-        </p:blipFill>
-        <p:spPr>
-          <a:xfrm>
-            <a:off x="8841981" y="-1571339"/>
-            <a:ext cx="1015037" cy="1015037"/>
-          </a:xfrm>
-          <a:prstGeom prst="rect">
-            <a:avLst/>
-          </a:prstGeom>
-        </p:spPr>
-      </p:pic>
-      <p:pic>
-        <p:nvPicPr>
-          <p:cNvPr id="5" name="Afbeelding 4"/>
-          <p:cNvPicPr>
-            <a:picLocks noChangeAspect="1"/>
-          </p:cNvPicPr>
-          <p:nvPr/>
-        </p:nvPicPr>
-        <p:blipFill>
-          <a:blip r:embed="rId4" cstate="print">
-            <a:extLst>
-              <a:ext uri="{BEBA8EAE-BF5A-486C-A8C5-ECC9F3942E4B}">
-                <a14:imgProps xmlns:a14="http://schemas.microsoft.com/office/drawing/2010/main">
-                  <a14:imgLayer r:embed="rId5">
-                    <a14:imgEffect>
-                      <a14:backgroundRemoval t="10000" b="90000" l="10000" r="90000"/>
-                    </a14:imgEffect>
-                  </a14:imgLayer>
-                </a14:imgProps>
-              </a:ext>
-              <a:ext uri="{28A0092B-C50C-407E-A947-70E740481C1C}">
-                <a14:useLocalDpi xmlns:a14="http://schemas.microsoft.com/office/drawing/2010/main" val="0"/>
-              </a:ext>
-            </a:extLst>
-          </a:blip>
-          <a:stretch>
-            <a:fillRect/>
-          </a:stretch>
-        </p:blipFill>
-        <p:spPr>
-          <a:xfrm>
-            <a:off x="3866905" y="-1800779"/>
-            <a:ext cx="1242681" cy="1242681"/>
-          </a:xfrm>
-          <a:prstGeom prst="rect">
-            <a:avLst/>
-          </a:prstGeom>
-        </p:spPr>
-      </p:pic>
-      <p:pic>
-        <p:nvPicPr>
-          <p:cNvPr id="13" name="Afbeelding 12"/>
-          <p:cNvPicPr>
-            <a:picLocks noChangeAspect="1"/>
-          </p:cNvPicPr>
-          <p:nvPr/>
-        </p:nvPicPr>
-        <p:blipFill>
-          <a:blip r:embed="rId6">
-            <a:extLst>
-              <a:ext uri="{BEBA8EAE-BF5A-486C-A8C5-ECC9F3942E4B}">
-                <a14:imgProps xmlns:a14="http://schemas.microsoft.com/office/drawing/2010/main">
-                  <a14:imgLayer r:embed="rId7">
-                    <a14:imgEffect>
-                      <a14:backgroundRemoval t="10000" b="90000" l="10000" r="90000">
-                        <a14:foregroundMark x1="18994" y1="20567" x2="18994" y2="20567"/>
-                        <a14:foregroundMark x1="57542" y1="20567" x2="57542" y2="20567"/>
-                        <a14:foregroundMark x1="69274" y1="20567" x2="69274" y2="20567"/>
-                        <a14:foregroundMark x1="70391" y1="51773" x2="70391" y2="51773"/>
-                        <a14:foregroundMark x1="63687" y1="56028" x2="63687" y2="56028"/>
-                        <a14:foregroundMark x1="26816" y1="58865" x2="26816" y2="58865"/>
-                        <a14:foregroundMark x1="26816" y1="80142" x2="26816" y2="80142"/>
-                        <a14:foregroundMark x1="48045" y1="80851" x2="48045" y2="80851"/>
-                        <a14:foregroundMark x1="79330" y1="82979" x2="79330" y2="82979"/>
-                        <a14:foregroundMark x1="37989" y1="55319" x2="37989" y2="55319"/>
-                        <a14:backgroundMark x1="44134" y1="53191" x2="44134" y2="53191"/>
-                      </a14:backgroundRemoval>
-                    </a14:imgEffect>
-                  </a14:imgLayer>
-                </a14:imgProps>
-              </a:ext>
-              <a:ext uri="{28A0092B-C50C-407E-A947-70E740481C1C}">
-                <a14:useLocalDpi xmlns:a14="http://schemas.microsoft.com/office/drawing/2010/main" val="0"/>
-              </a:ext>
-            </a:extLst>
-          </a:blip>
-          <a:stretch>
-            <a:fillRect/>
-          </a:stretch>
-        </p:blipFill>
-        <p:spPr>
-          <a:xfrm>
-            <a:off x="3257939" y="-2610369"/>
-            <a:ext cx="776477" cy="611638"/>
-          </a:xfrm>
-          <a:prstGeom prst="rect">
-            <a:avLst/>
-          </a:prstGeom>
-        </p:spPr>
-      </p:pic>
-      <p:pic>
-        <p:nvPicPr>
-          <p:cNvPr id="7" name="Afbeelding 6"/>
-          <p:cNvPicPr>
-            <a:picLocks noChangeAspect="1"/>
-          </p:cNvPicPr>
-          <p:nvPr/>
-        </p:nvPicPr>
-        <p:blipFill rotWithShape="1">
-          <a:blip r:embed="rId8">
-            <a:extLst>
-              <a:ext uri="{28A0092B-C50C-407E-A947-70E740481C1C}">
-                <a14:useLocalDpi xmlns:a14="http://schemas.microsoft.com/office/drawing/2010/main" val="0"/>
-              </a:ext>
-            </a:extLst>
-          </a:blip>
-          <a:srcRect l="23755" t="24184" r="22894" b="23279"/>
-          <a:stretch/>
-        </p:blipFill>
-        <p:spPr>
-          <a:xfrm>
-            <a:off x="6741026" y="-2799095"/>
-            <a:ext cx="1091519" cy="1091517"/>
-          </a:xfrm>
-          <a:prstGeom prst="ellipse">
-            <a:avLst/>
-          </a:prstGeom>
-        </p:spPr>
-      </p:pic>
       <p:sp>
         <p:nvSpPr>
           <p:cNvPr id="2" name="Titel 1"/>
@@ -7067,12 +7843,12 @@
               </a:lnSpc>
             </a:pPr>
             <a:r>
-              <a:rPr lang="en-GB" sz="4800" dirty="0" err="1">
+              <a:rPr lang="en-BE" sz="4800" dirty="0">
                 <a:latin typeface="Open Sans" panose="020B0606030504020204" pitchFamily="34" charset="0"/>
                 <a:ea typeface="Open Sans" panose="020B0606030504020204" pitchFamily="34" charset="0"/>
                 <a:cs typeface="Open Sans" panose="020B0606030504020204" pitchFamily="34" charset="0"/>
               </a:rPr>
-              <a:t>Whireshark</a:t>
+              <a:t>Communication Networks</a:t>
             </a:r>
             <a:br>
               <a:rPr lang="nl-NL" sz="3200" dirty="0">
@@ -7081,48 +7857,6 @@
                 <a:cs typeface="Open Sans" panose="020B0606030504020204" pitchFamily="34" charset="0"/>
               </a:rPr>
             </a:br>
-            <a:r>
-              <a:rPr lang="en-US" sz="2800" dirty="0" err="1">
-                <a:solidFill>
-                  <a:schemeClr val="accent3">
-                    <a:lumMod val="40000"/>
-                    <a:lumOff val="60000"/>
-                  </a:schemeClr>
-                </a:solidFill>
-                <a:latin typeface="Open Sans" panose="020B0606030504020204" pitchFamily="34" charset="0"/>
-                <a:ea typeface="Open Sans" panose="020B0606030504020204" pitchFamily="34" charset="0"/>
-                <a:cs typeface="Open Sans" panose="020B0606030504020204" pitchFamily="34" charset="0"/>
-              </a:rPr>
-              <a:t>Inleiding</a:t>
-            </a:r>
-            <a:r>
-              <a:rPr lang="en-US" sz="2800" dirty="0">
-                <a:solidFill>
-                  <a:schemeClr val="accent3">
-                    <a:lumMod val="40000"/>
-                    <a:lumOff val="60000"/>
-                  </a:schemeClr>
-                </a:solidFill>
-                <a:latin typeface="Open Sans" panose="020B0606030504020204" pitchFamily="34" charset="0"/>
-                <a:ea typeface="Open Sans" panose="020B0606030504020204" pitchFamily="34" charset="0"/>
-                <a:cs typeface="Open Sans" panose="020B0606030504020204" pitchFamily="34" charset="0"/>
-              </a:rPr>
-              <a:t> to </a:t>
-            </a:r>
-            <a:r>
-              <a:rPr lang="en-US" sz="2800" dirty="0" err="1">
-                <a:solidFill>
-                  <a:schemeClr val="accent3">
-                    <a:lumMod val="40000"/>
-                    <a:lumOff val="60000"/>
-                  </a:schemeClr>
-                </a:solidFill>
-                <a:latin typeface="Open Sans" panose="020B0606030504020204" pitchFamily="34" charset="0"/>
-                <a:ea typeface="Open Sans" panose="020B0606030504020204" pitchFamily="34" charset="0"/>
-                <a:cs typeface="Open Sans" panose="020B0606030504020204" pitchFamily="34" charset="0"/>
-              </a:rPr>
-              <a:t>computernetwerken</a:t>
-            </a:r>
             <a:endParaRPr lang="en-US" sz="3600" dirty="0">
               <a:solidFill>
                 <a:schemeClr val="accent3">
@@ -7177,415 +7911,77 @@
                   </a:schemeClr>
                 </a:solidFill>
               </a:rPr>
-              <a:t> 	25/03/2019</a:t>
-            </a:r>
+              <a:t> 	</a:t>
+            </a:r>
+            <a:r>
+              <a:rPr lang="en-BE" sz="1600" dirty="0">
+                <a:solidFill>
+                  <a:schemeClr val="accent3">
+                    <a:lumMod val="60000"/>
+                    <a:lumOff val="40000"/>
+                  </a:schemeClr>
+                </a:solidFill>
+              </a:rPr>
+              <a:t>27</a:t>
+            </a:r>
+            <a:r>
+              <a:rPr lang="nl-BE" sz="1600" dirty="0">
+                <a:solidFill>
+                  <a:schemeClr val="accent3">
+                    <a:lumMod val="60000"/>
+                    <a:lumOff val="40000"/>
+                  </a:schemeClr>
+                </a:solidFill>
+              </a:rPr>
+              <a:t>/0</a:t>
+            </a:r>
+            <a:r>
+              <a:rPr lang="en-BE" sz="1600" dirty="0">
+                <a:solidFill>
+                  <a:schemeClr val="accent3">
+                    <a:lumMod val="60000"/>
+                    <a:lumOff val="40000"/>
+                  </a:schemeClr>
+                </a:solidFill>
+              </a:rPr>
+              <a:t>9</a:t>
+            </a:r>
+            <a:r>
+              <a:rPr lang="nl-BE" sz="1600" dirty="0">
+                <a:solidFill>
+                  <a:schemeClr val="accent3">
+                    <a:lumMod val="60000"/>
+                    <a:lumOff val="40000"/>
+                  </a:schemeClr>
+                </a:solidFill>
+              </a:rPr>
+              <a:t>/20</a:t>
+            </a:r>
+            <a:r>
+              <a:rPr lang="en-BE" sz="1600" dirty="0">
+                <a:solidFill>
+                  <a:schemeClr val="accent3">
+                    <a:lumMod val="60000"/>
+                    <a:lumOff val="40000"/>
+                  </a:schemeClr>
+                </a:solidFill>
+              </a:rPr>
+              <a:t>22</a:t>
+            </a:r>
+            <a:endParaRPr lang="nl-BE" sz="1600" dirty="0">
+              <a:solidFill>
+                <a:schemeClr val="accent3">
+                  <a:lumMod val="60000"/>
+                  <a:lumOff val="40000"/>
+                </a:schemeClr>
+              </a:solidFill>
+            </a:endParaRPr>
           </a:p>
           <a:p>
             <a:endParaRPr lang="en-US" dirty="0"/>
           </a:p>
         </p:txBody>
       </p:sp>
-      <p:pic>
-        <p:nvPicPr>
-          <p:cNvPr id="11" name="Afbeelding 10"/>
-          <p:cNvPicPr>
-            <a:picLocks noChangeAspect="1"/>
-          </p:cNvPicPr>
-          <p:nvPr/>
-        </p:nvPicPr>
-        <p:blipFill>
-          <a:blip r:embed="rId9" cstate="print">
-            <a:extLst>
-              <a:ext uri="{28A0092B-C50C-407E-A947-70E740481C1C}">
-                <a14:useLocalDpi xmlns:a14="http://schemas.microsoft.com/office/drawing/2010/main" val="0"/>
-              </a:ext>
-            </a:extLst>
-          </a:blip>
-          <a:stretch>
-            <a:fillRect/>
-          </a:stretch>
-        </p:blipFill>
-        <p:spPr>
-          <a:xfrm>
-            <a:off x="9857018" y="-2645060"/>
-            <a:ext cx="2199710" cy="1356488"/>
-          </a:xfrm>
-          <a:prstGeom prst="rect">
-            <a:avLst/>
-          </a:prstGeom>
-        </p:spPr>
-      </p:pic>
-      <p:pic>
-        <p:nvPicPr>
-          <p:cNvPr id="15" name="Afbeelding 14"/>
-          <p:cNvPicPr>
-            <a:picLocks noChangeAspect="1"/>
-          </p:cNvPicPr>
-          <p:nvPr/>
-        </p:nvPicPr>
-        <p:blipFill>
-          <a:blip r:embed="rId10" cstate="print">
-            <a:extLst>
-              <a:ext uri="{BEBA8EAE-BF5A-486C-A8C5-ECC9F3942E4B}">
-                <a14:imgProps xmlns:a14="http://schemas.microsoft.com/office/drawing/2010/main">
-                  <a14:imgLayer r:embed="rId11">
-                    <a14:imgEffect>
-                      <a14:backgroundRemoval t="4417" b="90000" l="9962" r="89962">
-                        <a14:foregroundMark x1="51711" y1="9417" x2="68593" y2="18667"/>
-                        <a14:foregroundMark x1="55209" y1="24667" x2="55209" y2="24667"/>
-                        <a14:foregroundMark x1="69962" y1="26333" x2="69125" y2="22417"/>
-                        <a14:foregroundMark x1="67376" y1="14667" x2="57643" y2="8333"/>
-                        <a14:foregroundMark x1="39163" y1="27417" x2="45627" y2="26333"/>
-                        <a14:foregroundMark x1="35285" y1="31083" x2="35285" y2="31083"/>
-                        <a14:foregroundMark x1="35285" y1="26500" x2="35285" y2="26500"/>
-                        <a14:foregroundMark x1="35057" y1="31667" x2="34753" y2="32167"/>
-                        <a14:foregroundMark x1="35209" y1="27167" x2="34829" y2="28000"/>
-                        <a14:foregroundMark x1="34601" y1="32583" x2="34601" y2="32583"/>
-                        <a14:foregroundMark x1="34601" y1="28500" x2="34601" y2="28500"/>
-                        <a14:foregroundMark x1="36806" y1="19000" x2="36806" y2="19000"/>
-                        <a14:foregroundMark x1="40760" y1="46083" x2="40837" y2="61167"/>
-                        <a14:foregroundMark x1="19924" y1="48667" x2="20380" y2="62417"/>
-                        <a14:foregroundMark x1="33460" y1="57167" x2="33536" y2="64583"/>
-                        <a14:foregroundMark x1="30266" y1="46833" x2="30114" y2="52500"/>
-                        <a14:foregroundMark x1="14753" y1="43917" x2="14753" y2="75000"/>
-                        <a14:foregroundMark x1="56426" y1="51417" x2="52319" y2="56333"/>
-                        <a14:foregroundMark x1="51255" y1="60583" x2="51027" y2="65333"/>
-                      </a14:backgroundRemoval>
-                    </a14:imgEffect>
-                  </a14:imgLayer>
-                </a14:imgProps>
-              </a:ext>
-              <a:ext uri="{28A0092B-C50C-407E-A947-70E740481C1C}">
-                <a14:useLocalDpi xmlns:a14="http://schemas.microsoft.com/office/drawing/2010/main" val="0"/>
-              </a:ext>
-            </a:extLst>
-          </a:blip>
-          <a:stretch>
-            <a:fillRect/>
-          </a:stretch>
-        </p:blipFill>
-        <p:spPr>
-          <a:xfrm>
-            <a:off x="1644971" y="-2158456"/>
-            <a:ext cx="2131615" cy="1945200"/>
-          </a:xfrm>
-          <a:prstGeom prst="rect">
-            <a:avLst/>
-          </a:prstGeom>
-        </p:spPr>
-      </p:pic>
-      <p:pic>
-        <p:nvPicPr>
-          <p:cNvPr id="17" name="Afbeelding 16"/>
-          <p:cNvPicPr>
-            <a:picLocks noChangeAspect="1"/>
-          </p:cNvPicPr>
-          <p:nvPr/>
-        </p:nvPicPr>
-        <p:blipFill>
-          <a:blip r:embed="rId12" cstate="print">
-            <a:extLst>
-              <a:ext uri="{28A0092B-C50C-407E-A947-70E740481C1C}">
-                <a14:useLocalDpi xmlns:a14="http://schemas.microsoft.com/office/drawing/2010/main" val="0"/>
-              </a:ext>
-            </a:extLst>
-          </a:blip>
-          <a:stretch>
-            <a:fillRect/>
-          </a:stretch>
-        </p:blipFill>
-        <p:spPr>
-          <a:xfrm>
-            <a:off x="338207" y="-2119436"/>
-            <a:ext cx="1026139" cy="1565376"/>
-          </a:xfrm>
-          <a:prstGeom prst="rect">
-            <a:avLst/>
-          </a:prstGeom>
-        </p:spPr>
-      </p:pic>
-      <p:pic>
-        <p:nvPicPr>
-          <p:cNvPr id="18" name="Afbeelding 17"/>
-          <p:cNvPicPr>
-            <a:picLocks noChangeAspect="1"/>
-          </p:cNvPicPr>
-          <p:nvPr/>
-        </p:nvPicPr>
-        <p:blipFill>
-          <a:blip r:embed="rId13" cstate="print">
-            <a:extLst>
-              <a:ext uri="{BEBA8EAE-BF5A-486C-A8C5-ECC9F3942E4B}">
-                <a14:imgProps xmlns:a14="http://schemas.microsoft.com/office/drawing/2010/main">
-                  <a14:imgLayer r:embed="rId14">
-                    <a14:imgEffect>
-                      <a14:backgroundRemoval t="0" b="100000" l="0" r="100000">
-                        <a14:foregroundMark x1="16185" y1="34500" x2="81118" y2="41333"/>
-                        <a14:foregroundMark x1="25626" y1="73833" x2="65703" y2="76667"/>
-                        <a14:foregroundMark x1="75530" y1="18000" x2="33911" y2="43167"/>
-                        <a14:foregroundMark x1="15607" y1="29333" x2="92100" y2="54167"/>
-                        <a14:foregroundMark x1="80539" y1="20667" x2="75915" y2="55333"/>
-                        <a14:foregroundMark x1="66281" y1="20167" x2="61079" y2="46500"/>
-                        <a14:foregroundMark x1="49326" y1="19833" x2="46243" y2="54500"/>
-                        <a14:foregroundMark x1="21773" y1="26833" x2="24277" y2="51500"/>
-                        <a14:foregroundMark x1="60501" y1="12833" x2="63198" y2="57333"/>
-                        <a14:foregroundMark x1="74374" y1="8667" x2="75915" y2="55500"/>
-                        <a14:foregroundMark x1="24277" y1="82667" x2="88632" y2="84000"/>
-                        <a14:foregroundMark x1="75145" y1="76000" x2="28709" y2="65500"/>
-                        <a14:foregroundMark x1="73988" y1="66167" x2="72640" y2="86833"/>
-                      </a14:backgroundRemoval>
-                    </a14:imgEffect>
-                  </a14:imgLayer>
-                </a14:imgProps>
-              </a:ext>
-              <a:ext uri="{28A0092B-C50C-407E-A947-70E740481C1C}">
-                <a14:useLocalDpi xmlns:a14="http://schemas.microsoft.com/office/drawing/2010/main" val="0"/>
-              </a:ext>
-            </a:extLst>
-          </a:blip>
-          <a:stretch>
-            <a:fillRect/>
-          </a:stretch>
-        </p:blipFill>
-        <p:spPr>
-          <a:xfrm>
-            <a:off x="8241573" y="-2554446"/>
-            <a:ext cx="812420" cy="939214"/>
-          </a:xfrm>
-          <a:prstGeom prst="rect">
-            <a:avLst/>
-          </a:prstGeom>
-        </p:spPr>
-      </p:pic>
-      <p:pic>
-        <p:nvPicPr>
-          <p:cNvPr id="21" name="Afbeelding 20"/>
-          <p:cNvPicPr>
-            <a:picLocks noChangeAspect="1"/>
-          </p:cNvPicPr>
-          <p:nvPr/>
-        </p:nvPicPr>
-        <p:blipFill>
-          <a:blip r:embed="rId15">
-            <a:extLst>
-              <a:ext uri="{28A0092B-C50C-407E-A947-70E740481C1C}">
-                <a14:useLocalDpi xmlns:a14="http://schemas.microsoft.com/office/drawing/2010/main" val="0"/>
-              </a:ext>
-            </a:extLst>
-          </a:blip>
-          <a:stretch>
-            <a:fillRect/>
-          </a:stretch>
-        </p:blipFill>
-        <p:spPr>
-          <a:xfrm>
-            <a:off x="1288058" y="-2634618"/>
-            <a:ext cx="1262955" cy="609703"/>
-          </a:xfrm>
-          <a:prstGeom prst="rect">
-            <a:avLst/>
-          </a:prstGeom>
-        </p:spPr>
-      </p:pic>
-      <p:pic>
-        <p:nvPicPr>
-          <p:cNvPr id="4" name="Afbeelding 3"/>
-          <p:cNvPicPr>
-            <a:picLocks noChangeAspect="1"/>
-          </p:cNvPicPr>
-          <p:nvPr/>
-        </p:nvPicPr>
-        <p:blipFill>
-          <a:blip r:embed="rId16" cstate="print">
-            <a:extLst>
-              <a:ext uri="{28A0092B-C50C-407E-A947-70E740481C1C}">
-                <a14:useLocalDpi xmlns:a14="http://schemas.microsoft.com/office/drawing/2010/main" val="0"/>
-              </a:ext>
-            </a:extLst>
-          </a:blip>
-          <a:stretch>
-            <a:fillRect/>
-          </a:stretch>
-        </p:blipFill>
-        <p:spPr>
-          <a:xfrm>
-            <a:off x="1989653" y="-3510326"/>
-            <a:ext cx="1637713" cy="899957"/>
-          </a:xfrm>
-          <a:prstGeom prst="rect">
-            <a:avLst/>
-          </a:prstGeom>
-        </p:spPr>
-      </p:pic>
-      <p:pic>
-        <p:nvPicPr>
-          <p:cNvPr id="6" name="Afbeelding 5"/>
-          <p:cNvPicPr>
-            <a:picLocks noChangeAspect="1"/>
-          </p:cNvPicPr>
-          <p:nvPr/>
-        </p:nvPicPr>
-        <p:blipFill>
-          <a:blip r:embed="rId17" cstate="print">
-            <a:extLst>
-              <a:ext uri="{28A0092B-C50C-407E-A947-70E740481C1C}">
-                <a14:useLocalDpi xmlns:a14="http://schemas.microsoft.com/office/drawing/2010/main" val="0"/>
-              </a:ext>
-            </a:extLst>
-          </a:blip>
-          <a:stretch>
-            <a:fillRect/>
-          </a:stretch>
-        </p:blipFill>
-        <p:spPr>
-          <a:xfrm>
-            <a:off x="10852372" y="-1071491"/>
-            <a:ext cx="831726" cy="854409"/>
-          </a:xfrm>
-          <a:prstGeom prst="rect">
-            <a:avLst/>
-          </a:prstGeom>
-        </p:spPr>
-      </p:pic>
-      <p:pic>
-        <p:nvPicPr>
-          <p:cNvPr id="8" name="Afbeelding 7"/>
-          <p:cNvPicPr>
-            <a:picLocks noChangeAspect="1"/>
-          </p:cNvPicPr>
-          <p:nvPr/>
-        </p:nvPicPr>
-        <p:blipFill>
-          <a:blip r:embed="rId18" cstate="print">
-            <a:extLst>
-              <a:ext uri="{BEBA8EAE-BF5A-486C-A8C5-ECC9F3942E4B}">
-                <a14:imgProps xmlns:a14="http://schemas.microsoft.com/office/drawing/2010/main">
-                  <a14:imgLayer r:embed="rId19">
-                    <a14:imgEffect>
-                      <a14:backgroundRemoval t="0" b="100000" l="0" r="100000">
-                        <a14:foregroundMark x1="35500" y1="59717" x2="30500" y2="37456"/>
-                        <a14:foregroundMark x1="35500" y1="22968" x2="41250" y2="24735"/>
-                        <a14:foregroundMark x1="40500" y1="23322" x2="34750" y2="19081"/>
-                        <a14:foregroundMark x1="43750" y1="44170" x2="42750" y2="41696"/>
-                        <a14:foregroundMark x1="42500" y1="42049" x2="41750" y2="40636"/>
-                        <a14:foregroundMark x1="19750" y1="93286" x2="19250" y2="89046"/>
-                        <a14:foregroundMark x1="31000" y1="88339" x2="44250" y2="88693"/>
-                        <a14:foregroundMark x1="54500" y1="84099" x2="54750" y2="91873"/>
-                        <a14:foregroundMark x1="80250" y1="85159" x2="82500" y2="97173"/>
-                      </a14:backgroundRemoval>
-                    </a14:imgEffect>
-                  </a14:imgLayer>
-                </a14:imgProps>
-              </a:ext>
-              <a:ext uri="{28A0092B-C50C-407E-A947-70E740481C1C}">
-                <a14:useLocalDpi xmlns:a14="http://schemas.microsoft.com/office/drawing/2010/main" val="0"/>
-              </a:ext>
-            </a:extLst>
-          </a:blip>
-          <a:stretch>
-            <a:fillRect/>
-          </a:stretch>
-        </p:blipFill>
-        <p:spPr>
-          <a:xfrm>
-            <a:off x="4068682" y="-3121209"/>
-            <a:ext cx="1040904" cy="736440"/>
-          </a:xfrm>
-          <a:prstGeom prst="rect">
-            <a:avLst/>
-          </a:prstGeom>
-        </p:spPr>
-      </p:pic>
-      <p:pic>
-        <p:nvPicPr>
-          <p:cNvPr id="9" name="Afbeelding 8"/>
-          <p:cNvPicPr>
-            <a:picLocks noChangeAspect="1"/>
-          </p:cNvPicPr>
-          <p:nvPr/>
-        </p:nvPicPr>
-        <p:blipFill>
-          <a:blip r:embed="rId20" cstate="print">
-            <a:extLst>
-              <a:ext uri="{28A0092B-C50C-407E-A947-70E740481C1C}">
-                <a14:useLocalDpi xmlns:a14="http://schemas.microsoft.com/office/drawing/2010/main" val="0"/>
-              </a:ext>
-            </a:extLst>
-          </a:blip>
-          <a:stretch>
-            <a:fillRect/>
-          </a:stretch>
-        </p:blipFill>
-        <p:spPr>
-          <a:xfrm>
-            <a:off x="8073992" y="-3396506"/>
-            <a:ext cx="2551013" cy="295697"/>
-          </a:xfrm>
-          <a:prstGeom prst="rect">
-            <a:avLst/>
-          </a:prstGeom>
-        </p:spPr>
-      </p:pic>
-      <p:pic>
-        <p:nvPicPr>
-          <p:cNvPr id="22" name="Afbeelding 21"/>
-          <p:cNvPicPr>
-            <a:picLocks noChangeAspect="1"/>
-          </p:cNvPicPr>
-          <p:nvPr/>
-        </p:nvPicPr>
-        <p:blipFill>
-          <a:blip r:embed="rId21" cstate="print">
-            <a:extLst>
-              <a:ext uri="{28A0092B-C50C-407E-A947-70E740481C1C}">
-                <a14:useLocalDpi xmlns:a14="http://schemas.microsoft.com/office/drawing/2010/main" val="0"/>
-              </a:ext>
-            </a:extLst>
-          </a:blip>
-          <a:stretch>
-            <a:fillRect/>
-          </a:stretch>
-        </p:blipFill>
-        <p:spPr>
-          <a:xfrm>
-            <a:off x="4832983" y="-2773570"/>
-            <a:ext cx="1723005" cy="1105146"/>
-          </a:xfrm>
-          <a:prstGeom prst="rect">
-            <a:avLst/>
-          </a:prstGeom>
-        </p:spPr>
-      </p:pic>
-      <p:pic>
-        <p:nvPicPr>
-          <p:cNvPr id="12" name="Afbeelding 11"/>
-          <p:cNvPicPr>
-            <a:picLocks noChangeAspect="1"/>
-          </p:cNvPicPr>
-          <p:nvPr/>
-        </p:nvPicPr>
-        <p:blipFill>
-          <a:blip r:embed="rId22" cstate="print">
-            <a:extLst>
-              <a:ext uri="{28A0092B-C50C-407E-A947-70E740481C1C}">
-                <a14:useLocalDpi xmlns:a14="http://schemas.microsoft.com/office/drawing/2010/main" val="0"/>
-              </a:ext>
-            </a:extLst>
-          </a:blip>
-          <a:stretch>
-            <a:fillRect/>
-          </a:stretch>
-        </p:blipFill>
-        <p:spPr>
-          <a:xfrm>
-            <a:off x="5558571" y="-1772279"/>
-            <a:ext cx="3287688" cy="1513019"/>
-          </a:xfrm>
-          <a:prstGeom prst="rect">
-            <a:avLst/>
-          </a:prstGeom>
-        </p:spPr>
-      </p:pic>
     </p:spTree>
     <p:extLst>
       <p:ext uri="{BB962C8B-B14F-4D97-AF65-F5344CB8AC3E}">
@@ -7596,387 +7992,3855 @@
   <p:clrMapOvr>
     <a:masterClrMapping/>
   </p:clrMapOvr>
-  <p:timing>
-    <p:tnLst>
-      <p:par>
-        <p:cTn id="1" dur="indefinite" restart="never" nodeType="tmRoot">
-          <p:childTnLst>
-            <p:seq concurrent="1" nextAc="seek">
-              <p:cTn id="2" dur="indefinite" nodeType="mainSeq">
-                <p:childTnLst>
-                  <p:par>
-                    <p:cTn id="3" fill="hold">
-                      <p:stCondLst>
-                        <p:cond delay="indefinite"/>
-                        <p:cond evt="onBegin" delay="0">
-                          <p:tn val="2"/>
-                        </p:cond>
-                      </p:stCondLst>
-                      <p:childTnLst>
-                        <p:par>
-                          <p:cTn id="4" fill="hold">
-                            <p:stCondLst>
-                              <p:cond delay="0"/>
-                            </p:stCondLst>
-                            <p:childTnLst>
-                              <p:par>
-                                <p:cTn id="5" presetID="42" presetClass="path" presetSubtype="0" accel="50000" fill="hold" nodeType="withEffect">
-                                  <p:stCondLst>
-                                    <p:cond delay="0"/>
-                                  </p:stCondLst>
-                                  <p:childTnLst>
-                                    <p:animMotion origin="layout" path="M -0.00443 -0.13449 L 0.00938 1.325 " pathEditMode="relative" rAng="0" ptsTypes="AA">
-                                      <p:cBhvr>
-                                        <p:cTn id="6" dur="5000" fill="hold"/>
-                                        <p:tgtEl>
-                                          <p:spTgt spid="17"/>
-                                        </p:tgtEl>
-                                        <p:attrNameLst>
-                                          <p:attrName>ppt_x</p:attrName>
-                                          <p:attrName>ppt_y</p:attrName>
-                                        </p:attrNameLst>
-                                      </p:cBhvr>
-                                      <p:rCtr x="690" y="72963"/>
-                                    </p:animMotion>
-                                  </p:childTnLst>
-                                </p:cTn>
-                              </p:par>
-                              <p:par>
-                                <p:cTn id="7" presetID="42" presetClass="path" presetSubtype="0" accel="50000" fill="hold" nodeType="withEffect">
-                                  <p:stCondLst>
-                                    <p:cond delay="0"/>
-                                  </p:stCondLst>
-                                  <p:childTnLst>
-                                    <p:animMotion origin="layout" path="M 0.00013 0.06389 L 0.00013 1.32385 " pathEditMode="relative" rAng="0" ptsTypes="AA">
-                                      <p:cBhvr>
-                                        <p:cTn id="8" dur="3500" fill="hold"/>
-                                        <p:tgtEl>
-                                          <p:spTgt spid="15"/>
-                                        </p:tgtEl>
-                                        <p:attrNameLst>
-                                          <p:attrName>ppt_x</p:attrName>
-                                          <p:attrName>ppt_y</p:attrName>
-                                        </p:attrNameLst>
-                                      </p:cBhvr>
-                                      <p:rCtr x="0" y="62986"/>
-                                    </p:animMotion>
-                                  </p:childTnLst>
-                                </p:cTn>
-                              </p:par>
-                              <p:par>
-                                <p:cTn id="9" presetID="42" presetClass="path" presetSubtype="0" accel="50000" fill="hold" nodeType="withEffect">
-                                  <p:stCondLst>
-                                    <p:cond delay="0"/>
-                                  </p:stCondLst>
-                                  <p:childTnLst>
-                                    <p:animMotion origin="layout" path="M -1.875E-6 -0.1051 L -0.00651 1.41736 " pathEditMode="relative" rAng="0" ptsTypes="AA">
-                                      <p:cBhvr>
-                                        <p:cTn id="10" dur="5000" fill="hold"/>
-                                        <p:tgtEl>
-                                          <p:spTgt spid="21"/>
-                                        </p:tgtEl>
-                                        <p:attrNameLst>
-                                          <p:attrName>ppt_x</p:attrName>
-                                          <p:attrName>ppt_y</p:attrName>
-                                        </p:attrNameLst>
-                                      </p:cBhvr>
-                                      <p:rCtr x="-326" y="76111"/>
-                                    </p:animMotion>
-                                  </p:childTnLst>
-                                </p:cTn>
-                              </p:par>
-                              <p:par>
-                                <p:cTn id="11" presetID="42" presetClass="path" presetSubtype="0" accel="50000" fill="hold" nodeType="withEffect">
-                                  <p:stCondLst>
-                                    <p:cond delay="0"/>
-                                  </p:stCondLst>
-                                  <p:childTnLst>
-                                    <p:animMotion origin="layout" path="M -0.00313 -0.17199 L -0.00313 1.40278 " pathEditMode="relative" rAng="0" ptsTypes="AA">
-                                      <p:cBhvr>
-                                        <p:cTn id="12" dur="6000" fill="hold"/>
-                                        <p:tgtEl>
-                                          <p:spTgt spid="13"/>
-                                        </p:tgtEl>
-                                        <p:attrNameLst>
-                                          <p:attrName>ppt_x</p:attrName>
-                                          <p:attrName>ppt_y</p:attrName>
-                                        </p:attrNameLst>
-                                      </p:cBhvr>
-                                      <p:rCtr x="0" y="78727"/>
-                                    </p:animMotion>
-                                  </p:childTnLst>
-                                </p:cTn>
-                              </p:par>
-                              <p:par>
-                                <p:cTn id="13" presetID="42" presetClass="path" presetSubtype="0" accel="50000" fill="hold" nodeType="withEffect">
-                                  <p:stCondLst>
-                                    <p:cond delay="0"/>
-                                  </p:stCondLst>
-                                  <p:childTnLst>
-                                    <p:animMotion origin="layout" path="M -0.00521 -0.09051 L -0.00391 1.41759 " pathEditMode="relative" rAng="0" ptsTypes="AA">
-                                      <p:cBhvr>
-                                        <p:cTn id="14" dur="5000" fill="hold"/>
-                                        <p:tgtEl>
-                                          <p:spTgt spid="5"/>
-                                        </p:tgtEl>
-                                        <p:attrNameLst>
-                                          <p:attrName>ppt_x</p:attrName>
-                                          <p:attrName>ppt_y</p:attrName>
-                                        </p:attrNameLst>
-                                      </p:cBhvr>
-                                      <p:rCtr x="65" y="75394"/>
-                                    </p:animMotion>
-                                  </p:childTnLst>
-                                </p:cTn>
-                              </p:par>
-                              <p:par>
-                                <p:cTn id="15" presetID="42" presetClass="path" presetSubtype="0" accel="50000" fill="hold" nodeType="withEffect">
-                                  <p:stCondLst>
-                                    <p:cond delay="0"/>
-                                  </p:stCondLst>
-                                  <p:childTnLst>
-                                    <p:animMotion origin="layout" path="M 2.70833E-6 2.59259E-6 L -0.00235 1.44328 " pathEditMode="relative" rAng="0" ptsTypes="AA">
-                                      <p:cBhvr>
-                                        <p:cTn id="16" dur="4000" fill="hold"/>
-                                        <p:tgtEl>
-                                          <p:spTgt spid="22"/>
-                                        </p:tgtEl>
-                                        <p:attrNameLst>
-                                          <p:attrName>ppt_x</p:attrName>
-                                          <p:attrName>ppt_y</p:attrName>
-                                        </p:attrNameLst>
-                                      </p:cBhvr>
-                                      <p:rCtr x="-117" y="72153"/>
-                                    </p:animMotion>
-                                  </p:childTnLst>
-                                </p:cTn>
-                              </p:par>
-                              <p:par>
-                                <p:cTn id="17" presetID="42" presetClass="path" presetSubtype="0" accel="50000" fill="hold" nodeType="withEffect">
-                                  <p:stCondLst>
-                                    <p:cond delay="0"/>
-                                  </p:stCondLst>
-                                  <p:childTnLst>
-                                    <p:animMotion origin="layout" path="M -0.00546 -0.40208 L 0.00391 1.37246 " pathEditMode="relative" rAng="0" ptsTypes="AA">
-                                      <p:cBhvr>
-                                        <p:cTn id="18" dur="4000" fill="hold"/>
-                                        <p:tgtEl>
-                                          <p:spTgt spid="12"/>
-                                        </p:tgtEl>
-                                        <p:attrNameLst>
-                                          <p:attrName>ppt_x</p:attrName>
-                                          <p:attrName>ppt_y</p:attrName>
-                                        </p:attrNameLst>
-                                      </p:cBhvr>
-                                      <p:rCtr x="469" y="88727"/>
-                                    </p:animMotion>
-                                  </p:childTnLst>
-                                </p:cTn>
-                              </p:par>
-                              <p:par>
-                                <p:cTn id="19" presetID="42" presetClass="path" presetSubtype="0" accel="50000" fill="hold" nodeType="withEffect">
-                                  <p:stCondLst>
-                                    <p:cond delay="0"/>
-                                  </p:stCondLst>
-                                  <p:childTnLst>
-                                    <p:animMotion origin="layout" path="M 3.125E-6 2.59259E-6 L 0.00494 1.42153 " pathEditMode="relative" rAng="0" ptsTypes="AA">
-                                      <p:cBhvr>
-                                        <p:cTn id="20" dur="4000" fill="hold"/>
-                                        <p:tgtEl>
-                                          <p:spTgt spid="20"/>
-                                        </p:tgtEl>
-                                        <p:attrNameLst>
-                                          <p:attrName>ppt_x</p:attrName>
-                                          <p:attrName>ppt_y</p:attrName>
-                                        </p:attrNameLst>
-                                      </p:cBhvr>
-                                      <p:rCtr x="247" y="71065"/>
-                                    </p:animMotion>
-                                  </p:childTnLst>
-                                </p:cTn>
-                              </p:par>
-                              <p:par>
-                                <p:cTn id="21" presetID="42" presetClass="path" presetSubtype="0" accel="50000" fill="hold" nodeType="withEffect">
-                                  <p:stCondLst>
-                                    <p:cond delay="0"/>
-                                  </p:stCondLst>
-                                  <p:childTnLst>
-                                    <p:animMotion origin="layout" path="M 0.0056 0.01366 L 0.0125 1.56342 " pathEditMode="relative" rAng="0" ptsTypes="AA">
-                                      <p:cBhvr>
-                                        <p:cTn id="22" dur="6000" fill="hold"/>
-                                        <p:tgtEl>
-                                          <p:spTgt spid="7"/>
-                                        </p:tgtEl>
-                                        <p:attrNameLst>
-                                          <p:attrName>ppt_x</p:attrName>
-                                          <p:attrName>ppt_y</p:attrName>
-                                        </p:attrNameLst>
-                                      </p:cBhvr>
-                                      <p:rCtr x="339" y="77477"/>
-                                    </p:animMotion>
-                                  </p:childTnLst>
-                                </p:cTn>
-                              </p:par>
-                              <p:par>
-                                <p:cTn id="23" presetID="42" presetClass="path" presetSubtype="0" accel="50000" fill="hold" nodeType="withEffect">
-                                  <p:stCondLst>
-                                    <p:cond delay="0"/>
-                                  </p:stCondLst>
-                                  <p:childTnLst>
-                                    <p:animMotion origin="layout" path="M -0.00247 0.22246 L -0.00104 1.41297 " pathEditMode="relative" rAng="0" ptsTypes="AA">
-                                      <p:cBhvr>
-                                        <p:cTn id="24" dur="5000" fill="hold"/>
-                                        <p:tgtEl>
-                                          <p:spTgt spid="18"/>
-                                        </p:tgtEl>
-                                        <p:attrNameLst>
-                                          <p:attrName>ppt_x</p:attrName>
-                                          <p:attrName>ppt_y</p:attrName>
-                                        </p:attrNameLst>
-                                      </p:cBhvr>
-                                      <p:rCtr x="65" y="59514"/>
-                                    </p:animMotion>
-                                  </p:childTnLst>
-                                </p:cTn>
-                              </p:par>
-                              <p:par>
-                                <p:cTn id="25" presetID="42" presetClass="path" presetSubtype="0" accel="50000" fill="hold" nodeType="withEffect">
-                                  <p:stCondLst>
-                                    <p:cond delay="0"/>
-                                  </p:stCondLst>
-                                  <p:childTnLst>
-                                    <p:animMotion origin="layout" path="M 0.00065 -0.26319 L -0.00729 1.4588 " pathEditMode="relative" rAng="0" ptsTypes="AA">
-                                      <p:cBhvr>
-                                        <p:cTn id="26" dur="5000" fill="hold"/>
-                                        <p:tgtEl>
-                                          <p:spTgt spid="11"/>
-                                        </p:tgtEl>
-                                        <p:attrNameLst>
-                                          <p:attrName>ppt_x</p:attrName>
-                                          <p:attrName>ppt_y</p:attrName>
-                                        </p:attrNameLst>
-                                      </p:cBhvr>
-                                      <p:rCtr x="-404" y="86088"/>
-                                    </p:animMotion>
-                                  </p:childTnLst>
-                                </p:cTn>
-                              </p:par>
-                              <p:par>
-                                <p:cTn id="27" presetID="42" presetClass="path" presetSubtype="0" accel="50000" fill="hold" nodeType="withEffect">
-                                  <p:stCondLst>
-                                    <p:cond delay="0"/>
-                                  </p:stCondLst>
-                                  <p:childTnLst>
-                                    <p:animMotion origin="layout" path="M 1.45833E-6 4.81481E-6 L -0.00599 1.70208 " pathEditMode="relative" rAng="0" ptsTypes="AA">
-                                      <p:cBhvr>
-                                        <p:cTn id="28" dur="4000" fill="hold"/>
-                                        <p:tgtEl>
-                                          <p:spTgt spid="4"/>
-                                        </p:tgtEl>
-                                        <p:attrNameLst>
-                                          <p:attrName>ppt_x</p:attrName>
-                                          <p:attrName>ppt_y</p:attrName>
-                                        </p:attrNameLst>
-                                      </p:cBhvr>
-                                      <p:rCtr x="-299" y="85093"/>
-                                    </p:animMotion>
-                                  </p:childTnLst>
-                                </p:cTn>
-                              </p:par>
-                              <p:par>
-                                <p:cTn id="29" presetID="42" presetClass="path" presetSubtype="0" accel="50000" fill="hold" nodeType="withEffect">
-                                  <p:stCondLst>
-                                    <p:cond delay="0"/>
-                                  </p:stCondLst>
-                                  <p:childTnLst>
-                                    <p:animMotion origin="layout" path="M 1.25E-6 1.48148E-6 L 0.00104 1.23449 " pathEditMode="relative" rAng="0" ptsTypes="AA">
-                                      <p:cBhvr>
-                                        <p:cTn id="30" dur="4000" fill="hold"/>
-                                        <p:tgtEl>
-                                          <p:spTgt spid="6"/>
-                                        </p:tgtEl>
-                                        <p:attrNameLst>
-                                          <p:attrName>ppt_x</p:attrName>
-                                          <p:attrName>ppt_y</p:attrName>
-                                        </p:attrNameLst>
-                                      </p:cBhvr>
-                                      <p:rCtr x="52" y="61713"/>
-                                    </p:animMotion>
-                                  </p:childTnLst>
-                                </p:cTn>
-                              </p:par>
-                              <p:par>
-                                <p:cTn id="31" presetID="42" presetClass="path" presetSubtype="0" accel="50000" fill="hold" nodeType="withEffect">
-                                  <p:stCondLst>
-                                    <p:cond delay="0"/>
-                                  </p:stCondLst>
-                                  <p:childTnLst>
-                                    <p:animMotion origin="layout" path="M -2.29167E-6 -1.11111E-6 L 0.0125 1.47894 " pathEditMode="relative" rAng="0" ptsTypes="AA">
-                                      <p:cBhvr>
-                                        <p:cTn id="32" dur="5000" fill="hold"/>
-                                        <p:tgtEl>
-                                          <p:spTgt spid="8"/>
-                                        </p:tgtEl>
-                                        <p:attrNameLst>
-                                          <p:attrName>ppt_x</p:attrName>
-                                          <p:attrName>ppt_y</p:attrName>
-                                        </p:attrNameLst>
-                                      </p:cBhvr>
-                                      <p:rCtr x="625" y="73935"/>
-                                    </p:animMotion>
-                                  </p:childTnLst>
-                                </p:cTn>
-                              </p:par>
-                              <p:par>
-                                <p:cTn id="33" presetID="42" presetClass="path" presetSubtype="0" accel="50000" fill="hold" nodeType="withEffect">
-                                  <p:stCondLst>
-                                    <p:cond delay="0"/>
-                                  </p:stCondLst>
-                                  <p:childTnLst>
-                                    <p:animMotion origin="layout" path="M 3.125E-6 1.11111E-6 L 0.00937 1.56157 " pathEditMode="relative" rAng="0" ptsTypes="AA">
-                                      <p:cBhvr>
-                                        <p:cTn id="34" dur="4000" fill="hold"/>
-                                        <p:tgtEl>
-                                          <p:spTgt spid="9"/>
-                                        </p:tgtEl>
-                                        <p:attrNameLst>
-                                          <p:attrName>ppt_x</p:attrName>
-                                          <p:attrName>ppt_y</p:attrName>
-                                        </p:attrNameLst>
-                                      </p:cBhvr>
-                                      <p:rCtr x="469" y="78079"/>
-                                    </p:animMotion>
-                                  </p:childTnLst>
-                                </p:cTn>
-                              </p:par>
-                            </p:childTnLst>
-                          </p:cTn>
-                        </p:par>
-                      </p:childTnLst>
-                    </p:cTn>
-                  </p:par>
-                </p:childTnLst>
-              </p:cTn>
-              <p:prevCondLst>
-                <p:cond evt="onPrev" delay="0">
-                  <p:tgtEl>
-                    <p:sldTgt/>
-                  </p:tgtEl>
-                </p:cond>
-              </p:prevCondLst>
-              <p:nextCondLst>
-                <p:cond evt="onNext" delay="0">
-                  <p:tgtEl>
-                    <p:sldTgt/>
-                  </p:tgtEl>
-                </p:cond>
-              </p:nextCondLst>
-            </p:seq>
-          </p:childTnLst>
-        </p:cTn>
-      </p:par>
-    </p:tnLst>
-  </p:timing>
+</p:sld>
+</file>
+
+<file path=ppt/slides/slide10.xml><?xml version="1.0" encoding="utf-8"?>
+<p:sld xmlns:a="http://schemas.openxmlformats.org/drawingml/2006/main" xmlns:r="http://schemas.openxmlformats.org/officeDocument/2006/relationships" xmlns:p="http://schemas.openxmlformats.org/presentationml/2006/main">
+  <p:cSld>
+    <p:spTree>
+      <p:nvGrpSpPr>
+        <p:cNvPr id="1" name=""/>
+        <p:cNvGrpSpPr/>
+        <p:nvPr/>
+      </p:nvGrpSpPr>
+      <p:grpSpPr>
+        <a:xfrm>
+          <a:off x="0" y="0"/>
+          <a:ext cx="0" cy="0"/>
+          <a:chOff x="0" y="0"/>
+          <a:chExt cx="0" cy="0"/>
+        </a:xfrm>
+      </p:grpSpPr>
+      <p:sp>
+        <p:nvSpPr>
+          <p:cNvPr id="2" name="Title 1">
+            <a:extLst>
+              <a:ext uri="{FF2B5EF4-FFF2-40B4-BE49-F238E27FC236}">
+                <a16:creationId xmlns:a16="http://schemas.microsoft.com/office/drawing/2014/main" id="{9EA55982-6A49-0C7B-67A8-393E5A2EABAF}"/>
+              </a:ext>
+            </a:extLst>
+          </p:cNvPr>
+          <p:cNvSpPr>
+            <a:spLocks noGrp="1"/>
+          </p:cNvSpPr>
+          <p:nvPr>
+            <p:ph type="title"/>
+          </p:nvPr>
+        </p:nvSpPr>
+        <p:spPr/>
+        <p:txBody>
+          <a:bodyPr/>
+          <a:lstStyle/>
+          <a:p>
+            <a:r>
+              <a:rPr lang="en-BE" dirty="0"/>
+              <a:t>Layer 2 versus layer 3</a:t>
+            </a:r>
+          </a:p>
+        </p:txBody>
+      </p:sp>
+      <p:sp>
+        <p:nvSpPr>
+          <p:cNvPr id="3" name="Date Placeholder 2">
+            <a:extLst>
+              <a:ext uri="{FF2B5EF4-FFF2-40B4-BE49-F238E27FC236}">
+                <a16:creationId xmlns:a16="http://schemas.microsoft.com/office/drawing/2014/main" id="{BA3663FC-28FB-1FE2-5B3C-29ADEC13F0AE}"/>
+              </a:ext>
+            </a:extLst>
+          </p:cNvPr>
+          <p:cNvSpPr>
+            <a:spLocks noGrp="1"/>
+          </p:cNvSpPr>
+          <p:nvPr>
+            <p:ph type="dt" sz="half" idx="10"/>
+          </p:nvPr>
+        </p:nvSpPr>
+        <p:spPr/>
+        <p:txBody>
+          <a:bodyPr/>
+          <a:lstStyle/>
+          <a:p>
+            <a:fld id="{D1F088C9-0FC0-440B-8314-5EF9819A24DA}" type="datetime1">
+              <a:rPr lang="nl-BE" smtClean="0"/>
+              <a:t>27/09/2022</a:t>
+            </a:fld>
+            <a:endParaRPr lang="nl-BE" dirty="0"/>
+          </a:p>
+        </p:txBody>
+      </p:sp>
+      <p:sp>
+        <p:nvSpPr>
+          <p:cNvPr id="4" name="Slide Number Placeholder 3">
+            <a:extLst>
+              <a:ext uri="{FF2B5EF4-FFF2-40B4-BE49-F238E27FC236}">
+                <a16:creationId xmlns:a16="http://schemas.microsoft.com/office/drawing/2014/main" id="{72ADBF59-EADE-5B2A-6C5A-5017A4B265FC}"/>
+              </a:ext>
+            </a:extLst>
+          </p:cNvPr>
+          <p:cNvSpPr>
+            <a:spLocks noGrp="1"/>
+          </p:cNvSpPr>
+          <p:nvPr>
+            <p:ph type="sldNum" sz="quarter" idx="12"/>
+          </p:nvPr>
+        </p:nvSpPr>
+        <p:spPr/>
+        <p:txBody>
+          <a:bodyPr/>
+          <a:lstStyle/>
+          <a:p>
+            <a:fld id="{F35D8031-C8E5-48F8-A3B6-81643B27A3AF}" type="slidenum">
+              <a:rPr lang="nl-BE" smtClean="0"/>
+              <a:pPr/>
+              <a:t>10</a:t>
+            </a:fld>
+            <a:endParaRPr lang="nl-BE" dirty="0"/>
+          </a:p>
+        </p:txBody>
+      </p:sp>
+      <p:pic>
+        <p:nvPicPr>
+          <p:cNvPr id="6" name="Picture 2" descr="Afbeeldingsresultaat voor osi model">
+            <a:extLst>
+              <a:ext uri="{FF2B5EF4-FFF2-40B4-BE49-F238E27FC236}">
+                <a16:creationId xmlns:a16="http://schemas.microsoft.com/office/drawing/2014/main" id="{A5DEE92E-B6F9-C2F1-4019-31AEE1E2F1E0}"/>
+              </a:ext>
+            </a:extLst>
+          </p:cNvPr>
+          <p:cNvPicPr>
+            <a:picLocks noChangeAspect="1" noChangeArrowheads="1"/>
+          </p:cNvPicPr>
+          <p:nvPr/>
+        </p:nvPicPr>
+        <p:blipFill rotWithShape="1">
+          <a:blip r:embed="rId2" cstate="print">
+            <a:extLst>
+              <a:ext uri="{28A0092B-C50C-407E-A947-70E740481C1C}">
+                <a14:useLocalDpi xmlns:a14="http://schemas.microsoft.com/office/drawing/2010/main" val="0"/>
+              </a:ext>
+            </a:extLst>
+          </a:blip>
+          <a:srcRect r="62872"/>
+          <a:stretch/>
+        </p:blipFill>
+        <p:spPr bwMode="auto">
+          <a:xfrm>
+            <a:off x="335360" y="1556792"/>
+            <a:ext cx="2317616" cy="4143692"/>
+          </a:xfrm>
+          <a:prstGeom prst="rect">
+            <a:avLst/>
+          </a:prstGeom>
+          <a:noFill/>
+          <a:extLst>
+            <a:ext uri="{909E8E84-426E-40DD-AFC4-6F175D3DCCD1}">
+              <a14:hiddenFill xmlns:a14="http://schemas.microsoft.com/office/drawing/2010/main">
+                <a:solidFill>
+                  <a:srgbClr val="FFFFFF"/>
+                </a:solidFill>
+              </a14:hiddenFill>
+            </a:ext>
+          </a:extLst>
+        </p:spPr>
+      </p:pic>
+      <p:sp>
+        <p:nvSpPr>
+          <p:cNvPr id="7" name="TextBox 6">
+            <a:extLst>
+              <a:ext uri="{FF2B5EF4-FFF2-40B4-BE49-F238E27FC236}">
+                <a16:creationId xmlns:a16="http://schemas.microsoft.com/office/drawing/2014/main" id="{CBE42F95-4511-B8B5-D152-86AA94812B21}"/>
+              </a:ext>
+            </a:extLst>
+          </p:cNvPr>
+          <p:cNvSpPr txBox="1"/>
+          <p:nvPr/>
+        </p:nvSpPr>
+        <p:spPr>
+          <a:xfrm>
+            <a:off x="2711624" y="1628800"/>
+            <a:ext cx="3672408" cy="565411"/>
+          </a:xfrm>
+          <a:prstGeom prst="rect">
+            <a:avLst/>
+          </a:prstGeom>
+          <a:noFill/>
+        </p:spPr>
+        <p:txBody>
+          <a:bodyPr wrap="square" rtlCol="0">
+            <a:spAutoFit/>
+          </a:bodyPr>
+          <a:lstStyle/>
+          <a:p>
+            <a:r>
+              <a:rPr lang="en-US" sz="1600" dirty="0">
+                <a:latin typeface="Open Sans" panose="020B0606030504020204" pitchFamily="34" charset="0"/>
+                <a:ea typeface="Open Sans" panose="020B0606030504020204" pitchFamily="34" charset="0"/>
+                <a:cs typeface="Open Sans" panose="020B0606030504020204" pitchFamily="34" charset="0"/>
+              </a:rPr>
+              <a:t>Type </a:t>
+            </a:r>
+            <a:r>
+              <a:rPr lang="en-BE" sz="1600" dirty="0">
+                <a:latin typeface="Open Sans" panose="020B0606030504020204" pitchFamily="34" charset="0"/>
+                <a:ea typeface="Open Sans" panose="020B0606030504020204" pitchFamily="34" charset="0"/>
+                <a:cs typeface="Open Sans" panose="020B0606030504020204" pitchFamily="34" charset="0"/>
+              </a:rPr>
+              <a:t>of </a:t>
+            </a:r>
+            <a:r>
+              <a:rPr lang="en-US" sz="1600" dirty="0" err="1">
+                <a:latin typeface="Open Sans" panose="020B0606030504020204" pitchFamily="34" charset="0"/>
+                <a:ea typeface="Open Sans" panose="020B0606030504020204" pitchFamily="34" charset="0"/>
+                <a:cs typeface="Open Sans" panose="020B0606030504020204" pitchFamily="34" charset="0"/>
+              </a:rPr>
+              <a:t>communicati</a:t>
+            </a:r>
+            <a:r>
+              <a:rPr lang="en-BE" sz="1600" dirty="0">
+                <a:latin typeface="Open Sans" panose="020B0606030504020204" pitchFamily="34" charset="0"/>
+                <a:ea typeface="Open Sans" panose="020B0606030504020204" pitchFamily="34" charset="0"/>
+                <a:cs typeface="Open Sans" panose="020B0606030504020204" pitchFamily="34" charset="0"/>
+              </a:rPr>
+              <a:t>on</a:t>
+            </a:r>
+            <a:endParaRPr lang="en-US" sz="1600" dirty="0">
+              <a:latin typeface="Open Sans" panose="020B0606030504020204" pitchFamily="34" charset="0"/>
+              <a:ea typeface="Open Sans" panose="020B0606030504020204" pitchFamily="34" charset="0"/>
+              <a:cs typeface="Open Sans" panose="020B0606030504020204" pitchFamily="34" charset="0"/>
+            </a:endParaRPr>
+          </a:p>
+          <a:p>
+            <a:pPr>
+              <a:lnSpc>
+                <a:spcPct val="150000"/>
+              </a:lnSpc>
+            </a:pPr>
+            <a:r>
+              <a:rPr lang="en-US" sz="1100" dirty="0">
+                <a:latin typeface="Open Sans" panose="020B0606030504020204" pitchFamily="34" charset="0"/>
+                <a:ea typeface="Open Sans" panose="020B0606030504020204" pitchFamily="34" charset="0"/>
+                <a:cs typeface="Open Sans" panose="020B0606030504020204" pitchFamily="34" charset="0"/>
+              </a:rPr>
+              <a:t>E-mail</a:t>
+            </a:r>
+            <a:endParaRPr lang="en-GB" sz="1100" dirty="0">
+              <a:latin typeface="Open Sans" panose="020B0606030504020204" pitchFamily="34" charset="0"/>
+              <a:ea typeface="Open Sans" panose="020B0606030504020204" pitchFamily="34" charset="0"/>
+              <a:cs typeface="Open Sans" panose="020B0606030504020204" pitchFamily="34" charset="0"/>
+            </a:endParaRPr>
+          </a:p>
+        </p:txBody>
+      </p:sp>
+      <p:sp>
+        <p:nvSpPr>
+          <p:cNvPr id="8" name="TextBox 7">
+            <a:extLst>
+              <a:ext uri="{FF2B5EF4-FFF2-40B4-BE49-F238E27FC236}">
+                <a16:creationId xmlns:a16="http://schemas.microsoft.com/office/drawing/2014/main" id="{11D6C0CA-E6A7-AC67-113B-26ACEB92D24A}"/>
+              </a:ext>
+            </a:extLst>
+          </p:cNvPr>
+          <p:cNvSpPr txBox="1"/>
+          <p:nvPr/>
+        </p:nvSpPr>
+        <p:spPr>
+          <a:xfrm>
+            <a:off x="2711624" y="2187151"/>
+            <a:ext cx="3672408" cy="565411"/>
+          </a:xfrm>
+          <a:prstGeom prst="rect">
+            <a:avLst/>
+          </a:prstGeom>
+          <a:noFill/>
+        </p:spPr>
+        <p:txBody>
+          <a:bodyPr wrap="square" rtlCol="0">
+            <a:spAutoFit/>
+          </a:bodyPr>
+          <a:lstStyle/>
+          <a:p>
+            <a:r>
+              <a:rPr lang="en-BE" sz="1600" dirty="0">
+                <a:latin typeface="Open Sans" panose="020B0606030504020204" pitchFamily="34" charset="0"/>
+                <a:ea typeface="Open Sans" panose="020B0606030504020204" pitchFamily="34" charset="0"/>
+                <a:cs typeface="Open Sans" panose="020B0606030504020204" pitchFamily="34" charset="0"/>
+              </a:rPr>
+              <a:t>Encryption and data conversion</a:t>
+            </a:r>
+            <a:endParaRPr lang="en-US" sz="1600" dirty="0">
+              <a:latin typeface="Open Sans" panose="020B0606030504020204" pitchFamily="34" charset="0"/>
+              <a:ea typeface="Open Sans" panose="020B0606030504020204" pitchFamily="34" charset="0"/>
+              <a:cs typeface="Open Sans" panose="020B0606030504020204" pitchFamily="34" charset="0"/>
+            </a:endParaRPr>
+          </a:p>
+          <a:p>
+            <a:pPr>
+              <a:lnSpc>
+                <a:spcPct val="150000"/>
+              </a:lnSpc>
+            </a:pPr>
+            <a:r>
+              <a:rPr lang="en-BE" sz="1100" dirty="0">
+                <a:latin typeface="Open Sans" panose="020B0606030504020204" pitchFamily="34" charset="0"/>
+                <a:ea typeface="Open Sans" panose="020B0606030504020204" pitchFamily="34" charset="0"/>
+                <a:cs typeface="Open Sans" panose="020B0606030504020204" pitchFamily="34" charset="0"/>
+              </a:rPr>
+              <a:t>Binary representation</a:t>
+            </a:r>
+            <a:endParaRPr lang="en-GB" sz="1100" dirty="0">
+              <a:latin typeface="Open Sans" panose="020B0606030504020204" pitchFamily="34" charset="0"/>
+              <a:ea typeface="Open Sans" panose="020B0606030504020204" pitchFamily="34" charset="0"/>
+              <a:cs typeface="Open Sans" panose="020B0606030504020204" pitchFamily="34" charset="0"/>
+            </a:endParaRPr>
+          </a:p>
+        </p:txBody>
+      </p:sp>
+      <p:sp>
+        <p:nvSpPr>
+          <p:cNvPr id="9" name="TextBox 8">
+            <a:extLst>
+              <a:ext uri="{FF2B5EF4-FFF2-40B4-BE49-F238E27FC236}">
+                <a16:creationId xmlns:a16="http://schemas.microsoft.com/office/drawing/2014/main" id="{697C8F4F-250E-4051-0A94-5B8A2BB279C4}"/>
+              </a:ext>
+            </a:extLst>
+          </p:cNvPr>
+          <p:cNvSpPr txBox="1"/>
+          <p:nvPr/>
+        </p:nvSpPr>
+        <p:spPr>
+          <a:xfrm>
+            <a:off x="2711624" y="2874422"/>
+            <a:ext cx="3672408" cy="338554"/>
+          </a:xfrm>
+          <a:prstGeom prst="rect">
+            <a:avLst/>
+          </a:prstGeom>
+          <a:noFill/>
+        </p:spPr>
+        <p:txBody>
+          <a:bodyPr wrap="square" rtlCol="0">
+            <a:spAutoFit/>
+          </a:bodyPr>
+          <a:lstStyle/>
+          <a:p>
+            <a:r>
+              <a:rPr lang="en-US" sz="1600" dirty="0">
+                <a:latin typeface="Open Sans" panose="020B0606030504020204" pitchFamily="34" charset="0"/>
+                <a:ea typeface="Open Sans" panose="020B0606030504020204" pitchFamily="34" charset="0"/>
+                <a:cs typeface="Open Sans" panose="020B0606030504020204" pitchFamily="34" charset="0"/>
+              </a:rPr>
+              <a:t>Start</a:t>
+            </a:r>
+            <a:r>
+              <a:rPr lang="en-BE" sz="1600" dirty="0" err="1">
+                <a:latin typeface="Open Sans" panose="020B0606030504020204" pitchFamily="34" charset="0"/>
+                <a:ea typeface="Open Sans" panose="020B0606030504020204" pitchFamily="34" charset="0"/>
+                <a:cs typeface="Open Sans" panose="020B0606030504020204" pitchFamily="34" charset="0"/>
+              </a:rPr>
+              <a:t>ing</a:t>
+            </a:r>
+            <a:r>
+              <a:rPr lang="en-BE" sz="1600" dirty="0">
+                <a:latin typeface="Open Sans" panose="020B0606030504020204" pitchFamily="34" charset="0"/>
+                <a:ea typeface="Open Sans" panose="020B0606030504020204" pitchFamily="34" charset="0"/>
+                <a:cs typeface="Open Sans" panose="020B0606030504020204" pitchFamily="34" charset="0"/>
+              </a:rPr>
+              <a:t>/stopping of a session</a:t>
+            </a:r>
+            <a:endParaRPr lang="en-US" sz="1600" dirty="0">
+              <a:latin typeface="Open Sans" panose="020B0606030504020204" pitchFamily="34" charset="0"/>
+              <a:ea typeface="Open Sans" panose="020B0606030504020204" pitchFamily="34" charset="0"/>
+              <a:cs typeface="Open Sans" panose="020B0606030504020204" pitchFamily="34" charset="0"/>
+            </a:endParaRPr>
+          </a:p>
+        </p:txBody>
+      </p:sp>
+      <p:sp>
+        <p:nvSpPr>
+          <p:cNvPr id="10" name="TextBox 9">
+            <a:extLst>
+              <a:ext uri="{FF2B5EF4-FFF2-40B4-BE49-F238E27FC236}">
+                <a16:creationId xmlns:a16="http://schemas.microsoft.com/office/drawing/2014/main" id="{2E9BA3F2-4531-EAB0-9D3B-C045C716930E}"/>
+              </a:ext>
+            </a:extLst>
+          </p:cNvPr>
+          <p:cNvSpPr txBox="1"/>
+          <p:nvPr/>
+        </p:nvSpPr>
+        <p:spPr>
+          <a:xfrm>
+            <a:off x="2729708" y="3345498"/>
+            <a:ext cx="3672408" cy="338554"/>
+          </a:xfrm>
+          <a:prstGeom prst="rect">
+            <a:avLst/>
+          </a:prstGeom>
+          <a:noFill/>
+        </p:spPr>
+        <p:txBody>
+          <a:bodyPr wrap="square" rtlCol="0">
+            <a:spAutoFit/>
+          </a:bodyPr>
+          <a:lstStyle/>
+          <a:p>
+            <a:r>
+              <a:rPr lang="en-BE" sz="1600" dirty="0">
+                <a:latin typeface="Open Sans" panose="020B0606030504020204" pitchFamily="34" charset="0"/>
+                <a:ea typeface="Open Sans" panose="020B0606030504020204" pitchFamily="34" charset="0"/>
+                <a:cs typeface="Open Sans" panose="020B0606030504020204" pitchFamily="34" charset="0"/>
+              </a:rPr>
+              <a:t>Ensure receiving a message</a:t>
+            </a:r>
+            <a:endParaRPr lang="en-GB" sz="1100" dirty="0">
+              <a:latin typeface="Open Sans" panose="020B0606030504020204" pitchFamily="34" charset="0"/>
+              <a:ea typeface="Open Sans" panose="020B0606030504020204" pitchFamily="34" charset="0"/>
+              <a:cs typeface="Open Sans" panose="020B0606030504020204" pitchFamily="34" charset="0"/>
+            </a:endParaRPr>
+          </a:p>
+        </p:txBody>
+      </p:sp>
+      <p:sp>
+        <p:nvSpPr>
+          <p:cNvPr id="11" name="TextBox 10">
+            <a:extLst>
+              <a:ext uri="{FF2B5EF4-FFF2-40B4-BE49-F238E27FC236}">
+                <a16:creationId xmlns:a16="http://schemas.microsoft.com/office/drawing/2014/main" id="{8A2C09BA-F746-F9D6-761D-F58EEA877B51}"/>
+              </a:ext>
+            </a:extLst>
+          </p:cNvPr>
+          <p:cNvSpPr txBox="1"/>
+          <p:nvPr/>
+        </p:nvSpPr>
+        <p:spPr>
+          <a:xfrm>
+            <a:off x="2729708" y="4023526"/>
+            <a:ext cx="3672408" cy="338554"/>
+          </a:xfrm>
+          <a:prstGeom prst="rect">
+            <a:avLst/>
+          </a:prstGeom>
+          <a:noFill/>
+        </p:spPr>
+        <p:txBody>
+          <a:bodyPr wrap="square" rtlCol="0">
+            <a:spAutoFit/>
+          </a:bodyPr>
+          <a:lstStyle/>
+          <a:p>
+            <a:r>
+              <a:rPr lang="en-US" sz="1600" dirty="0">
+                <a:latin typeface="Open Sans" panose="020B0606030504020204" pitchFamily="34" charset="0"/>
+                <a:ea typeface="Open Sans" panose="020B0606030504020204" pitchFamily="34" charset="0"/>
+                <a:cs typeface="Open Sans" panose="020B0606030504020204" pitchFamily="34" charset="0"/>
+              </a:rPr>
+              <a:t>Data </a:t>
+            </a:r>
+            <a:r>
+              <a:rPr lang="en-BE" sz="1600" dirty="0">
+                <a:latin typeface="Open Sans" panose="020B0606030504020204" pitchFamily="34" charset="0"/>
+                <a:ea typeface="Open Sans" panose="020B0606030504020204" pitchFamily="34" charset="0"/>
+                <a:cs typeface="Open Sans" panose="020B0606030504020204" pitchFamily="34" charset="0"/>
+              </a:rPr>
+              <a:t>routing</a:t>
+            </a:r>
+            <a:endParaRPr lang="en-GB" sz="1100" dirty="0">
+              <a:latin typeface="Open Sans" panose="020B0606030504020204" pitchFamily="34" charset="0"/>
+              <a:ea typeface="Open Sans" panose="020B0606030504020204" pitchFamily="34" charset="0"/>
+              <a:cs typeface="Open Sans" panose="020B0606030504020204" pitchFamily="34" charset="0"/>
+            </a:endParaRPr>
+          </a:p>
+        </p:txBody>
+      </p:sp>
+      <p:sp>
+        <p:nvSpPr>
+          <p:cNvPr id="12" name="TextBox 11">
+            <a:extLst>
+              <a:ext uri="{FF2B5EF4-FFF2-40B4-BE49-F238E27FC236}">
+                <a16:creationId xmlns:a16="http://schemas.microsoft.com/office/drawing/2014/main" id="{3F1FAC01-C69A-DD50-10BA-59761DEC53D2}"/>
+              </a:ext>
+            </a:extLst>
+          </p:cNvPr>
+          <p:cNvSpPr txBox="1"/>
+          <p:nvPr/>
+        </p:nvSpPr>
+        <p:spPr>
+          <a:xfrm>
+            <a:off x="2729708" y="4488624"/>
+            <a:ext cx="3672408" cy="584775"/>
+          </a:xfrm>
+          <a:prstGeom prst="rect">
+            <a:avLst/>
+          </a:prstGeom>
+          <a:noFill/>
+        </p:spPr>
+        <p:txBody>
+          <a:bodyPr wrap="square" rtlCol="0">
+            <a:spAutoFit/>
+          </a:bodyPr>
+          <a:lstStyle/>
+          <a:p>
+            <a:r>
+              <a:rPr lang="en-BE" sz="1600" dirty="0">
+                <a:latin typeface="Open Sans" panose="020B0606030504020204" pitchFamily="34" charset="0"/>
+                <a:ea typeface="Open Sans" panose="020B0606030504020204" pitchFamily="34" charset="0"/>
+                <a:cs typeface="Open Sans" panose="020B0606030504020204" pitchFamily="34" charset="0"/>
+              </a:rPr>
+              <a:t>Packet transmission between neighbouring nodes</a:t>
+            </a:r>
+            <a:endParaRPr lang="en-GB" sz="1100" dirty="0">
+              <a:latin typeface="Open Sans" panose="020B0606030504020204" pitchFamily="34" charset="0"/>
+              <a:ea typeface="Open Sans" panose="020B0606030504020204" pitchFamily="34" charset="0"/>
+              <a:cs typeface="Open Sans" panose="020B0606030504020204" pitchFamily="34" charset="0"/>
+            </a:endParaRPr>
+          </a:p>
+        </p:txBody>
+      </p:sp>
+      <p:sp>
+        <p:nvSpPr>
+          <p:cNvPr id="13" name="TextBox 12">
+            <a:extLst>
+              <a:ext uri="{FF2B5EF4-FFF2-40B4-BE49-F238E27FC236}">
+                <a16:creationId xmlns:a16="http://schemas.microsoft.com/office/drawing/2014/main" id="{2FB7625C-6FFD-F993-93D1-B9E46FFED28F}"/>
+              </a:ext>
+            </a:extLst>
+          </p:cNvPr>
+          <p:cNvSpPr txBox="1"/>
+          <p:nvPr/>
+        </p:nvSpPr>
+        <p:spPr>
+          <a:xfrm>
+            <a:off x="2729708" y="5167404"/>
+            <a:ext cx="3672408" cy="338554"/>
+          </a:xfrm>
+          <a:prstGeom prst="rect">
+            <a:avLst/>
+          </a:prstGeom>
+          <a:noFill/>
+        </p:spPr>
+        <p:txBody>
+          <a:bodyPr wrap="square" rtlCol="0">
+            <a:spAutoFit/>
+          </a:bodyPr>
+          <a:lstStyle/>
+          <a:p>
+            <a:r>
+              <a:rPr lang="en-BE" sz="1600" dirty="0">
+                <a:latin typeface="Open Sans" panose="020B0606030504020204" pitchFamily="34" charset="0"/>
+                <a:ea typeface="Open Sans" panose="020B0606030504020204" pitchFamily="34" charset="0"/>
+                <a:cs typeface="Open Sans" panose="020B0606030504020204" pitchFamily="34" charset="0"/>
+              </a:rPr>
+              <a:t>Electrical Signals</a:t>
+            </a:r>
+            <a:endParaRPr lang="en-GB" sz="1100" dirty="0">
+              <a:latin typeface="Open Sans" panose="020B0606030504020204" pitchFamily="34" charset="0"/>
+              <a:ea typeface="Open Sans" panose="020B0606030504020204" pitchFamily="34" charset="0"/>
+              <a:cs typeface="Open Sans" panose="020B0606030504020204" pitchFamily="34" charset="0"/>
+            </a:endParaRPr>
+          </a:p>
+        </p:txBody>
+      </p:sp>
+      <p:sp>
+        <p:nvSpPr>
+          <p:cNvPr id="14" name="Rectangle 13">
+            <a:extLst>
+              <a:ext uri="{FF2B5EF4-FFF2-40B4-BE49-F238E27FC236}">
+                <a16:creationId xmlns:a16="http://schemas.microsoft.com/office/drawing/2014/main" id="{D72490DE-1CBE-2AB5-41BB-30DABD650596}"/>
+              </a:ext>
+            </a:extLst>
+          </p:cNvPr>
+          <p:cNvSpPr/>
+          <p:nvPr/>
+        </p:nvSpPr>
+        <p:spPr>
+          <a:xfrm>
+            <a:off x="1142688" y="1268760"/>
+            <a:ext cx="4953312" cy="2628222"/>
+          </a:xfrm>
+          <a:prstGeom prst="rect">
+            <a:avLst/>
+          </a:prstGeom>
+          <a:solidFill>
+            <a:srgbClr val="FFFFFF">
+              <a:alpha val="80000"/>
+            </a:srgbClr>
+          </a:solidFill>
+          <a:ln>
+            <a:noFill/>
+          </a:ln>
+        </p:spPr>
+        <p:style>
+          <a:lnRef idx="2">
+            <a:schemeClr val="accent1">
+              <a:shade val="50000"/>
+            </a:schemeClr>
+          </a:lnRef>
+          <a:fillRef idx="1">
+            <a:schemeClr val="accent1"/>
+          </a:fillRef>
+          <a:effectRef idx="0">
+            <a:schemeClr val="accent1"/>
+          </a:effectRef>
+          <a:fontRef idx="minor">
+            <a:schemeClr val="lt1"/>
+          </a:fontRef>
+        </p:style>
+        <p:txBody>
+          <a:bodyPr rtlCol="0" anchor="ctr"/>
+          <a:lstStyle/>
+          <a:p>
+            <a:pPr algn="ctr"/>
+            <a:endParaRPr lang="en-BE" dirty="0">
+              <a:latin typeface="Open Sans" panose="020B0606030504020204" pitchFamily="34" charset="0"/>
+              <a:ea typeface="Open Sans" panose="020B0606030504020204" pitchFamily="34" charset="0"/>
+              <a:cs typeface="Open Sans" panose="020B0606030504020204" pitchFamily="34" charset="0"/>
+            </a:endParaRPr>
+          </a:p>
+        </p:txBody>
+      </p:sp>
+      <p:sp>
+        <p:nvSpPr>
+          <p:cNvPr id="15" name="Rectangle 14">
+            <a:extLst>
+              <a:ext uri="{FF2B5EF4-FFF2-40B4-BE49-F238E27FC236}">
+                <a16:creationId xmlns:a16="http://schemas.microsoft.com/office/drawing/2014/main" id="{379C91B9-2DFE-2ACF-AEA7-4A6588E2418D}"/>
+              </a:ext>
+            </a:extLst>
+          </p:cNvPr>
+          <p:cNvSpPr/>
+          <p:nvPr/>
+        </p:nvSpPr>
+        <p:spPr>
+          <a:xfrm>
+            <a:off x="1142688" y="5021889"/>
+            <a:ext cx="5040560" cy="800455"/>
+          </a:xfrm>
+          <a:prstGeom prst="rect">
+            <a:avLst/>
+          </a:prstGeom>
+          <a:solidFill>
+            <a:srgbClr val="FFFFFF">
+              <a:alpha val="80000"/>
+            </a:srgbClr>
+          </a:solidFill>
+          <a:ln>
+            <a:noFill/>
+          </a:ln>
+        </p:spPr>
+        <p:style>
+          <a:lnRef idx="2">
+            <a:schemeClr val="accent1">
+              <a:shade val="50000"/>
+            </a:schemeClr>
+          </a:lnRef>
+          <a:fillRef idx="1">
+            <a:schemeClr val="accent1"/>
+          </a:fillRef>
+          <a:effectRef idx="0">
+            <a:schemeClr val="accent1"/>
+          </a:effectRef>
+          <a:fontRef idx="minor">
+            <a:schemeClr val="lt1"/>
+          </a:fontRef>
+        </p:style>
+        <p:txBody>
+          <a:bodyPr rtlCol="0" anchor="ctr"/>
+          <a:lstStyle/>
+          <a:p>
+            <a:pPr algn="ctr"/>
+            <a:endParaRPr lang="en-BE" dirty="0">
+              <a:latin typeface="Open Sans" panose="020B0606030504020204" pitchFamily="34" charset="0"/>
+              <a:ea typeface="Open Sans" panose="020B0606030504020204" pitchFamily="34" charset="0"/>
+              <a:cs typeface="Open Sans" panose="020B0606030504020204" pitchFamily="34" charset="0"/>
+            </a:endParaRPr>
+          </a:p>
+        </p:txBody>
+      </p:sp>
+      <p:sp>
+        <p:nvSpPr>
+          <p:cNvPr id="5" name="Oval 4">
+            <a:extLst>
+              <a:ext uri="{FF2B5EF4-FFF2-40B4-BE49-F238E27FC236}">
+                <a16:creationId xmlns:a16="http://schemas.microsoft.com/office/drawing/2014/main" id="{25086D6E-E7A4-C9DB-16DA-70EE9852A6AA}"/>
+              </a:ext>
+            </a:extLst>
+          </p:cNvPr>
+          <p:cNvSpPr/>
+          <p:nvPr/>
+        </p:nvSpPr>
+        <p:spPr>
+          <a:xfrm>
+            <a:off x="8423072" y="2671579"/>
+            <a:ext cx="288032" cy="288032"/>
+          </a:xfrm>
+          <a:prstGeom prst="ellipse">
+            <a:avLst/>
+          </a:prstGeom>
+          <a:solidFill>
+            <a:srgbClr val="65318F"/>
+          </a:solidFill>
+          <a:ln>
+            <a:noFill/>
+          </a:ln>
+        </p:spPr>
+        <p:style>
+          <a:lnRef idx="2">
+            <a:schemeClr val="accent1">
+              <a:shade val="50000"/>
+            </a:schemeClr>
+          </a:lnRef>
+          <a:fillRef idx="1">
+            <a:schemeClr val="accent1"/>
+          </a:fillRef>
+          <a:effectRef idx="0">
+            <a:schemeClr val="accent1"/>
+          </a:effectRef>
+          <a:fontRef idx="minor">
+            <a:schemeClr val="lt1"/>
+          </a:fontRef>
+        </p:style>
+        <p:txBody>
+          <a:bodyPr rtlCol="0" anchor="ctr"/>
+          <a:lstStyle/>
+          <a:p>
+            <a:pPr algn="ctr"/>
+            <a:endParaRPr lang="en-BE" dirty="0">
+              <a:latin typeface="Open Sans" panose="020B0606030504020204" pitchFamily="34" charset="0"/>
+              <a:ea typeface="Open Sans" panose="020B0606030504020204" pitchFamily="34" charset="0"/>
+              <a:cs typeface="Open Sans" panose="020B0606030504020204" pitchFamily="34" charset="0"/>
+            </a:endParaRPr>
+          </a:p>
+        </p:txBody>
+      </p:sp>
+      <p:sp>
+        <p:nvSpPr>
+          <p:cNvPr id="16" name="Oval 15">
+            <a:extLst>
+              <a:ext uri="{FF2B5EF4-FFF2-40B4-BE49-F238E27FC236}">
+                <a16:creationId xmlns:a16="http://schemas.microsoft.com/office/drawing/2014/main" id="{097DC7C8-2978-B2C5-AB33-716B257AEA45}"/>
+              </a:ext>
+            </a:extLst>
+          </p:cNvPr>
+          <p:cNvSpPr/>
+          <p:nvPr/>
+        </p:nvSpPr>
+        <p:spPr>
+          <a:xfrm>
+            <a:off x="9935240" y="2671579"/>
+            <a:ext cx="288032" cy="288032"/>
+          </a:xfrm>
+          <a:prstGeom prst="ellipse">
+            <a:avLst/>
+          </a:prstGeom>
+          <a:solidFill>
+            <a:srgbClr val="65318F"/>
+          </a:solidFill>
+          <a:ln>
+            <a:noFill/>
+          </a:ln>
+        </p:spPr>
+        <p:style>
+          <a:lnRef idx="2">
+            <a:schemeClr val="accent1">
+              <a:shade val="50000"/>
+            </a:schemeClr>
+          </a:lnRef>
+          <a:fillRef idx="1">
+            <a:schemeClr val="accent1"/>
+          </a:fillRef>
+          <a:effectRef idx="0">
+            <a:schemeClr val="accent1"/>
+          </a:effectRef>
+          <a:fontRef idx="minor">
+            <a:schemeClr val="lt1"/>
+          </a:fontRef>
+        </p:style>
+        <p:txBody>
+          <a:bodyPr rtlCol="0" anchor="ctr"/>
+          <a:lstStyle/>
+          <a:p>
+            <a:pPr algn="ctr"/>
+            <a:endParaRPr lang="en-BE" dirty="0">
+              <a:latin typeface="Open Sans" panose="020B0606030504020204" pitchFamily="34" charset="0"/>
+              <a:ea typeface="Open Sans" panose="020B0606030504020204" pitchFamily="34" charset="0"/>
+              <a:cs typeface="Open Sans" panose="020B0606030504020204" pitchFamily="34" charset="0"/>
+            </a:endParaRPr>
+          </a:p>
+        </p:txBody>
+      </p:sp>
+      <p:sp>
+        <p:nvSpPr>
+          <p:cNvPr id="17" name="Oval 16">
+            <a:extLst>
+              <a:ext uri="{FF2B5EF4-FFF2-40B4-BE49-F238E27FC236}">
+                <a16:creationId xmlns:a16="http://schemas.microsoft.com/office/drawing/2014/main" id="{DCE0C8E4-5837-5332-6264-8E1A01F3E420}"/>
+              </a:ext>
+            </a:extLst>
+          </p:cNvPr>
+          <p:cNvSpPr/>
+          <p:nvPr/>
+        </p:nvSpPr>
+        <p:spPr>
+          <a:xfrm>
+            <a:off x="9503192" y="3306510"/>
+            <a:ext cx="288032" cy="288032"/>
+          </a:xfrm>
+          <a:prstGeom prst="ellipse">
+            <a:avLst/>
+          </a:prstGeom>
+          <a:solidFill>
+            <a:schemeClr val="tx2"/>
+          </a:solidFill>
+          <a:ln>
+            <a:noFill/>
+          </a:ln>
+        </p:spPr>
+        <p:style>
+          <a:lnRef idx="2">
+            <a:schemeClr val="accent1">
+              <a:shade val="50000"/>
+            </a:schemeClr>
+          </a:lnRef>
+          <a:fillRef idx="1">
+            <a:schemeClr val="accent1"/>
+          </a:fillRef>
+          <a:effectRef idx="0">
+            <a:schemeClr val="accent1"/>
+          </a:effectRef>
+          <a:fontRef idx="minor">
+            <a:schemeClr val="lt1"/>
+          </a:fontRef>
+        </p:style>
+        <p:txBody>
+          <a:bodyPr rtlCol="0" anchor="ctr"/>
+          <a:lstStyle/>
+          <a:p>
+            <a:pPr algn="ctr"/>
+            <a:endParaRPr lang="en-BE" dirty="0">
+              <a:latin typeface="Open Sans" panose="020B0606030504020204" pitchFamily="34" charset="0"/>
+              <a:ea typeface="Open Sans" panose="020B0606030504020204" pitchFamily="34" charset="0"/>
+              <a:cs typeface="Open Sans" panose="020B0606030504020204" pitchFamily="34" charset="0"/>
+            </a:endParaRPr>
+          </a:p>
+        </p:txBody>
+      </p:sp>
+      <p:cxnSp>
+        <p:nvCxnSpPr>
+          <p:cNvPr id="19" name="Straight Arrow Connector 18">
+            <a:extLst>
+              <a:ext uri="{FF2B5EF4-FFF2-40B4-BE49-F238E27FC236}">
+                <a16:creationId xmlns:a16="http://schemas.microsoft.com/office/drawing/2014/main" id="{7C34CC47-B172-CF57-24F1-3407E1AD7C9E}"/>
+              </a:ext>
+            </a:extLst>
+          </p:cNvPr>
+          <p:cNvCxnSpPr/>
+          <p:nvPr/>
+        </p:nvCxnSpPr>
+        <p:spPr>
+          <a:xfrm>
+            <a:off x="8783112" y="2815595"/>
+            <a:ext cx="1080120" cy="0"/>
+          </a:xfrm>
+          <a:prstGeom prst="straightConnector1">
+            <a:avLst/>
+          </a:prstGeom>
+          <a:ln>
+            <a:solidFill>
+              <a:srgbClr val="65318F"/>
+            </a:solidFill>
+            <a:headEnd type="none" w="med" len="med"/>
+            <a:tailEnd type="arrow" w="med" len="med"/>
+          </a:ln>
+        </p:spPr>
+        <p:style>
+          <a:lnRef idx="1">
+            <a:schemeClr val="accent1"/>
+          </a:lnRef>
+          <a:fillRef idx="0">
+            <a:schemeClr val="accent1"/>
+          </a:fillRef>
+          <a:effectRef idx="0">
+            <a:schemeClr val="accent1"/>
+          </a:effectRef>
+          <a:fontRef idx="minor">
+            <a:schemeClr val="tx1"/>
+          </a:fontRef>
+        </p:style>
+      </p:cxnSp>
+    </p:spTree>
+    <p:extLst>
+      <p:ext uri="{BB962C8B-B14F-4D97-AF65-F5344CB8AC3E}">
+        <p14:creationId xmlns:p14="http://schemas.microsoft.com/office/powerpoint/2010/main" val="421692358"/>
+      </p:ext>
+    </p:extLst>
+  </p:cSld>
+  <p:clrMapOvr>
+    <a:masterClrMapping/>
+  </p:clrMapOvr>
+</p:sld>
+</file>
+
+<file path=ppt/slides/slide11.xml><?xml version="1.0" encoding="utf-8"?>
+<p:sld xmlns:a="http://schemas.openxmlformats.org/drawingml/2006/main" xmlns:r="http://schemas.openxmlformats.org/officeDocument/2006/relationships" xmlns:p="http://schemas.openxmlformats.org/presentationml/2006/main">
+  <p:cSld>
+    <p:spTree>
+      <p:nvGrpSpPr>
+        <p:cNvPr id="1" name=""/>
+        <p:cNvGrpSpPr/>
+        <p:nvPr/>
+      </p:nvGrpSpPr>
+      <p:grpSpPr>
+        <a:xfrm>
+          <a:off x="0" y="0"/>
+          <a:ext cx="0" cy="0"/>
+          <a:chOff x="0" y="0"/>
+          <a:chExt cx="0" cy="0"/>
+        </a:xfrm>
+      </p:grpSpPr>
+      <p:sp>
+        <p:nvSpPr>
+          <p:cNvPr id="2" name="Title 1">
+            <a:extLst>
+              <a:ext uri="{FF2B5EF4-FFF2-40B4-BE49-F238E27FC236}">
+                <a16:creationId xmlns:a16="http://schemas.microsoft.com/office/drawing/2014/main" id="{9EA55982-6A49-0C7B-67A8-393E5A2EABAF}"/>
+              </a:ext>
+            </a:extLst>
+          </p:cNvPr>
+          <p:cNvSpPr>
+            <a:spLocks noGrp="1"/>
+          </p:cNvSpPr>
+          <p:nvPr>
+            <p:ph type="title"/>
+          </p:nvPr>
+        </p:nvSpPr>
+        <p:spPr/>
+        <p:txBody>
+          <a:bodyPr/>
+          <a:lstStyle/>
+          <a:p>
+            <a:r>
+              <a:rPr lang="en-BE" dirty="0"/>
+              <a:t>Layer 2 versus layer 3</a:t>
+            </a:r>
+          </a:p>
+        </p:txBody>
+      </p:sp>
+      <p:sp>
+        <p:nvSpPr>
+          <p:cNvPr id="3" name="Date Placeholder 2">
+            <a:extLst>
+              <a:ext uri="{FF2B5EF4-FFF2-40B4-BE49-F238E27FC236}">
+                <a16:creationId xmlns:a16="http://schemas.microsoft.com/office/drawing/2014/main" id="{BA3663FC-28FB-1FE2-5B3C-29ADEC13F0AE}"/>
+              </a:ext>
+            </a:extLst>
+          </p:cNvPr>
+          <p:cNvSpPr>
+            <a:spLocks noGrp="1"/>
+          </p:cNvSpPr>
+          <p:nvPr>
+            <p:ph type="dt" sz="half" idx="10"/>
+          </p:nvPr>
+        </p:nvSpPr>
+        <p:spPr/>
+        <p:txBody>
+          <a:bodyPr/>
+          <a:lstStyle/>
+          <a:p>
+            <a:fld id="{D1F088C9-0FC0-440B-8314-5EF9819A24DA}" type="datetime1">
+              <a:rPr lang="nl-BE" smtClean="0"/>
+              <a:t>27/09/2022</a:t>
+            </a:fld>
+            <a:endParaRPr lang="nl-BE" dirty="0"/>
+          </a:p>
+        </p:txBody>
+      </p:sp>
+      <p:sp>
+        <p:nvSpPr>
+          <p:cNvPr id="4" name="Slide Number Placeholder 3">
+            <a:extLst>
+              <a:ext uri="{FF2B5EF4-FFF2-40B4-BE49-F238E27FC236}">
+                <a16:creationId xmlns:a16="http://schemas.microsoft.com/office/drawing/2014/main" id="{72ADBF59-EADE-5B2A-6C5A-5017A4B265FC}"/>
+              </a:ext>
+            </a:extLst>
+          </p:cNvPr>
+          <p:cNvSpPr>
+            <a:spLocks noGrp="1"/>
+          </p:cNvSpPr>
+          <p:nvPr>
+            <p:ph type="sldNum" sz="quarter" idx="12"/>
+          </p:nvPr>
+        </p:nvSpPr>
+        <p:spPr/>
+        <p:txBody>
+          <a:bodyPr/>
+          <a:lstStyle/>
+          <a:p>
+            <a:fld id="{F35D8031-C8E5-48F8-A3B6-81643B27A3AF}" type="slidenum">
+              <a:rPr lang="nl-BE" smtClean="0"/>
+              <a:pPr/>
+              <a:t>11</a:t>
+            </a:fld>
+            <a:endParaRPr lang="nl-BE" dirty="0"/>
+          </a:p>
+        </p:txBody>
+      </p:sp>
+      <p:pic>
+        <p:nvPicPr>
+          <p:cNvPr id="6" name="Picture 2" descr="Afbeeldingsresultaat voor osi model">
+            <a:extLst>
+              <a:ext uri="{FF2B5EF4-FFF2-40B4-BE49-F238E27FC236}">
+                <a16:creationId xmlns:a16="http://schemas.microsoft.com/office/drawing/2014/main" id="{A5DEE92E-B6F9-C2F1-4019-31AEE1E2F1E0}"/>
+              </a:ext>
+            </a:extLst>
+          </p:cNvPr>
+          <p:cNvPicPr>
+            <a:picLocks noChangeAspect="1" noChangeArrowheads="1"/>
+          </p:cNvPicPr>
+          <p:nvPr/>
+        </p:nvPicPr>
+        <p:blipFill rotWithShape="1">
+          <a:blip r:embed="rId2" cstate="print">
+            <a:extLst>
+              <a:ext uri="{28A0092B-C50C-407E-A947-70E740481C1C}">
+                <a14:useLocalDpi xmlns:a14="http://schemas.microsoft.com/office/drawing/2010/main" val="0"/>
+              </a:ext>
+            </a:extLst>
+          </a:blip>
+          <a:srcRect r="62872"/>
+          <a:stretch/>
+        </p:blipFill>
+        <p:spPr bwMode="auto">
+          <a:xfrm>
+            <a:off x="335360" y="1556792"/>
+            <a:ext cx="2317616" cy="4143692"/>
+          </a:xfrm>
+          <a:prstGeom prst="rect">
+            <a:avLst/>
+          </a:prstGeom>
+          <a:noFill/>
+          <a:extLst>
+            <a:ext uri="{909E8E84-426E-40DD-AFC4-6F175D3DCCD1}">
+              <a14:hiddenFill xmlns:a14="http://schemas.microsoft.com/office/drawing/2010/main">
+                <a:solidFill>
+                  <a:srgbClr val="FFFFFF"/>
+                </a:solidFill>
+              </a14:hiddenFill>
+            </a:ext>
+          </a:extLst>
+        </p:spPr>
+      </p:pic>
+      <p:sp>
+        <p:nvSpPr>
+          <p:cNvPr id="7" name="TextBox 6">
+            <a:extLst>
+              <a:ext uri="{FF2B5EF4-FFF2-40B4-BE49-F238E27FC236}">
+                <a16:creationId xmlns:a16="http://schemas.microsoft.com/office/drawing/2014/main" id="{CBE42F95-4511-B8B5-D152-86AA94812B21}"/>
+              </a:ext>
+            </a:extLst>
+          </p:cNvPr>
+          <p:cNvSpPr txBox="1"/>
+          <p:nvPr/>
+        </p:nvSpPr>
+        <p:spPr>
+          <a:xfrm>
+            <a:off x="2711624" y="1628800"/>
+            <a:ext cx="3672408" cy="565411"/>
+          </a:xfrm>
+          <a:prstGeom prst="rect">
+            <a:avLst/>
+          </a:prstGeom>
+          <a:noFill/>
+        </p:spPr>
+        <p:txBody>
+          <a:bodyPr wrap="square" rtlCol="0">
+            <a:spAutoFit/>
+          </a:bodyPr>
+          <a:lstStyle/>
+          <a:p>
+            <a:r>
+              <a:rPr lang="en-US" sz="1600" dirty="0">
+                <a:latin typeface="Open Sans" panose="020B0606030504020204" pitchFamily="34" charset="0"/>
+                <a:ea typeface="Open Sans" panose="020B0606030504020204" pitchFamily="34" charset="0"/>
+                <a:cs typeface="Open Sans" panose="020B0606030504020204" pitchFamily="34" charset="0"/>
+              </a:rPr>
+              <a:t>Type </a:t>
+            </a:r>
+            <a:r>
+              <a:rPr lang="en-BE" sz="1600" dirty="0">
+                <a:latin typeface="Open Sans" panose="020B0606030504020204" pitchFamily="34" charset="0"/>
+                <a:ea typeface="Open Sans" panose="020B0606030504020204" pitchFamily="34" charset="0"/>
+                <a:cs typeface="Open Sans" panose="020B0606030504020204" pitchFamily="34" charset="0"/>
+              </a:rPr>
+              <a:t>of </a:t>
+            </a:r>
+            <a:r>
+              <a:rPr lang="en-US" sz="1600" dirty="0" err="1">
+                <a:latin typeface="Open Sans" panose="020B0606030504020204" pitchFamily="34" charset="0"/>
+                <a:ea typeface="Open Sans" panose="020B0606030504020204" pitchFamily="34" charset="0"/>
+                <a:cs typeface="Open Sans" panose="020B0606030504020204" pitchFamily="34" charset="0"/>
+              </a:rPr>
+              <a:t>communicati</a:t>
+            </a:r>
+            <a:r>
+              <a:rPr lang="en-BE" sz="1600" dirty="0">
+                <a:latin typeface="Open Sans" panose="020B0606030504020204" pitchFamily="34" charset="0"/>
+                <a:ea typeface="Open Sans" panose="020B0606030504020204" pitchFamily="34" charset="0"/>
+                <a:cs typeface="Open Sans" panose="020B0606030504020204" pitchFamily="34" charset="0"/>
+              </a:rPr>
+              <a:t>on</a:t>
+            </a:r>
+            <a:endParaRPr lang="en-US" sz="1600" dirty="0">
+              <a:latin typeface="Open Sans" panose="020B0606030504020204" pitchFamily="34" charset="0"/>
+              <a:ea typeface="Open Sans" panose="020B0606030504020204" pitchFamily="34" charset="0"/>
+              <a:cs typeface="Open Sans" panose="020B0606030504020204" pitchFamily="34" charset="0"/>
+            </a:endParaRPr>
+          </a:p>
+          <a:p>
+            <a:pPr>
+              <a:lnSpc>
+                <a:spcPct val="150000"/>
+              </a:lnSpc>
+            </a:pPr>
+            <a:r>
+              <a:rPr lang="en-US" sz="1100" dirty="0">
+                <a:latin typeface="Open Sans" panose="020B0606030504020204" pitchFamily="34" charset="0"/>
+                <a:ea typeface="Open Sans" panose="020B0606030504020204" pitchFamily="34" charset="0"/>
+                <a:cs typeface="Open Sans" panose="020B0606030504020204" pitchFamily="34" charset="0"/>
+              </a:rPr>
+              <a:t>E-mail</a:t>
+            </a:r>
+            <a:endParaRPr lang="en-GB" sz="1100" dirty="0">
+              <a:latin typeface="Open Sans" panose="020B0606030504020204" pitchFamily="34" charset="0"/>
+              <a:ea typeface="Open Sans" panose="020B0606030504020204" pitchFamily="34" charset="0"/>
+              <a:cs typeface="Open Sans" panose="020B0606030504020204" pitchFamily="34" charset="0"/>
+            </a:endParaRPr>
+          </a:p>
+        </p:txBody>
+      </p:sp>
+      <p:sp>
+        <p:nvSpPr>
+          <p:cNvPr id="8" name="TextBox 7">
+            <a:extLst>
+              <a:ext uri="{FF2B5EF4-FFF2-40B4-BE49-F238E27FC236}">
+                <a16:creationId xmlns:a16="http://schemas.microsoft.com/office/drawing/2014/main" id="{11D6C0CA-E6A7-AC67-113B-26ACEB92D24A}"/>
+              </a:ext>
+            </a:extLst>
+          </p:cNvPr>
+          <p:cNvSpPr txBox="1"/>
+          <p:nvPr/>
+        </p:nvSpPr>
+        <p:spPr>
+          <a:xfrm>
+            <a:off x="2711624" y="2187151"/>
+            <a:ext cx="3672408" cy="565411"/>
+          </a:xfrm>
+          <a:prstGeom prst="rect">
+            <a:avLst/>
+          </a:prstGeom>
+          <a:noFill/>
+        </p:spPr>
+        <p:txBody>
+          <a:bodyPr wrap="square" rtlCol="0">
+            <a:spAutoFit/>
+          </a:bodyPr>
+          <a:lstStyle/>
+          <a:p>
+            <a:r>
+              <a:rPr lang="en-BE" sz="1600" dirty="0">
+                <a:latin typeface="Open Sans" panose="020B0606030504020204" pitchFamily="34" charset="0"/>
+                <a:ea typeface="Open Sans" panose="020B0606030504020204" pitchFamily="34" charset="0"/>
+                <a:cs typeface="Open Sans" panose="020B0606030504020204" pitchFamily="34" charset="0"/>
+              </a:rPr>
+              <a:t>Encryption and data conversion</a:t>
+            </a:r>
+            <a:endParaRPr lang="en-US" sz="1600" dirty="0">
+              <a:latin typeface="Open Sans" panose="020B0606030504020204" pitchFamily="34" charset="0"/>
+              <a:ea typeface="Open Sans" panose="020B0606030504020204" pitchFamily="34" charset="0"/>
+              <a:cs typeface="Open Sans" panose="020B0606030504020204" pitchFamily="34" charset="0"/>
+            </a:endParaRPr>
+          </a:p>
+          <a:p>
+            <a:pPr>
+              <a:lnSpc>
+                <a:spcPct val="150000"/>
+              </a:lnSpc>
+            </a:pPr>
+            <a:r>
+              <a:rPr lang="en-BE" sz="1100" dirty="0">
+                <a:latin typeface="Open Sans" panose="020B0606030504020204" pitchFamily="34" charset="0"/>
+                <a:ea typeface="Open Sans" panose="020B0606030504020204" pitchFamily="34" charset="0"/>
+                <a:cs typeface="Open Sans" panose="020B0606030504020204" pitchFamily="34" charset="0"/>
+              </a:rPr>
+              <a:t>Binary representation</a:t>
+            </a:r>
+            <a:endParaRPr lang="en-GB" sz="1100" dirty="0">
+              <a:latin typeface="Open Sans" panose="020B0606030504020204" pitchFamily="34" charset="0"/>
+              <a:ea typeface="Open Sans" panose="020B0606030504020204" pitchFamily="34" charset="0"/>
+              <a:cs typeface="Open Sans" panose="020B0606030504020204" pitchFamily="34" charset="0"/>
+            </a:endParaRPr>
+          </a:p>
+        </p:txBody>
+      </p:sp>
+      <p:sp>
+        <p:nvSpPr>
+          <p:cNvPr id="9" name="TextBox 8">
+            <a:extLst>
+              <a:ext uri="{FF2B5EF4-FFF2-40B4-BE49-F238E27FC236}">
+                <a16:creationId xmlns:a16="http://schemas.microsoft.com/office/drawing/2014/main" id="{697C8F4F-250E-4051-0A94-5B8A2BB279C4}"/>
+              </a:ext>
+            </a:extLst>
+          </p:cNvPr>
+          <p:cNvSpPr txBox="1"/>
+          <p:nvPr/>
+        </p:nvSpPr>
+        <p:spPr>
+          <a:xfrm>
+            <a:off x="2711624" y="2874422"/>
+            <a:ext cx="3672408" cy="338554"/>
+          </a:xfrm>
+          <a:prstGeom prst="rect">
+            <a:avLst/>
+          </a:prstGeom>
+          <a:noFill/>
+        </p:spPr>
+        <p:txBody>
+          <a:bodyPr wrap="square" rtlCol="0">
+            <a:spAutoFit/>
+          </a:bodyPr>
+          <a:lstStyle/>
+          <a:p>
+            <a:r>
+              <a:rPr lang="en-US" sz="1600" dirty="0">
+                <a:latin typeface="Open Sans" panose="020B0606030504020204" pitchFamily="34" charset="0"/>
+                <a:ea typeface="Open Sans" panose="020B0606030504020204" pitchFamily="34" charset="0"/>
+                <a:cs typeface="Open Sans" panose="020B0606030504020204" pitchFamily="34" charset="0"/>
+              </a:rPr>
+              <a:t>Start</a:t>
+            </a:r>
+            <a:r>
+              <a:rPr lang="en-BE" sz="1600" dirty="0" err="1">
+                <a:latin typeface="Open Sans" panose="020B0606030504020204" pitchFamily="34" charset="0"/>
+                <a:ea typeface="Open Sans" panose="020B0606030504020204" pitchFamily="34" charset="0"/>
+                <a:cs typeface="Open Sans" panose="020B0606030504020204" pitchFamily="34" charset="0"/>
+              </a:rPr>
+              <a:t>ing</a:t>
+            </a:r>
+            <a:r>
+              <a:rPr lang="en-BE" sz="1600" dirty="0">
+                <a:latin typeface="Open Sans" panose="020B0606030504020204" pitchFamily="34" charset="0"/>
+                <a:ea typeface="Open Sans" panose="020B0606030504020204" pitchFamily="34" charset="0"/>
+                <a:cs typeface="Open Sans" panose="020B0606030504020204" pitchFamily="34" charset="0"/>
+              </a:rPr>
+              <a:t>/stopping of a session</a:t>
+            </a:r>
+            <a:endParaRPr lang="en-US" sz="1600" dirty="0">
+              <a:latin typeface="Open Sans" panose="020B0606030504020204" pitchFamily="34" charset="0"/>
+              <a:ea typeface="Open Sans" panose="020B0606030504020204" pitchFamily="34" charset="0"/>
+              <a:cs typeface="Open Sans" panose="020B0606030504020204" pitchFamily="34" charset="0"/>
+            </a:endParaRPr>
+          </a:p>
+        </p:txBody>
+      </p:sp>
+      <p:sp>
+        <p:nvSpPr>
+          <p:cNvPr id="10" name="TextBox 9">
+            <a:extLst>
+              <a:ext uri="{FF2B5EF4-FFF2-40B4-BE49-F238E27FC236}">
+                <a16:creationId xmlns:a16="http://schemas.microsoft.com/office/drawing/2014/main" id="{2E9BA3F2-4531-EAB0-9D3B-C045C716930E}"/>
+              </a:ext>
+            </a:extLst>
+          </p:cNvPr>
+          <p:cNvSpPr txBox="1"/>
+          <p:nvPr/>
+        </p:nvSpPr>
+        <p:spPr>
+          <a:xfrm>
+            <a:off x="2729708" y="3345498"/>
+            <a:ext cx="3672408" cy="338554"/>
+          </a:xfrm>
+          <a:prstGeom prst="rect">
+            <a:avLst/>
+          </a:prstGeom>
+          <a:noFill/>
+        </p:spPr>
+        <p:txBody>
+          <a:bodyPr wrap="square" rtlCol="0">
+            <a:spAutoFit/>
+          </a:bodyPr>
+          <a:lstStyle/>
+          <a:p>
+            <a:r>
+              <a:rPr lang="en-BE" sz="1600" dirty="0">
+                <a:latin typeface="Open Sans" panose="020B0606030504020204" pitchFamily="34" charset="0"/>
+                <a:ea typeface="Open Sans" panose="020B0606030504020204" pitchFamily="34" charset="0"/>
+                <a:cs typeface="Open Sans" panose="020B0606030504020204" pitchFamily="34" charset="0"/>
+              </a:rPr>
+              <a:t>Ensure receiving a message</a:t>
+            </a:r>
+            <a:endParaRPr lang="en-GB" sz="1100" dirty="0">
+              <a:latin typeface="Open Sans" panose="020B0606030504020204" pitchFamily="34" charset="0"/>
+              <a:ea typeface="Open Sans" panose="020B0606030504020204" pitchFamily="34" charset="0"/>
+              <a:cs typeface="Open Sans" panose="020B0606030504020204" pitchFamily="34" charset="0"/>
+            </a:endParaRPr>
+          </a:p>
+        </p:txBody>
+      </p:sp>
+      <p:sp>
+        <p:nvSpPr>
+          <p:cNvPr id="11" name="TextBox 10">
+            <a:extLst>
+              <a:ext uri="{FF2B5EF4-FFF2-40B4-BE49-F238E27FC236}">
+                <a16:creationId xmlns:a16="http://schemas.microsoft.com/office/drawing/2014/main" id="{8A2C09BA-F746-F9D6-761D-F58EEA877B51}"/>
+              </a:ext>
+            </a:extLst>
+          </p:cNvPr>
+          <p:cNvSpPr txBox="1"/>
+          <p:nvPr/>
+        </p:nvSpPr>
+        <p:spPr>
+          <a:xfrm>
+            <a:off x="2729708" y="4023526"/>
+            <a:ext cx="3672408" cy="338554"/>
+          </a:xfrm>
+          <a:prstGeom prst="rect">
+            <a:avLst/>
+          </a:prstGeom>
+          <a:noFill/>
+        </p:spPr>
+        <p:txBody>
+          <a:bodyPr wrap="square" rtlCol="0">
+            <a:spAutoFit/>
+          </a:bodyPr>
+          <a:lstStyle/>
+          <a:p>
+            <a:r>
+              <a:rPr lang="en-US" sz="1600" dirty="0">
+                <a:latin typeface="Open Sans" panose="020B0606030504020204" pitchFamily="34" charset="0"/>
+                <a:ea typeface="Open Sans" panose="020B0606030504020204" pitchFamily="34" charset="0"/>
+                <a:cs typeface="Open Sans" panose="020B0606030504020204" pitchFamily="34" charset="0"/>
+              </a:rPr>
+              <a:t>Data </a:t>
+            </a:r>
+            <a:r>
+              <a:rPr lang="en-BE" sz="1600" dirty="0">
+                <a:latin typeface="Open Sans" panose="020B0606030504020204" pitchFamily="34" charset="0"/>
+                <a:ea typeface="Open Sans" panose="020B0606030504020204" pitchFamily="34" charset="0"/>
+                <a:cs typeface="Open Sans" panose="020B0606030504020204" pitchFamily="34" charset="0"/>
+              </a:rPr>
+              <a:t>routing</a:t>
+            </a:r>
+            <a:endParaRPr lang="en-GB" sz="1100" dirty="0">
+              <a:latin typeface="Open Sans" panose="020B0606030504020204" pitchFamily="34" charset="0"/>
+              <a:ea typeface="Open Sans" panose="020B0606030504020204" pitchFamily="34" charset="0"/>
+              <a:cs typeface="Open Sans" panose="020B0606030504020204" pitchFamily="34" charset="0"/>
+            </a:endParaRPr>
+          </a:p>
+        </p:txBody>
+      </p:sp>
+      <p:sp>
+        <p:nvSpPr>
+          <p:cNvPr id="12" name="TextBox 11">
+            <a:extLst>
+              <a:ext uri="{FF2B5EF4-FFF2-40B4-BE49-F238E27FC236}">
+                <a16:creationId xmlns:a16="http://schemas.microsoft.com/office/drawing/2014/main" id="{3F1FAC01-C69A-DD50-10BA-59761DEC53D2}"/>
+              </a:ext>
+            </a:extLst>
+          </p:cNvPr>
+          <p:cNvSpPr txBox="1"/>
+          <p:nvPr/>
+        </p:nvSpPr>
+        <p:spPr>
+          <a:xfrm>
+            <a:off x="2729708" y="4488624"/>
+            <a:ext cx="3672408" cy="584775"/>
+          </a:xfrm>
+          <a:prstGeom prst="rect">
+            <a:avLst/>
+          </a:prstGeom>
+          <a:noFill/>
+        </p:spPr>
+        <p:txBody>
+          <a:bodyPr wrap="square" rtlCol="0">
+            <a:spAutoFit/>
+          </a:bodyPr>
+          <a:lstStyle/>
+          <a:p>
+            <a:r>
+              <a:rPr lang="en-BE" sz="1600" dirty="0">
+                <a:latin typeface="Open Sans" panose="020B0606030504020204" pitchFamily="34" charset="0"/>
+                <a:ea typeface="Open Sans" panose="020B0606030504020204" pitchFamily="34" charset="0"/>
+                <a:cs typeface="Open Sans" panose="020B0606030504020204" pitchFamily="34" charset="0"/>
+              </a:rPr>
+              <a:t>Packet transmission between neighbouring nodes</a:t>
+            </a:r>
+            <a:endParaRPr lang="en-GB" sz="1100" dirty="0">
+              <a:latin typeface="Open Sans" panose="020B0606030504020204" pitchFamily="34" charset="0"/>
+              <a:ea typeface="Open Sans" panose="020B0606030504020204" pitchFamily="34" charset="0"/>
+              <a:cs typeface="Open Sans" panose="020B0606030504020204" pitchFamily="34" charset="0"/>
+            </a:endParaRPr>
+          </a:p>
+        </p:txBody>
+      </p:sp>
+      <p:sp>
+        <p:nvSpPr>
+          <p:cNvPr id="13" name="TextBox 12">
+            <a:extLst>
+              <a:ext uri="{FF2B5EF4-FFF2-40B4-BE49-F238E27FC236}">
+                <a16:creationId xmlns:a16="http://schemas.microsoft.com/office/drawing/2014/main" id="{2FB7625C-6FFD-F993-93D1-B9E46FFED28F}"/>
+              </a:ext>
+            </a:extLst>
+          </p:cNvPr>
+          <p:cNvSpPr txBox="1"/>
+          <p:nvPr/>
+        </p:nvSpPr>
+        <p:spPr>
+          <a:xfrm>
+            <a:off x="2729708" y="5167404"/>
+            <a:ext cx="3672408" cy="338554"/>
+          </a:xfrm>
+          <a:prstGeom prst="rect">
+            <a:avLst/>
+          </a:prstGeom>
+          <a:noFill/>
+        </p:spPr>
+        <p:txBody>
+          <a:bodyPr wrap="square" rtlCol="0">
+            <a:spAutoFit/>
+          </a:bodyPr>
+          <a:lstStyle/>
+          <a:p>
+            <a:r>
+              <a:rPr lang="en-BE" sz="1600" dirty="0">
+                <a:latin typeface="Open Sans" panose="020B0606030504020204" pitchFamily="34" charset="0"/>
+                <a:ea typeface="Open Sans" panose="020B0606030504020204" pitchFamily="34" charset="0"/>
+                <a:cs typeface="Open Sans" panose="020B0606030504020204" pitchFamily="34" charset="0"/>
+              </a:rPr>
+              <a:t>Electrical Signals</a:t>
+            </a:r>
+            <a:endParaRPr lang="en-GB" sz="1100" dirty="0">
+              <a:latin typeface="Open Sans" panose="020B0606030504020204" pitchFamily="34" charset="0"/>
+              <a:ea typeface="Open Sans" panose="020B0606030504020204" pitchFamily="34" charset="0"/>
+              <a:cs typeface="Open Sans" panose="020B0606030504020204" pitchFamily="34" charset="0"/>
+            </a:endParaRPr>
+          </a:p>
+        </p:txBody>
+      </p:sp>
+      <p:sp>
+        <p:nvSpPr>
+          <p:cNvPr id="14" name="Rectangle 13">
+            <a:extLst>
+              <a:ext uri="{FF2B5EF4-FFF2-40B4-BE49-F238E27FC236}">
+                <a16:creationId xmlns:a16="http://schemas.microsoft.com/office/drawing/2014/main" id="{D72490DE-1CBE-2AB5-41BB-30DABD650596}"/>
+              </a:ext>
+            </a:extLst>
+          </p:cNvPr>
+          <p:cNvSpPr/>
+          <p:nvPr/>
+        </p:nvSpPr>
+        <p:spPr>
+          <a:xfrm>
+            <a:off x="1142688" y="1268760"/>
+            <a:ext cx="4953312" cy="2628222"/>
+          </a:xfrm>
+          <a:prstGeom prst="rect">
+            <a:avLst/>
+          </a:prstGeom>
+          <a:solidFill>
+            <a:srgbClr val="FFFFFF">
+              <a:alpha val="80000"/>
+            </a:srgbClr>
+          </a:solidFill>
+          <a:ln>
+            <a:noFill/>
+          </a:ln>
+        </p:spPr>
+        <p:style>
+          <a:lnRef idx="2">
+            <a:schemeClr val="accent1">
+              <a:shade val="50000"/>
+            </a:schemeClr>
+          </a:lnRef>
+          <a:fillRef idx="1">
+            <a:schemeClr val="accent1"/>
+          </a:fillRef>
+          <a:effectRef idx="0">
+            <a:schemeClr val="accent1"/>
+          </a:effectRef>
+          <a:fontRef idx="minor">
+            <a:schemeClr val="lt1"/>
+          </a:fontRef>
+        </p:style>
+        <p:txBody>
+          <a:bodyPr rtlCol="0" anchor="ctr"/>
+          <a:lstStyle/>
+          <a:p>
+            <a:pPr algn="ctr"/>
+            <a:endParaRPr lang="en-BE" dirty="0">
+              <a:latin typeface="Open Sans" panose="020B0606030504020204" pitchFamily="34" charset="0"/>
+              <a:ea typeface="Open Sans" panose="020B0606030504020204" pitchFamily="34" charset="0"/>
+              <a:cs typeface="Open Sans" panose="020B0606030504020204" pitchFamily="34" charset="0"/>
+            </a:endParaRPr>
+          </a:p>
+        </p:txBody>
+      </p:sp>
+      <p:sp>
+        <p:nvSpPr>
+          <p:cNvPr id="15" name="Rectangle 14">
+            <a:extLst>
+              <a:ext uri="{FF2B5EF4-FFF2-40B4-BE49-F238E27FC236}">
+                <a16:creationId xmlns:a16="http://schemas.microsoft.com/office/drawing/2014/main" id="{379C91B9-2DFE-2ACF-AEA7-4A6588E2418D}"/>
+              </a:ext>
+            </a:extLst>
+          </p:cNvPr>
+          <p:cNvSpPr/>
+          <p:nvPr/>
+        </p:nvSpPr>
+        <p:spPr>
+          <a:xfrm>
+            <a:off x="1142688" y="5021889"/>
+            <a:ext cx="5040560" cy="800455"/>
+          </a:xfrm>
+          <a:prstGeom prst="rect">
+            <a:avLst/>
+          </a:prstGeom>
+          <a:solidFill>
+            <a:srgbClr val="FFFFFF">
+              <a:alpha val="80000"/>
+            </a:srgbClr>
+          </a:solidFill>
+          <a:ln>
+            <a:noFill/>
+          </a:ln>
+        </p:spPr>
+        <p:style>
+          <a:lnRef idx="2">
+            <a:schemeClr val="accent1">
+              <a:shade val="50000"/>
+            </a:schemeClr>
+          </a:lnRef>
+          <a:fillRef idx="1">
+            <a:schemeClr val="accent1"/>
+          </a:fillRef>
+          <a:effectRef idx="0">
+            <a:schemeClr val="accent1"/>
+          </a:effectRef>
+          <a:fontRef idx="minor">
+            <a:schemeClr val="lt1"/>
+          </a:fontRef>
+        </p:style>
+        <p:txBody>
+          <a:bodyPr rtlCol="0" anchor="ctr"/>
+          <a:lstStyle/>
+          <a:p>
+            <a:pPr algn="ctr"/>
+            <a:endParaRPr lang="en-BE" dirty="0">
+              <a:latin typeface="Open Sans" panose="020B0606030504020204" pitchFamily="34" charset="0"/>
+              <a:ea typeface="Open Sans" panose="020B0606030504020204" pitchFamily="34" charset="0"/>
+              <a:cs typeface="Open Sans" panose="020B0606030504020204" pitchFamily="34" charset="0"/>
+            </a:endParaRPr>
+          </a:p>
+        </p:txBody>
+      </p:sp>
+      <p:sp>
+        <p:nvSpPr>
+          <p:cNvPr id="5" name="Oval 4">
+            <a:extLst>
+              <a:ext uri="{FF2B5EF4-FFF2-40B4-BE49-F238E27FC236}">
+                <a16:creationId xmlns:a16="http://schemas.microsoft.com/office/drawing/2014/main" id="{25086D6E-E7A4-C9DB-16DA-70EE9852A6AA}"/>
+              </a:ext>
+            </a:extLst>
+          </p:cNvPr>
+          <p:cNvSpPr/>
+          <p:nvPr/>
+        </p:nvSpPr>
+        <p:spPr>
+          <a:xfrm>
+            <a:off x="8423072" y="2671579"/>
+            <a:ext cx="288032" cy="288032"/>
+          </a:xfrm>
+          <a:prstGeom prst="ellipse">
+            <a:avLst/>
+          </a:prstGeom>
+          <a:solidFill>
+            <a:schemeClr val="tx2"/>
+          </a:solidFill>
+          <a:ln>
+            <a:noFill/>
+          </a:ln>
+        </p:spPr>
+        <p:style>
+          <a:lnRef idx="2">
+            <a:schemeClr val="accent1">
+              <a:shade val="50000"/>
+            </a:schemeClr>
+          </a:lnRef>
+          <a:fillRef idx="1">
+            <a:schemeClr val="accent1"/>
+          </a:fillRef>
+          <a:effectRef idx="0">
+            <a:schemeClr val="accent1"/>
+          </a:effectRef>
+          <a:fontRef idx="minor">
+            <a:schemeClr val="lt1"/>
+          </a:fontRef>
+        </p:style>
+        <p:txBody>
+          <a:bodyPr rtlCol="0" anchor="ctr"/>
+          <a:lstStyle/>
+          <a:p>
+            <a:pPr algn="ctr"/>
+            <a:endParaRPr lang="en-BE" dirty="0">
+              <a:latin typeface="Open Sans" panose="020B0606030504020204" pitchFamily="34" charset="0"/>
+              <a:ea typeface="Open Sans" panose="020B0606030504020204" pitchFamily="34" charset="0"/>
+              <a:cs typeface="Open Sans" panose="020B0606030504020204" pitchFamily="34" charset="0"/>
+            </a:endParaRPr>
+          </a:p>
+        </p:txBody>
+      </p:sp>
+      <p:sp>
+        <p:nvSpPr>
+          <p:cNvPr id="16" name="Oval 15">
+            <a:extLst>
+              <a:ext uri="{FF2B5EF4-FFF2-40B4-BE49-F238E27FC236}">
+                <a16:creationId xmlns:a16="http://schemas.microsoft.com/office/drawing/2014/main" id="{097DC7C8-2978-B2C5-AB33-716B257AEA45}"/>
+              </a:ext>
+            </a:extLst>
+          </p:cNvPr>
+          <p:cNvSpPr/>
+          <p:nvPr/>
+        </p:nvSpPr>
+        <p:spPr>
+          <a:xfrm>
+            <a:off x="9935240" y="2671579"/>
+            <a:ext cx="288032" cy="288032"/>
+          </a:xfrm>
+          <a:prstGeom prst="ellipse">
+            <a:avLst/>
+          </a:prstGeom>
+          <a:solidFill>
+            <a:srgbClr val="65318F"/>
+          </a:solidFill>
+          <a:ln>
+            <a:noFill/>
+          </a:ln>
+        </p:spPr>
+        <p:style>
+          <a:lnRef idx="2">
+            <a:schemeClr val="accent1">
+              <a:shade val="50000"/>
+            </a:schemeClr>
+          </a:lnRef>
+          <a:fillRef idx="1">
+            <a:schemeClr val="accent1"/>
+          </a:fillRef>
+          <a:effectRef idx="0">
+            <a:schemeClr val="accent1"/>
+          </a:effectRef>
+          <a:fontRef idx="minor">
+            <a:schemeClr val="lt1"/>
+          </a:fontRef>
+        </p:style>
+        <p:txBody>
+          <a:bodyPr rtlCol="0" anchor="ctr"/>
+          <a:lstStyle/>
+          <a:p>
+            <a:pPr algn="ctr"/>
+            <a:endParaRPr lang="en-BE" dirty="0">
+              <a:latin typeface="Open Sans" panose="020B0606030504020204" pitchFamily="34" charset="0"/>
+              <a:ea typeface="Open Sans" panose="020B0606030504020204" pitchFamily="34" charset="0"/>
+              <a:cs typeface="Open Sans" panose="020B0606030504020204" pitchFamily="34" charset="0"/>
+            </a:endParaRPr>
+          </a:p>
+        </p:txBody>
+      </p:sp>
+      <p:sp>
+        <p:nvSpPr>
+          <p:cNvPr id="17" name="Oval 16">
+            <a:extLst>
+              <a:ext uri="{FF2B5EF4-FFF2-40B4-BE49-F238E27FC236}">
+                <a16:creationId xmlns:a16="http://schemas.microsoft.com/office/drawing/2014/main" id="{DCE0C8E4-5837-5332-6264-8E1A01F3E420}"/>
+              </a:ext>
+            </a:extLst>
+          </p:cNvPr>
+          <p:cNvSpPr/>
+          <p:nvPr/>
+        </p:nvSpPr>
+        <p:spPr>
+          <a:xfrm>
+            <a:off x="9503192" y="3306510"/>
+            <a:ext cx="288032" cy="288032"/>
+          </a:xfrm>
+          <a:prstGeom prst="ellipse">
+            <a:avLst/>
+          </a:prstGeom>
+          <a:solidFill>
+            <a:srgbClr val="65318F"/>
+          </a:solidFill>
+          <a:ln>
+            <a:noFill/>
+          </a:ln>
+        </p:spPr>
+        <p:style>
+          <a:lnRef idx="2">
+            <a:schemeClr val="accent1">
+              <a:shade val="50000"/>
+            </a:schemeClr>
+          </a:lnRef>
+          <a:fillRef idx="1">
+            <a:schemeClr val="accent1"/>
+          </a:fillRef>
+          <a:effectRef idx="0">
+            <a:schemeClr val="accent1"/>
+          </a:effectRef>
+          <a:fontRef idx="minor">
+            <a:schemeClr val="lt1"/>
+          </a:fontRef>
+        </p:style>
+        <p:txBody>
+          <a:bodyPr rtlCol="0" anchor="ctr"/>
+          <a:lstStyle/>
+          <a:p>
+            <a:pPr algn="ctr"/>
+            <a:endParaRPr lang="en-BE" dirty="0">
+              <a:latin typeface="Open Sans" panose="020B0606030504020204" pitchFamily="34" charset="0"/>
+              <a:ea typeface="Open Sans" panose="020B0606030504020204" pitchFamily="34" charset="0"/>
+              <a:cs typeface="Open Sans" panose="020B0606030504020204" pitchFamily="34" charset="0"/>
+            </a:endParaRPr>
+          </a:p>
+        </p:txBody>
+      </p:sp>
+      <p:cxnSp>
+        <p:nvCxnSpPr>
+          <p:cNvPr id="19" name="Straight Arrow Connector 18">
+            <a:extLst>
+              <a:ext uri="{FF2B5EF4-FFF2-40B4-BE49-F238E27FC236}">
+                <a16:creationId xmlns:a16="http://schemas.microsoft.com/office/drawing/2014/main" id="{7C34CC47-B172-CF57-24F1-3407E1AD7C9E}"/>
+              </a:ext>
+            </a:extLst>
+          </p:cNvPr>
+          <p:cNvCxnSpPr>
+            <a:cxnSpLocks/>
+          </p:cNvCxnSpPr>
+          <p:nvPr/>
+        </p:nvCxnSpPr>
+        <p:spPr>
+          <a:xfrm flipH="1">
+            <a:off x="9791224" y="2996952"/>
+            <a:ext cx="193208" cy="309558"/>
+          </a:xfrm>
+          <a:prstGeom prst="straightConnector1">
+            <a:avLst/>
+          </a:prstGeom>
+          <a:ln>
+            <a:solidFill>
+              <a:srgbClr val="65318F"/>
+            </a:solidFill>
+            <a:headEnd type="none" w="med" len="med"/>
+            <a:tailEnd type="arrow" w="med" len="med"/>
+          </a:ln>
+        </p:spPr>
+        <p:style>
+          <a:lnRef idx="1">
+            <a:schemeClr val="accent1"/>
+          </a:lnRef>
+          <a:fillRef idx="0">
+            <a:schemeClr val="accent1"/>
+          </a:fillRef>
+          <a:effectRef idx="0">
+            <a:schemeClr val="accent1"/>
+          </a:effectRef>
+          <a:fontRef idx="minor">
+            <a:schemeClr val="tx1"/>
+          </a:fontRef>
+        </p:style>
+      </p:cxnSp>
+    </p:spTree>
+    <p:extLst>
+      <p:ext uri="{BB962C8B-B14F-4D97-AF65-F5344CB8AC3E}">
+        <p14:creationId xmlns:p14="http://schemas.microsoft.com/office/powerpoint/2010/main" val="1861365021"/>
+      </p:ext>
+    </p:extLst>
+  </p:cSld>
+  <p:clrMapOvr>
+    <a:masterClrMapping/>
+  </p:clrMapOvr>
+</p:sld>
+</file>
+
+<file path=ppt/slides/slide12.xml><?xml version="1.0" encoding="utf-8"?>
+<p:sld xmlns:a="http://schemas.openxmlformats.org/drawingml/2006/main" xmlns:r="http://schemas.openxmlformats.org/officeDocument/2006/relationships" xmlns:p="http://schemas.openxmlformats.org/presentationml/2006/main">
+  <p:cSld>
+    <p:spTree>
+      <p:nvGrpSpPr>
+        <p:cNvPr id="1" name=""/>
+        <p:cNvGrpSpPr/>
+        <p:nvPr/>
+      </p:nvGrpSpPr>
+      <p:grpSpPr>
+        <a:xfrm>
+          <a:off x="0" y="0"/>
+          <a:ext cx="0" cy="0"/>
+          <a:chOff x="0" y="0"/>
+          <a:chExt cx="0" cy="0"/>
+        </a:xfrm>
+      </p:grpSpPr>
+      <p:sp>
+        <p:nvSpPr>
+          <p:cNvPr id="2" name="Title 1">
+            <a:extLst>
+              <a:ext uri="{FF2B5EF4-FFF2-40B4-BE49-F238E27FC236}">
+                <a16:creationId xmlns:a16="http://schemas.microsoft.com/office/drawing/2014/main" id="{9EA55982-6A49-0C7B-67A8-393E5A2EABAF}"/>
+              </a:ext>
+            </a:extLst>
+          </p:cNvPr>
+          <p:cNvSpPr>
+            <a:spLocks noGrp="1"/>
+          </p:cNvSpPr>
+          <p:nvPr>
+            <p:ph type="title"/>
+          </p:nvPr>
+        </p:nvSpPr>
+        <p:spPr/>
+        <p:txBody>
+          <a:bodyPr/>
+          <a:lstStyle/>
+          <a:p>
+            <a:r>
+              <a:rPr lang="en-BE" dirty="0"/>
+              <a:t>Layer 2 versus layer 3</a:t>
+            </a:r>
+          </a:p>
+        </p:txBody>
+      </p:sp>
+      <p:sp>
+        <p:nvSpPr>
+          <p:cNvPr id="3" name="Date Placeholder 2">
+            <a:extLst>
+              <a:ext uri="{FF2B5EF4-FFF2-40B4-BE49-F238E27FC236}">
+                <a16:creationId xmlns:a16="http://schemas.microsoft.com/office/drawing/2014/main" id="{BA3663FC-28FB-1FE2-5B3C-29ADEC13F0AE}"/>
+              </a:ext>
+            </a:extLst>
+          </p:cNvPr>
+          <p:cNvSpPr>
+            <a:spLocks noGrp="1"/>
+          </p:cNvSpPr>
+          <p:nvPr>
+            <p:ph type="dt" sz="half" idx="10"/>
+          </p:nvPr>
+        </p:nvSpPr>
+        <p:spPr/>
+        <p:txBody>
+          <a:bodyPr/>
+          <a:lstStyle/>
+          <a:p>
+            <a:fld id="{D1F088C9-0FC0-440B-8314-5EF9819A24DA}" type="datetime1">
+              <a:rPr lang="nl-BE" smtClean="0"/>
+              <a:t>27/09/2022</a:t>
+            </a:fld>
+            <a:endParaRPr lang="nl-BE" dirty="0"/>
+          </a:p>
+        </p:txBody>
+      </p:sp>
+      <p:sp>
+        <p:nvSpPr>
+          <p:cNvPr id="4" name="Slide Number Placeholder 3">
+            <a:extLst>
+              <a:ext uri="{FF2B5EF4-FFF2-40B4-BE49-F238E27FC236}">
+                <a16:creationId xmlns:a16="http://schemas.microsoft.com/office/drawing/2014/main" id="{72ADBF59-EADE-5B2A-6C5A-5017A4B265FC}"/>
+              </a:ext>
+            </a:extLst>
+          </p:cNvPr>
+          <p:cNvSpPr>
+            <a:spLocks noGrp="1"/>
+          </p:cNvSpPr>
+          <p:nvPr>
+            <p:ph type="sldNum" sz="quarter" idx="12"/>
+          </p:nvPr>
+        </p:nvSpPr>
+        <p:spPr/>
+        <p:txBody>
+          <a:bodyPr/>
+          <a:lstStyle/>
+          <a:p>
+            <a:fld id="{F35D8031-C8E5-48F8-A3B6-81643B27A3AF}" type="slidenum">
+              <a:rPr lang="nl-BE" smtClean="0"/>
+              <a:pPr/>
+              <a:t>12</a:t>
+            </a:fld>
+            <a:endParaRPr lang="nl-BE" dirty="0"/>
+          </a:p>
+        </p:txBody>
+      </p:sp>
+      <p:pic>
+        <p:nvPicPr>
+          <p:cNvPr id="6" name="Picture 2" descr="Afbeeldingsresultaat voor osi model">
+            <a:extLst>
+              <a:ext uri="{FF2B5EF4-FFF2-40B4-BE49-F238E27FC236}">
+                <a16:creationId xmlns:a16="http://schemas.microsoft.com/office/drawing/2014/main" id="{A5DEE92E-B6F9-C2F1-4019-31AEE1E2F1E0}"/>
+              </a:ext>
+            </a:extLst>
+          </p:cNvPr>
+          <p:cNvPicPr>
+            <a:picLocks noChangeAspect="1" noChangeArrowheads="1"/>
+          </p:cNvPicPr>
+          <p:nvPr/>
+        </p:nvPicPr>
+        <p:blipFill rotWithShape="1">
+          <a:blip r:embed="rId2" cstate="print">
+            <a:extLst>
+              <a:ext uri="{28A0092B-C50C-407E-A947-70E740481C1C}">
+                <a14:useLocalDpi xmlns:a14="http://schemas.microsoft.com/office/drawing/2010/main" val="0"/>
+              </a:ext>
+            </a:extLst>
+          </a:blip>
+          <a:srcRect r="62872"/>
+          <a:stretch/>
+        </p:blipFill>
+        <p:spPr bwMode="auto">
+          <a:xfrm>
+            <a:off x="335360" y="1556792"/>
+            <a:ext cx="2317616" cy="4143692"/>
+          </a:xfrm>
+          <a:prstGeom prst="rect">
+            <a:avLst/>
+          </a:prstGeom>
+          <a:noFill/>
+          <a:extLst>
+            <a:ext uri="{909E8E84-426E-40DD-AFC4-6F175D3DCCD1}">
+              <a14:hiddenFill xmlns:a14="http://schemas.microsoft.com/office/drawing/2010/main">
+                <a:solidFill>
+                  <a:srgbClr val="FFFFFF"/>
+                </a:solidFill>
+              </a14:hiddenFill>
+            </a:ext>
+          </a:extLst>
+        </p:spPr>
+      </p:pic>
+      <p:sp>
+        <p:nvSpPr>
+          <p:cNvPr id="7" name="TextBox 6">
+            <a:extLst>
+              <a:ext uri="{FF2B5EF4-FFF2-40B4-BE49-F238E27FC236}">
+                <a16:creationId xmlns:a16="http://schemas.microsoft.com/office/drawing/2014/main" id="{CBE42F95-4511-B8B5-D152-86AA94812B21}"/>
+              </a:ext>
+            </a:extLst>
+          </p:cNvPr>
+          <p:cNvSpPr txBox="1"/>
+          <p:nvPr/>
+        </p:nvSpPr>
+        <p:spPr>
+          <a:xfrm>
+            <a:off x="2711624" y="1628800"/>
+            <a:ext cx="3672408" cy="565411"/>
+          </a:xfrm>
+          <a:prstGeom prst="rect">
+            <a:avLst/>
+          </a:prstGeom>
+          <a:noFill/>
+        </p:spPr>
+        <p:txBody>
+          <a:bodyPr wrap="square" rtlCol="0">
+            <a:spAutoFit/>
+          </a:bodyPr>
+          <a:lstStyle/>
+          <a:p>
+            <a:r>
+              <a:rPr lang="en-US" sz="1600" dirty="0">
+                <a:latin typeface="Open Sans" panose="020B0606030504020204" pitchFamily="34" charset="0"/>
+                <a:ea typeface="Open Sans" panose="020B0606030504020204" pitchFamily="34" charset="0"/>
+                <a:cs typeface="Open Sans" panose="020B0606030504020204" pitchFamily="34" charset="0"/>
+              </a:rPr>
+              <a:t>Type </a:t>
+            </a:r>
+            <a:r>
+              <a:rPr lang="en-BE" sz="1600" dirty="0">
+                <a:latin typeface="Open Sans" panose="020B0606030504020204" pitchFamily="34" charset="0"/>
+                <a:ea typeface="Open Sans" panose="020B0606030504020204" pitchFamily="34" charset="0"/>
+                <a:cs typeface="Open Sans" panose="020B0606030504020204" pitchFamily="34" charset="0"/>
+              </a:rPr>
+              <a:t>of </a:t>
+            </a:r>
+            <a:r>
+              <a:rPr lang="en-US" sz="1600" dirty="0" err="1">
+                <a:latin typeface="Open Sans" panose="020B0606030504020204" pitchFamily="34" charset="0"/>
+                <a:ea typeface="Open Sans" panose="020B0606030504020204" pitchFamily="34" charset="0"/>
+                <a:cs typeface="Open Sans" panose="020B0606030504020204" pitchFamily="34" charset="0"/>
+              </a:rPr>
+              <a:t>communicati</a:t>
+            </a:r>
+            <a:r>
+              <a:rPr lang="en-BE" sz="1600" dirty="0">
+                <a:latin typeface="Open Sans" panose="020B0606030504020204" pitchFamily="34" charset="0"/>
+                <a:ea typeface="Open Sans" panose="020B0606030504020204" pitchFamily="34" charset="0"/>
+                <a:cs typeface="Open Sans" panose="020B0606030504020204" pitchFamily="34" charset="0"/>
+              </a:rPr>
+              <a:t>on</a:t>
+            </a:r>
+            <a:endParaRPr lang="en-US" sz="1600" dirty="0">
+              <a:latin typeface="Open Sans" panose="020B0606030504020204" pitchFamily="34" charset="0"/>
+              <a:ea typeface="Open Sans" panose="020B0606030504020204" pitchFamily="34" charset="0"/>
+              <a:cs typeface="Open Sans" panose="020B0606030504020204" pitchFamily="34" charset="0"/>
+            </a:endParaRPr>
+          </a:p>
+          <a:p>
+            <a:pPr>
+              <a:lnSpc>
+                <a:spcPct val="150000"/>
+              </a:lnSpc>
+            </a:pPr>
+            <a:r>
+              <a:rPr lang="en-US" sz="1100" dirty="0">
+                <a:latin typeface="Open Sans" panose="020B0606030504020204" pitchFamily="34" charset="0"/>
+                <a:ea typeface="Open Sans" panose="020B0606030504020204" pitchFamily="34" charset="0"/>
+                <a:cs typeface="Open Sans" panose="020B0606030504020204" pitchFamily="34" charset="0"/>
+              </a:rPr>
+              <a:t>E-mail</a:t>
+            </a:r>
+            <a:endParaRPr lang="en-GB" sz="1100" dirty="0">
+              <a:latin typeface="Open Sans" panose="020B0606030504020204" pitchFamily="34" charset="0"/>
+              <a:ea typeface="Open Sans" panose="020B0606030504020204" pitchFamily="34" charset="0"/>
+              <a:cs typeface="Open Sans" panose="020B0606030504020204" pitchFamily="34" charset="0"/>
+            </a:endParaRPr>
+          </a:p>
+        </p:txBody>
+      </p:sp>
+      <p:sp>
+        <p:nvSpPr>
+          <p:cNvPr id="8" name="TextBox 7">
+            <a:extLst>
+              <a:ext uri="{FF2B5EF4-FFF2-40B4-BE49-F238E27FC236}">
+                <a16:creationId xmlns:a16="http://schemas.microsoft.com/office/drawing/2014/main" id="{11D6C0CA-E6A7-AC67-113B-26ACEB92D24A}"/>
+              </a:ext>
+            </a:extLst>
+          </p:cNvPr>
+          <p:cNvSpPr txBox="1"/>
+          <p:nvPr/>
+        </p:nvSpPr>
+        <p:spPr>
+          <a:xfrm>
+            <a:off x="2711624" y="2187151"/>
+            <a:ext cx="3672408" cy="565411"/>
+          </a:xfrm>
+          <a:prstGeom prst="rect">
+            <a:avLst/>
+          </a:prstGeom>
+          <a:noFill/>
+        </p:spPr>
+        <p:txBody>
+          <a:bodyPr wrap="square" rtlCol="0">
+            <a:spAutoFit/>
+          </a:bodyPr>
+          <a:lstStyle/>
+          <a:p>
+            <a:r>
+              <a:rPr lang="en-BE" sz="1600" dirty="0">
+                <a:latin typeface="Open Sans" panose="020B0606030504020204" pitchFamily="34" charset="0"/>
+                <a:ea typeface="Open Sans" panose="020B0606030504020204" pitchFamily="34" charset="0"/>
+                <a:cs typeface="Open Sans" panose="020B0606030504020204" pitchFamily="34" charset="0"/>
+              </a:rPr>
+              <a:t>Encryption and data conversion</a:t>
+            </a:r>
+            <a:endParaRPr lang="en-US" sz="1600" dirty="0">
+              <a:latin typeface="Open Sans" panose="020B0606030504020204" pitchFamily="34" charset="0"/>
+              <a:ea typeface="Open Sans" panose="020B0606030504020204" pitchFamily="34" charset="0"/>
+              <a:cs typeface="Open Sans" panose="020B0606030504020204" pitchFamily="34" charset="0"/>
+            </a:endParaRPr>
+          </a:p>
+          <a:p>
+            <a:pPr>
+              <a:lnSpc>
+                <a:spcPct val="150000"/>
+              </a:lnSpc>
+            </a:pPr>
+            <a:r>
+              <a:rPr lang="en-BE" sz="1100" dirty="0">
+                <a:latin typeface="Open Sans" panose="020B0606030504020204" pitchFamily="34" charset="0"/>
+                <a:ea typeface="Open Sans" panose="020B0606030504020204" pitchFamily="34" charset="0"/>
+                <a:cs typeface="Open Sans" panose="020B0606030504020204" pitchFamily="34" charset="0"/>
+              </a:rPr>
+              <a:t>Binary representation</a:t>
+            </a:r>
+            <a:endParaRPr lang="en-GB" sz="1100" dirty="0">
+              <a:latin typeface="Open Sans" panose="020B0606030504020204" pitchFamily="34" charset="0"/>
+              <a:ea typeface="Open Sans" panose="020B0606030504020204" pitchFamily="34" charset="0"/>
+              <a:cs typeface="Open Sans" panose="020B0606030504020204" pitchFamily="34" charset="0"/>
+            </a:endParaRPr>
+          </a:p>
+        </p:txBody>
+      </p:sp>
+      <p:sp>
+        <p:nvSpPr>
+          <p:cNvPr id="9" name="TextBox 8">
+            <a:extLst>
+              <a:ext uri="{FF2B5EF4-FFF2-40B4-BE49-F238E27FC236}">
+                <a16:creationId xmlns:a16="http://schemas.microsoft.com/office/drawing/2014/main" id="{697C8F4F-250E-4051-0A94-5B8A2BB279C4}"/>
+              </a:ext>
+            </a:extLst>
+          </p:cNvPr>
+          <p:cNvSpPr txBox="1"/>
+          <p:nvPr/>
+        </p:nvSpPr>
+        <p:spPr>
+          <a:xfrm>
+            <a:off x="2711624" y="2874422"/>
+            <a:ext cx="3672408" cy="338554"/>
+          </a:xfrm>
+          <a:prstGeom prst="rect">
+            <a:avLst/>
+          </a:prstGeom>
+          <a:noFill/>
+        </p:spPr>
+        <p:txBody>
+          <a:bodyPr wrap="square" rtlCol="0">
+            <a:spAutoFit/>
+          </a:bodyPr>
+          <a:lstStyle/>
+          <a:p>
+            <a:r>
+              <a:rPr lang="en-US" sz="1600" dirty="0">
+                <a:latin typeface="Open Sans" panose="020B0606030504020204" pitchFamily="34" charset="0"/>
+                <a:ea typeface="Open Sans" panose="020B0606030504020204" pitchFamily="34" charset="0"/>
+                <a:cs typeface="Open Sans" panose="020B0606030504020204" pitchFamily="34" charset="0"/>
+              </a:rPr>
+              <a:t>Start</a:t>
+            </a:r>
+            <a:r>
+              <a:rPr lang="en-BE" sz="1600" dirty="0" err="1">
+                <a:latin typeface="Open Sans" panose="020B0606030504020204" pitchFamily="34" charset="0"/>
+                <a:ea typeface="Open Sans" panose="020B0606030504020204" pitchFamily="34" charset="0"/>
+                <a:cs typeface="Open Sans" panose="020B0606030504020204" pitchFamily="34" charset="0"/>
+              </a:rPr>
+              <a:t>ing</a:t>
+            </a:r>
+            <a:r>
+              <a:rPr lang="en-BE" sz="1600" dirty="0">
+                <a:latin typeface="Open Sans" panose="020B0606030504020204" pitchFamily="34" charset="0"/>
+                <a:ea typeface="Open Sans" panose="020B0606030504020204" pitchFamily="34" charset="0"/>
+                <a:cs typeface="Open Sans" panose="020B0606030504020204" pitchFamily="34" charset="0"/>
+              </a:rPr>
+              <a:t>/stopping of a session</a:t>
+            </a:r>
+            <a:endParaRPr lang="en-US" sz="1600" dirty="0">
+              <a:latin typeface="Open Sans" panose="020B0606030504020204" pitchFamily="34" charset="0"/>
+              <a:ea typeface="Open Sans" panose="020B0606030504020204" pitchFamily="34" charset="0"/>
+              <a:cs typeface="Open Sans" panose="020B0606030504020204" pitchFamily="34" charset="0"/>
+            </a:endParaRPr>
+          </a:p>
+        </p:txBody>
+      </p:sp>
+      <p:sp>
+        <p:nvSpPr>
+          <p:cNvPr id="10" name="TextBox 9">
+            <a:extLst>
+              <a:ext uri="{FF2B5EF4-FFF2-40B4-BE49-F238E27FC236}">
+                <a16:creationId xmlns:a16="http://schemas.microsoft.com/office/drawing/2014/main" id="{2E9BA3F2-4531-EAB0-9D3B-C045C716930E}"/>
+              </a:ext>
+            </a:extLst>
+          </p:cNvPr>
+          <p:cNvSpPr txBox="1"/>
+          <p:nvPr/>
+        </p:nvSpPr>
+        <p:spPr>
+          <a:xfrm>
+            <a:off x="2729708" y="3345498"/>
+            <a:ext cx="3672408" cy="338554"/>
+          </a:xfrm>
+          <a:prstGeom prst="rect">
+            <a:avLst/>
+          </a:prstGeom>
+          <a:noFill/>
+        </p:spPr>
+        <p:txBody>
+          <a:bodyPr wrap="square" rtlCol="0">
+            <a:spAutoFit/>
+          </a:bodyPr>
+          <a:lstStyle/>
+          <a:p>
+            <a:r>
+              <a:rPr lang="en-BE" sz="1600" dirty="0">
+                <a:latin typeface="Open Sans" panose="020B0606030504020204" pitchFamily="34" charset="0"/>
+                <a:ea typeface="Open Sans" panose="020B0606030504020204" pitchFamily="34" charset="0"/>
+                <a:cs typeface="Open Sans" panose="020B0606030504020204" pitchFamily="34" charset="0"/>
+              </a:rPr>
+              <a:t>Ensure receiving a message</a:t>
+            </a:r>
+            <a:endParaRPr lang="en-GB" sz="1100" dirty="0">
+              <a:latin typeface="Open Sans" panose="020B0606030504020204" pitchFamily="34" charset="0"/>
+              <a:ea typeface="Open Sans" panose="020B0606030504020204" pitchFamily="34" charset="0"/>
+              <a:cs typeface="Open Sans" panose="020B0606030504020204" pitchFamily="34" charset="0"/>
+            </a:endParaRPr>
+          </a:p>
+        </p:txBody>
+      </p:sp>
+      <p:sp>
+        <p:nvSpPr>
+          <p:cNvPr id="11" name="TextBox 10">
+            <a:extLst>
+              <a:ext uri="{FF2B5EF4-FFF2-40B4-BE49-F238E27FC236}">
+                <a16:creationId xmlns:a16="http://schemas.microsoft.com/office/drawing/2014/main" id="{8A2C09BA-F746-F9D6-761D-F58EEA877B51}"/>
+              </a:ext>
+            </a:extLst>
+          </p:cNvPr>
+          <p:cNvSpPr txBox="1"/>
+          <p:nvPr/>
+        </p:nvSpPr>
+        <p:spPr>
+          <a:xfrm>
+            <a:off x="2729708" y="4023526"/>
+            <a:ext cx="3672408" cy="338554"/>
+          </a:xfrm>
+          <a:prstGeom prst="rect">
+            <a:avLst/>
+          </a:prstGeom>
+          <a:noFill/>
+        </p:spPr>
+        <p:txBody>
+          <a:bodyPr wrap="square" rtlCol="0">
+            <a:spAutoFit/>
+          </a:bodyPr>
+          <a:lstStyle/>
+          <a:p>
+            <a:r>
+              <a:rPr lang="en-US" sz="1600" dirty="0">
+                <a:latin typeface="Open Sans" panose="020B0606030504020204" pitchFamily="34" charset="0"/>
+                <a:ea typeface="Open Sans" panose="020B0606030504020204" pitchFamily="34" charset="0"/>
+                <a:cs typeface="Open Sans" panose="020B0606030504020204" pitchFamily="34" charset="0"/>
+              </a:rPr>
+              <a:t>Data </a:t>
+            </a:r>
+            <a:r>
+              <a:rPr lang="en-BE" sz="1600" dirty="0">
+                <a:latin typeface="Open Sans" panose="020B0606030504020204" pitchFamily="34" charset="0"/>
+                <a:ea typeface="Open Sans" panose="020B0606030504020204" pitchFamily="34" charset="0"/>
+                <a:cs typeface="Open Sans" panose="020B0606030504020204" pitchFamily="34" charset="0"/>
+              </a:rPr>
+              <a:t>routing</a:t>
+            </a:r>
+            <a:endParaRPr lang="en-GB" sz="1100" dirty="0">
+              <a:latin typeface="Open Sans" panose="020B0606030504020204" pitchFamily="34" charset="0"/>
+              <a:ea typeface="Open Sans" panose="020B0606030504020204" pitchFamily="34" charset="0"/>
+              <a:cs typeface="Open Sans" panose="020B0606030504020204" pitchFamily="34" charset="0"/>
+            </a:endParaRPr>
+          </a:p>
+        </p:txBody>
+      </p:sp>
+      <p:sp>
+        <p:nvSpPr>
+          <p:cNvPr id="12" name="TextBox 11">
+            <a:extLst>
+              <a:ext uri="{FF2B5EF4-FFF2-40B4-BE49-F238E27FC236}">
+                <a16:creationId xmlns:a16="http://schemas.microsoft.com/office/drawing/2014/main" id="{3F1FAC01-C69A-DD50-10BA-59761DEC53D2}"/>
+              </a:ext>
+            </a:extLst>
+          </p:cNvPr>
+          <p:cNvSpPr txBox="1"/>
+          <p:nvPr/>
+        </p:nvSpPr>
+        <p:spPr>
+          <a:xfrm>
+            <a:off x="2729708" y="4488624"/>
+            <a:ext cx="3672408" cy="584775"/>
+          </a:xfrm>
+          <a:prstGeom prst="rect">
+            <a:avLst/>
+          </a:prstGeom>
+          <a:noFill/>
+        </p:spPr>
+        <p:txBody>
+          <a:bodyPr wrap="square" rtlCol="0">
+            <a:spAutoFit/>
+          </a:bodyPr>
+          <a:lstStyle/>
+          <a:p>
+            <a:r>
+              <a:rPr lang="en-BE" sz="1600" dirty="0">
+                <a:latin typeface="Open Sans" panose="020B0606030504020204" pitchFamily="34" charset="0"/>
+                <a:ea typeface="Open Sans" panose="020B0606030504020204" pitchFamily="34" charset="0"/>
+                <a:cs typeface="Open Sans" panose="020B0606030504020204" pitchFamily="34" charset="0"/>
+              </a:rPr>
+              <a:t>Packet transmission between neighbouring nodes</a:t>
+            </a:r>
+            <a:endParaRPr lang="en-GB" sz="1100" dirty="0">
+              <a:latin typeface="Open Sans" panose="020B0606030504020204" pitchFamily="34" charset="0"/>
+              <a:ea typeface="Open Sans" panose="020B0606030504020204" pitchFamily="34" charset="0"/>
+              <a:cs typeface="Open Sans" panose="020B0606030504020204" pitchFamily="34" charset="0"/>
+            </a:endParaRPr>
+          </a:p>
+        </p:txBody>
+      </p:sp>
+      <p:sp>
+        <p:nvSpPr>
+          <p:cNvPr id="13" name="TextBox 12">
+            <a:extLst>
+              <a:ext uri="{FF2B5EF4-FFF2-40B4-BE49-F238E27FC236}">
+                <a16:creationId xmlns:a16="http://schemas.microsoft.com/office/drawing/2014/main" id="{2FB7625C-6FFD-F993-93D1-B9E46FFED28F}"/>
+              </a:ext>
+            </a:extLst>
+          </p:cNvPr>
+          <p:cNvSpPr txBox="1"/>
+          <p:nvPr/>
+        </p:nvSpPr>
+        <p:spPr>
+          <a:xfrm>
+            <a:off x="2729708" y="5167404"/>
+            <a:ext cx="3672408" cy="338554"/>
+          </a:xfrm>
+          <a:prstGeom prst="rect">
+            <a:avLst/>
+          </a:prstGeom>
+          <a:noFill/>
+        </p:spPr>
+        <p:txBody>
+          <a:bodyPr wrap="square" rtlCol="0">
+            <a:spAutoFit/>
+          </a:bodyPr>
+          <a:lstStyle/>
+          <a:p>
+            <a:r>
+              <a:rPr lang="en-BE" sz="1600" dirty="0">
+                <a:latin typeface="Open Sans" panose="020B0606030504020204" pitchFamily="34" charset="0"/>
+                <a:ea typeface="Open Sans" panose="020B0606030504020204" pitchFamily="34" charset="0"/>
+                <a:cs typeface="Open Sans" panose="020B0606030504020204" pitchFamily="34" charset="0"/>
+              </a:rPr>
+              <a:t>Electrical Signals</a:t>
+            </a:r>
+            <a:endParaRPr lang="en-GB" sz="1100" dirty="0">
+              <a:latin typeface="Open Sans" panose="020B0606030504020204" pitchFamily="34" charset="0"/>
+              <a:ea typeface="Open Sans" panose="020B0606030504020204" pitchFamily="34" charset="0"/>
+              <a:cs typeface="Open Sans" panose="020B0606030504020204" pitchFamily="34" charset="0"/>
+            </a:endParaRPr>
+          </a:p>
+        </p:txBody>
+      </p:sp>
+      <p:sp>
+        <p:nvSpPr>
+          <p:cNvPr id="14" name="Rectangle 13">
+            <a:extLst>
+              <a:ext uri="{FF2B5EF4-FFF2-40B4-BE49-F238E27FC236}">
+                <a16:creationId xmlns:a16="http://schemas.microsoft.com/office/drawing/2014/main" id="{D72490DE-1CBE-2AB5-41BB-30DABD650596}"/>
+              </a:ext>
+            </a:extLst>
+          </p:cNvPr>
+          <p:cNvSpPr/>
+          <p:nvPr/>
+        </p:nvSpPr>
+        <p:spPr>
+          <a:xfrm>
+            <a:off x="1142688" y="1268760"/>
+            <a:ext cx="4953312" cy="2628222"/>
+          </a:xfrm>
+          <a:prstGeom prst="rect">
+            <a:avLst/>
+          </a:prstGeom>
+          <a:solidFill>
+            <a:srgbClr val="FFFFFF">
+              <a:alpha val="80000"/>
+            </a:srgbClr>
+          </a:solidFill>
+          <a:ln>
+            <a:noFill/>
+          </a:ln>
+        </p:spPr>
+        <p:style>
+          <a:lnRef idx="2">
+            <a:schemeClr val="accent1">
+              <a:shade val="50000"/>
+            </a:schemeClr>
+          </a:lnRef>
+          <a:fillRef idx="1">
+            <a:schemeClr val="accent1"/>
+          </a:fillRef>
+          <a:effectRef idx="0">
+            <a:schemeClr val="accent1"/>
+          </a:effectRef>
+          <a:fontRef idx="minor">
+            <a:schemeClr val="lt1"/>
+          </a:fontRef>
+        </p:style>
+        <p:txBody>
+          <a:bodyPr rtlCol="0" anchor="ctr"/>
+          <a:lstStyle/>
+          <a:p>
+            <a:pPr algn="ctr"/>
+            <a:endParaRPr lang="en-BE" dirty="0">
+              <a:latin typeface="Open Sans" panose="020B0606030504020204" pitchFamily="34" charset="0"/>
+              <a:ea typeface="Open Sans" panose="020B0606030504020204" pitchFamily="34" charset="0"/>
+              <a:cs typeface="Open Sans" panose="020B0606030504020204" pitchFamily="34" charset="0"/>
+            </a:endParaRPr>
+          </a:p>
+        </p:txBody>
+      </p:sp>
+      <p:sp>
+        <p:nvSpPr>
+          <p:cNvPr id="15" name="Rectangle 14">
+            <a:extLst>
+              <a:ext uri="{FF2B5EF4-FFF2-40B4-BE49-F238E27FC236}">
+                <a16:creationId xmlns:a16="http://schemas.microsoft.com/office/drawing/2014/main" id="{379C91B9-2DFE-2ACF-AEA7-4A6588E2418D}"/>
+              </a:ext>
+            </a:extLst>
+          </p:cNvPr>
+          <p:cNvSpPr/>
+          <p:nvPr/>
+        </p:nvSpPr>
+        <p:spPr>
+          <a:xfrm>
+            <a:off x="1142688" y="5021889"/>
+            <a:ext cx="5040560" cy="800455"/>
+          </a:xfrm>
+          <a:prstGeom prst="rect">
+            <a:avLst/>
+          </a:prstGeom>
+          <a:solidFill>
+            <a:srgbClr val="FFFFFF">
+              <a:alpha val="80000"/>
+            </a:srgbClr>
+          </a:solidFill>
+          <a:ln>
+            <a:noFill/>
+          </a:ln>
+        </p:spPr>
+        <p:style>
+          <a:lnRef idx="2">
+            <a:schemeClr val="accent1">
+              <a:shade val="50000"/>
+            </a:schemeClr>
+          </a:lnRef>
+          <a:fillRef idx="1">
+            <a:schemeClr val="accent1"/>
+          </a:fillRef>
+          <a:effectRef idx="0">
+            <a:schemeClr val="accent1"/>
+          </a:effectRef>
+          <a:fontRef idx="minor">
+            <a:schemeClr val="lt1"/>
+          </a:fontRef>
+        </p:style>
+        <p:txBody>
+          <a:bodyPr rtlCol="0" anchor="ctr"/>
+          <a:lstStyle/>
+          <a:p>
+            <a:pPr algn="ctr"/>
+            <a:endParaRPr lang="en-BE" dirty="0">
+              <a:latin typeface="Open Sans" panose="020B0606030504020204" pitchFamily="34" charset="0"/>
+              <a:ea typeface="Open Sans" panose="020B0606030504020204" pitchFamily="34" charset="0"/>
+              <a:cs typeface="Open Sans" panose="020B0606030504020204" pitchFamily="34" charset="0"/>
+            </a:endParaRPr>
+          </a:p>
+        </p:txBody>
+      </p:sp>
+      <p:sp>
+        <p:nvSpPr>
+          <p:cNvPr id="5" name="Oval 4">
+            <a:extLst>
+              <a:ext uri="{FF2B5EF4-FFF2-40B4-BE49-F238E27FC236}">
+                <a16:creationId xmlns:a16="http://schemas.microsoft.com/office/drawing/2014/main" id="{25086D6E-E7A4-C9DB-16DA-70EE9852A6AA}"/>
+              </a:ext>
+            </a:extLst>
+          </p:cNvPr>
+          <p:cNvSpPr/>
+          <p:nvPr/>
+        </p:nvSpPr>
+        <p:spPr>
+          <a:xfrm>
+            <a:off x="8423072" y="2671579"/>
+            <a:ext cx="288032" cy="288032"/>
+          </a:xfrm>
+          <a:prstGeom prst="ellipse">
+            <a:avLst/>
+          </a:prstGeom>
+          <a:solidFill>
+            <a:srgbClr val="F59231"/>
+          </a:solidFill>
+          <a:ln>
+            <a:noFill/>
+          </a:ln>
+        </p:spPr>
+        <p:style>
+          <a:lnRef idx="2">
+            <a:schemeClr val="accent1">
+              <a:shade val="50000"/>
+            </a:schemeClr>
+          </a:lnRef>
+          <a:fillRef idx="1">
+            <a:schemeClr val="accent1"/>
+          </a:fillRef>
+          <a:effectRef idx="0">
+            <a:schemeClr val="accent1"/>
+          </a:effectRef>
+          <a:fontRef idx="minor">
+            <a:schemeClr val="lt1"/>
+          </a:fontRef>
+        </p:style>
+        <p:txBody>
+          <a:bodyPr rtlCol="0" anchor="ctr"/>
+          <a:lstStyle/>
+          <a:p>
+            <a:pPr algn="ctr"/>
+            <a:endParaRPr lang="en-BE" dirty="0">
+              <a:latin typeface="Open Sans" panose="020B0606030504020204" pitchFamily="34" charset="0"/>
+              <a:ea typeface="Open Sans" panose="020B0606030504020204" pitchFamily="34" charset="0"/>
+              <a:cs typeface="Open Sans" panose="020B0606030504020204" pitchFamily="34" charset="0"/>
+            </a:endParaRPr>
+          </a:p>
+        </p:txBody>
+      </p:sp>
+      <p:sp>
+        <p:nvSpPr>
+          <p:cNvPr id="16" name="Oval 15">
+            <a:extLst>
+              <a:ext uri="{FF2B5EF4-FFF2-40B4-BE49-F238E27FC236}">
+                <a16:creationId xmlns:a16="http://schemas.microsoft.com/office/drawing/2014/main" id="{097DC7C8-2978-B2C5-AB33-716B257AEA45}"/>
+              </a:ext>
+            </a:extLst>
+          </p:cNvPr>
+          <p:cNvSpPr/>
+          <p:nvPr/>
+        </p:nvSpPr>
+        <p:spPr>
+          <a:xfrm>
+            <a:off x="9935240" y="2671579"/>
+            <a:ext cx="288032" cy="288032"/>
+          </a:xfrm>
+          <a:prstGeom prst="ellipse">
+            <a:avLst/>
+          </a:prstGeom>
+          <a:solidFill>
+            <a:srgbClr val="F59231"/>
+          </a:solidFill>
+          <a:ln>
+            <a:noFill/>
+          </a:ln>
+        </p:spPr>
+        <p:style>
+          <a:lnRef idx="2">
+            <a:schemeClr val="accent1">
+              <a:shade val="50000"/>
+            </a:schemeClr>
+          </a:lnRef>
+          <a:fillRef idx="1">
+            <a:schemeClr val="accent1"/>
+          </a:fillRef>
+          <a:effectRef idx="0">
+            <a:schemeClr val="accent1"/>
+          </a:effectRef>
+          <a:fontRef idx="minor">
+            <a:schemeClr val="lt1"/>
+          </a:fontRef>
+        </p:style>
+        <p:txBody>
+          <a:bodyPr rtlCol="0" anchor="ctr"/>
+          <a:lstStyle/>
+          <a:p>
+            <a:pPr algn="ctr"/>
+            <a:endParaRPr lang="en-BE" dirty="0">
+              <a:latin typeface="Open Sans" panose="020B0606030504020204" pitchFamily="34" charset="0"/>
+              <a:ea typeface="Open Sans" panose="020B0606030504020204" pitchFamily="34" charset="0"/>
+              <a:cs typeface="Open Sans" panose="020B0606030504020204" pitchFamily="34" charset="0"/>
+            </a:endParaRPr>
+          </a:p>
+        </p:txBody>
+      </p:sp>
+      <p:sp>
+        <p:nvSpPr>
+          <p:cNvPr id="17" name="Oval 16">
+            <a:extLst>
+              <a:ext uri="{FF2B5EF4-FFF2-40B4-BE49-F238E27FC236}">
+                <a16:creationId xmlns:a16="http://schemas.microsoft.com/office/drawing/2014/main" id="{DCE0C8E4-5837-5332-6264-8E1A01F3E420}"/>
+              </a:ext>
+            </a:extLst>
+          </p:cNvPr>
+          <p:cNvSpPr/>
+          <p:nvPr/>
+        </p:nvSpPr>
+        <p:spPr>
+          <a:xfrm>
+            <a:off x="9503192" y="3306510"/>
+            <a:ext cx="288032" cy="288032"/>
+          </a:xfrm>
+          <a:prstGeom prst="ellipse">
+            <a:avLst/>
+          </a:prstGeom>
+          <a:solidFill>
+            <a:srgbClr val="F59231"/>
+          </a:solidFill>
+          <a:ln>
+            <a:noFill/>
+          </a:ln>
+        </p:spPr>
+        <p:style>
+          <a:lnRef idx="2">
+            <a:schemeClr val="accent1">
+              <a:shade val="50000"/>
+            </a:schemeClr>
+          </a:lnRef>
+          <a:fillRef idx="1">
+            <a:schemeClr val="accent1"/>
+          </a:fillRef>
+          <a:effectRef idx="0">
+            <a:schemeClr val="accent1"/>
+          </a:effectRef>
+          <a:fontRef idx="minor">
+            <a:schemeClr val="lt1"/>
+          </a:fontRef>
+        </p:style>
+        <p:txBody>
+          <a:bodyPr rtlCol="0" anchor="ctr"/>
+          <a:lstStyle/>
+          <a:p>
+            <a:pPr algn="ctr"/>
+            <a:endParaRPr lang="en-BE" dirty="0">
+              <a:latin typeface="Open Sans" panose="020B0606030504020204" pitchFamily="34" charset="0"/>
+              <a:ea typeface="Open Sans" panose="020B0606030504020204" pitchFamily="34" charset="0"/>
+              <a:cs typeface="Open Sans" panose="020B0606030504020204" pitchFamily="34" charset="0"/>
+            </a:endParaRPr>
+          </a:p>
+        </p:txBody>
+      </p:sp>
+      <p:cxnSp>
+        <p:nvCxnSpPr>
+          <p:cNvPr id="19" name="Straight Arrow Connector 18">
+            <a:extLst>
+              <a:ext uri="{FF2B5EF4-FFF2-40B4-BE49-F238E27FC236}">
+                <a16:creationId xmlns:a16="http://schemas.microsoft.com/office/drawing/2014/main" id="{7C34CC47-B172-CF57-24F1-3407E1AD7C9E}"/>
+              </a:ext>
+            </a:extLst>
+          </p:cNvPr>
+          <p:cNvCxnSpPr>
+            <a:cxnSpLocks/>
+          </p:cNvCxnSpPr>
+          <p:nvPr/>
+        </p:nvCxnSpPr>
+        <p:spPr>
+          <a:xfrm flipH="1">
+            <a:off x="9791224" y="2996952"/>
+            <a:ext cx="193208" cy="309558"/>
+          </a:xfrm>
+          <a:prstGeom prst="straightConnector1">
+            <a:avLst/>
+          </a:prstGeom>
+          <a:ln>
+            <a:solidFill>
+              <a:srgbClr val="F59231"/>
+            </a:solidFill>
+            <a:headEnd type="none" w="med" len="med"/>
+            <a:tailEnd type="arrow" w="med" len="med"/>
+          </a:ln>
+        </p:spPr>
+        <p:style>
+          <a:lnRef idx="1">
+            <a:schemeClr val="accent1"/>
+          </a:lnRef>
+          <a:fillRef idx="0">
+            <a:schemeClr val="accent1"/>
+          </a:fillRef>
+          <a:effectRef idx="0">
+            <a:schemeClr val="accent1"/>
+          </a:effectRef>
+          <a:fontRef idx="minor">
+            <a:schemeClr val="tx1"/>
+          </a:fontRef>
+        </p:style>
+      </p:cxnSp>
+      <p:cxnSp>
+        <p:nvCxnSpPr>
+          <p:cNvPr id="18" name="Straight Arrow Connector 17">
+            <a:extLst>
+              <a:ext uri="{FF2B5EF4-FFF2-40B4-BE49-F238E27FC236}">
+                <a16:creationId xmlns:a16="http://schemas.microsoft.com/office/drawing/2014/main" id="{6FAEBB8A-5FA4-3964-BFBD-2252CC5F3608}"/>
+              </a:ext>
+            </a:extLst>
+          </p:cNvPr>
+          <p:cNvCxnSpPr/>
+          <p:nvPr/>
+        </p:nvCxnSpPr>
+        <p:spPr>
+          <a:xfrm>
+            <a:off x="8783112" y="2815595"/>
+            <a:ext cx="1080120" cy="0"/>
+          </a:xfrm>
+          <a:prstGeom prst="straightConnector1">
+            <a:avLst/>
+          </a:prstGeom>
+          <a:ln>
+            <a:solidFill>
+              <a:srgbClr val="F59231"/>
+            </a:solidFill>
+            <a:headEnd type="none" w="med" len="med"/>
+            <a:tailEnd type="arrow" w="med" len="med"/>
+          </a:ln>
+        </p:spPr>
+        <p:style>
+          <a:lnRef idx="1">
+            <a:schemeClr val="accent1"/>
+          </a:lnRef>
+          <a:fillRef idx="0">
+            <a:schemeClr val="accent1"/>
+          </a:fillRef>
+          <a:effectRef idx="0">
+            <a:schemeClr val="accent1"/>
+          </a:effectRef>
+          <a:fontRef idx="minor">
+            <a:schemeClr val="tx1"/>
+          </a:fontRef>
+        </p:style>
+      </p:cxnSp>
+    </p:spTree>
+    <p:extLst>
+      <p:ext uri="{BB962C8B-B14F-4D97-AF65-F5344CB8AC3E}">
+        <p14:creationId xmlns:p14="http://schemas.microsoft.com/office/powerpoint/2010/main" val="1170055241"/>
+      </p:ext>
+    </p:extLst>
+  </p:cSld>
+  <p:clrMapOvr>
+    <a:masterClrMapping/>
+  </p:clrMapOvr>
+</p:sld>
+</file>
+
+<file path=ppt/slides/slide13.xml><?xml version="1.0" encoding="utf-8"?>
+<p:sld xmlns:a="http://schemas.openxmlformats.org/drawingml/2006/main" xmlns:r="http://schemas.openxmlformats.org/officeDocument/2006/relationships" xmlns:p="http://schemas.openxmlformats.org/presentationml/2006/main">
+  <p:cSld>
+    <p:spTree>
+      <p:nvGrpSpPr>
+        <p:cNvPr id="1" name=""/>
+        <p:cNvGrpSpPr/>
+        <p:nvPr/>
+      </p:nvGrpSpPr>
+      <p:grpSpPr>
+        <a:xfrm>
+          <a:off x="0" y="0"/>
+          <a:ext cx="0" cy="0"/>
+          <a:chOff x="0" y="0"/>
+          <a:chExt cx="0" cy="0"/>
+        </a:xfrm>
+      </p:grpSpPr>
+      <p:cxnSp>
+        <p:nvCxnSpPr>
+          <p:cNvPr id="12" name="Straight Connector 11">
+            <a:extLst>
+              <a:ext uri="{FF2B5EF4-FFF2-40B4-BE49-F238E27FC236}">
+                <a16:creationId xmlns:a16="http://schemas.microsoft.com/office/drawing/2014/main" id="{05EF5605-5F50-B26E-C586-A912D9C1E1DE}"/>
+              </a:ext>
+            </a:extLst>
+          </p:cNvPr>
+          <p:cNvCxnSpPr>
+            <a:cxnSpLocks/>
+          </p:cNvCxnSpPr>
+          <p:nvPr/>
+        </p:nvCxnSpPr>
+        <p:spPr>
+          <a:xfrm>
+            <a:off x="2637084" y="3152549"/>
+            <a:ext cx="6768752" cy="0"/>
+          </a:xfrm>
+          <a:prstGeom prst="line">
+            <a:avLst/>
+          </a:prstGeom>
+          <a:ln>
+            <a:solidFill>
+              <a:schemeClr val="bg1">
+                <a:lumMod val="75000"/>
+              </a:schemeClr>
+            </a:solidFill>
+          </a:ln>
+        </p:spPr>
+        <p:style>
+          <a:lnRef idx="1">
+            <a:schemeClr val="accent1"/>
+          </a:lnRef>
+          <a:fillRef idx="0">
+            <a:schemeClr val="accent1"/>
+          </a:fillRef>
+          <a:effectRef idx="0">
+            <a:schemeClr val="accent1"/>
+          </a:effectRef>
+          <a:fontRef idx="minor">
+            <a:schemeClr val="tx1"/>
+          </a:fontRef>
+        </p:style>
+      </p:cxnSp>
+      <p:sp>
+        <p:nvSpPr>
+          <p:cNvPr id="2" name="Title 1">
+            <a:extLst>
+              <a:ext uri="{FF2B5EF4-FFF2-40B4-BE49-F238E27FC236}">
+                <a16:creationId xmlns:a16="http://schemas.microsoft.com/office/drawing/2014/main" id="{10D9C8E0-91FC-E5EC-7D5F-8F3DD0D8AE7E}"/>
+              </a:ext>
+            </a:extLst>
+          </p:cNvPr>
+          <p:cNvSpPr>
+            <a:spLocks noGrp="1"/>
+          </p:cNvSpPr>
+          <p:nvPr>
+            <p:ph type="title"/>
+          </p:nvPr>
+        </p:nvSpPr>
+        <p:spPr/>
+        <p:txBody>
+          <a:bodyPr/>
+          <a:lstStyle/>
+          <a:p>
+            <a:r>
+              <a:rPr lang="en-BE" dirty="0"/>
+              <a:t>Timeline</a:t>
+            </a:r>
+          </a:p>
+        </p:txBody>
+      </p:sp>
+      <p:sp>
+        <p:nvSpPr>
+          <p:cNvPr id="3" name="Date Placeholder 2">
+            <a:extLst>
+              <a:ext uri="{FF2B5EF4-FFF2-40B4-BE49-F238E27FC236}">
+                <a16:creationId xmlns:a16="http://schemas.microsoft.com/office/drawing/2014/main" id="{999491C7-F4A1-76E9-42E1-BB6DCCC47697}"/>
+              </a:ext>
+            </a:extLst>
+          </p:cNvPr>
+          <p:cNvSpPr>
+            <a:spLocks noGrp="1"/>
+          </p:cNvSpPr>
+          <p:nvPr>
+            <p:ph type="dt" sz="half" idx="10"/>
+          </p:nvPr>
+        </p:nvSpPr>
+        <p:spPr/>
+        <p:txBody>
+          <a:bodyPr/>
+          <a:lstStyle/>
+          <a:p>
+            <a:fld id="{D1F088C9-0FC0-440B-8314-5EF9819A24DA}" type="datetime1">
+              <a:rPr lang="nl-BE" smtClean="0"/>
+              <a:t>27/09/2022</a:t>
+            </a:fld>
+            <a:endParaRPr lang="nl-BE" dirty="0"/>
+          </a:p>
+        </p:txBody>
+      </p:sp>
+      <p:sp>
+        <p:nvSpPr>
+          <p:cNvPr id="4" name="Slide Number Placeholder 3">
+            <a:extLst>
+              <a:ext uri="{FF2B5EF4-FFF2-40B4-BE49-F238E27FC236}">
+                <a16:creationId xmlns:a16="http://schemas.microsoft.com/office/drawing/2014/main" id="{2E20CD74-CC94-91CE-44EA-1AC22CDFE92D}"/>
+              </a:ext>
+            </a:extLst>
+          </p:cNvPr>
+          <p:cNvSpPr>
+            <a:spLocks noGrp="1"/>
+          </p:cNvSpPr>
+          <p:nvPr>
+            <p:ph type="sldNum" sz="quarter" idx="12"/>
+          </p:nvPr>
+        </p:nvSpPr>
+        <p:spPr/>
+        <p:txBody>
+          <a:bodyPr/>
+          <a:lstStyle/>
+          <a:p>
+            <a:fld id="{F35D8031-C8E5-48F8-A3B6-81643B27A3AF}" type="slidenum">
+              <a:rPr lang="nl-BE" smtClean="0"/>
+              <a:pPr/>
+              <a:t>13</a:t>
+            </a:fld>
+            <a:endParaRPr lang="nl-BE" dirty="0"/>
+          </a:p>
+        </p:txBody>
+      </p:sp>
+      <p:sp>
+        <p:nvSpPr>
+          <p:cNvPr id="9" name="Oval 8">
+            <a:extLst>
+              <a:ext uri="{FF2B5EF4-FFF2-40B4-BE49-F238E27FC236}">
+                <a16:creationId xmlns:a16="http://schemas.microsoft.com/office/drawing/2014/main" id="{3A30E81A-DA80-4EAB-F9B7-9206EA4163B9}"/>
+              </a:ext>
+            </a:extLst>
+          </p:cNvPr>
+          <p:cNvSpPr/>
+          <p:nvPr/>
+        </p:nvSpPr>
+        <p:spPr>
+          <a:xfrm>
+            <a:off x="4059850" y="3008533"/>
+            <a:ext cx="288032" cy="288032"/>
+          </a:xfrm>
+          <a:prstGeom prst="ellipse">
+            <a:avLst/>
+          </a:prstGeom>
+          <a:solidFill>
+            <a:srgbClr val="65318F"/>
+          </a:solidFill>
+          <a:ln>
+            <a:noFill/>
+          </a:ln>
+        </p:spPr>
+        <p:style>
+          <a:lnRef idx="2">
+            <a:schemeClr val="accent1">
+              <a:shade val="50000"/>
+            </a:schemeClr>
+          </a:lnRef>
+          <a:fillRef idx="1">
+            <a:schemeClr val="accent1"/>
+          </a:fillRef>
+          <a:effectRef idx="0">
+            <a:schemeClr val="accent1"/>
+          </a:effectRef>
+          <a:fontRef idx="minor">
+            <a:schemeClr val="lt1"/>
+          </a:fontRef>
+        </p:style>
+        <p:txBody>
+          <a:bodyPr rtlCol="0" anchor="ctr"/>
+          <a:lstStyle/>
+          <a:p>
+            <a:pPr algn="ctr"/>
+            <a:r>
+              <a:rPr lang="en-BE" dirty="0">
+                <a:latin typeface="Open Sans" panose="020B0606030504020204" pitchFamily="34" charset="0"/>
+                <a:ea typeface="Open Sans" panose="020B0606030504020204" pitchFamily="34" charset="0"/>
+                <a:cs typeface="Open Sans" panose="020B0606030504020204" pitchFamily="34" charset="0"/>
+              </a:rPr>
+              <a:t>2</a:t>
+            </a:r>
+          </a:p>
+        </p:txBody>
+      </p:sp>
+      <p:sp>
+        <p:nvSpPr>
+          <p:cNvPr id="10" name="Oval 9">
+            <a:extLst>
+              <a:ext uri="{FF2B5EF4-FFF2-40B4-BE49-F238E27FC236}">
+                <a16:creationId xmlns:a16="http://schemas.microsoft.com/office/drawing/2014/main" id="{993C3FF0-041F-1631-55DB-E49C8FE62629}"/>
+              </a:ext>
+            </a:extLst>
+          </p:cNvPr>
+          <p:cNvSpPr/>
+          <p:nvPr/>
+        </p:nvSpPr>
+        <p:spPr>
+          <a:xfrm>
+            <a:off x="6421366" y="3008533"/>
+            <a:ext cx="288032" cy="288032"/>
+          </a:xfrm>
+          <a:prstGeom prst="ellipse">
+            <a:avLst/>
+          </a:prstGeom>
+          <a:solidFill>
+            <a:srgbClr val="65318F"/>
+          </a:solidFill>
+          <a:ln>
+            <a:noFill/>
+          </a:ln>
+        </p:spPr>
+        <p:style>
+          <a:lnRef idx="2">
+            <a:schemeClr val="accent1">
+              <a:shade val="50000"/>
+            </a:schemeClr>
+          </a:lnRef>
+          <a:fillRef idx="1">
+            <a:schemeClr val="accent1"/>
+          </a:fillRef>
+          <a:effectRef idx="0">
+            <a:schemeClr val="accent1"/>
+          </a:effectRef>
+          <a:fontRef idx="minor">
+            <a:schemeClr val="lt1"/>
+          </a:fontRef>
+        </p:style>
+        <p:txBody>
+          <a:bodyPr rtlCol="0" anchor="ctr"/>
+          <a:lstStyle/>
+          <a:p>
+            <a:pPr algn="ctr"/>
+            <a:r>
+              <a:rPr lang="en-BE" dirty="0">
+                <a:latin typeface="Open Sans" panose="020B0606030504020204" pitchFamily="34" charset="0"/>
+                <a:ea typeface="Open Sans" panose="020B0606030504020204" pitchFamily="34" charset="0"/>
+                <a:cs typeface="Open Sans" panose="020B0606030504020204" pitchFamily="34" charset="0"/>
+              </a:rPr>
+              <a:t>4</a:t>
+            </a:r>
+          </a:p>
+        </p:txBody>
+      </p:sp>
+      <p:sp>
+        <p:nvSpPr>
+          <p:cNvPr id="13" name="Oval 12">
+            <a:extLst>
+              <a:ext uri="{FF2B5EF4-FFF2-40B4-BE49-F238E27FC236}">
+                <a16:creationId xmlns:a16="http://schemas.microsoft.com/office/drawing/2014/main" id="{5BA6FFF1-3017-7762-B645-5204C8C39BC6}"/>
+              </a:ext>
+            </a:extLst>
+          </p:cNvPr>
+          <p:cNvSpPr/>
+          <p:nvPr/>
+        </p:nvSpPr>
+        <p:spPr>
+          <a:xfrm>
+            <a:off x="2879092" y="3008533"/>
+            <a:ext cx="288032" cy="288032"/>
+          </a:xfrm>
+          <a:prstGeom prst="ellipse">
+            <a:avLst/>
+          </a:prstGeom>
+          <a:solidFill>
+            <a:schemeClr val="tx2"/>
+          </a:solidFill>
+          <a:ln>
+            <a:noFill/>
+          </a:ln>
+        </p:spPr>
+        <p:style>
+          <a:lnRef idx="2">
+            <a:schemeClr val="accent1">
+              <a:shade val="50000"/>
+            </a:schemeClr>
+          </a:lnRef>
+          <a:fillRef idx="1">
+            <a:schemeClr val="accent1"/>
+          </a:fillRef>
+          <a:effectRef idx="0">
+            <a:schemeClr val="accent1"/>
+          </a:effectRef>
+          <a:fontRef idx="minor">
+            <a:schemeClr val="lt1"/>
+          </a:fontRef>
+        </p:style>
+        <p:txBody>
+          <a:bodyPr rtlCol="0" anchor="ctr"/>
+          <a:lstStyle/>
+          <a:p>
+            <a:pPr algn="ctr"/>
+            <a:r>
+              <a:rPr lang="en-BE" dirty="0">
+                <a:latin typeface="Open Sans" panose="020B0606030504020204" pitchFamily="34" charset="0"/>
+                <a:ea typeface="Open Sans" panose="020B0606030504020204" pitchFamily="34" charset="0"/>
+                <a:cs typeface="Open Sans" panose="020B0606030504020204" pitchFamily="34" charset="0"/>
+              </a:rPr>
+              <a:t>1</a:t>
+            </a:r>
+          </a:p>
+        </p:txBody>
+      </p:sp>
+      <p:sp>
+        <p:nvSpPr>
+          <p:cNvPr id="15" name="Oval 14">
+            <a:extLst>
+              <a:ext uri="{FF2B5EF4-FFF2-40B4-BE49-F238E27FC236}">
+                <a16:creationId xmlns:a16="http://schemas.microsoft.com/office/drawing/2014/main" id="{B0E6C160-02F2-EFC7-FD9E-994FCF874B8E}"/>
+              </a:ext>
+            </a:extLst>
+          </p:cNvPr>
+          <p:cNvSpPr/>
+          <p:nvPr/>
+        </p:nvSpPr>
+        <p:spPr>
+          <a:xfrm>
+            <a:off x="5240608" y="3008533"/>
+            <a:ext cx="288032" cy="288032"/>
+          </a:xfrm>
+          <a:prstGeom prst="ellipse">
+            <a:avLst/>
+          </a:prstGeom>
+          <a:solidFill>
+            <a:schemeClr val="tx2"/>
+          </a:solidFill>
+          <a:ln>
+            <a:noFill/>
+          </a:ln>
+        </p:spPr>
+        <p:style>
+          <a:lnRef idx="2">
+            <a:schemeClr val="accent1">
+              <a:shade val="50000"/>
+            </a:schemeClr>
+          </a:lnRef>
+          <a:fillRef idx="1">
+            <a:schemeClr val="accent1"/>
+          </a:fillRef>
+          <a:effectRef idx="0">
+            <a:schemeClr val="accent1"/>
+          </a:effectRef>
+          <a:fontRef idx="minor">
+            <a:schemeClr val="lt1"/>
+          </a:fontRef>
+        </p:style>
+        <p:txBody>
+          <a:bodyPr rtlCol="0" anchor="ctr"/>
+          <a:lstStyle/>
+          <a:p>
+            <a:pPr algn="ctr"/>
+            <a:r>
+              <a:rPr lang="en-BE" dirty="0">
+                <a:latin typeface="Open Sans" panose="020B0606030504020204" pitchFamily="34" charset="0"/>
+                <a:ea typeface="Open Sans" panose="020B0606030504020204" pitchFamily="34" charset="0"/>
+                <a:cs typeface="Open Sans" panose="020B0606030504020204" pitchFamily="34" charset="0"/>
+              </a:rPr>
+              <a:t>3</a:t>
+            </a:r>
+          </a:p>
+        </p:txBody>
+      </p:sp>
+      <p:sp>
+        <p:nvSpPr>
+          <p:cNvPr id="16" name="Oval 15">
+            <a:extLst>
+              <a:ext uri="{FF2B5EF4-FFF2-40B4-BE49-F238E27FC236}">
+                <a16:creationId xmlns:a16="http://schemas.microsoft.com/office/drawing/2014/main" id="{4B2D8261-DBA9-14B1-FF41-0074FB4E9387}"/>
+              </a:ext>
+            </a:extLst>
+          </p:cNvPr>
+          <p:cNvSpPr/>
+          <p:nvPr/>
+        </p:nvSpPr>
+        <p:spPr>
+          <a:xfrm>
+            <a:off x="7602124" y="3008533"/>
+            <a:ext cx="288032" cy="288032"/>
+          </a:xfrm>
+          <a:prstGeom prst="ellipse">
+            <a:avLst/>
+          </a:prstGeom>
+          <a:solidFill>
+            <a:schemeClr val="tx2"/>
+          </a:solidFill>
+          <a:ln>
+            <a:noFill/>
+          </a:ln>
+        </p:spPr>
+        <p:style>
+          <a:lnRef idx="2">
+            <a:schemeClr val="accent1">
+              <a:shade val="50000"/>
+            </a:schemeClr>
+          </a:lnRef>
+          <a:fillRef idx="1">
+            <a:schemeClr val="accent1"/>
+          </a:fillRef>
+          <a:effectRef idx="0">
+            <a:schemeClr val="accent1"/>
+          </a:effectRef>
+          <a:fontRef idx="minor">
+            <a:schemeClr val="lt1"/>
+          </a:fontRef>
+        </p:style>
+        <p:txBody>
+          <a:bodyPr rtlCol="0" anchor="ctr"/>
+          <a:lstStyle/>
+          <a:p>
+            <a:pPr algn="ctr"/>
+            <a:r>
+              <a:rPr lang="en-BE" dirty="0">
+                <a:latin typeface="Open Sans" panose="020B0606030504020204" pitchFamily="34" charset="0"/>
+                <a:ea typeface="Open Sans" panose="020B0606030504020204" pitchFamily="34" charset="0"/>
+                <a:cs typeface="Open Sans" panose="020B0606030504020204" pitchFamily="34" charset="0"/>
+              </a:rPr>
+              <a:t>5</a:t>
+            </a:r>
+          </a:p>
+        </p:txBody>
+      </p:sp>
+      <p:sp>
+        <p:nvSpPr>
+          <p:cNvPr id="17" name="Oval 16">
+            <a:extLst>
+              <a:ext uri="{FF2B5EF4-FFF2-40B4-BE49-F238E27FC236}">
+                <a16:creationId xmlns:a16="http://schemas.microsoft.com/office/drawing/2014/main" id="{F96A8CCD-47BC-5E24-8666-3B738EA333BE}"/>
+              </a:ext>
+            </a:extLst>
+          </p:cNvPr>
+          <p:cNvSpPr/>
+          <p:nvPr/>
+        </p:nvSpPr>
+        <p:spPr>
+          <a:xfrm>
+            <a:off x="8782882" y="3008533"/>
+            <a:ext cx="288032" cy="288032"/>
+          </a:xfrm>
+          <a:prstGeom prst="ellipse">
+            <a:avLst/>
+          </a:prstGeom>
+          <a:solidFill>
+            <a:srgbClr val="F59231"/>
+          </a:solidFill>
+          <a:ln>
+            <a:noFill/>
+          </a:ln>
+        </p:spPr>
+        <p:style>
+          <a:lnRef idx="2">
+            <a:schemeClr val="accent1">
+              <a:shade val="50000"/>
+            </a:schemeClr>
+          </a:lnRef>
+          <a:fillRef idx="1">
+            <a:schemeClr val="accent1"/>
+          </a:fillRef>
+          <a:effectRef idx="0">
+            <a:schemeClr val="accent1"/>
+          </a:effectRef>
+          <a:fontRef idx="minor">
+            <a:schemeClr val="lt1"/>
+          </a:fontRef>
+        </p:style>
+        <p:txBody>
+          <a:bodyPr rtlCol="0" anchor="ctr"/>
+          <a:lstStyle/>
+          <a:p>
+            <a:pPr algn="ctr"/>
+            <a:r>
+              <a:rPr lang="en-BE" dirty="0">
+                <a:latin typeface="Open Sans" panose="020B0606030504020204" pitchFamily="34" charset="0"/>
+                <a:ea typeface="Open Sans" panose="020B0606030504020204" pitchFamily="34" charset="0"/>
+                <a:cs typeface="Open Sans" panose="020B0606030504020204" pitchFamily="34" charset="0"/>
+              </a:rPr>
+              <a:t>6</a:t>
+            </a:r>
+          </a:p>
+        </p:txBody>
+      </p:sp>
+      <p:sp>
+        <p:nvSpPr>
+          <p:cNvPr id="20" name="TextBox 19">
+            <a:extLst>
+              <a:ext uri="{FF2B5EF4-FFF2-40B4-BE49-F238E27FC236}">
+                <a16:creationId xmlns:a16="http://schemas.microsoft.com/office/drawing/2014/main" id="{74CA381C-5730-2AB8-6331-84C73FE4225B}"/>
+              </a:ext>
+            </a:extLst>
+          </p:cNvPr>
+          <p:cNvSpPr txBox="1"/>
+          <p:nvPr/>
+        </p:nvSpPr>
+        <p:spPr>
+          <a:xfrm>
+            <a:off x="2914200" y="3872906"/>
+            <a:ext cx="3107580" cy="369332"/>
+          </a:xfrm>
+          <a:prstGeom prst="rect">
+            <a:avLst/>
+          </a:prstGeom>
+          <a:noFill/>
+        </p:spPr>
+        <p:txBody>
+          <a:bodyPr wrap="square" rtlCol="0">
+            <a:spAutoFit/>
+          </a:bodyPr>
+          <a:lstStyle/>
+          <a:p>
+            <a:r>
+              <a:rPr lang="en-BE" dirty="0">
+                <a:latin typeface="Roboto" panose="02000000000000000000" pitchFamily="2" charset="0"/>
+                <a:ea typeface="Roboto" panose="02000000000000000000" pitchFamily="2" charset="0"/>
+              </a:rPr>
+              <a:t>Section 1, 2 &amp; 3</a:t>
+            </a:r>
+          </a:p>
+        </p:txBody>
+      </p:sp>
+      <p:sp>
+        <p:nvSpPr>
+          <p:cNvPr id="21" name="TextBox 20">
+            <a:extLst>
+              <a:ext uri="{FF2B5EF4-FFF2-40B4-BE49-F238E27FC236}">
+                <a16:creationId xmlns:a16="http://schemas.microsoft.com/office/drawing/2014/main" id="{FC0371C1-233F-C9E4-B071-793E97E63009}"/>
+              </a:ext>
+            </a:extLst>
+          </p:cNvPr>
+          <p:cNvSpPr txBox="1"/>
+          <p:nvPr/>
+        </p:nvSpPr>
+        <p:spPr>
+          <a:xfrm>
+            <a:off x="4653308" y="4735555"/>
+            <a:ext cx="3107580" cy="369332"/>
+          </a:xfrm>
+          <a:prstGeom prst="rect">
+            <a:avLst/>
+          </a:prstGeom>
+          <a:noFill/>
+        </p:spPr>
+        <p:txBody>
+          <a:bodyPr wrap="square" rtlCol="0">
+            <a:spAutoFit/>
+          </a:bodyPr>
+          <a:lstStyle/>
+          <a:p>
+            <a:r>
+              <a:rPr lang="en-BE">
+                <a:latin typeface="Roboto" panose="02000000000000000000" pitchFamily="2" charset="0"/>
+                <a:ea typeface="Roboto" panose="02000000000000000000" pitchFamily="2" charset="0"/>
+              </a:rPr>
+              <a:t>Section 4, 5 &amp; 6</a:t>
+            </a:r>
+            <a:endParaRPr lang="en-BE" dirty="0">
+              <a:latin typeface="Roboto" panose="02000000000000000000" pitchFamily="2" charset="0"/>
+              <a:ea typeface="Roboto" panose="02000000000000000000" pitchFamily="2" charset="0"/>
+            </a:endParaRPr>
+          </a:p>
+        </p:txBody>
+      </p:sp>
+      <p:sp>
+        <p:nvSpPr>
+          <p:cNvPr id="22" name="TextBox 21">
+            <a:extLst>
+              <a:ext uri="{FF2B5EF4-FFF2-40B4-BE49-F238E27FC236}">
+                <a16:creationId xmlns:a16="http://schemas.microsoft.com/office/drawing/2014/main" id="{21D0F762-7F2E-9BE8-A181-3351DBE0AEDC}"/>
+              </a:ext>
+            </a:extLst>
+          </p:cNvPr>
+          <p:cNvSpPr txBox="1"/>
+          <p:nvPr/>
+        </p:nvSpPr>
+        <p:spPr>
+          <a:xfrm>
+            <a:off x="5606955" y="3872906"/>
+            <a:ext cx="3107580" cy="369332"/>
+          </a:xfrm>
+          <a:prstGeom prst="rect">
+            <a:avLst/>
+          </a:prstGeom>
+          <a:noFill/>
+        </p:spPr>
+        <p:txBody>
+          <a:bodyPr wrap="square" rtlCol="0">
+            <a:spAutoFit/>
+          </a:bodyPr>
+          <a:lstStyle/>
+          <a:p>
+            <a:pPr algn="ctr"/>
+            <a:r>
+              <a:rPr lang="en-BE" dirty="0">
+                <a:latin typeface="Roboto" panose="02000000000000000000" pitchFamily="2" charset="0"/>
+                <a:ea typeface="Roboto" panose="02000000000000000000" pitchFamily="2" charset="0"/>
+              </a:rPr>
+              <a:t>Use Case</a:t>
+            </a:r>
+          </a:p>
+        </p:txBody>
+      </p:sp>
+      <p:cxnSp>
+        <p:nvCxnSpPr>
+          <p:cNvPr id="24" name="Straight Connector 23">
+            <a:extLst>
+              <a:ext uri="{FF2B5EF4-FFF2-40B4-BE49-F238E27FC236}">
+                <a16:creationId xmlns:a16="http://schemas.microsoft.com/office/drawing/2014/main" id="{BC1922FC-0B94-1EA6-2F14-6EB70FD0C5DF}"/>
+              </a:ext>
+            </a:extLst>
+          </p:cNvPr>
+          <p:cNvCxnSpPr/>
+          <p:nvPr/>
+        </p:nvCxnSpPr>
+        <p:spPr>
+          <a:xfrm>
+            <a:off x="3023108" y="3449213"/>
+            <a:ext cx="0" cy="288032"/>
+          </a:xfrm>
+          <a:prstGeom prst="line">
+            <a:avLst/>
+          </a:prstGeom>
+          <a:ln w="12700">
+            <a:solidFill>
+              <a:schemeClr val="bg1">
+                <a:lumMod val="75000"/>
+              </a:schemeClr>
+            </a:solidFill>
+          </a:ln>
+        </p:spPr>
+        <p:style>
+          <a:lnRef idx="1">
+            <a:schemeClr val="accent1"/>
+          </a:lnRef>
+          <a:fillRef idx="0">
+            <a:schemeClr val="accent1"/>
+          </a:fillRef>
+          <a:effectRef idx="0">
+            <a:schemeClr val="accent1"/>
+          </a:effectRef>
+          <a:fontRef idx="minor">
+            <a:schemeClr val="tx1"/>
+          </a:fontRef>
+        </p:style>
+      </p:cxnSp>
+      <p:cxnSp>
+        <p:nvCxnSpPr>
+          <p:cNvPr id="25" name="Straight Connector 24">
+            <a:extLst>
+              <a:ext uri="{FF2B5EF4-FFF2-40B4-BE49-F238E27FC236}">
+                <a16:creationId xmlns:a16="http://schemas.microsoft.com/office/drawing/2014/main" id="{1588CA34-02FF-A9B8-AE11-0213CCC2E266}"/>
+              </a:ext>
+            </a:extLst>
+          </p:cNvPr>
+          <p:cNvCxnSpPr>
+            <a:cxnSpLocks/>
+          </p:cNvCxnSpPr>
+          <p:nvPr/>
+        </p:nvCxnSpPr>
+        <p:spPr>
+          <a:xfrm flipV="1">
+            <a:off x="2892596" y="3445159"/>
+            <a:ext cx="274528" cy="4054"/>
+          </a:xfrm>
+          <a:prstGeom prst="line">
+            <a:avLst/>
+          </a:prstGeom>
+          <a:ln w="12700">
+            <a:solidFill>
+              <a:schemeClr val="bg1">
+                <a:lumMod val="75000"/>
+              </a:schemeClr>
+            </a:solidFill>
+          </a:ln>
+        </p:spPr>
+        <p:style>
+          <a:lnRef idx="1">
+            <a:schemeClr val="accent1"/>
+          </a:lnRef>
+          <a:fillRef idx="0">
+            <a:schemeClr val="accent1"/>
+          </a:fillRef>
+          <a:effectRef idx="0">
+            <a:schemeClr val="accent1"/>
+          </a:effectRef>
+          <a:fontRef idx="minor">
+            <a:schemeClr val="tx1"/>
+          </a:fontRef>
+        </p:style>
+      </p:cxnSp>
+      <p:cxnSp>
+        <p:nvCxnSpPr>
+          <p:cNvPr id="28" name="Straight Connector 27">
+            <a:extLst>
+              <a:ext uri="{FF2B5EF4-FFF2-40B4-BE49-F238E27FC236}">
+                <a16:creationId xmlns:a16="http://schemas.microsoft.com/office/drawing/2014/main" id="{6DB465E5-EF14-C26D-D8C0-7EFF9700D6C8}"/>
+              </a:ext>
+            </a:extLst>
+          </p:cNvPr>
+          <p:cNvCxnSpPr>
+            <a:cxnSpLocks/>
+          </p:cNvCxnSpPr>
+          <p:nvPr/>
+        </p:nvCxnSpPr>
+        <p:spPr>
+          <a:xfrm>
+            <a:off x="4797324" y="3464736"/>
+            <a:ext cx="0" cy="1261636"/>
+          </a:xfrm>
+          <a:prstGeom prst="line">
+            <a:avLst/>
+          </a:prstGeom>
+          <a:ln w="12700">
+            <a:solidFill>
+              <a:schemeClr val="bg1">
+                <a:lumMod val="75000"/>
+              </a:schemeClr>
+            </a:solidFill>
+          </a:ln>
+        </p:spPr>
+        <p:style>
+          <a:lnRef idx="1">
+            <a:schemeClr val="accent1"/>
+          </a:lnRef>
+          <a:fillRef idx="0">
+            <a:schemeClr val="accent1"/>
+          </a:fillRef>
+          <a:effectRef idx="0">
+            <a:schemeClr val="accent1"/>
+          </a:effectRef>
+          <a:fontRef idx="minor">
+            <a:schemeClr val="tx1"/>
+          </a:fontRef>
+        </p:style>
+      </p:cxnSp>
+      <p:cxnSp>
+        <p:nvCxnSpPr>
+          <p:cNvPr id="29" name="Straight Connector 28">
+            <a:extLst>
+              <a:ext uri="{FF2B5EF4-FFF2-40B4-BE49-F238E27FC236}">
+                <a16:creationId xmlns:a16="http://schemas.microsoft.com/office/drawing/2014/main" id="{52709D63-1649-2B7F-7417-C5DF7AF3D27B}"/>
+              </a:ext>
+            </a:extLst>
+          </p:cNvPr>
+          <p:cNvCxnSpPr>
+            <a:cxnSpLocks/>
+          </p:cNvCxnSpPr>
+          <p:nvPr/>
+        </p:nvCxnSpPr>
+        <p:spPr>
+          <a:xfrm flipV="1">
+            <a:off x="4106365" y="3460682"/>
+            <a:ext cx="1339031" cy="4054"/>
+          </a:xfrm>
+          <a:prstGeom prst="line">
+            <a:avLst/>
+          </a:prstGeom>
+          <a:ln w="12700">
+            <a:solidFill>
+              <a:schemeClr val="bg1">
+                <a:lumMod val="75000"/>
+              </a:schemeClr>
+            </a:solidFill>
+          </a:ln>
+        </p:spPr>
+        <p:style>
+          <a:lnRef idx="1">
+            <a:schemeClr val="accent1"/>
+          </a:lnRef>
+          <a:fillRef idx="0">
+            <a:schemeClr val="accent1"/>
+          </a:fillRef>
+          <a:effectRef idx="0">
+            <a:schemeClr val="accent1"/>
+          </a:effectRef>
+          <a:fontRef idx="minor">
+            <a:schemeClr val="tx1"/>
+          </a:fontRef>
+        </p:style>
+      </p:cxnSp>
+      <p:cxnSp>
+        <p:nvCxnSpPr>
+          <p:cNvPr id="33" name="Straight Connector 32">
+            <a:extLst>
+              <a:ext uri="{FF2B5EF4-FFF2-40B4-BE49-F238E27FC236}">
+                <a16:creationId xmlns:a16="http://schemas.microsoft.com/office/drawing/2014/main" id="{B39AEA4B-B861-636B-3B59-34E49D164002}"/>
+              </a:ext>
+            </a:extLst>
+          </p:cNvPr>
+          <p:cNvCxnSpPr>
+            <a:cxnSpLocks/>
+          </p:cNvCxnSpPr>
+          <p:nvPr/>
+        </p:nvCxnSpPr>
+        <p:spPr>
+          <a:xfrm flipV="1">
+            <a:off x="6474178" y="3451168"/>
+            <a:ext cx="1339031" cy="4054"/>
+          </a:xfrm>
+          <a:prstGeom prst="line">
+            <a:avLst/>
+          </a:prstGeom>
+          <a:ln w="12700">
+            <a:solidFill>
+              <a:schemeClr val="bg1">
+                <a:lumMod val="75000"/>
+              </a:schemeClr>
+            </a:solidFill>
+          </a:ln>
+        </p:spPr>
+        <p:style>
+          <a:lnRef idx="1">
+            <a:schemeClr val="accent1"/>
+          </a:lnRef>
+          <a:fillRef idx="0">
+            <a:schemeClr val="accent1"/>
+          </a:fillRef>
+          <a:effectRef idx="0">
+            <a:schemeClr val="accent1"/>
+          </a:effectRef>
+          <a:fontRef idx="minor">
+            <a:schemeClr val="tx1"/>
+          </a:fontRef>
+        </p:style>
+      </p:cxnSp>
+      <p:cxnSp>
+        <p:nvCxnSpPr>
+          <p:cNvPr id="35" name="Straight Connector 34">
+            <a:extLst>
+              <a:ext uri="{FF2B5EF4-FFF2-40B4-BE49-F238E27FC236}">
+                <a16:creationId xmlns:a16="http://schemas.microsoft.com/office/drawing/2014/main" id="{A1FD05DD-7989-34FF-FB8C-5B832E79BE14}"/>
+              </a:ext>
+            </a:extLst>
+          </p:cNvPr>
+          <p:cNvCxnSpPr/>
+          <p:nvPr/>
+        </p:nvCxnSpPr>
+        <p:spPr>
+          <a:xfrm>
+            <a:off x="7155261" y="3460682"/>
+            <a:ext cx="0" cy="288032"/>
+          </a:xfrm>
+          <a:prstGeom prst="line">
+            <a:avLst/>
+          </a:prstGeom>
+          <a:ln w="12700">
+            <a:solidFill>
+              <a:schemeClr val="bg1">
+                <a:lumMod val="75000"/>
+              </a:schemeClr>
+            </a:solidFill>
+          </a:ln>
+        </p:spPr>
+        <p:style>
+          <a:lnRef idx="1">
+            <a:schemeClr val="accent1"/>
+          </a:lnRef>
+          <a:fillRef idx="0">
+            <a:schemeClr val="accent1"/>
+          </a:fillRef>
+          <a:effectRef idx="0">
+            <a:schemeClr val="accent1"/>
+          </a:effectRef>
+          <a:fontRef idx="minor">
+            <a:schemeClr val="tx1"/>
+          </a:fontRef>
+        </p:style>
+      </p:cxnSp>
+      <p:cxnSp>
+        <p:nvCxnSpPr>
+          <p:cNvPr id="37" name="Straight Connector 36">
+            <a:extLst>
+              <a:ext uri="{FF2B5EF4-FFF2-40B4-BE49-F238E27FC236}">
+                <a16:creationId xmlns:a16="http://schemas.microsoft.com/office/drawing/2014/main" id="{4BB8B9ED-873B-F033-92C1-7D9AD8ADE83D}"/>
+              </a:ext>
+            </a:extLst>
+          </p:cNvPr>
+          <p:cNvCxnSpPr/>
+          <p:nvPr/>
+        </p:nvCxnSpPr>
+        <p:spPr>
+          <a:xfrm>
+            <a:off x="4203866" y="2504477"/>
+            <a:ext cx="0" cy="288032"/>
+          </a:xfrm>
+          <a:prstGeom prst="line">
+            <a:avLst/>
+          </a:prstGeom>
+          <a:ln w="12700">
+            <a:solidFill>
+              <a:schemeClr val="bg1">
+                <a:lumMod val="75000"/>
+              </a:schemeClr>
+            </a:solidFill>
+          </a:ln>
+        </p:spPr>
+        <p:style>
+          <a:lnRef idx="1">
+            <a:schemeClr val="accent1"/>
+          </a:lnRef>
+          <a:fillRef idx="0">
+            <a:schemeClr val="accent1"/>
+          </a:fillRef>
+          <a:effectRef idx="0">
+            <a:schemeClr val="accent1"/>
+          </a:effectRef>
+          <a:fontRef idx="minor">
+            <a:schemeClr val="tx1"/>
+          </a:fontRef>
+        </p:style>
+      </p:cxnSp>
+      <p:sp>
+        <p:nvSpPr>
+          <p:cNvPr id="38" name="TextBox 37">
+            <a:extLst>
+              <a:ext uri="{FF2B5EF4-FFF2-40B4-BE49-F238E27FC236}">
+                <a16:creationId xmlns:a16="http://schemas.microsoft.com/office/drawing/2014/main" id="{65921716-A323-1E9D-8D5C-60105685D98A}"/>
+              </a:ext>
+            </a:extLst>
+          </p:cNvPr>
+          <p:cNvSpPr txBox="1"/>
+          <p:nvPr/>
+        </p:nvSpPr>
+        <p:spPr>
+          <a:xfrm>
+            <a:off x="2709092" y="2060848"/>
+            <a:ext cx="3107580" cy="369332"/>
+          </a:xfrm>
+          <a:prstGeom prst="rect">
+            <a:avLst/>
+          </a:prstGeom>
+          <a:noFill/>
+        </p:spPr>
+        <p:txBody>
+          <a:bodyPr wrap="square" rtlCol="0">
+            <a:spAutoFit/>
+          </a:bodyPr>
+          <a:lstStyle/>
+          <a:p>
+            <a:pPr algn="ctr"/>
+            <a:r>
+              <a:rPr lang="en-BE" dirty="0">
+                <a:latin typeface="Roboto" panose="02000000000000000000" pitchFamily="2" charset="0"/>
+                <a:ea typeface="Roboto" panose="02000000000000000000" pitchFamily="2" charset="0"/>
+              </a:rPr>
+              <a:t>Test Lab 1 + Q4</a:t>
+            </a:r>
+          </a:p>
+        </p:txBody>
+      </p:sp>
+      <p:cxnSp>
+        <p:nvCxnSpPr>
+          <p:cNvPr id="39" name="Straight Connector 38">
+            <a:extLst>
+              <a:ext uri="{FF2B5EF4-FFF2-40B4-BE49-F238E27FC236}">
+                <a16:creationId xmlns:a16="http://schemas.microsoft.com/office/drawing/2014/main" id="{458C34B2-8DDA-9046-536C-10209C88E1AC}"/>
+              </a:ext>
+            </a:extLst>
+          </p:cNvPr>
+          <p:cNvCxnSpPr/>
+          <p:nvPr/>
+        </p:nvCxnSpPr>
+        <p:spPr>
+          <a:xfrm>
+            <a:off x="6576013" y="2506784"/>
+            <a:ext cx="0" cy="288032"/>
+          </a:xfrm>
+          <a:prstGeom prst="line">
+            <a:avLst/>
+          </a:prstGeom>
+          <a:ln w="12700">
+            <a:solidFill>
+              <a:schemeClr val="bg1">
+                <a:lumMod val="75000"/>
+              </a:schemeClr>
+            </a:solidFill>
+          </a:ln>
+        </p:spPr>
+        <p:style>
+          <a:lnRef idx="1">
+            <a:schemeClr val="accent1"/>
+          </a:lnRef>
+          <a:fillRef idx="0">
+            <a:schemeClr val="accent1"/>
+          </a:fillRef>
+          <a:effectRef idx="0">
+            <a:schemeClr val="accent1"/>
+          </a:effectRef>
+          <a:fontRef idx="minor">
+            <a:schemeClr val="tx1"/>
+          </a:fontRef>
+        </p:style>
+      </p:cxnSp>
+      <p:sp>
+        <p:nvSpPr>
+          <p:cNvPr id="40" name="TextBox 39">
+            <a:extLst>
+              <a:ext uri="{FF2B5EF4-FFF2-40B4-BE49-F238E27FC236}">
+                <a16:creationId xmlns:a16="http://schemas.microsoft.com/office/drawing/2014/main" id="{197BAE4A-77B6-5C1B-4F4E-0FD85CFBA031}"/>
+              </a:ext>
+            </a:extLst>
+          </p:cNvPr>
+          <p:cNvSpPr txBox="1"/>
+          <p:nvPr/>
+        </p:nvSpPr>
+        <p:spPr>
+          <a:xfrm>
+            <a:off x="5081239" y="2063155"/>
+            <a:ext cx="3107580" cy="369332"/>
+          </a:xfrm>
+          <a:prstGeom prst="rect">
+            <a:avLst/>
+          </a:prstGeom>
+          <a:noFill/>
+        </p:spPr>
+        <p:txBody>
+          <a:bodyPr wrap="square" rtlCol="0">
+            <a:spAutoFit/>
+          </a:bodyPr>
+          <a:lstStyle/>
+          <a:p>
+            <a:pPr algn="ctr"/>
+            <a:r>
+              <a:rPr lang="en-BE" dirty="0">
+                <a:latin typeface="Roboto" panose="02000000000000000000" pitchFamily="2" charset="0"/>
+                <a:ea typeface="Roboto" panose="02000000000000000000" pitchFamily="2" charset="0"/>
+              </a:rPr>
+              <a:t>Test Lab 2 &amp; 3</a:t>
+            </a:r>
+          </a:p>
+        </p:txBody>
+      </p:sp>
+      <p:cxnSp>
+        <p:nvCxnSpPr>
+          <p:cNvPr id="42" name="Straight Connector 41">
+            <a:extLst>
+              <a:ext uri="{FF2B5EF4-FFF2-40B4-BE49-F238E27FC236}">
+                <a16:creationId xmlns:a16="http://schemas.microsoft.com/office/drawing/2014/main" id="{6EBBE4B2-6A10-0ACD-0025-B78D2475B984}"/>
+              </a:ext>
+            </a:extLst>
+          </p:cNvPr>
+          <p:cNvCxnSpPr/>
+          <p:nvPr/>
+        </p:nvCxnSpPr>
+        <p:spPr>
+          <a:xfrm>
+            <a:off x="8925187" y="2509514"/>
+            <a:ext cx="0" cy="288032"/>
+          </a:xfrm>
+          <a:prstGeom prst="line">
+            <a:avLst/>
+          </a:prstGeom>
+          <a:ln w="12700">
+            <a:solidFill>
+              <a:schemeClr val="bg1">
+                <a:lumMod val="75000"/>
+              </a:schemeClr>
+            </a:solidFill>
+          </a:ln>
+        </p:spPr>
+        <p:style>
+          <a:lnRef idx="1">
+            <a:schemeClr val="accent1"/>
+          </a:lnRef>
+          <a:fillRef idx="0">
+            <a:schemeClr val="accent1"/>
+          </a:fillRef>
+          <a:effectRef idx="0">
+            <a:schemeClr val="accent1"/>
+          </a:effectRef>
+          <a:fontRef idx="minor">
+            <a:schemeClr val="tx1"/>
+          </a:fontRef>
+        </p:style>
+      </p:cxnSp>
+      <p:sp>
+        <p:nvSpPr>
+          <p:cNvPr id="43" name="TextBox 42">
+            <a:extLst>
+              <a:ext uri="{FF2B5EF4-FFF2-40B4-BE49-F238E27FC236}">
+                <a16:creationId xmlns:a16="http://schemas.microsoft.com/office/drawing/2014/main" id="{FCB52EBE-37C6-DDC6-ABE5-4C737DBF3FD9}"/>
+              </a:ext>
+            </a:extLst>
+          </p:cNvPr>
+          <p:cNvSpPr txBox="1"/>
+          <p:nvPr/>
+        </p:nvSpPr>
+        <p:spPr>
+          <a:xfrm>
+            <a:off x="7430413" y="2065885"/>
+            <a:ext cx="3107580" cy="369332"/>
+          </a:xfrm>
+          <a:prstGeom prst="rect">
+            <a:avLst/>
+          </a:prstGeom>
+          <a:noFill/>
+        </p:spPr>
+        <p:txBody>
+          <a:bodyPr wrap="square" rtlCol="0">
+            <a:spAutoFit/>
+          </a:bodyPr>
+          <a:lstStyle/>
+          <a:p>
+            <a:pPr algn="ctr"/>
+            <a:r>
+              <a:rPr lang="en-BE" dirty="0">
+                <a:latin typeface="Roboto" panose="02000000000000000000" pitchFamily="2" charset="0"/>
+                <a:ea typeface="Roboto" panose="02000000000000000000" pitchFamily="2" charset="0"/>
+              </a:rPr>
+              <a:t>Present use Case</a:t>
+            </a:r>
+          </a:p>
+        </p:txBody>
+      </p:sp>
+    </p:spTree>
+    <p:extLst>
+      <p:ext uri="{BB962C8B-B14F-4D97-AF65-F5344CB8AC3E}">
+        <p14:creationId xmlns:p14="http://schemas.microsoft.com/office/powerpoint/2010/main" val="2529858331"/>
+      </p:ext>
+    </p:extLst>
+  </p:cSld>
+  <p:clrMapOvr>
+    <a:masterClrMapping/>
+  </p:clrMapOvr>
 </p:sld>
 </file>
 
@@ -8019,12 +11883,16 @@
           <a:lstStyle/>
           <a:p>
             <a:r>
-              <a:rPr lang="en-US" dirty="0" err="1"/>
-              <a:t>Datacommunicatiestandaarden</a:t>
-            </a:r>
-            <a:r>
               <a:rPr lang="en-US" dirty="0"/>
-              <a:t> in het OSI model</a:t>
+              <a:t>Data</a:t>
+            </a:r>
+            <a:r>
+              <a:rPr lang="en-BE" dirty="0"/>
+              <a:t> communication in the </a:t>
+            </a:r>
+            <a:r>
+              <a:rPr lang="en-US" dirty="0"/>
+              <a:t>OSI model</a:t>
             </a:r>
             <a:endParaRPr lang="en-GB" dirty="0"/>
           </a:p>
@@ -8179,21 +12047,42 @@
           <a:lstStyle/>
           <a:p>
             <a:r>
-              <a:rPr lang="en-US" sz="1600">
-                <a:latin typeface="Open Sans" panose="020B0606030504020204" pitchFamily="34" charset="0"/>
-                <a:ea typeface="Open Sans" panose="020B0606030504020204" pitchFamily="34" charset="0"/>
-                <a:cs typeface="Open Sans" panose="020B0606030504020204" pitchFamily="34" charset="0"/>
-              </a:rPr>
-              <a:t>Type communicatie</a:t>
-            </a:r>
-            <a:r>
               <a:rPr lang="en-US" sz="1600" dirty="0">
                 <a:latin typeface="Open Sans" panose="020B0606030504020204" pitchFamily="34" charset="0"/>
                 <a:ea typeface="Open Sans" panose="020B0606030504020204" pitchFamily="34" charset="0"/>
                 <a:cs typeface="Open Sans" panose="020B0606030504020204" pitchFamily="34" charset="0"/>
               </a:rPr>
-              <a:t>:</a:t>
-            </a:r>
+              <a:t>Type </a:t>
+            </a:r>
+            <a:r>
+              <a:rPr lang="en-BE" sz="1600" dirty="0">
+                <a:latin typeface="Open Sans" panose="020B0606030504020204" pitchFamily="34" charset="0"/>
+                <a:ea typeface="Open Sans" panose="020B0606030504020204" pitchFamily="34" charset="0"/>
+                <a:cs typeface="Open Sans" panose="020B0606030504020204" pitchFamily="34" charset="0"/>
+              </a:rPr>
+              <a:t>of </a:t>
+            </a:r>
+            <a:r>
+              <a:rPr lang="en-US" sz="1600" dirty="0" err="1">
+                <a:latin typeface="Open Sans" panose="020B0606030504020204" pitchFamily="34" charset="0"/>
+                <a:ea typeface="Open Sans" panose="020B0606030504020204" pitchFamily="34" charset="0"/>
+                <a:cs typeface="Open Sans" panose="020B0606030504020204" pitchFamily="34" charset="0"/>
+              </a:rPr>
+              <a:t>communicati</a:t>
+            </a:r>
+            <a:r>
+              <a:rPr lang="en-BE" sz="1600" dirty="0">
+                <a:latin typeface="Open Sans" panose="020B0606030504020204" pitchFamily="34" charset="0"/>
+                <a:ea typeface="Open Sans" panose="020B0606030504020204" pitchFamily="34" charset="0"/>
+                <a:cs typeface="Open Sans" panose="020B0606030504020204" pitchFamily="34" charset="0"/>
+              </a:rPr>
+              <a:t>on</a:t>
+            </a:r>
+            <a:endParaRPr lang="en-US" sz="1600" dirty="0">
+              <a:latin typeface="Open Sans" panose="020B0606030504020204" pitchFamily="34" charset="0"/>
+              <a:ea typeface="Open Sans" panose="020B0606030504020204" pitchFamily="34" charset="0"/>
+              <a:cs typeface="Open Sans" panose="020B0606030504020204" pitchFamily="34" charset="0"/>
+            </a:endParaRPr>
           </a:p>
           <a:p>
             <a:pPr>
@@ -8202,20 +12091,12 @@
               </a:lnSpc>
             </a:pPr>
             <a:r>
-              <a:rPr lang="en-US" sz="1100" dirty="0" err="1">
-                <a:latin typeface="Open Sans" panose="020B0606030504020204" pitchFamily="34" charset="0"/>
-                <a:ea typeface="Open Sans" panose="020B0606030504020204" pitchFamily="34" charset="0"/>
-                <a:cs typeface="Open Sans" panose="020B0606030504020204" pitchFamily="34" charset="0"/>
-              </a:rPr>
-              <a:t>Bv</a:t>
-            </a:r>
-            <a:r>
               <a:rPr lang="en-US" sz="1100" dirty="0">
                 <a:latin typeface="Open Sans" panose="020B0606030504020204" pitchFamily="34" charset="0"/>
                 <a:ea typeface="Open Sans" panose="020B0606030504020204" pitchFamily="34" charset="0"/>
                 <a:cs typeface="Open Sans" panose="020B0606030504020204" pitchFamily="34" charset="0"/>
               </a:rPr>
-              <a:t>. E-mail</a:t>
+              <a:t>E-mail</a:t>
             </a:r>
             <a:endParaRPr lang="en-GB" sz="1100" dirty="0">
               <a:latin typeface="Open Sans" panose="020B0606030504020204" pitchFamily="34" charset="0"/>
@@ -8240,7 +12121,7 @@
         <p:spPr>
           <a:xfrm>
             <a:off x="2711624" y="2187151"/>
-            <a:ext cx="3672408" cy="615553"/>
+            <a:ext cx="3672408" cy="565411"/>
           </a:xfrm>
           <a:prstGeom prst="rect">
             <a:avLst/>
@@ -8254,53 +12135,18 @@
           <a:lstStyle/>
           <a:p>
             <a:r>
-              <a:rPr lang="en-US" sz="1600" dirty="0" err="1">
+              <a:rPr lang="en-BE" sz="1600" dirty="0">
                 <a:latin typeface="Open Sans" panose="020B0606030504020204" pitchFamily="34" charset="0"/>
                 <a:ea typeface="Open Sans" panose="020B0606030504020204" pitchFamily="34" charset="0"/>
                 <a:cs typeface="Open Sans" panose="020B0606030504020204" pitchFamily="34" charset="0"/>
               </a:rPr>
-              <a:t>Encryptie</a:t>
-            </a:r>
-            <a:r>
-              <a:rPr lang="en-US" sz="1600" dirty="0">
-                <a:latin typeface="Open Sans" panose="020B0606030504020204" pitchFamily="34" charset="0"/>
-                <a:ea typeface="Open Sans" panose="020B0606030504020204" pitchFamily="34" charset="0"/>
-                <a:cs typeface="Open Sans" panose="020B0606030504020204" pitchFamily="34" charset="0"/>
-              </a:rPr>
-              <a:t> </a:t>
-            </a:r>
-            <a:r>
-              <a:rPr lang="en-US" sz="1600" dirty="0" err="1">
-                <a:latin typeface="Open Sans" panose="020B0606030504020204" pitchFamily="34" charset="0"/>
-                <a:ea typeface="Open Sans" panose="020B0606030504020204" pitchFamily="34" charset="0"/>
-                <a:cs typeface="Open Sans" panose="020B0606030504020204" pitchFamily="34" charset="0"/>
-              </a:rPr>
-              <a:t>en</a:t>
-            </a:r>
-            <a:r>
-              <a:rPr lang="en-US" sz="1600" dirty="0">
-                <a:latin typeface="Open Sans" panose="020B0606030504020204" pitchFamily="34" charset="0"/>
-                <a:ea typeface="Open Sans" panose="020B0606030504020204" pitchFamily="34" charset="0"/>
-                <a:cs typeface="Open Sans" panose="020B0606030504020204" pitchFamily="34" charset="0"/>
-              </a:rPr>
-              <a:t> data </a:t>
-            </a:r>
-            <a:r>
-              <a:rPr lang="en-US" sz="1600" dirty="0" err="1">
-                <a:latin typeface="Open Sans" panose="020B0606030504020204" pitchFamily="34" charset="0"/>
-                <a:ea typeface="Open Sans" panose="020B0606030504020204" pitchFamily="34" charset="0"/>
-                <a:cs typeface="Open Sans" panose="020B0606030504020204" pitchFamily="34" charset="0"/>
-              </a:rPr>
-              <a:t>conversie</a:t>
-            </a:r>
-            <a:r>
-              <a:rPr lang="en-US" sz="1600" dirty="0">
-                <a:latin typeface="Open Sans" panose="020B0606030504020204" pitchFamily="34" charset="0"/>
-                <a:ea typeface="Open Sans" panose="020B0606030504020204" pitchFamily="34" charset="0"/>
-                <a:cs typeface="Open Sans" panose="020B0606030504020204" pitchFamily="34" charset="0"/>
-              </a:rPr>
-              <a:t>:</a:t>
-            </a:r>
+              <a:t>Encryption and data conversion</a:t>
+            </a:r>
+            <a:endParaRPr lang="en-US" sz="1600" dirty="0">
+              <a:latin typeface="Open Sans" panose="020B0606030504020204" pitchFamily="34" charset="0"/>
+              <a:ea typeface="Open Sans" panose="020B0606030504020204" pitchFamily="34" charset="0"/>
+              <a:cs typeface="Open Sans" panose="020B0606030504020204" pitchFamily="34" charset="0"/>
+            </a:endParaRPr>
           </a:p>
           <a:p>
             <a:pPr>
@@ -8309,44 +12155,12 @@
               </a:lnSpc>
             </a:pPr>
             <a:r>
-              <a:rPr lang="en-US" sz="1100" dirty="0" err="1">
+              <a:rPr lang="en-BE" sz="1100" dirty="0">
                 <a:latin typeface="Open Sans" panose="020B0606030504020204" pitchFamily="34" charset="0"/>
                 <a:ea typeface="Open Sans" panose="020B0606030504020204" pitchFamily="34" charset="0"/>
                 <a:cs typeface="Open Sans" panose="020B0606030504020204" pitchFamily="34" charset="0"/>
               </a:rPr>
-              <a:t>Bv</a:t>
-            </a:r>
-            <a:r>
-              <a:rPr lang="en-US" sz="1100" dirty="0">
-                <a:latin typeface="Open Sans" panose="020B0606030504020204" pitchFamily="34" charset="0"/>
-                <a:ea typeface="Open Sans" panose="020B0606030504020204" pitchFamily="34" charset="0"/>
-                <a:cs typeface="Open Sans" panose="020B0606030504020204" pitchFamily="34" charset="0"/>
-              </a:rPr>
-              <a:t>. </a:t>
-            </a:r>
-            <a:r>
-              <a:rPr lang="en-US" sz="1100" dirty="0" err="1">
-                <a:latin typeface="Open Sans" panose="020B0606030504020204" pitchFamily="34" charset="0"/>
-                <a:ea typeface="Open Sans" panose="020B0606030504020204" pitchFamily="34" charset="0"/>
-                <a:cs typeface="Open Sans" panose="020B0606030504020204" pitchFamily="34" charset="0"/>
-              </a:rPr>
-              <a:t>binaire</a:t>
-            </a:r>
-            <a:r>
-              <a:rPr lang="en-US" sz="1100" dirty="0">
-                <a:latin typeface="Open Sans" panose="020B0606030504020204" pitchFamily="34" charset="0"/>
-                <a:ea typeface="Open Sans" panose="020B0606030504020204" pitchFamily="34" charset="0"/>
-                <a:cs typeface="Open Sans" panose="020B0606030504020204" pitchFamily="34" charset="0"/>
-              </a:rPr>
-              <a:t> </a:t>
-            </a:r>
-            <a:r>
-              <a:rPr lang="en-US" sz="1100" dirty="0" err="1">
-                <a:latin typeface="Open Sans" panose="020B0606030504020204" pitchFamily="34" charset="0"/>
-                <a:ea typeface="Open Sans" panose="020B0606030504020204" pitchFamily="34" charset="0"/>
-                <a:cs typeface="Open Sans" panose="020B0606030504020204" pitchFamily="34" charset="0"/>
-              </a:rPr>
-              <a:t>voorstelling</a:t>
+              <a:t>Binary representation</a:t>
             </a:r>
             <a:endParaRPr lang="en-GB" sz="1100" dirty="0">
               <a:latin typeface="Open Sans" panose="020B0606030504020204" pitchFamily="34" charset="0"/>
@@ -8390,63 +12204,23 @@
                 <a:ea typeface="Open Sans" panose="020B0606030504020204" pitchFamily="34" charset="0"/>
                 <a:cs typeface="Open Sans" panose="020B0606030504020204" pitchFamily="34" charset="0"/>
               </a:rPr>
-              <a:t>Start </a:t>
-            </a:r>
-            <a:r>
-              <a:rPr lang="en-US" sz="1600" dirty="0" err="1">
+              <a:t>Start</a:t>
+            </a:r>
+            <a:r>
+              <a:rPr lang="en-BE" sz="1600" dirty="0" err="1">
                 <a:latin typeface="Open Sans" panose="020B0606030504020204" pitchFamily="34" charset="0"/>
                 <a:ea typeface="Open Sans" panose="020B0606030504020204" pitchFamily="34" charset="0"/>
                 <a:cs typeface="Open Sans" panose="020B0606030504020204" pitchFamily="34" charset="0"/>
               </a:rPr>
-              <a:t>en</a:t>
-            </a:r>
-            <a:r>
-              <a:rPr lang="en-US" sz="1600" dirty="0">
+              <a:t>ing</a:t>
+            </a:r>
+            <a:r>
+              <a:rPr lang="en-BE" sz="1600" dirty="0">
                 <a:latin typeface="Open Sans" panose="020B0606030504020204" pitchFamily="34" charset="0"/>
                 <a:ea typeface="Open Sans" panose="020B0606030504020204" pitchFamily="34" charset="0"/>
                 <a:cs typeface="Open Sans" panose="020B0606030504020204" pitchFamily="34" charset="0"/>
               </a:rPr>
-              <a:t> </a:t>
-            </a:r>
-            <a:r>
-              <a:rPr lang="en-US" sz="1600" dirty="0" err="1">
-                <a:latin typeface="Open Sans" panose="020B0606030504020204" pitchFamily="34" charset="0"/>
-                <a:ea typeface="Open Sans" panose="020B0606030504020204" pitchFamily="34" charset="0"/>
-                <a:cs typeface="Open Sans" panose="020B0606030504020204" pitchFamily="34" charset="0"/>
-              </a:rPr>
-              <a:t>stoppen</a:t>
-            </a:r>
-            <a:r>
-              <a:rPr lang="en-US" sz="1600" dirty="0">
-                <a:latin typeface="Open Sans" panose="020B0606030504020204" pitchFamily="34" charset="0"/>
-                <a:ea typeface="Open Sans" panose="020B0606030504020204" pitchFamily="34" charset="0"/>
-                <a:cs typeface="Open Sans" panose="020B0606030504020204" pitchFamily="34" charset="0"/>
-              </a:rPr>
-              <a:t> van </a:t>
-            </a:r>
-            <a:r>
-              <a:rPr lang="en-US" sz="1600" dirty="0" err="1">
-                <a:latin typeface="Open Sans" panose="020B0606030504020204" pitchFamily="34" charset="0"/>
-                <a:ea typeface="Open Sans" panose="020B0606030504020204" pitchFamily="34" charset="0"/>
-                <a:cs typeface="Open Sans" panose="020B0606030504020204" pitchFamily="34" charset="0"/>
-              </a:rPr>
-              <a:t>een</a:t>
-            </a:r>
-            <a:r>
-              <a:rPr lang="en-US" sz="1600" dirty="0">
-                <a:latin typeface="Open Sans" panose="020B0606030504020204" pitchFamily="34" charset="0"/>
-                <a:ea typeface="Open Sans" panose="020B0606030504020204" pitchFamily="34" charset="0"/>
-                <a:cs typeface="Open Sans" panose="020B0606030504020204" pitchFamily="34" charset="0"/>
-              </a:rPr>
-              <a:t> </a:t>
-            </a:r>
-            <a:r>
-              <a:rPr lang="en-US" sz="1600" dirty="0" err="1">
-                <a:latin typeface="Open Sans" panose="020B0606030504020204" pitchFamily="34" charset="0"/>
-                <a:ea typeface="Open Sans" panose="020B0606030504020204" pitchFamily="34" charset="0"/>
-                <a:cs typeface="Open Sans" panose="020B0606030504020204" pitchFamily="34" charset="0"/>
-              </a:rPr>
-              <a:t>sessie</a:t>
+              <a:t>/stopping of a session</a:t>
             </a:r>
             <a:endParaRPr lang="en-US" sz="1600" dirty="0">
               <a:latin typeface="Open Sans" panose="020B0606030504020204" pitchFamily="34" charset="0"/>
@@ -8471,7 +12245,7 @@
         <p:spPr>
           <a:xfrm>
             <a:off x="2729708" y="3345498"/>
-            <a:ext cx="3672408" cy="584775"/>
+            <a:ext cx="3672408" cy="338554"/>
           </a:xfrm>
           <a:prstGeom prst="rect">
             <a:avLst/>
@@ -8485,76 +12259,12 @@
           <a:lstStyle/>
           <a:p>
             <a:r>
-              <a:rPr lang="en-US" sz="1600" dirty="0" err="1">
+              <a:rPr lang="en-BE" sz="1600" dirty="0">
                 <a:latin typeface="Open Sans" panose="020B0606030504020204" pitchFamily="34" charset="0"/>
                 <a:ea typeface="Open Sans" panose="020B0606030504020204" pitchFamily="34" charset="0"/>
                 <a:cs typeface="Open Sans" panose="020B0606030504020204" pitchFamily="34" charset="0"/>
               </a:rPr>
-              <a:t>Verzekering</a:t>
-            </a:r>
-            <a:r>
-              <a:rPr lang="en-US" sz="1600" dirty="0">
-                <a:latin typeface="Open Sans" panose="020B0606030504020204" pitchFamily="34" charset="0"/>
-                <a:ea typeface="Open Sans" panose="020B0606030504020204" pitchFamily="34" charset="0"/>
-                <a:cs typeface="Open Sans" panose="020B0606030504020204" pitchFamily="34" charset="0"/>
-              </a:rPr>
-              <a:t> van het </a:t>
-            </a:r>
-            <a:r>
-              <a:rPr lang="en-US" sz="1600" dirty="0" err="1">
-                <a:latin typeface="Open Sans" panose="020B0606030504020204" pitchFamily="34" charset="0"/>
-                <a:ea typeface="Open Sans" panose="020B0606030504020204" pitchFamily="34" charset="0"/>
-                <a:cs typeface="Open Sans" panose="020B0606030504020204" pitchFamily="34" charset="0"/>
-              </a:rPr>
-              <a:t>ontvangst</a:t>
-            </a:r>
-            <a:r>
-              <a:rPr lang="en-US" sz="1600" dirty="0">
-                <a:latin typeface="Open Sans" panose="020B0606030504020204" pitchFamily="34" charset="0"/>
-                <a:ea typeface="Open Sans" panose="020B0606030504020204" pitchFamily="34" charset="0"/>
-                <a:cs typeface="Open Sans" panose="020B0606030504020204" pitchFamily="34" charset="0"/>
-              </a:rPr>
-              <a:t> van </a:t>
-            </a:r>
-            <a:r>
-              <a:rPr lang="en-US" sz="1600" dirty="0" err="1">
-                <a:latin typeface="Open Sans" panose="020B0606030504020204" pitchFamily="34" charset="0"/>
-                <a:ea typeface="Open Sans" panose="020B0606030504020204" pitchFamily="34" charset="0"/>
-                <a:cs typeface="Open Sans" panose="020B0606030504020204" pitchFamily="34" charset="0"/>
-              </a:rPr>
-              <a:t>een</a:t>
-            </a:r>
-            <a:r>
-              <a:rPr lang="en-US" sz="1600" dirty="0">
-                <a:latin typeface="Open Sans" panose="020B0606030504020204" pitchFamily="34" charset="0"/>
-                <a:ea typeface="Open Sans" panose="020B0606030504020204" pitchFamily="34" charset="0"/>
-                <a:cs typeface="Open Sans" panose="020B0606030504020204" pitchFamily="34" charset="0"/>
-              </a:rPr>
-              <a:t> </a:t>
-            </a:r>
-            <a:r>
-              <a:rPr lang="en-US" sz="1600" dirty="0" err="1">
-                <a:latin typeface="Open Sans" panose="020B0606030504020204" pitchFamily="34" charset="0"/>
-                <a:ea typeface="Open Sans" panose="020B0606030504020204" pitchFamily="34" charset="0"/>
-                <a:cs typeface="Open Sans" panose="020B0606030504020204" pitchFamily="34" charset="0"/>
-              </a:rPr>
-              <a:t>bestand</a:t>
-            </a:r>
-            <a:r>
-              <a:rPr lang="en-US" sz="1600" dirty="0">
-                <a:latin typeface="Open Sans" panose="020B0606030504020204" pitchFamily="34" charset="0"/>
-                <a:ea typeface="Open Sans" panose="020B0606030504020204" pitchFamily="34" charset="0"/>
-                <a:cs typeface="Open Sans" panose="020B0606030504020204" pitchFamily="34" charset="0"/>
-              </a:rPr>
-              <a:t> of </a:t>
-            </a:r>
-            <a:r>
-              <a:rPr lang="en-US" sz="1600" dirty="0" err="1">
-                <a:latin typeface="Open Sans" panose="020B0606030504020204" pitchFamily="34" charset="0"/>
-                <a:ea typeface="Open Sans" panose="020B0606030504020204" pitchFamily="34" charset="0"/>
-                <a:cs typeface="Open Sans" panose="020B0606030504020204" pitchFamily="34" charset="0"/>
-              </a:rPr>
-              <a:t>bericht</a:t>
+              <a:t>Ensure receiving a message</a:t>
             </a:r>
             <a:endParaRPr lang="en-GB" sz="1100" dirty="0">
               <a:latin typeface="Open Sans" panose="020B0606030504020204" pitchFamily="34" charset="0"/>
@@ -8601,12 +12311,12 @@
               <a:t>Data </a:t>
             </a:r>
             <a:r>
-              <a:rPr lang="en-US" sz="1600" dirty="0" err="1">
+              <a:rPr lang="en-BE" sz="1600" dirty="0">
                 <a:latin typeface="Open Sans" panose="020B0606030504020204" pitchFamily="34" charset="0"/>
                 <a:ea typeface="Open Sans" panose="020B0606030504020204" pitchFamily="34" charset="0"/>
                 <a:cs typeface="Open Sans" panose="020B0606030504020204" pitchFamily="34" charset="0"/>
               </a:rPr>
-              <a:t>navigeren</a:t>
+              <a:t>routing</a:t>
             </a:r>
             <a:endParaRPr lang="en-GB" sz="1100" dirty="0">
               <a:latin typeface="Open Sans" panose="020B0606030504020204" pitchFamily="34" charset="0"/>
@@ -8645,52 +12355,12 @@
           <a:lstStyle/>
           <a:p>
             <a:r>
-              <a:rPr lang="en-US" sz="1600" dirty="0" err="1">
+              <a:rPr lang="en-BE" sz="1600" dirty="0">
                 <a:latin typeface="Open Sans" panose="020B0606030504020204" pitchFamily="34" charset="0"/>
                 <a:ea typeface="Open Sans" panose="020B0606030504020204" pitchFamily="34" charset="0"/>
                 <a:cs typeface="Open Sans" panose="020B0606030504020204" pitchFamily="34" charset="0"/>
               </a:rPr>
-              <a:t>Pakket</a:t>
-            </a:r>
-            <a:r>
-              <a:rPr lang="en-US" sz="1600" dirty="0">
-                <a:latin typeface="Open Sans" panose="020B0606030504020204" pitchFamily="34" charset="0"/>
-                <a:ea typeface="Open Sans" panose="020B0606030504020204" pitchFamily="34" charset="0"/>
-                <a:cs typeface="Open Sans" panose="020B0606030504020204" pitchFamily="34" charset="0"/>
-              </a:rPr>
-              <a:t> </a:t>
-            </a:r>
-            <a:r>
-              <a:rPr lang="en-US" sz="1600" dirty="0" err="1">
-                <a:latin typeface="Open Sans" panose="020B0606030504020204" pitchFamily="34" charset="0"/>
-                <a:ea typeface="Open Sans" panose="020B0606030504020204" pitchFamily="34" charset="0"/>
-                <a:cs typeface="Open Sans" panose="020B0606030504020204" pitchFamily="34" charset="0"/>
-              </a:rPr>
-              <a:t>doorsturen</a:t>
-            </a:r>
-            <a:r>
-              <a:rPr lang="en-US" sz="1600" dirty="0">
-                <a:latin typeface="Open Sans" panose="020B0606030504020204" pitchFamily="34" charset="0"/>
-                <a:ea typeface="Open Sans" panose="020B0606030504020204" pitchFamily="34" charset="0"/>
-                <a:cs typeface="Open Sans" panose="020B0606030504020204" pitchFamily="34" charset="0"/>
-              </a:rPr>
-              <a:t> van node </a:t>
-            </a:r>
-            <a:r>
-              <a:rPr lang="en-US" sz="1600" dirty="0" err="1">
-                <a:latin typeface="Open Sans" panose="020B0606030504020204" pitchFamily="34" charset="0"/>
-                <a:ea typeface="Open Sans" panose="020B0606030504020204" pitchFamily="34" charset="0"/>
-                <a:cs typeface="Open Sans" panose="020B0606030504020204" pitchFamily="34" charset="0"/>
-              </a:rPr>
-              <a:t>naar</a:t>
-            </a:r>
-            <a:r>
-              <a:rPr lang="en-US" sz="1600" dirty="0">
-                <a:latin typeface="Open Sans" panose="020B0606030504020204" pitchFamily="34" charset="0"/>
-                <a:ea typeface="Open Sans" panose="020B0606030504020204" pitchFamily="34" charset="0"/>
-                <a:cs typeface="Open Sans" panose="020B0606030504020204" pitchFamily="34" charset="0"/>
-              </a:rPr>
-              <a:t> node</a:t>
+              <a:t>Packet transmission between neighbouring nodes</a:t>
             </a:r>
             <a:endParaRPr lang="en-GB" sz="1100" dirty="0">
               <a:latin typeface="Open Sans" panose="020B0606030504020204" pitchFamily="34" charset="0"/>
@@ -8729,28 +12399,12 @@
           <a:lstStyle/>
           <a:p>
             <a:r>
-              <a:rPr lang="en-US" sz="1600" dirty="0" err="1">
+              <a:rPr lang="en-BE" sz="1600" dirty="0">
                 <a:latin typeface="Open Sans" panose="020B0606030504020204" pitchFamily="34" charset="0"/>
                 <a:ea typeface="Open Sans" panose="020B0606030504020204" pitchFamily="34" charset="0"/>
                 <a:cs typeface="Open Sans" panose="020B0606030504020204" pitchFamily="34" charset="0"/>
               </a:rPr>
-              <a:t>Elektrische</a:t>
-            </a:r>
-            <a:r>
-              <a:rPr lang="en-US" sz="1600" dirty="0">
-                <a:latin typeface="Open Sans" panose="020B0606030504020204" pitchFamily="34" charset="0"/>
-                <a:ea typeface="Open Sans" panose="020B0606030504020204" pitchFamily="34" charset="0"/>
-                <a:cs typeface="Open Sans" panose="020B0606030504020204" pitchFamily="34" charset="0"/>
-              </a:rPr>
-              <a:t> </a:t>
-            </a:r>
-            <a:r>
-              <a:rPr lang="en-US" sz="1600" dirty="0" err="1">
-                <a:latin typeface="Open Sans" panose="020B0606030504020204" pitchFamily="34" charset="0"/>
-                <a:ea typeface="Open Sans" panose="020B0606030504020204" pitchFamily="34" charset="0"/>
-                <a:cs typeface="Open Sans" panose="020B0606030504020204" pitchFamily="34" charset="0"/>
-              </a:rPr>
-              <a:t>signalen</a:t>
+              <a:t>Electrical Signals</a:t>
             </a:r>
             <a:endParaRPr lang="en-GB" sz="1100" dirty="0">
               <a:latin typeface="Open Sans" panose="020B0606030504020204" pitchFamily="34" charset="0"/>
@@ -8807,39 +12461,8 @@
           <a:p>
             <a:r>
               <a:rPr lang="en-GB" dirty="0"/>
-              <a:t>What </a:t>
-            </a:r>
-            <a:r>
-              <a:rPr lang="en-GB"/>
-              <a:t>is Wireshark</a:t>
-            </a:r>
-            <a:r>
-              <a:rPr lang="en-GB" dirty="0"/>
-              <a:t>?</a:t>
-            </a:r>
-            <a:endParaRPr lang="nl-BE" dirty="0"/>
-          </a:p>
-        </p:txBody>
-      </p:sp>
-      <p:sp>
-        <p:nvSpPr>
-          <p:cNvPr id="3" name="Tijdelijke aanduiding voor datum 2"/>
-          <p:cNvSpPr>
-            <a:spLocks noGrp="1"/>
-          </p:cNvSpPr>
-          <p:nvPr>
-            <p:ph type="dt" sz="half" idx="10"/>
-          </p:nvPr>
-        </p:nvSpPr>
-        <p:spPr/>
-        <p:txBody>
-          <a:bodyPr/>
-          <a:lstStyle/>
-          <a:p>
-            <a:fld id="{D1F088C9-0FC0-440B-8314-5EF9819A24DA}" type="datetime1">
-              <a:rPr lang="nl-BE" smtClean="0"/>
-              <a:t>25/03/2019</a:t>
-            </a:fld>
+              <a:t>What is Wireshark?</a:t>
+            </a:r>
             <a:endParaRPr lang="nl-BE" dirty="0"/>
           </a:p>
         </p:txBody>
@@ -8879,7 +12502,7 @@
           </p:nvPr>
         </p:nvPicPr>
         <p:blipFill>
-          <a:blip r:embed="rId2"/>
+          <a:blip r:embed="rId3"/>
           <a:stretch>
             <a:fillRect/>
           </a:stretch>
@@ -9592,10 +13215,10 @@
       </p:grpSpPr>
       <p:sp>
         <p:nvSpPr>
-          <p:cNvPr id="2" name="Titel 1">
+          <p:cNvPr id="2" name="Title 1">
             <a:extLst>
               <a:ext uri="{FF2B5EF4-FFF2-40B4-BE49-F238E27FC236}">
-                <a16:creationId xmlns:a16="http://schemas.microsoft.com/office/drawing/2014/main" id="{650D7248-DA1F-4BFF-BE11-51EB71E31E13}"/>
+                <a16:creationId xmlns:a16="http://schemas.microsoft.com/office/drawing/2014/main" id="{9EA55982-6A49-0C7B-67A8-393E5A2EABAF}"/>
               </a:ext>
             </a:extLst>
           </p:cNvPr>
@@ -9611,16 +13234,19 @@
           <a:bodyPr/>
           <a:lstStyle/>
           <a:p>
-            <a:endParaRPr lang="en-US"/>
-          </a:p>
-        </p:txBody>
-      </p:sp>
-      <p:sp>
-        <p:nvSpPr>
-          <p:cNvPr id="3" name="Tijdelijke aanduiding voor datum 2">
+            <a:r>
+              <a:rPr lang="en-BE" dirty="0"/>
+              <a:t>Layer 2 versus layer 3</a:t>
+            </a:r>
+          </a:p>
+        </p:txBody>
+      </p:sp>
+      <p:sp>
+        <p:nvSpPr>
+          <p:cNvPr id="3" name="Date Placeholder 2">
             <a:extLst>
               <a:ext uri="{FF2B5EF4-FFF2-40B4-BE49-F238E27FC236}">
-                <a16:creationId xmlns:a16="http://schemas.microsoft.com/office/drawing/2014/main" id="{B2A49E34-3EA3-4389-8796-329578D52774}"/>
+                <a16:creationId xmlns:a16="http://schemas.microsoft.com/office/drawing/2014/main" id="{BA3663FC-28FB-1FE2-5B3C-29ADEC13F0AE}"/>
               </a:ext>
             </a:extLst>
           </p:cNvPr>
@@ -9638,7 +13264,7 @@
           <a:p>
             <a:fld id="{D1F088C9-0FC0-440B-8314-5EF9819A24DA}" type="datetime1">
               <a:rPr lang="nl-BE" smtClean="0"/>
-              <a:t>25/03/2019</a:t>
+              <a:t>27/09/2022</a:t>
             </a:fld>
             <a:endParaRPr lang="nl-BE" dirty="0"/>
           </a:p>
@@ -9646,10 +13272,10 @@
       </p:sp>
       <p:sp>
         <p:nvSpPr>
-          <p:cNvPr id="4" name="Tijdelijke aanduiding voor dianummer 3">
+          <p:cNvPr id="4" name="Slide Number Placeholder 3">
             <a:extLst>
               <a:ext uri="{FF2B5EF4-FFF2-40B4-BE49-F238E27FC236}">
-                <a16:creationId xmlns:a16="http://schemas.microsoft.com/office/drawing/2014/main" id="{B4B270BB-82F7-43AE-B159-C029B5C54881}"/>
+                <a16:creationId xmlns:a16="http://schemas.microsoft.com/office/drawing/2014/main" id="{72ADBF59-EADE-5B2A-6C5A-5017A4B265FC}"/>
               </a:ext>
             </a:extLst>
           </p:cNvPr>
@@ -9674,65 +13300,567 @@
           </a:p>
         </p:txBody>
       </p:sp>
-      <p:sp>
-        <p:nvSpPr>
-          <p:cNvPr id="5" name="Tijdelijke aanduiding voor inhoud 4">
+      <p:pic>
+        <p:nvPicPr>
+          <p:cNvPr id="6" name="Picture 2" descr="Afbeeldingsresultaat voor osi model">
             <a:extLst>
               <a:ext uri="{FF2B5EF4-FFF2-40B4-BE49-F238E27FC236}">
-                <a16:creationId xmlns:a16="http://schemas.microsoft.com/office/drawing/2014/main" id="{3C588C89-4BDE-40F7-ADA6-E422E2CC0D5B}"/>
-              </a:ext>
-            </a:extLst>
-          </p:cNvPr>
-          <p:cNvSpPr>
-            <a:spLocks noGrp="1"/>
-          </p:cNvSpPr>
-          <p:nvPr>
-            <p:ph idx="1"/>
-          </p:nvPr>
-        </p:nvSpPr>
-        <p:spPr/>
-        <p:txBody>
-          <a:bodyPr/>
-          <a:lstStyle/>
-          <a:p>
-            <a:endParaRPr lang="en-US"/>
-          </a:p>
-        </p:txBody>
-      </p:sp>
-      <p:pic>
-        <p:nvPicPr>
-          <p:cNvPr id="6" name="Afbeelding 5">
-            <a:extLst>
-              <a:ext uri="{FF2B5EF4-FFF2-40B4-BE49-F238E27FC236}">
-                <a16:creationId xmlns:a16="http://schemas.microsoft.com/office/drawing/2014/main" id="{6279F885-A5DA-40F1-83B1-57310148CEC3}"/>
+                <a16:creationId xmlns:a16="http://schemas.microsoft.com/office/drawing/2014/main" id="{A5DEE92E-B6F9-C2F1-4019-31AEE1E2F1E0}"/>
               </a:ext>
             </a:extLst>
           </p:cNvPr>
           <p:cNvPicPr>
-            <a:picLocks noChangeAspect="1"/>
+            <a:picLocks noChangeAspect="1" noChangeArrowheads="1"/>
           </p:cNvPicPr>
           <p:nvPr/>
         </p:nvPicPr>
-        <p:blipFill>
-          <a:blip r:embed="rId2"/>
-          <a:stretch>
-            <a:fillRect/>
-          </a:stretch>
+        <p:blipFill rotWithShape="1">
+          <a:blip r:embed="rId2" cstate="print">
+            <a:extLst>
+              <a:ext uri="{28A0092B-C50C-407E-A947-70E740481C1C}">
+                <a14:useLocalDpi xmlns:a14="http://schemas.microsoft.com/office/drawing/2010/main" val="0"/>
+              </a:ext>
+            </a:extLst>
+          </a:blip>
+          <a:srcRect r="62872"/>
+          <a:stretch/>
         </p:blipFill>
-        <p:spPr>
-          <a:xfrm>
-            <a:off x="1866309" y="471074"/>
-            <a:ext cx="8459381" cy="5915851"/>
+        <p:spPr bwMode="auto">
+          <a:xfrm>
+            <a:off x="335360" y="1556792"/>
+            <a:ext cx="2317616" cy="4143692"/>
           </a:xfrm>
           <a:prstGeom prst="rect">
             <a:avLst/>
           </a:prstGeom>
+          <a:noFill/>
+          <a:extLst>
+            <a:ext uri="{909E8E84-426E-40DD-AFC4-6F175D3DCCD1}">
+              <a14:hiddenFill xmlns:a14="http://schemas.microsoft.com/office/drawing/2010/main">
+                <a:solidFill>
+                  <a:srgbClr val="FFFFFF"/>
+                </a:solidFill>
+              </a14:hiddenFill>
+            </a:ext>
+          </a:extLst>
         </p:spPr>
       </p:pic>
+      <p:sp>
+        <p:nvSpPr>
+          <p:cNvPr id="7" name="TextBox 6">
+            <a:extLst>
+              <a:ext uri="{FF2B5EF4-FFF2-40B4-BE49-F238E27FC236}">
+                <a16:creationId xmlns:a16="http://schemas.microsoft.com/office/drawing/2014/main" id="{CBE42F95-4511-B8B5-D152-86AA94812B21}"/>
+              </a:ext>
+            </a:extLst>
+          </p:cNvPr>
+          <p:cNvSpPr txBox="1"/>
+          <p:nvPr/>
+        </p:nvSpPr>
+        <p:spPr>
+          <a:xfrm>
+            <a:off x="2711624" y="1628800"/>
+            <a:ext cx="3672408" cy="565411"/>
+          </a:xfrm>
+          <a:prstGeom prst="rect">
+            <a:avLst/>
+          </a:prstGeom>
+          <a:noFill/>
+        </p:spPr>
+        <p:txBody>
+          <a:bodyPr wrap="square" rtlCol="0">
+            <a:spAutoFit/>
+          </a:bodyPr>
+          <a:lstStyle/>
+          <a:p>
+            <a:r>
+              <a:rPr lang="en-US" sz="1600" dirty="0">
+                <a:latin typeface="Open Sans" panose="020B0606030504020204" pitchFamily="34" charset="0"/>
+                <a:ea typeface="Open Sans" panose="020B0606030504020204" pitchFamily="34" charset="0"/>
+                <a:cs typeface="Open Sans" panose="020B0606030504020204" pitchFamily="34" charset="0"/>
+              </a:rPr>
+              <a:t>Type </a:t>
+            </a:r>
+            <a:r>
+              <a:rPr lang="en-BE" sz="1600" dirty="0">
+                <a:latin typeface="Open Sans" panose="020B0606030504020204" pitchFamily="34" charset="0"/>
+                <a:ea typeface="Open Sans" panose="020B0606030504020204" pitchFamily="34" charset="0"/>
+                <a:cs typeface="Open Sans" panose="020B0606030504020204" pitchFamily="34" charset="0"/>
+              </a:rPr>
+              <a:t>of </a:t>
+            </a:r>
+            <a:r>
+              <a:rPr lang="en-US" sz="1600" dirty="0" err="1">
+                <a:latin typeface="Open Sans" panose="020B0606030504020204" pitchFamily="34" charset="0"/>
+                <a:ea typeface="Open Sans" panose="020B0606030504020204" pitchFamily="34" charset="0"/>
+                <a:cs typeface="Open Sans" panose="020B0606030504020204" pitchFamily="34" charset="0"/>
+              </a:rPr>
+              <a:t>communicati</a:t>
+            </a:r>
+            <a:r>
+              <a:rPr lang="en-BE" sz="1600" dirty="0">
+                <a:latin typeface="Open Sans" panose="020B0606030504020204" pitchFamily="34" charset="0"/>
+                <a:ea typeface="Open Sans" panose="020B0606030504020204" pitchFamily="34" charset="0"/>
+                <a:cs typeface="Open Sans" panose="020B0606030504020204" pitchFamily="34" charset="0"/>
+              </a:rPr>
+              <a:t>on</a:t>
+            </a:r>
+            <a:endParaRPr lang="en-US" sz="1600" dirty="0">
+              <a:latin typeface="Open Sans" panose="020B0606030504020204" pitchFamily="34" charset="0"/>
+              <a:ea typeface="Open Sans" panose="020B0606030504020204" pitchFamily="34" charset="0"/>
+              <a:cs typeface="Open Sans" panose="020B0606030504020204" pitchFamily="34" charset="0"/>
+            </a:endParaRPr>
+          </a:p>
+          <a:p>
+            <a:pPr>
+              <a:lnSpc>
+                <a:spcPct val="150000"/>
+              </a:lnSpc>
+            </a:pPr>
+            <a:r>
+              <a:rPr lang="en-US" sz="1100" dirty="0">
+                <a:latin typeface="Open Sans" panose="020B0606030504020204" pitchFamily="34" charset="0"/>
+                <a:ea typeface="Open Sans" panose="020B0606030504020204" pitchFamily="34" charset="0"/>
+                <a:cs typeface="Open Sans" panose="020B0606030504020204" pitchFamily="34" charset="0"/>
+              </a:rPr>
+              <a:t>E-mail</a:t>
+            </a:r>
+            <a:endParaRPr lang="en-GB" sz="1100" dirty="0">
+              <a:latin typeface="Open Sans" panose="020B0606030504020204" pitchFamily="34" charset="0"/>
+              <a:ea typeface="Open Sans" panose="020B0606030504020204" pitchFamily="34" charset="0"/>
+              <a:cs typeface="Open Sans" panose="020B0606030504020204" pitchFamily="34" charset="0"/>
+            </a:endParaRPr>
+          </a:p>
+        </p:txBody>
+      </p:sp>
+      <p:sp>
+        <p:nvSpPr>
+          <p:cNvPr id="8" name="TextBox 7">
+            <a:extLst>
+              <a:ext uri="{FF2B5EF4-FFF2-40B4-BE49-F238E27FC236}">
+                <a16:creationId xmlns:a16="http://schemas.microsoft.com/office/drawing/2014/main" id="{11D6C0CA-E6A7-AC67-113B-26ACEB92D24A}"/>
+              </a:ext>
+            </a:extLst>
+          </p:cNvPr>
+          <p:cNvSpPr txBox="1"/>
+          <p:nvPr/>
+        </p:nvSpPr>
+        <p:spPr>
+          <a:xfrm>
+            <a:off x="2711624" y="2187151"/>
+            <a:ext cx="3672408" cy="565411"/>
+          </a:xfrm>
+          <a:prstGeom prst="rect">
+            <a:avLst/>
+          </a:prstGeom>
+          <a:noFill/>
+        </p:spPr>
+        <p:txBody>
+          <a:bodyPr wrap="square" rtlCol="0">
+            <a:spAutoFit/>
+          </a:bodyPr>
+          <a:lstStyle/>
+          <a:p>
+            <a:r>
+              <a:rPr lang="en-BE" sz="1600" dirty="0">
+                <a:latin typeface="Open Sans" panose="020B0606030504020204" pitchFamily="34" charset="0"/>
+                <a:ea typeface="Open Sans" panose="020B0606030504020204" pitchFamily="34" charset="0"/>
+                <a:cs typeface="Open Sans" panose="020B0606030504020204" pitchFamily="34" charset="0"/>
+              </a:rPr>
+              <a:t>Encryption and data conversion</a:t>
+            </a:r>
+            <a:endParaRPr lang="en-US" sz="1600" dirty="0">
+              <a:latin typeface="Open Sans" panose="020B0606030504020204" pitchFamily="34" charset="0"/>
+              <a:ea typeface="Open Sans" panose="020B0606030504020204" pitchFamily="34" charset="0"/>
+              <a:cs typeface="Open Sans" panose="020B0606030504020204" pitchFamily="34" charset="0"/>
+            </a:endParaRPr>
+          </a:p>
+          <a:p>
+            <a:pPr>
+              <a:lnSpc>
+                <a:spcPct val="150000"/>
+              </a:lnSpc>
+            </a:pPr>
+            <a:r>
+              <a:rPr lang="en-BE" sz="1100" dirty="0">
+                <a:latin typeface="Open Sans" panose="020B0606030504020204" pitchFamily="34" charset="0"/>
+                <a:ea typeface="Open Sans" panose="020B0606030504020204" pitchFamily="34" charset="0"/>
+                <a:cs typeface="Open Sans" panose="020B0606030504020204" pitchFamily="34" charset="0"/>
+              </a:rPr>
+              <a:t>Binary representation</a:t>
+            </a:r>
+            <a:endParaRPr lang="en-GB" sz="1100" dirty="0">
+              <a:latin typeface="Open Sans" panose="020B0606030504020204" pitchFamily="34" charset="0"/>
+              <a:ea typeface="Open Sans" panose="020B0606030504020204" pitchFamily="34" charset="0"/>
+              <a:cs typeface="Open Sans" panose="020B0606030504020204" pitchFamily="34" charset="0"/>
+            </a:endParaRPr>
+          </a:p>
+        </p:txBody>
+      </p:sp>
+      <p:sp>
+        <p:nvSpPr>
+          <p:cNvPr id="9" name="TextBox 8">
+            <a:extLst>
+              <a:ext uri="{FF2B5EF4-FFF2-40B4-BE49-F238E27FC236}">
+                <a16:creationId xmlns:a16="http://schemas.microsoft.com/office/drawing/2014/main" id="{697C8F4F-250E-4051-0A94-5B8A2BB279C4}"/>
+              </a:ext>
+            </a:extLst>
+          </p:cNvPr>
+          <p:cNvSpPr txBox="1"/>
+          <p:nvPr/>
+        </p:nvSpPr>
+        <p:spPr>
+          <a:xfrm>
+            <a:off x="2711624" y="2874422"/>
+            <a:ext cx="3672408" cy="338554"/>
+          </a:xfrm>
+          <a:prstGeom prst="rect">
+            <a:avLst/>
+          </a:prstGeom>
+          <a:noFill/>
+        </p:spPr>
+        <p:txBody>
+          <a:bodyPr wrap="square" rtlCol="0">
+            <a:spAutoFit/>
+          </a:bodyPr>
+          <a:lstStyle/>
+          <a:p>
+            <a:r>
+              <a:rPr lang="en-US" sz="1600" dirty="0">
+                <a:latin typeface="Open Sans" panose="020B0606030504020204" pitchFamily="34" charset="0"/>
+                <a:ea typeface="Open Sans" panose="020B0606030504020204" pitchFamily="34" charset="0"/>
+                <a:cs typeface="Open Sans" panose="020B0606030504020204" pitchFamily="34" charset="0"/>
+              </a:rPr>
+              <a:t>Start</a:t>
+            </a:r>
+            <a:r>
+              <a:rPr lang="en-BE" sz="1600" dirty="0" err="1">
+                <a:latin typeface="Open Sans" panose="020B0606030504020204" pitchFamily="34" charset="0"/>
+                <a:ea typeface="Open Sans" panose="020B0606030504020204" pitchFamily="34" charset="0"/>
+                <a:cs typeface="Open Sans" panose="020B0606030504020204" pitchFamily="34" charset="0"/>
+              </a:rPr>
+              <a:t>ing</a:t>
+            </a:r>
+            <a:r>
+              <a:rPr lang="en-BE" sz="1600" dirty="0">
+                <a:latin typeface="Open Sans" panose="020B0606030504020204" pitchFamily="34" charset="0"/>
+                <a:ea typeface="Open Sans" panose="020B0606030504020204" pitchFamily="34" charset="0"/>
+                <a:cs typeface="Open Sans" panose="020B0606030504020204" pitchFamily="34" charset="0"/>
+              </a:rPr>
+              <a:t>/stopping of a session</a:t>
+            </a:r>
+            <a:endParaRPr lang="en-US" sz="1600" dirty="0">
+              <a:latin typeface="Open Sans" panose="020B0606030504020204" pitchFamily="34" charset="0"/>
+              <a:ea typeface="Open Sans" panose="020B0606030504020204" pitchFamily="34" charset="0"/>
+              <a:cs typeface="Open Sans" panose="020B0606030504020204" pitchFamily="34" charset="0"/>
+            </a:endParaRPr>
+          </a:p>
+        </p:txBody>
+      </p:sp>
+      <p:sp>
+        <p:nvSpPr>
+          <p:cNvPr id="10" name="TextBox 9">
+            <a:extLst>
+              <a:ext uri="{FF2B5EF4-FFF2-40B4-BE49-F238E27FC236}">
+                <a16:creationId xmlns:a16="http://schemas.microsoft.com/office/drawing/2014/main" id="{2E9BA3F2-4531-EAB0-9D3B-C045C716930E}"/>
+              </a:ext>
+            </a:extLst>
+          </p:cNvPr>
+          <p:cNvSpPr txBox="1"/>
+          <p:nvPr/>
+        </p:nvSpPr>
+        <p:spPr>
+          <a:xfrm>
+            <a:off x="2729708" y="3345498"/>
+            <a:ext cx="3672408" cy="338554"/>
+          </a:xfrm>
+          <a:prstGeom prst="rect">
+            <a:avLst/>
+          </a:prstGeom>
+          <a:noFill/>
+        </p:spPr>
+        <p:txBody>
+          <a:bodyPr wrap="square" rtlCol="0">
+            <a:spAutoFit/>
+          </a:bodyPr>
+          <a:lstStyle/>
+          <a:p>
+            <a:r>
+              <a:rPr lang="en-BE" sz="1600" dirty="0">
+                <a:latin typeface="Open Sans" panose="020B0606030504020204" pitchFamily="34" charset="0"/>
+                <a:ea typeface="Open Sans" panose="020B0606030504020204" pitchFamily="34" charset="0"/>
+                <a:cs typeface="Open Sans" panose="020B0606030504020204" pitchFamily="34" charset="0"/>
+              </a:rPr>
+              <a:t>Ensure receiving a message</a:t>
+            </a:r>
+            <a:endParaRPr lang="en-GB" sz="1100" dirty="0">
+              <a:latin typeface="Open Sans" panose="020B0606030504020204" pitchFamily="34" charset="0"/>
+              <a:ea typeface="Open Sans" panose="020B0606030504020204" pitchFamily="34" charset="0"/>
+              <a:cs typeface="Open Sans" panose="020B0606030504020204" pitchFamily="34" charset="0"/>
+            </a:endParaRPr>
+          </a:p>
+        </p:txBody>
+      </p:sp>
+      <p:sp>
+        <p:nvSpPr>
+          <p:cNvPr id="11" name="TextBox 10">
+            <a:extLst>
+              <a:ext uri="{FF2B5EF4-FFF2-40B4-BE49-F238E27FC236}">
+                <a16:creationId xmlns:a16="http://schemas.microsoft.com/office/drawing/2014/main" id="{8A2C09BA-F746-F9D6-761D-F58EEA877B51}"/>
+              </a:ext>
+            </a:extLst>
+          </p:cNvPr>
+          <p:cNvSpPr txBox="1"/>
+          <p:nvPr/>
+        </p:nvSpPr>
+        <p:spPr>
+          <a:xfrm>
+            <a:off x="2729708" y="4023526"/>
+            <a:ext cx="3672408" cy="338554"/>
+          </a:xfrm>
+          <a:prstGeom prst="rect">
+            <a:avLst/>
+          </a:prstGeom>
+          <a:noFill/>
+        </p:spPr>
+        <p:txBody>
+          <a:bodyPr wrap="square" rtlCol="0">
+            <a:spAutoFit/>
+          </a:bodyPr>
+          <a:lstStyle/>
+          <a:p>
+            <a:r>
+              <a:rPr lang="en-US" sz="1600" dirty="0">
+                <a:latin typeface="Open Sans" panose="020B0606030504020204" pitchFamily="34" charset="0"/>
+                <a:ea typeface="Open Sans" panose="020B0606030504020204" pitchFamily="34" charset="0"/>
+                <a:cs typeface="Open Sans" panose="020B0606030504020204" pitchFamily="34" charset="0"/>
+              </a:rPr>
+              <a:t>Data </a:t>
+            </a:r>
+            <a:r>
+              <a:rPr lang="en-BE" sz="1600" dirty="0">
+                <a:latin typeface="Open Sans" panose="020B0606030504020204" pitchFamily="34" charset="0"/>
+                <a:ea typeface="Open Sans" panose="020B0606030504020204" pitchFamily="34" charset="0"/>
+                <a:cs typeface="Open Sans" panose="020B0606030504020204" pitchFamily="34" charset="0"/>
+              </a:rPr>
+              <a:t>routing</a:t>
+            </a:r>
+            <a:endParaRPr lang="en-GB" sz="1100" dirty="0">
+              <a:latin typeface="Open Sans" panose="020B0606030504020204" pitchFamily="34" charset="0"/>
+              <a:ea typeface="Open Sans" panose="020B0606030504020204" pitchFamily="34" charset="0"/>
+              <a:cs typeface="Open Sans" panose="020B0606030504020204" pitchFamily="34" charset="0"/>
+            </a:endParaRPr>
+          </a:p>
+        </p:txBody>
+      </p:sp>
+      <p:sp>
+        <p:nvSpPr>
+          <p:cNvPr id="12" name="TextBox 11">
+            <a:extLst>
+              <a:ext uri="{FF2B5EF4-FFF2-40B4-BE49-F238E27FC236}">
+                <a16:creationId xmlns:a16="http://schemas.microsoft.com/office/drawing/2014/main" id="{3F1FAC01-C69A-DD50-10BA-59761DEC53D2}"/>
+              </a:ext>
+            </a:extLst>
+          </p:cNvPr>
+          <p:cNvSpPr txBox="1"/>
+          <p:nvPr/>
+        </p:nvSpPr>
+        <p:spPr>
+          <a:xfrm>
+            <a:off x="2729708" y="4488624"/>
+            <a:ext cx="3672408" cy="584775"/>
+          </a:xfrm>
+          <a:prstGeom prst="rect">
+            <a:avLst/>
+          </a:prstGeom>
+          <a:noFill/>
+        </p:spPr>
+        <p:txBody>
+          <a:bodyPr wrap="square" rtlCol="0">
+            <a:spAutoFit/>
+          </a:bodyPr>
+          <a:lstStyle/>
+          <a:p>
+            <a:r>
+              <a:rPr lang="en-BE" sz="1600" dirty="0">
+                <a:latin typeface="Open Sans" panose="020B0606030504020204" pitchFamily="34" charset="0"/>
+                <a:ea typeface="Open Sans" panose="020B0606030504020204" pitchFamily="34" charset="0"/>
+                <a:cs typeface="Open Sans" panose="020B0606030504020204" pitchFamily="34" charset="0"/>
+              </a:rPr>
+              <a:t>Packet transmission between neighbouring nodes</a:t>
+            </a:r>
+            <a:endParaRPr lang="en-GB" sz="1100" dirty="0">
+              <a:latin typeface="Open Sans" panose="020B0606030504020204" pitchFamily="34" charset="0"/>
+              <a:ea typeface="Open Sans" panose="020B0606030504020204" pitchFamily="34" charset="0"/>
+              <a:cs typeface="Open Sans" panose="020B0606030504020204" pitchFamily="34" charset="0"/>
+            </a:endParaRPr>
+          </a:p>
+        </p:txBody>
+      </p:sp>
+      <p:sp>
+        <p:nvSpPr>
+          <p:cNvPr id="13" name="TextBox 12">
+            <a:extLst>
+              <a:ext uri="{FF2B5EF4-FFF2-40B4-BE49-F238E27FC236}">
+                <a16:creationId xmlns:a16="http://schemas.microsoft.com/office/drawing/2014/main" id="{2FB7625C-6FFD-F993-93D1-B9E46FFED28F}"/>
+              </a:ext>
+            </a:extLst>
+          </p:cNvPr>
+          <p:cNvSpPr txBox="1"/>
+          <p:nvPr/>
+        </p:nvSpPr>
+        <p:spPr>
+          <a:xfrm>
+            <a:off x="2729708" y="5167404"/>
+            <a:ext cx="3672408" cy="338554"/>
+          </a:xfrm>
+          <a:prstGeom prst="rect">
+            <a:avLst/>
+          </a:prstGeom>
+          <a:noFill/>
+        </p:spPr>
+        <p:txBody>
+          <a:bodyPr wrap="square" rtlCol="0">
+            <a:spAutoFit/>
+          </a:bodyPr>
+          <a:lstStyle/>
+          <a:p>
+            <a:r>
+              <a:rPr lang="en-BE" sz="1600" dirty="0">
+                <a:latin typeface="Open Sans" panose="020B0606030504020204" pitchFamily="34" charset="0"/>
+                <a:ea typeface="Open Sans" panose="020B0606030504020204" pitchFamily="34" charset="0"/>
+                <a:cs typeface="Open Sans" panose="020B0606030504020204" pitchFamily="34" charset="0"/>
+              </a:rPr>
+              <a:t>Electrical Signals</a:t>
+            </a:r>
+            <a:endParaRPr lang="en-GB" sz="1100" dirty="0">
+              <a:latin typeface="Open Sans" panose="020B0606030504020204" pitchFamily="34" charset="0"/>
+              <a:ea typeface="Open Sans" panose="020B0606030504020204" pitchFamily="34" charset="0"/>
+              <a:cs typeface="Open Sans" panose="020B0606030504020204" pitchFamily="34" charset="0"/>
+            </a:endParaRPr>
+          </a:p>
+        </p:txBody>
+      </p:sp>
+      <p:sp>
+        <p:nvSpPr>
+          <p:cNvPr id="14" name="Rectangle 13">
+            <a:extLst>
+              <a:ext uri="{FF2B5EF4-FFF2-40B4-BE49-F238E27FC236}">
+                <a16:creationId xmlns:a16="http://schemas.microsoft.com/office/drawing/2014/main" id="{D72490DE-1CBE-2AB5-41BB-30DABD650596}"/>
+              </a:ext>
+            </a:extLst>
+          </p:cNvPr>
+          <p:cNvSpPr/>
+          <p:nvPr/>
+        </p:nvSpPr>
+        <p:spPr>
+          <a:xfrm>
+            <a:off x="1142688" y="1268760"/>
+            <a:ext cx="4953312" cy="2628222"/>
+          </a:xfrm>
+          <a:prstGeom prst="rect">
+            <a:avLst/>
+          </a:prstGeom>
+          <a:solidFill>
+            <a:srgbClr val="FFFFFF">
+              <a:alpha val="80000"/>
+            </a:srgbClr>
+          </a:solidFill>
+          <a:ln>
+            <a:noFill/>
+          </a:ln>
+        </p:spPr>
+        <p:style>
+          <a:lnRef idx="2">
+            <a:schemeClr val="accent1">
+              <a:shade val="50000"/>
+            </a:schemeClr>
+          </a:lnRef>
+          <a:fillRef idx="1">
+            <a:schemeClr val="accent1"/>
+          </a:fillRef>
+          <a:effectRef idx="0">
+            <a:schemeClr val="accent1"/>
+          </a:effectRef>
+          <a:fontRef idx="minor">
+            <a:schemeClr val="lt1"/>
+          </a:fontRef>
+        </p:style>
+        <p:txBody>
+          <a:bodyPr rtlCol="0" anchor="ctr"/>
+          <a:lstStyle/>
+          <a:p>
+            <a:pPr algn="ctr"/>
+            <a:endParaRPr lang="en-BE" dirty="0">
+              <a:latin typeface="Open Sans" panose="020B0606030504020204" pitchFamily="34" charset="0"/>
+              <a:ea typeface="Open Sans" panose="020B0606030504020204" pitchFamily="34" charset="0"/>
+              <a:cs typeface="Open Sans" panose="020B0606030504020204" pitchFamily="34" charset="0"/>
+            </a:endParaRPr>
+          </a:p>
+        </p:txBody>
+      </p:sp>
+      <p:sp>
+        <p:nvSpPr>
+          <p:cNvPr id="15" name="Rectangle 14">
+            <a:extLst>
+              <a:ext uri="{FF2B5EF4-FFF2-40B4-BE49-F238E27FC236}">
+                <a16:creationId xmlns:a16="http://schemas.microsoft.com/office/drawing/2014/main" id="{379C91B9-2DFE-2ACF-AEA7-4A6588E2418D}"/>
+              </a:ext>
+            </a:extLst>
+          </p:cNvPr>
+          <p:cNvSpPr/>
+          <p:nvPr/>
+        </p:nvSpPr>
+        <p:spPr>
+          <a:xfrm>
+            <a:off x="1142688" y="5021889"/>
+            <a:ext cx="5040560" cy="800455"/>
+          </a:xfrm>
+          <a:prstGeom prst="rect">
+            <a:avLst/>
+          </a:prstGeom>
+          <a:solidFill>
+            <a:srgbClr val="FFFFFF">
+              <a:alpha val="80000"/>
+            </a:srgbClr>
+          </a:solidFill>
+          <a:ln>
+            <a:noFill/>
+          </a:ln>
+        </p:spPr>
+        <p:style>
+          <a:lnRef idx="2">
+            <a:schemeClr val="accent1">
+              <a:shade val="50000"/>
+            </a:schemeClr>
+          </a:lnRef>
+          <a:fillRef idx="1">
+            <a:schemeClr val="accent1"/>
+          </a:fillRef>
+          <a:effectRef idx="0">
+            <a:schemeClr val="accent1"/>
+          </a:effectRef>
+          <a:fontRef idx="minor">
+            <a:schemeClr val="lt1"/>
+          </a:fontRef>
+        </p:style>
+        <p:txBody>
+          <a:bodyPr rtlCol="0" anchor="ctr"/>
+          <a:lstStyle/>
+          <a:p>
+            <a:pPr algn="ctr"/>
+            <a:endParaRPr lang="en-BE" dirty="0">
+              <a:latin typeface="Open Sans" panose="020B0606030504020204" pitchFamily="34" charset="0"/>
+              <a:ea typeface="Open Sans" panose="020B0606030504020204" pitchFamily="34" charset="0"/>
+              <a:cs typeface="Open Sans" panose="020B0606030504020204" pitchFamily="34" charset="0"/>
+            </a:endParaRPr>
+          </a:p>
+        </p:txBody>
+      </p:sp>
     </p:spTree>
     <p:extLst>
       <p:ext uri="{BB962C8B-B14F-4D97-AF65-F5344CB8AC3E}">
-        <p14:creationId xmlns:p14="http://schemas.microsoft.com/office/powerpoint/2010/main" val="713254081"/>
+        <p14:creationId xmlns:p14="http://schemas.microsoft.com/office/powerpoint/2010/main" val="2019430980"/>
       </p:ext>
     </p:extLst>
   </p:cSld>

--- a/presentation/slides.pptx
+++ b/presentation/slides.pptx
@@ -2,29 +2,29 @@
 <file path=ppt/presentation.xml><?xml version="1.0" encoding="utf-8"?>
 <p:presentation xmlns:a="http://schemas.openxmlformats.org/drawingml/2006/main" xmlns:r="http://schemas.openxmlformats.org/officeDocument/2006/relationships" xmlns:p="http://schemas.openxmlformats.org/presentationml/2006/main" saveSubsetFonts="1">
   <p:sldMasterIdLst>
-    <p:sldMasterId id="2147483720" r:id="rId1"/>
-    <p:sldMasterId id="2147483730" r:id="rId2"/>
+    <p:sldMasterId id="2147483720" r:id="rId3"/>
+    <p:sldMasterId id="2147483730" r:id="rId4"/>
   </p:sldMasterIdLst>
   <p:notesMasterIdLst>
-    <p:notesMasterId r:id="rId16"/>
+    <p:notesMasterId r:id="rId18"/>
   </p:notesMasterIdLst>
   <p:handoutMasterIdLst>
-    <p:handoutMasterId r:id="rId17"/>
+    <p:handoutMasterId r:id="rId19"/>
   </p:handoutMasterIdLst>
   <p:sldIdLst>
-    <p:sldId id="282" r:id="rId3"/>
-    <p:sldId id="289" r:id="rId4"/>
-    <p:sldId id="285" r:id="rId5"/>
-    <p:sldId id="296" r:id="rId6"/>
-    <p:sldId id="291" r:id="rId7"/>
-    <p:sldId id="292" r:id="rId8"/>
-    <p:sldId id="293" r:id="rId9"/>
-    <p:sldId id="294" r:id="rId10"/>
-    <p:sldId id="297" r:id="rId11"/>
-    <p:sldId id="298" r:id="rId12"/>
-    <p:sldId id="299" r:id="rId13"/>
-    <p:sldId id="300" r:id="rId14"/>
-    <p:sldId id="301" r:id="rId15"/>
+    <p:sldId id="282" r:id="rId5"/>
+    <p:sldId id="289" r:id="rId6"/>
+    <p:sldId id="285" r:id="rId7"/>
+    <p:sldId id="296" r:id="rId8"/>
+    <p:sldId id="291" r:id="rId9"/>
+    <p:sldId id="292" r:id="rId10"/>
+    <p:sldId id="293" r:id="rId11"/>
+    <p:sldId id="294" r:id="rId12"/>
+    <p:sldId id="297" r:id="rId13"/>
+    <p:sldId id="298" r:id="rId14"/>
+    <p:sldId id="299" r:id="rId15"/>
+    <p:sldId id="300" r:id="rId16"/>
+    <p:sldId id="301" r:id="rId17"/>
   </p:sldIdLst>
   <p:sldSz cx="12192000" cy="6858000"/>
   <p:notesSz cx="6858000" cy="9144000"/>
@@ -166,14 +166,6 @@
     </p:extLst>
   </p:cmAuthor>
 </p:cmAuthorLst>
-</file>
-
-<file path=ppt/revisionInfo.xml><?xml version="1.0" encoding="utf-8"?>
-<p1510:revInfo xmlns:a="http://schemas.openxmlformats.org/drawingml/2006/main" xmlns:r="http://schemas.openxmlformats.org/officeDocument/2006/relationships" xmlns:p1510="http://schemas.microsoft.com/office/powerpoint/2015/10/main">
-  <p1510:revLst>
-    <p1510:client id="{A9C715DB-1EBC-4EDC-8EF2-5C81401341D9}" v="29" dt="2022-09-27T14:31:28.109"/>
-  </p1510:revLst>
-</p1510:revInfo>
 </file>
 
 <file path=ppt/changesInfos/changesInfo1.xml><?xml version="1.0" encoding="utf-8"?>
@@ -1001,6 +993,345 @@
       </pc:sldChg>
     </pc:docChg>
   </pc:docChgLst>
+  <pc:docChgLst>
+    <pc:chgData name="Emanuele Peschiera" userId="c98f650f-efe2-4127-8fef-fbf5bf9bd19e" providerId="ADAL" clId="{80B85965-00D1-4920-BE66-14615E3F2253}"/>
+    <pc:docChg chg="custSel modSld">
+      <pc:chgData name="Emanuele Peschiera" userId="c98f650f-efe2-4127-8fef-fbf5bf9bd19e" providerId="ADAL" clId="{80B85965-00D1-4920-BE66-14615E3F2253}" dt="2024-03-06T20:25:08.506" v="4" actId="478"/>
+      <pc:docMkLst>
+        <pc:docMk/>
+      </pc:docMkLst>
+      <pc:sldChg chg="delSp mod">
+        <pc:chgData name="Emanuele Peschiera" userId="c98f650f-efe2-4127-8fef-fbf5bf9bd19e" providerId="ADAL" clId="{80B85965-00D1-4920-BE66-14615E3F2253}" dt="2024-03-06T20:24:58.664" v="0" actId="478"/>
+        <pc:sldMkLst>
+          <pc:docMk/>
+          <pc:sldMk cId="2019430980" sldId="297"/>
+        </pc:sldMkLst>
+        <pc:spChg chg="del">
+          <ac:chgData name="Emanuele Peschiera" userId="c98f650f-efe2-4127-8fef-fbf5bf9bd19e" providerId="ADAL" clId="{80B85965-00D1-4920-BE66-14615E3F2253}" dt="2024-03-06T20:24:58.664" v="0" actId="478"/>
+          <ac:spMkLst>
+            <pc:docMk/>
+            <pc:sldMk cId="2019430980" sldId="297"/>
+            <ac:spMk id="3" creationId="{BA3663FC-28FB-1FE2-5B3C-29ADEC13F0AE}"/>
+          </ac:spMkLst>
+        </pc:spChg>
+      </pc:sldChg>
+      <pc:sldChg chg="delSp mod">
+        <pc:chgData name="Emanuele Peschiera" userId="c98f650f-efe2-4127-8fef-fbf5bf9bd19e" providerId="ADAL" clId="{80B85965-00D1-4920-BE66-14615E3F2253}" dt="2024-03-06T20:25:01.282" v="1" actId="478"/>
+        <pc:sldMkLst>
+          <pc:docMk/>
+          <pc:sldMk cId="421692358" sldId="298"/>
+        </pc:sldMkLst>
+        <pc:spChg chg="del">
+          <ac:chgData name="Emanuele Peschiera" userId="c98f650f-efe2-4127-8fef-fbf5bf9bd19e" providerId="ADAL" clId="{80B85965-00D1-4920-BE66-14615E3F2253}" dt="2024-03-06T20:25:01.282" v="1" actId="478"/>
+          <ac:spMkLst>
+            <pc:docMk/>
+            <pc:sldMk cId="421692358" sldId="298"/>
+            <ac:spMk id="3" creationId="{BA3663FC-28FB-1FE2-5B3C-29ADEC13F0AE}"/>
+          </ac:spMkLst>
+        </pc:spChg>
+      </pc:sldChg>
+      <pc:sldChg chg="delSp mod">
+        <pc:chgData name="Emanuele Peschiera" userId="c98f650f-efe2-4127-8fef-fbf5bf9bd19e" providerId="ADAL" clId="{80B85965-00D1-4920-BE66-14615E3F2253}" dt="2024-03-06T20:25:03.473" v="2" actId="478"/>
+        <pc:sldMkLst>
+          <pc:docMk/>
+          <pc:sldMk cId="1861365021" sldId="299"/>
+        </pc:sldMkLst>
+        <pc:spChg chg="del">
+          <ac:chgData name="Emanuele Peschiera" userId="c98f650f-efe2-4127-8fef-fbf5bf9bd19e" providerId="ADAL" clId="{80B85965-00D1-4920-BE66-14615E3F2253}" dt="2024-03-06T20:25:03.473" v="2" actId="478"/>
+          <ac:spMkLst>
+            <pc:docMk/>
+            <pc:sldMk cId="1861365021" sldId="299"/>
+            <ac:spMk id="3" creationId="{BA3663FC-28FB-1FE2-5B3C-29ADEC13F0AE}"/>
+          </ac:spMkLst>
+        </pc:spChg>
+      </pc:sldChg>
+      <pc:sldChg chg="delSp mod">
+        <pc:chgData name="Emanuele Peschiera" userId="c98f650f-efe2-4127-8fef-fbf5bf9bd19e" providerId="ADAL" clId="{80B85965-00D1-4920-BE66-14615E3F2253}" dt="2024-03-06T20:25:05.428" v="3" actId="478"/>
+        <pc:sldMkLst>
+          <pc:docMk/>
+          <pc:sldMk cId="1170055241" sldId="300"/>
+        </pc:sldMkLst>
+        <pc:spChg chg="del">
+          <ac:chgData name="Emanuele Peschiera" userId="c98f650f-efe2-4127-8fef-fbf5bf9bd19e" providerId="ADAL" clId="{80B85965-00D1-4920-BE66-14615E3F2253}" dt="2024-03-06T20:25:05.428" v="3" actId="478"/>
+          <ac:spMkLst>
+            <pc:docMk/>
+            <pc:sldMk cId="1170055241" sldId="300"/>
+            <ac:spMk id="3" creationId="{BA3663FC-28FB-1FE2-5B3C-29ADEC13F0AE}"/>
+          </ac:spMkLst>
+        </pc:spChg>
+      </pc:sldChg>
+      <pc:sldChg chg="delSp mod">
+        <pc:chgData name="Emanuele Peschiera" userId="c98f650f-efe2-4127-8fef-fbf5bf9bd19e" providerId="ADAL" clId="{80B85965-00D1-4920-BE66-14615E3F2253}" dt="2024-03-06T20:25:08.506" v="4" actId="478"/>
+        <pc:sldMkLst>
+          <pc:docMk/>
+          <pc:sldMk cId="2529858331" sldId="301"/>
+        </pc:sldMkLst>
+        <pc:spChg chg="del">
+          <ac:chgData name="Emanuele Peschiera" userId="c98f650f-efe2-4127-8fef-fbf5bf9bd19e" providerId="ADAL" clId="{80B85965-00D1-4920-BE66-14615E3F2253}" dt="2024-03-06T20:25:08.506" v="4" actId="478"/>
+          <ac:spMkLst>
+            <pc:docMk/>
+            <pc:sldMk cId="2529858331" sldId="301"/>
+            <ac:spMk id="3" creationId="{999491C7-F4A1-76E9-42E1-BB6DCCC47697}"/>
+          </ac:spMkLst>
+        </pc:spChg>
+      </pc:sldChg>
+    </pc:docChg>
+  </pc:docChgLst>
+  <pc:docChgLst>
+    <pc:chgData name="Emanuele Peschiera" userId="c98f650f-efe2-4127-8fef-fbf5bf9bd19e" providerId="ADAL" clId="{A4C5067F-4274-40BE-8355-2CE19AD83627}"/>
+    <pc:docChg chg="undo custSel modSld">
+      <pc:chgData name="Emanuele Peschiera" userId="c98f650f-efe2-4127-8fef-fbf5bf9bd19e" providerId="ADAL" clId="{A4C5067F-4274-40BE-8355-2CE19AD83627}" dt="2024-03-04T15:07:53.292" v="216" actId="1036"/>
+      <pc:docMkLst>
+        <pc:docMk/>
+      </pc:docMkLst>
+      <pc:sldChg chg="modSp mod">
+        <pc:chgData name="Emanuele Peschiera" userId="c98f650f-efe2-4127-8fef-fbf5bf9bd19e" providerId="ADAL" clId="{A4C5067F-4274-40BE-8355-2CE19AD83627}" dt="2024-03-04T15:07:53.292" v="216" actId="1036"/>
+        <pc:sldMkLst>
+          <pc:docMk/>
+          <pc:sldMk cId="3889240153" sldId="282"/>
+        </pc:sldMkLst>
+        <pc:spChg chg="mod">
+          <ac:chgData name="Emanuele Peschiera" userId="c98f650f-efe2-4127-8fef-fbf5bf9bd19e" providerId="ADAL" clId="{A4C5067F-4274-40BE-8355-2CE19AD83627}" dt="2024-03-04T15:07:53.292" v="216" actId="1036"/>
+          <ac:spMkLst>
+            <pc:docMk/>
+            <pc:sldMk cId="3889240153" sldId="282"/>
+            <ac:spMk id="2" creationId="{00000000-0000-0000-0000-000000000000}"/>
+          </ac:spMkLst>
+        </pc:spChg>
+        <pc:spChg chg="mod">
+          <ac:chgData name="Emanuele Peschiera" userId="c98f650f-efe2-4127-8fef-fbf5bf9bd19e" providerId="ADAL" clId="{A4C5067F-4274-40BE-8355-2CE19AD83627}" dt="2024-03-04T15:07:04.993" v="195" actId="20577"/>
+          <ac:spMkLst>
+            <pc:docMk/>
+            <pc:sldMk cId="3889240153" sldId="282"/>
+            <ac:spMk id="3" creationId="{00000000-0000-0000-0000-000000000000}"/>
+          </ac:spMkLst>
+        </pc:spChg>
+      </pc:sldChg>
+      <pc:sldChg chg="addSp delSp modSp mod">
+        <pc:chgData name="Emanuele Peschiera" userId="c98f650f-efe2-4127-8fef-fbf5bf9bd19e" providerId="ADAL" clId="{A4C5067F-4274-40BE-8355-2CE19AD83627}" dt="2024-03-04T14:59:36.112" v="126" actId="1076"/>
+        <pc:sldMkLst>
+          <pc:docMk/>
+          <pc:sldMk cId="2529858331" sldId="301"/>
+        </pc:sldMkLst>
+        <pc:spChg chg="add mod">
+          <ac:chgData name="Emanuele Peschiera" userId="c98f650f-efe2-4127-8fef-fbf5bf9bd19e" providerId="ADAL" clId="{A4C5067F-4274-40BE-8355-2CE19AD83627}" dt="2024-03-04T14:59:30.501" v="125" actId="122"/>
+          <ac:spMkLst>
+            <pc:docMk/>
+            <pc:sldMk cId="2529858331" sldId="301"/>
+            <ac:spMk id="8" creationId="{BF1AC3BE-F77B-2CDF-1C1F-15784ABDE646}"/>
+          </ac:spMkLst>
+        </pc:spChg>
+        <pc:spChg chg="mod">
+          <ac:chgData name="Emanuele Peschiera" userId="c98f650f-efe2-4127-8fef-fbf5bf9bd19e" providerId="ADAL" clId="{A4C5067F-4274-40BE-8355-2CE19AD83627}" dt="2024-03-04T14:59:28.528" v="124" actId="122"/>
+          <ac:spMkLst>
+            <pc:docMk/>
+            <pc:sldMk cId="2529858331" sldId="301"/>
+            <ac:spMk id="9" creationId="{3A30E81A-DA80-4EAB-F9B7-9206EA4163B9}"/>
+          </ac:spMkLst>
+        </pc:spChg>
+        <pc:spChg chg="del">
+          <ac:chgData name="Emanuele Peschiera" userId="c98f650f-efe2-4127-8fef-fbf5bf9bd19e" providerId="ADAL" clId="{A4C5067F-4274-40BE-8355-2CE19AD83627}" dt="2024-03-04T14:57:38.128" v="101" actId="478"/>
+          <ac:spMkLst>
+            <pc:docMk/>
+            <pc:sldMk cId="2529858331" sldId="301"/>
+            <ac:spMk id="10" creationId="{993C3FF0-041F-1631-55DB-E49C8FE62629}"/>
+          </ac:spMkLst>
+        </pc:spChg>
+        <pc:spChg chg="mod">
+          <ac:chgData name="Emanuele Peschiera" userId="c98f650f-efe2-4127-8fef-fbf5bf9bd19e" providerId="ADAL" clId="{A4C5067F-4274-40BE-8355-2CE19AD83627}" dt="2024-03-04T14:59:28.528" v="124" actId="122"/>
+          <ac:spMkLst>
+            <pc:docMk/>
+            <pc:sldMk cId="2529858331" sldId="301"/>
+            <ac:spMk id="13" creationId="{5BA6FFF1-3017-7762-B645-5204C8C39BC6}"/>
+          </ac:spMkLst>
+        </pc:spChg>
+        <pc:spChg chg="mod">
+          <ac:chgData name="Emanuele Peschiera" userId="c98f650f-efe2-4127-8fef-fbf5bf9bd19e" providerId="ADAL" clId="{A4C5067F-4274-40BE-8355-2CE19AD83627}" dt="2024-03-04T14:59:28.528" v="124" actId="122"/>
+          <ac:spMkLst>
+            <pc:docMk/>
+            <pc:sldMk cId="2529858331" sldId="301"/>
+            <ac:spMk id="15" creationId="{B0E6C160-02F2-EFC7-FD9E-994FCF874B8E}"/>
+          </ac:spMkLst>
+        </pc:spChg>
+        <pc:spChg chg="del">
+          <ac:chgData name="Emanuele Peschiera" userId="c98f650f-efe2-4127-8fef-fbf5bf9bd19e" providerId="ADAL" clId="{A4C5067F-4274-40BE-8355-2CE19AD83627}" dt="2024-03-04T14:57:34.392" v="98" actId="478"/>
+          <ac:spMkLst>
+            <pc:docMk/>
+            <pc:sldMk cId="2529858331" sldId="301"/>
+            <ac:spMk id="16" creationId="{4B2D8261-DBA9-14B1-FF41-0074FB4E9387}"/>
+          </ac:spMkLst>
+        </pc:spChg>
+        <pc:spChg chg="del">
+          <ac:chgData name="Emanuele Peschiera" userId="c98f650f-efe2-4127-8fef-fbf5bf9bd19e" providerId="ADAL" clId="{A4C5067F-4274-40BE-8355-2CE19AD83627}" dt="2024-03-04T14:57:34.392" v="98" actId="478"/>
+          <ac:spMkLst>
+            <pc:docMk/>
+            <pc:sldMk cId="2529858331" sldId="301"/>
+            <ac:spMk id="17" creationId="{F96A8CCD-47BC-5E24-8666-3B738EA333BE}"/>
+          </ac:spMkLst>
+        </pc:spChg>
+        <pc:spChg chg="mod">
+          <ac:chgData name="Emanuele Peschiera" userId="c98f650f-efe2-4127-8fef-fbf5bf9bd19e" providerId="ADAL" clId="{A4C5067F-4274-40BE-8355-2CE19AD83627}" dt="2024-03-04T14:59:30.501" v="125" actId="122"/>
+          <ac:spMkLst>
+            <pc:docMk/>
+            <pc:sldMk cId="2529858331" sldId="301"/>
+            <ac:spMk id="20" creationId="{74CA381C-5730-2AB8-6331-84C73FE4225B}"/>
+          </ac:spMkLst>
+        </pc:spChg>
+        <pc:spChg chg="del">
+          <ac:chgData name="Emanuele Peschiera" userId="c98f650f-efe2-4127-8fef-fbf5bf9bd19e" providerId="ADAL" clId="{A4C5067F-4274-40BE-8355-2CE19AD83627}" dt="2024-03-04T14:57:12.900" v="75" actId="478"/>
+          <ac:spMkLst>
+            <pc:docMk/>
+            <pc:sldMk cId="2529858331" sldId="301"/>
+            <ac:spMk id="21" creationId="{FC0371C1-233F-C9E4-B071-793E97E63009}"/>
+          </ac:spMkLst>
+        </pc:spChg>
+        <pc:spChg chg="del">
+          <ac:chgData name="Emanuele Peschiera" userId="c98f650f-efe2-4127-8fef-fbf5bf9bd19e" providerId="ADAL" clId="{A4C5067F-4274-40BE-8355-2CE19AD83627}" dt="2024-03-04T14:57:37.139" v="100" actId="478"/>
+          <ac:spMkLst>
+            <pc:docMk/>
+            <pc:sldMk cId="2529858331" sldId="301"/>
+            <ac:spMk id="22" creationId="{21D0F762-7F2E-9BE8-A181-3351DBE0AEDC}"/>
+          </ac:spMkLst>
+        </pc:spChg>
+        <pc:spChg chg="mod">
+          <ac:chgData name="Emanuele Peschiera" userId="c98f650f-efe2-4127-8fef-fbf5bf9bd19e" providerId="ADAL" clId="{A4C5067F-4274-40BE-8355-2CE19AD83627}" dt="2024-03-04T14:59:28.528" v="124" actId="122"/>
+          <ac:spMkLst>
+            <pc:docMk/>
+            <pc:sldMk cId="2529858331" sldId="301"/>
+            <ac:spMk id="38" creationId="{65921716-A323-1E9D-8D5C-60105685D98A}"/>
+          </ac:spMkLst>
+        </pc:spChg>
+        <pc:spChg chg="del mod">
+          <ac:chgData name="Emanuele Peschiera" userId="c98f650f-efe2-4127-8fef-fbf5bf9bd19e" providerId="ADAL" clId="{A4C5067F-4274-40BE-8355-2CE19AD83627}" dt="2024-03-04T14:55:11.996" v="17" actId="478"/>
+          <ac:spMkLst>
+            <pc:docMk/>
+            <pc:sldMk cId="2529858331" sldId="301"/>
+            <ac:spMk id="40" creationId="{197BAE4A-77B6-5C1B-4F4E-0FD85CFBA031}"/>
+          </ac:spMkLst>
+        </pc:spChg>
+        <pc:spChg chg="del">
+          <ac:chgData name="Emanuele Peschiera" userId="c98f650f-efe2-4127-8fef-fbf5bf9bd19e" providerId="ADAL" clId="{A4C5067F-4274-40BE-8355-2CE19AD83627}" dt="2024-03-04T14:57:46.114" v="104" actId="478"/>
+          <ac:spMkLst>
+            <pc:docMk/>
+            <pc:sldMk cId="2529858331" sldId="301"/>
+            <ac:spMk id="43" creationId="{FCB52EBE-37C6-DDC6-ABE5-4C737DBF3FD9}"/>
+          </ac:spMkLst>
+        </pc:spChg>
+        <pc:grpChg chg="add mod">
+          <ac:chgData name="Emanuele Peschiera" userId="c98f650f-efe2-4127-8fef-fbf5bf9bd19e" providerId="ADAL" clId="{A4C5067F-4274-40BE-8355-2CE19AD83627}" dt="2024-03-04T14:59:36.112" v="126" actId="1076"/>
+          <ac:grpSpMkLst>
+            <pc:docMk/>
+            <pc:sldMk cId="2529858331" sldId="301"/>
+            <ac:grpSpMk id="14" creationId="{0F873306-BE4D-7F6F-8F5E-0231E3E1D79C}"/>
+          </ac:grpSpMkLst>
+        </pc:grpChg>
+        <pc:cxnChg chg="add mod">
+          <ac:chgData name="Emanuele Peschiera" userId="c98f650f-efe2-4127-8fef-fbf5bf9bd19e" providerId="ADAL" clId="{A4C5067F-4274-40BE-8355-2CE19AD83627}" dt="2024-03-04T14:59:26.060" v="123" actId="164"/>
+          <ac:cxnSpMkLst>
+            <pc:docMk/>
+            <pc:sldMk cId="2529858331" sldId="301"/>
+            <ac:cxnSpMk id="5" creationId="{8EC9ED70-A2A0-3380-EB6D-A3C544560ACC}"/>
+          </ac:cxnSpMkLst>
+        </pc:cxnChg>
+        <pc:cxnChg chg="add mod">
+          <ac:chgData name="Emanuele Peschiera" userId="c98f650f-efe2-4127-8fef-fbf5bf9bd19e" providerId="ADAL" clId="{A4C5067F-4274-40BE-8355-2CE19AD83627}" dt="2024-03-04T14:59:26.060" v="123" actId="164"/>
+          <ac:cxnSpMkLst>
+            <pc:docMk/>
+            <pc:sldMk cId="2529858331" sldId="301"/>
+            <ac:cxnSpMk id="6" creationId="{60A4F342-2D6C-AEE2-8644-8A267F71341E}"/>
+          </ac:cxnSpMkLst>
+        </pc:cxnChg>
+        <pc:cxnChg chg="add mod">
+          <ac:chgData name="Emanuele Peschiera" userId="c98f650f-efe2-4127-8fef-fbf5bf9bd19e" providerId="ADAL" clId="{A4C5067F-4274-40BE-8355-2CE19AD83627}" dt="2024-03-04T14:59:26.060" v="123" actId="164"/>
+          <ac:cxnSpMkLst>
+            <pc:docMk/>
+            <pc:sldMk cId="2529858331" sldId="301"/>
+            <ac:cxnSpMk id="7" creationId="{DCC82590-FF54-084A-AC5C-8EA9C212BFE3}"/>
+          </ac:cxnSpMkLst>
+        </pc:cxnChg>
+        <pc:cxnChg chg="mod">
+          <ac:chgData name="Emanuele Peschiera" userId="c98f650f-efe2-4127-8fef-fbf5bf9bd19e" providerId="ADAL" clId="{A4C5067F-4274-40BE-8355-2CE19AD83627}" dt="2024-03-04T14:59:26.060" v="123" actId="164"/>
+          <ac:cxnSpMkLst>
+            <pc:docMk/>
+            <pc:sldMk cId="2529858331" sldId="301"/>
+            <ac:cxnSpMk id="12" creationId="{05EF5605-5F50-B26E-C586-A912D9C1E1DE}"/>
+          </ac:cxnSpMkLst>
+        </pc:cxnChg>
+        <pc:cxnChg chg="mod">
+          <ac:chgData name="Emanuele Peschiera" userId="c98f650f-efe2-4127-8fef-fbf5bf9bd19e" providerId="ADAL" clId="{A4C5067F-4274-40BE-8355-2CE19AD83627}" dt="2024-03-04T14:59:26.060" v="123" actId="164"/>
+          <ac:cxnSpMkLst>
+            <pc:docMk/>
+            <pc:sldMk cId="2529858331" sldId="301"/>
+            <ac:cxnSpMk id="24" creationId="{BC1922FC-0B94-1EA6-2F14-6EB70FD0C5DF}"/>
+          </ac:cxnSpMkLst>
+        </pc:cxnChg>
+        <pc:cxnChg chg="mod">
+          <ac:chgData name="Emanuele Peschiera" userId="c98f650f-efe2-4127-8fef-fbf5bf9bd19e" providerId="ADAL" clId="{A4C5067F-4274-40BE-8355-2CE19AD83627}" dt="2024-03-04T14:59:26.060" v="123" actId="164"/>
+          <ac:cxnSpMkLst>
+            <pc:docMk/>
+            <pc:sldMk cId="2529858331" sldId="301"/>
+            <ac:cxnSpMk id="25" creationId="{1588CA34-02FF-A9B8-AE11-0213CCC2E266}"/>
+          </ac:cxnSpMkLst>
+        </pc:cxnChg>
+        <pc:cxnChg chg="del">
+          <ac:chgData name="Emanuele Peschiera" userId="c98f650f-efe2-4127-8fef-fbf5bf9bd19e" providerId="ADAL" clId="{A4C5067F-4274-40BE-8355-2CE19AD83627}" dt="2024-03-04T14:57:11.609" v="74" actId="478"/>
+          <ac:cxnSpMkLst>
+            <pc:docMk/>
+            <pc:sldMk cId="2529858331" sldId="301"/>
+            <ac:cxnSpMk id="28" creationId="{6DB465E5-EF14-C26D-D8C0-7EFF9700D6C8}"/>
+          </ac:cxnSpMkLst>
+        </pc:cxnChg>
+        <pc:cxnChg chg="del">
+          <ac:chgData name="Emanuele Peschiera" userId="c98f650f-efe2-4127-8fef-fbf5bf9bd19e" providerId="ADAL" clId="{A4C5067F-4274-40BE-8355-2CE19AD83627}" dt="2024-03-04T14:55:18.482" v="18" actId="478"/>
+          <ac:cxnSpMkLst>
+            <pc:docMk/>
+            <pc:sldMk cId="2529858331" sldId="301"/>
+            <ac:cxnSpMk id="29" creationId="{52709D63-1649-2B7F-7417-C5DF7AF3D27B}"/>
+          </ac:cxnSpMkLst>
+        </pc:cxnChg>
+        <pc:cxnChg chg="del">
+          <ac:chgData name="Emanuele Peschiera" userId="c98f650f-efe2-4127-8fef-fbf5bf9bd19e" providerId="ADAL" clId="{A4C5067F-4274-40BE-8355-2CE19AD83627}" dt="2024-03-04T14:57:35.353" v="99" actId="478"/>
+          <ac:cxnSpMkLst>
+            <pc:docMk/>
+            <pc:sldMk cId="2529858331" sldId="301"/>
+            <ac:cxnSpMk id="33" creationId="{B39AEA4B-B861-636B-3B59-34E49D164002}"/>
+          </ac:cxnSpMkLst>
+        </pc:cxnChg>
+        <pc:cxnChg chg="del">
+          <ac:chgData name="Emanuele Peschiera" userId="c98f650f-efe2-4127-8fef-fbf5bf9bd19e" providerId="ADAL" clId="{A4C5067F-4274-40BE-8355-2CE19AD83627}" dt="2024-03-04T14:57:34.392" v="98" actId="478"/>
+          <ac:cxnSpMkLst>
+            <pc:docMk/>
+            <pc:sldMk cId="2529858331" sldId="301"/>
+            <ac:cxnSpMk id="35" creationId="{A1FD05DD-7989-34FF-FB8C-5B832E79BE14}"/>
+          </ac:cxnSpMkLst>
+        </pc:cxnChg>
+        <pc:cxnChg chg="mod">
+          <ac:chgData name="Emanuele Peschiera" userId="c98f650f-efe2-4127-8fef-fbf5bf9bd19e" providerId="ADAL" clId="{A4C5067F-4274-40BE-8355-2CE19AD83627}" dt="2024-03-04T14:59:26.060" v="123" actId="164"/>
+          <ac:cxnSpMkLst>
+            <pc:docMk/>
+            <pc:sldMk cId="2529858331" sldId="301"/>
+            <ac:cxnSpMk id="37" creationId="{4BB8B9ED-873B-F033-92C1-7D9AD8ADE83D}"/>
+          </ac:cxnSpMkLst>
+        </pc:cxnChg>
+        <pc:cxnChg chg="del">
+          <ac:chgData name="Emanuele Peschiera" userId="c98f650f-efe2-4127-8fef-fbf5bf9bd19e" providerId="ADAL" clId="{A4C5067F-4274-40BE-8355-2CE19AD83627}" dt="2024-03-04T14:57:39.083" v="102" actId="478"/>
+          <ac:cxnSpMkLst>
+            <pc:docMk/>
+            <pc:sldMk cId="2529858331" sldId="301"/>
+            <ac:cxnSpMk id="39" creationId="{458C34B2-8DDA-9046-536C-10209C88E1AC}"/>
+          </ac:cxnSpMkLst>
+        </pc:cxnChg>
+        <pc:cxnChg chg="del">
+          <ac:chgData name="Emanuele Peschiera" userId="c98f650f-efe2-4127-8fef-fbf5bf9bd19e" providerId="ADAL" clId="{A4C5067F-4274-40BE-8355-2CE19AD83627}" dt="2024-03-04T14:57:34.392" v="98" actId="478"/>
+          <ac:cxnSpMkLst>
+            <pc:docMk/>
+            <pc:sldMk cId="2529858331" sldId="301"/>
+            <ac:cxnSpMk id="42" creationId="{6EBBE4B2-6A10-0ACD-0025-B78D2475B984}"/>
+          </ac:cxnSpMkLst>
+        </pc:cxnChg>
+      </pc:sldChg>
+    </pc:docChg>
+  </pc:docChgLst>
 </pc:chgInfo>
 </file>
 
@@ -1093,7 +1424,7 @@
                 <a:cs typeface="Arial" pitchFamily="34" charset="0"/>
               </a:rPr>
               <a:pPr/>
-              <a:t>27/09/2022</a:t>
+              <a:t>6/03/2024</a:t>
             </a:fld>
             <a:endParaRPr lang="nl-BE" sz="1000">
               <a:latin typeface="Arial" pitchFamily="34" charset="0"/>
@@ -1272,7 +1603,7 @@
             <a:fld id="{7AF0A2F9-EF49-41B3-9E69-7CDBDC14786A}" type="datetimeFigureOut">
               <a:rPr lang="nl-BE" smtClean="0"/>
               <a:pPr/>
-              <a:t>27/09/2022</a:t>
+              <a:t>6/03/2024</a:t>
             </a:fld>
             <a:endParaRPr lang="nl-BE"/>
           </a:p>
@@ -2544,7 +2875,7 @@
           <a:p>
             <a:fld id="{A25A1E03-75DD-4733-9EB7-E1B21C513EDE}" type="datetime1">
               <a:rPr lang="nl-BE" smtClean="0"/>
-              <a:t>27/09/2022</a:t>
+              <a:t>6/03/2024</a:t>
             </a:fld>
             <a:endParaRPr lang="nl-BE" dirty="0"/>
           </a:p>
@@ -3213,7 +3544,7 @@
           <a:p>
             <a:fld id="{3B2D1818-9582-4953-B1EE-38B8195A306A}" type="datetime1">
               <a:rPr lang="nl-BE" smtClean="0"/>
-              <a:t>27/09/2022</a:t>
+              <a:t>6/03/2024</a:t>
             </a:fld>
             <a:endParaRPr lang="nl-BE"/>
           </a:p>
@@ -3644,7 +3975,7 @@
           <a:p>
             <a:fld id="{53A16DF1-98C7-44EB-A81C-DD6332C3D0D0}" type="datetime1">
               <a:rPr lang="nl-BE" smtClean="0"/>
-              <a:t>27/09/2022</a:t>
+              <a:t>6/03/2024</a:t>
             </a:fld>
             <a:endParaRPr lang="nl-BE"/>
           </a:p>
@@ -3767,7 +4098,7 @@
           <a:p>
             <a:fld id="{E74E6699-E900-4833-A806-8DC10C961E35}" type="datetime1">
               <a:rPr lang="nl-BE" smtClean="0"/>
-              <a:t>27/09/2022</a:t>
+              <a:t>6/03/2024</a:t>
             </a:fld>
             <a:endParaRPr lang="nl-BE"/>
           </a:p>
@@ -3863,7 +4194,7 @@
           <a:p>
             <a:fld id="{EE9D4C1C-14AC-42EC-86A4-1A1F1C8665A0}" type="datetime1">
               <a:rPr lang="nl-BE" smtClean="0"/>
-              <a:t>27/09/2022</a:t>
+              <a:t>6/03/2024</a:t>
             </a:fld>
             <a:endParaRPr lang="nl-BE"/>
           </a:p>
@@ -4148,7 +4479,7 @@
           <a:p>
             <a:fld id="{841AD2C4-6CDA-4BAF-BCA5-159D526DA322}" type="datetime1">
               <a:rPr lang="nl-BE" smtClean="0"/>
-              <a:t>27/09/2022</a:t>
+              <a:t>6/03/2024</a:t>
             </a:fld>
             <a:endParaRPr lang="nl-BE"/>
           </a:p>
@@ -4461,7 +4792,7 @@
           <a:p>
             <a:fld id="{C099C56F-7887-4E01-83A4-B62C704AF368}" type="datetime1">
               <a:rPr lang="nl-BE" smtClean="0"/>
-              <a:t>27/09/2022</a:t>
+              <a:t>6/03/2024</a:t>
             </a:fld>
             <a:endParaRPr lang="nl-BE" dirty="0"/>
           </a:p>
@@ -4541,7 +4872,7 @@
           <a:p>
             <a:fld id="{D1F088C9-0FC0-440B-8314-5EF9819A24DA}" type="datetime1">
               <a:rPr lang="nl-BE" smtClean="0"/>
-              <a:t>27/09/2022</a:t>
+              <a:t>6/03/2024</a:t>
             </a:fld>
             <a:endParaRPr lang="nl-BE" dirty="0"/>
           </a:p>
@@ -5321,7 +5652,7 @@
           <a:p>
             <a:fld id="{A3DC81F3-DF63-45EB-BC9D-33AF77580B52}" type="datetime1">
               <a:rPr lang="nl-BE" smtClean="0"/>
-              <a:t>27/09/2022</a:t>
+              <a:t>6/03/2024</a:t>
             </a:fld>
             <a:endParaRPr lang="nl-BE"/>
           </a:p>
@@ -5752,7 +6083,7 @@
           <a:p>
             <a:fld id="{06B5AFA0-1713-4D1E-A5CE-7A72D7E34AF2}" type="datetime1">
               <a:rPr lang="nl-BE" smtClean="0"/>
-              <a:t>27/09/2022</a:t>
+              <a:t>6/03/2024</a:t>
             </a:fld>
             <a:endParaRPr lang="nl-BE"/>
           </a:p>
@@ -5875,7 +6206,7 @@
           <a:p>
             <a:fld id="{6AAC73DC-3C0A-4EDD-9DC2-84D707D8214B}" type="datetime1">
               <a:rPr lang="nl-BE" smtClean="0"/>
-              <a:t>27/09/2022</a:t>
+              <a:t>6/03/2024</a:t>
             </a:fld>
             <a:endParaRPr lang="nl-BE"/>
           </a:p>
@@ -5971,7 +6302,7 @@
           <a:p>
             <a:fld id="{E4D22462-08EE-46A5-B614-B58F8B9D7749}" type="datetime1">
               <a:rPr lang="nl-BE" smtClean="0"/>
-              <a:t>27/09/2022</a:t>
+              <a:t>6/03/2024</a:t>
             </a:fld>
             <a:endParaRPr lang="nl-BE"/>
           </a:p>
@@ -6256,7 +6587,7 @@
           <a:p>
             <a:fld id="{612D67E1-890D-490E-BBA5-F7A383241BCC}" type="datetime1">
               <a:rPr lang="nl-BE" smtClean="0"/>
-              <a:t>27/09/2022</a:t>
+              <a:t>6/03/2024</a:t>
             </a:fld>
             <a:endParaRPr lang="nl-BE"/>
           </a:p>
@@ -6521,7 +6852,7 @@
           <a:p>
             <a:fld id="{6535815E-1DF4-4E01-BC2D-31A156755E79}" type="datetime1">
               <a:rPr lang="nl-BE" smtClean="0"/>
-              <a:t>27/09/2022</a:t>
+              <a:t>6/03/2024</a:t>
             </a:fld>
             <a:endParaRPr lang="nl-BE" dirty="0"/>
           </a:p>
@@ -6740,7 +7071,7 @@
           <a:p>
             <a:fld id="{79F43CF7-32C8-44EC-86BF-99A2657BA3D3}" type="datetime1">
               <a:rPr lang="nl-BE" smtClean="0"/>
-              <a:t>27/09/2022</a:t>
+              <a:t>6/03/2024</a:t>
             </a:fld>
             <a:endParaRPr lang="nl-BE" dirty="0"/>
           </a:p>
@@ -7363,7 +7694,7 @@
           <a:p>
             <a:fld id="{FCC81C21-CD04-4C56-8510-F9D751A99BC5}" type="datetime1">
               <a:rPr lang="nl-BE" smtClean="0"/>
-              <a:t>27/09/2022</a:t>
+              <a:t>6/03/2024</a:t>
             </a:fld>
             <a:endParaRPr lang="nl-BE" dirty="0"/>
           </a:p>
@@ -7829,7 +8160,7 @@
         </p:nvSpPr>
         <p:spPr>
           <a:xfrm>
-            <a:off x="2999656" y="2280778"/>
+            <a:off x="2999656" y="2568810"/>
             <a:ext cx="9192343" cy="2516374"/>
           </a:xfrm>
         </p:spPr>
@@ -7843,20 +8174,52 @@
               </a:lnSpc>
             </a:pPr>
             <a:r>
+              <a:rPr lang="nl-NL" sz="4800" dirty="0"/>
+              <a:t>Signaalverwerking en modellering: labosessie</a:t>
+            </a:r>
+            <a:br>
+              <a:rPr lang="en-BE" sz="4800" dirty="0"/>
+            </a:br>
+            <a:r>
               <a:rPr lang="en-BE" sz="4800" dirty="0">
                 <a:latin typeface="Open Sans" panose="020B0606030504020204" pitchFamily="34" charset="0"/>
                 <a:ea typeface="Open Sans" panose="020B0606030504020204" pitchFamily="34" charset="0"/>
                 <a:cs typeface="Open Sans" panose="020B0606030504020204" pitchFamily="34" charset="0"/>
               </a:rPr>
-              <a:t>Communication Networks</a:t>
-            </a:r>
-            <a:br>
-              <a:rPr lang="nl-NL" sz="3200" dirty="0">
+              <a:t> [</a:t>
+            </a:r>
+            <a:r>
+              <a:rPr lang="en-BE" sz="3200" dirty="0">
                 <a:latin typeface="Open Sans" panose="020B0606030504020204" pitchFamily="34" charset="0"/>
                 <a:ea typeface="Open Sans" panose="020B0606030504020204" pitchFamily="34" charset="0"/>
                 <a:cs typeface="Open Sans" panose="020B0606030504020204" pitchFamily="34" charset="0"/>
               </a:rPr>
-            </a:br>
+              <a:t> </a:t>
+            </a:r>
+            <a:r>
+              <a:rPr lang="it-IT" sz="4800" dirty="0">
+                <a:latin typeface="Open Sans" panose="020B0606030504020204" pitchFamily="34" charset="0"/>
+                <a:ea typeface="Open Sans" panose="020B0606030504020204" pitchFamily="34" charset="0"/>
+                <a:cs typeface="Open Sans" panose="020B0606030504020204" pitchFamily="34" charset="0"/>
+              </a:rPr>
+              <a:t>JLI2AB</a:t>
+            </a:r>
+            <a:r>
+              <a:rPr lang="en-BE" sz="1400" dirty="0">
+                <a:latin typeface="Open Sans" panose="020B0606030504020204" pitchFamily="34" charset="0"/>
+                <a:ea typeface="Open Sans" panose="020B0606030504020204" pitchFamily="34" charset="0"/>
+                <a:cs typeface="Open Sans" panose="020B0606030504020204" pitchFamily="34" charset="0"/>
+              </a:rPr>
+              <a:t> </a:t>
+            </a:r>
+            <a:r>
+              <a:rPr lang="en-BE" sz="4800" dirty="0">
+                <a:latin typeface="Open Sans" panose="020B0606030504020204" pitchFamily="34" charset="0"/>
+                <a:ea typeface="Open Sans" panose="020B0606030504020204" pitchFamily="34" charset="0"/>
+                <a:cs typeface="Open Sans" panose="020B0606030504020204" pitchFamily="34" charset="0"/>
+              </a:rPr>
+              <a:t>]</a:t>
+            </a:r>
             <a:endParaRPr lang="en-US" sz="3600" dirty="0">
               <a:solidFill>
                 <a:schemeClr val="accent3">
@@ -7892,6 +8255,17 @@
           <a:lstStyle/>
           <a:p>
             <a:r>
+              <a:rPr lang="en-BE" sz="2000" dirty="0">
+                <a:solidFill>
+                  <a:schemeClr val="accent3">
+                    <a:lumMod val="60000"/>
+                    <a:lumOff val="40000"/>
+                  </a:schemeClr>
+                </a:solidFill>
+              </a:rPr>
+              <a:t>Emanuele Peschiera, Fan Wu</a:t>
+            </a:r>
+            <a:r>
               <a:rPr lang="nl-BE" sz="2000" dirty="0">
                 <a:solidFill>
                   <a:schemeClr val="accent3">
@@ -7900,7 +8274,7 @@
                   </a:schemeClr>
                 </a:solidFill>
               </a:rPr>
-              <a:t>Gilles Callebaut 				</a:t>
+              <a:t>				</a:t>
             </a:r>
             <a:r>
               <a:rPr lang="nl-BE" sz="1600" dirty="0">
@@ -7922,7 +8296,7 @@
                   </a:schemeClr>
                 </a:solidFill>
               </a:rPr>
-              <a:t>27</a:t>
+              <a:t>07</a:t>
             </a:r>
             <a:r>
               <a:rPr lang="nl-BE" sz="1600" dirty="0">
@@ -7944,7 +8318,7 @@
                   </a:schemeClr>
                 </a:solidFill>
               </a:rPr>
-              <a:t>9</a:t>
+              <a:t>3</a:t>
             </a:r>
             <a:r>
               <a:rPr lang="nl-BE" sz="1600" dirty="0">
@@ -7966,7 +8340,7 @@
                   </a:schemeClr>
                 </a:solidFill>
               </a:rPr>
-              <a:t>22</a:t>
+              <a:t>24</a:t>
             </a:r>
             <a:endParaRPr lang="nl-BE" sz="1600" dirty="0">
               <a:solidFill>
@@ -8037,35 +8411,6 @@
               <a:rPr lang="en-BE" dirty="0"/>
               <a:t>Layer 2 versus layer 3</a:t>
             </a:r>
-          </a:p>
-        </p:txBody>
-      </p:sp>
-      <p:sp>
-        <p:nvSpPr>
-          <p:cNvPr id="3" name="Date Placeholder 2">
-            <a:extLst>
-              <a:ext uri="{FF2B5EF4-FFF2-40B4-BE49-F238E27FC236}">
-                <a16:creationId xmlns:a16="http://schemas.microsoft.com/office/drawing/2014/main" id="{BA3663FC-28FB-1FE2-5B3C-29ADEC13F0AE}"/>
-              </a:ext>
-            </a:extLst>
-          </p:cNvPr>
-          <p:cNvSpPr>
-            <a:spLocks noGrp="1"/>
-          </p:cNvSpPr>
-          <p:nvPr>
-            <p:ph type="dt" sz="half" idx="10"/>
-          </p:nvPr>
-        </p:nvSpPr>
-        <p:spPr/>
-        <p:txBody>
-          <a:bodyPr/>
-          <a:lstStyle/>
-          <a:p>
-            <a:fld id="{D1F088C9-0FC0-440B-8314-5EF9819A24DA}" type="datetime1">
-              <a:rPr lang="nl-BE" smtClean="0"/>
-              <a:t>27/09/2022</a:t>
-            </a:fld>
-            <a:endParaRPr lang="nl-BE" dirty="0"/>
           </a:p>
         </p:txBody>
       </p:sp>
@@ -8927,35 +9272,6 @@
       </p:sp>
       <p:sp>
         <p:nvSpPr>
-          <p:cNvPr id="3" name="Date Placeholder 2">
-            <a:extLst>
-              <a:ext uri="{FF2B5EF4-FFF2-40B4-BE49-F238E27FC236}">
-                <a16:creationId xmlns:a16="http://schemas.microsoft.com/office/drawing/2014/main" id="{BA3663FC-28FB-1FE2-5B3C-29ADEC13F0AE}"/>
-              </a:ext>
-            </a:extLst>
-          </p:cNvPr>
-          <p:cNvSpPr>
-            <a:spLocks noGrp="1"/>
-          </p:cNvSpPr>
-          <p:nvPr>
-            <p:ph type="dt" sz="half" idx="10"/>
-          </p:nvPr>
-        </p:nvSpPr>
-        <p:spPr/>
-        <p:txBody>
-          <a:bodyPr/>
-          <a:lstStyle/>
-          <a:p>
-            <a:fld id="{D1F088C9-0FC0-440B-8314-5EF9819A24DA}" type="datetime1">
-              <a:rPr lang="nl-BE" smtClean="0"/>
-              <a:t>27/09/2022</a:t>
-            </a:fld>
-            <a:endParaRPr lang="nl-BE" dirty="0"/>
-          </a:p>
-        </p:txBody>
-      </p:sp>
-      <p:sp>
-        <p:nvSpPr>
           <p:cNvPr id="4" name="Slide Number Placeholder 3">
             <a:extLst>
               <a:ext uri="{FF2B5EF4-FFF2-40B4-BE49-F238E27FC236}">
@@ -9814,35 +10130,6 @@
       </p:sp>
       <p:sp>
         <p:nvSpPr>
-          <p:cNvPr id="3" name="Date Placeholder 2">
-            <a:extLst>
-              <a:ext uri="{FF2B5EF4-FFF2-40B4-BE49-F238E27FC236}">
-                <a16:creationId xmlns:a16="http://schemas.microsoft.com/office/drawing/2014/main" id="{BA3663FC-28FB-1FE2-5B3C-29ADEC13F0AE}"/>
-              </a:ext>
-            </a:extLst>
-          </p:cNvPr>
-          <p:cNvSpPr>
-            <a:spLocks noGrp="1"/>
-          </p:cNvSpPr>
-          <p:nvPr>
-            <p:ph type="dt" sz="half" idx="10"/>
-          </p:nvPr>
-        </p:nvSpPr>
-        <p:spPr/>
-        <p:txBody>
-          <a:bodyPr/>
-          <a:lstStyle/>
-          <a:p>
-            <a:fld id="{D1F088C9-0FC0-440B-8314-5EF9819A24DA}" type="datetime1">
-              <a:rPr lang="nl-BE" smtClean="0"/>
-              <a:t>27/09/2022</a:t>
-            </a:fld>
-            <a:endParaRPr lang="nl-BE" dirty="0"/>
-          </a:p>
-        </p:txBody>
-      </p:sp>
-      <p:sp>
-        <p:nvSpPr>
           <p:cNvPr id="4" name="Slide Number Placeholder 3">
             <a:extLst>
               <a:ext uri="{FF2B5EF4-FFF2-40B4-BE49-F238E27FC236}">
@@ -10714,51 +11001,6 @@
           <a:chExt cx="0" cy="0"/>
         </a:xfrm>
       </p:grpSpPr>
-      <p:cxnSp>
-        <p:nvCxnSpPr>
-          <p:cNvPr id="12" name="Straight Connector 11">
-            <a:extLst>
-              <a:ext uri="{FF2B5EF4-FFF2-40B4-BE49-F238E27FC236}">
-                <a16:creationId xmlns:a16="http://schemas.microsoft.com/office/drawing/2014/main" id="{05EF5605-5F50-B26E-C586-A912D9C1E1DE}"/>
-              </a:ext>
-            </a:extLst>
-          </p:cNvPr>
-          <p:cNvCxnSpPr>
-            <a:cxnSpLocks/>
-          </p:cNvCxnSpPr>
-          <p:nvPr/>
-        </p:nvCxnSpPr>
-        <p:spPr>
-          <a:xfrm>
-            <a:off x="2637084" y="3152549"/>
-            <a:ext cx="6768752" cy="0"/>
-          </a:xfrm>
-          <a:prstGeom prst="line">
-            <a:avLst/>
-          </a:prstGeom>
-          <a:ln>
-            <a:solidFill>
-              <a:schemeClr val="bg1">
-                <a:lumMod val="75000"/>
-              </a:schemeClr>
-            </a:solidFill>
-          </a:ln>
-        </p:spPr>
-        <p:style>
-          <a:lnRef idx="1">
-            <a:schemeClr val="accent1"/>
-          </a:lnRef>
-          <a:fillRef idx="0">
-            <a:schemeClr val="accent1"/>
-          </a:fillRef>
-          <a:effectRef idx="0">
-            <a:schemeClr val="accent1"/>
-          </a:effectRef>
-          <a:fontRef idx="minor">
-            <a:schemeClr val="tx1"/>
-          </a:fontRef>
-        </p:style>
-      </p:cxnSp>
       <p:sp>
         <p:nvSpPr>
           <p:cNvPr id="2" name="Title 1">
@@ -10789,35 +11031,6 @@
       </p:sp>
       <p:sp>
         <p:nvSpPr>
-          <p:cNvPr id="3" name="Date Placeholder 2">
-            <a:extLst>
-              <a:ext uri="{FF2B5EF4-FFF2-40B4-BE49-F238E27FC236}">
-                <a16:creationId xmlns:a16="http://schemas.microsoft.com/office/drawing/2014/main" id="{999491C7-F4A1-76E9-42E1-BB6DCCC47697}"/>
-              </a:ext>
-            </a:extLst>
-          </p:cNvPr>
-          <p:cNvSpPr>
-            <a:spLocks noGrp="1"/>
-          </p:cNvSpPr>
-          <p:nvPr>
-            <p:ph type="dt" sz="half" idx="10"/>
-          </p:nvPr>
-        </p:nvSpPr>
-        <p:spPr/>
-        <p:txBody>
-          <a:bodyPr/>
-          <a:lstStyle/>
-          <a:p>
-            <a:fld id="{D1F088C9-0FC0-440B-8314-5EF9819A24DA}" type="datetime1">
-              <a:rPr lang="nl-BE" smtClean="0"/>
-              <a:t>27/09/2022</a:t>
-            </a:fld>
-            <a:endParaRPr lang="nl-BE" dirty="0"/>
-          </a:p>
-        </p:txBody>
-      </p:sp>
-      <p:sp>
-        <p:nvSpPr>
           <p:cNvPr id="4" name="Slide Number Placeholder 3">
             <a:extLst>
               <a:ext uri="{FF2B5EF4-FFF2-40B4-BE49-F238E27FC236}">
@@ -10846,991 +11059,630 @@
           </a:p>
         </p:txBody>
       </p:sp>
-      <p:sp>
-        <p:nvSpPr>
-          <p:cNvPr id="9" name="Oval 8">
+      <p:grpSp>
+        <p:nvGrpSpPr>
+          <p:cNvPr id="14" name="Group 13">
             <a:extLst>
               <a:ext uri="{FF2B5EF4-FFF2-40B4-BE49-F238E27FC236}">
-                <a16:creationId xmlns:a16="http://schemas.microsoft.com/office/drawing/2014/main" id="{3A30E81A-DA80-4EAB-F9B7-9206EA4163B9}"/>
+                <a16:creationId xmlns:a16="http://schemas.microsoft.com/office/drawing/2014/main" id="{0F873306-BE4D-7F6F-8F5E-0231E3E1D79C}"/>
               </a:ext>
             </a:extLst>
           </p:cNvPr>
-          <p:cNvSpPr/>
+          <p:cNvGrpSpPr/>
           <p:nvPr/>
-        </p:nvSpPr>
-        <p:spPr>
-          <a:xfrm>
-            <a:off x="4059850" y="3008533"/>
-            <a:ext cx="288032" cy="288032"/>
-          </a:xfrm>
-          <a:prstGeom prst="ellipse">
-            <a:avLst/>
-          </a:prstGeom>
-          <a:solidFill>
-            <a:srgbClr val="65318F"/>
-          </a:solidFill>
-          <a:ln>
+        </p:nvGrpSpPr>
+        <p:grpSpPr>
+          <a:xfrm>
+            <a:off x="4040422" y="2411647"/>
+            <a:ext cx="5447858" cy="2034706"/>
+            <a:chOff x="3384446" y="2186382"/>
+            <a:chExt cx="5447858" cy="2034706"/>
+          </a:xfrm>
+        </p:grpSpPr>
+        <p:cxnSp>
+          <p:nvCxnSpPr>
+            <p:cNvPr id="12" name="Straight Connector 11">
+              <a:extLst>
+                <a:ext uri="{FF2B5EF4-FFF2-40B4-BE49-F238E27FC236}">
+                  <a16:creationId xmlns:a16="http://schemas.microsoft.com/office/drawing/2014/main" id="{05EF5605-5F50-B26E-C586-A912D9C1E1DE}"/>
+                </a:ext>
+              </a:extLst>
+            </p:cNvPr>
+            <p:cNvCxnSpPr>
+              <a:cxnSpLocks/>
+            </p:cNvCxnSpPr>
+            <p:nvPr/>
+          </p:nvCxnSpPr>
+          <p:spPr>
+            <a:xfrm>
+              <a:off x="3784910" y="3278083"/>
+              <a:ext cx="3170884" cy="0"/>
+            </a:xfrm>
+            <a:prstGeom prst="line">
+              <a:avLst/>
+            </a:prstGeom>
+            <a:ln>
+              <a:solidFill>
+                <a:schemeClr val="bg1">
+                  <a:lumMod val="75000"/>
+                </a:schemeClr>
+              </a:solidFill>
+            </a:ln>
+          </p:spPr>
+          <p:style>
+            <a:lnRef idx="1">
+              <a:schemeClr val="accent1"/>
+            </a:lnRef>
+            <a:fillRef idx="0">
+              <a:schemeClr val="accent1"/>
+            </a:fillRef>
+            <a:effectRef idx="0">
+              <a:schemeClr val="accent1"/>
+            </a:effectRef>
+            <a:fontRef idx="minor">
+              <a:schemeClr val="tx1"/>
+            </a:fontRef>
+          </p:style>
+        </p:cxnSp>
+        <p:sp>
+          <p:nvSpPr>
+            <p:cNvPr id="9" name="Oval 8">
+              <a:extLst>
+                <a:ext uri="{FF2B5EF4-FFF2-40B4-BE49-F238E27FC236}">
+                  <a16:creationId xmlns:a16="http://schemas.microsoft.com/office/drawing/2014/main" id="{3A30E81A-DA80-4EAB-F9B7-9206EA4163B9}"/>
+                </a:ext>
+              </a:extLst>
+            </p:cNvPr>
+            <p:cNvSpPr/>
+            <p:nvPr/>
+          </p:nvSpPr>
+          <p:spPr>
+            <a:xfrm>
+              <a:off x="5207676" y="3134067"/>
+              <a:ext cx="288032" cy="288032"/>
+            </a:xfrm>
+            <a:prstGeom prst="ellipse">
+              <a:avLst/>
+            </a:prstGeom>
+            <a:solidFill>
+              <a:srgbClr val="65318F"/>
+            </a:solidFill>
+            <a:ln>
+              <a:noFill/>
+            </a:ln>
+          </p:spPr>
+          <p:style>
+            <a:lnRef idx="2">
+              <a:schemeClr val="accent1">
+                <a:shade val="50000"/>
+              </a:schemeClr>
+            </a:lnRef>
+            <a:fillRef idx="1">
+              <a:schemeClr val="accent1"/>
+            </a:fillRef>
+            <a:effectRef idx="0">
+              <a:schemeClr val="accent1"/>
+            </a:effectRef>
+            <a:fontRef idx="minor">
+              <a:schemeClr val="lt1"/>
+            </a:fontRef>
+          </p:style>
+          <p:txBody>
+            <a:bodyPr rtlCol="0" anchor="ctr"/>
+            <a:lstStyle/>
+            <a:p>
+              <a:pPr algn="ctr"/>
+              <a:r>
+                <a:rPr lang="en-BE" dirty="0">
+                  <a:latin typeface="Open Sans" panose="020B0606030504020204" pitchFamily="34" charset="0"/>
+                  <a:ea typeface="Open Sans" panose="020B0606030504020204" pitchFamily="34" charset="0"/>
+                  <a:cs typeface="Open Sans" panose="020B0606030504020204" pitchFamily="34" charset="0"/>
+                </a:rPr>
+                <a:t>2</a:t>
+              </a:r>
+            </a:p>
+          </p:txBody>
+        </p:sp>
+        <p:sp>
+          <p:nvSpPr>
+            <p:cNvPr id="13" name="Oval 12">
+              <a:extLst>
+                <a:ext uri="{FF2B5EF4-FFF2-40B4-BE49-F238E27FC236}">
+                  <a16:creationId xmlns:a16="http://schemas.microsoft.com/office/drawing/2014/main" id="{5BA6FFF1-3017-7762-B645-5204C8C39BC6}"/>
+                </a:ext>
+              </a:extLst>
+            </p:cNvPr>
+            <p:cNvSpPr/>
+            <p:nvPr/>
+          </p:nvSpPr>
+          <p:spPr>
+            <a:xfrm>
+              <a:off x="4026918" y="3134067"/>
+              <a:ext cx="288032" cy="288032"/>
+            </a:xfrm>
+            <a:prstGeom prst="ellipse">
+              <a:avLst/>
+            </a:prstGeom>
+            <a:solidFill>
+              <a:schemeClr val="tx2"/>
+            </a:solidFill>
+            <a:ln>
+              <a:noFill/>
+            </a:ln>
+          </p:spPr>
+          <p:style>
+            <a:lnRef idx="2">
+              <a:schemeClr val="accent1">
+                <a:shade val="50000"/>
+              </a:schemeClr>
+            </a:lnRef>
+            <a:fillRef idx="1">
+              <a:schemeClr val="accent1"/>
+            </a:fillRef>
+            <a:effectRef idx="0">
+              <a:schemeClr val="accent1"/>
+            </a:effectRef>
+            <a:fontRef idx="minor">
+              <a:schemeClr val="lt1"/>
+            </a:fontRef>
+          </p:style>
+          <p:txBody>
+            <a:bodyPr rtlCol="0" anchor="ctr"/>
+            <a:lstStyle/>
+            <a:p>
+              <a:pPr algn="ctr"/>
+              <a:r>
+                <a:rPr lang="en-BE" dirty="0">
+                  <a:latin typeface="Open Sans" panose="020B0606030504020204" pitchFamily="34" charset="0"/>
+                  <a:ea typeface="Open Sans" panose="020B0606030504020204" pitchFamily="34" charset="0"/>
+                  <a:cs typeface="Open Sans" panose="020B0606030504020204" pitchFamily="34" charset="0"/>
+                </a:rPr>
+                <a:t>1</a:t>
+              </a:r>
+            </a:p>
+          </p:txBody>
+        </p:sp>
+        <p:sp>
+          <p:nvSpPr>
+            <p:cNvPr id="15" name="Oval 14">
+              <a:extLst>
+                <a:ext uri="{FF2B5EF4-FFF2-40B4-BE49-F238E27FC236}">
+                  <a16:creationId xmlns:a16="http://schemas.microsoft.com/office/drawing/2014/main" id="{B0E6C160-02F2-EFC7-FD9E-994FCF874B8E}"/>
+                </a:ext>
+              </a:extLst>
+            </p:cNvPr>
+            <p:cNvSpPr/>
+            <p:nvPr/>
+          </p:nvSpPr>
+          <p:spPr>
+            <a:xfrm>
+              <a:off x="6388434" y="3134067"/>
+              <a:ext cx="288032" cy="288032"/>
+            </a:xfrm>
+            <a:prstGeom prst="ellipse">
+              <a:avLst/>
+            </a:prstGeom>
+            <a:solidFill>
+              <a:srgbClr val="65318F"/>
+            </a:solidFill>
+            <a:ln>
+              <a:noFill/>
+            </a:ln>
+          </p:spPr>
+          <p:style>
+            <a:lnRef idx="2">
+              <a:schemeClr val="accent1">
+                <a:shade val="50000"/>
+              </a:schemeClr>
+            </a:lnRef>
+            <a:fillRef idx="1">
+              <a:schemeClr val="accent1"/>
+            </a:fillRef>
+            <a:effectRef idx="0">
+              <a:schemeClr val="accent1"/>
+            </a:effectRef>
+            <a:fontRef idx="minor">
+              <a:schemeClr val="lt1"/>
+            </a:fontRef>
+          </p:style>
+          <p:txBody>
+            <a:bodyPr rtlCol="0" anchor="ctr"/>
+            <a:lstStyle/>
+            <a:p>
+              <a:pPr algn="ctr"/>
+              <a:r>
+                <a:rPr lang="en-BE" dirty="0">
+                  <a:latin typeface="Open Sans" panose="020B0606030504020204" pitchFamily="34" charset="0"/>
+                  <a:ea typeface="Open Sans" panose="020B0606030504020204" pitchFamily="34" charset="0"/>
+                  <a:cs typeface="Open Sans" panose="020B0606030504020204" pitchFamily="34" charset="0"/>
+                </a:rPr>
+                <a:t>3</a:t>
+              </a:r>
+            </a:p>
+          </p:txBody>
+        </p:sp>
+        <p:sp>
+          <p:nvSpPr>
+            <p:cNvPr id="20" name="TextBox 19">
+              <a:extLst>
+                <a:ext uri="{FF2B5EF4-FFF2-40B4-BE49-F238E27FC236}">
+                  <a16:creationId xmlns:a16="http://schemas.microsoft.com/office/drawing/2014/main" id="{74CA381C-5730-2AB8-6331-84C73FE4225B}"/>
+                </a:ext>
+              </a:extLst>
+            </p:cNvPr>
+            <p:cNvSpPr txBox="1"/>
+            <p:nvPr/>
+          </p:nvSpPr>
+          <p:spPr>
+            <a:xfrm>
+              <a:off x="3384446" y="3851756"/>
+              <a:ext cx="3107580" cy="369332"/>
+            </a:xfrm>
+            <a:prstGeom prst="rect">
+              <a:avLst/>
+            </a:prstGeom>
             <a:noFill/>
-          </a:ln>
-        </p:spPr>
-        <p:style>
-          <a:lnRef idx="2">
-            <a:schemeClr val="accent1">
-              <a:shade val="50000"/>
-            </a:schemeClr>
-          </a:lnRef>
-          <a:fillRef idx="1">
-            <a:schemeClr val="accent1"/>
-          </a:fillRef>
-          <a:effectRef idx="0">
-            <a:schemeClr val="accent1"/>
-          </a:effectRef>
-          <a:fontRef idx="minor">
-            <a:schemeClr val="lt1"/>
-          </a:fontRef>
-        </p:style>
-        <p:txBody>
-          <a:bodyPr rtlCol="0" anchor="ctr"/>
-          <a:lstStyle/>
-          <a:p>
-            <a:pPr algn="ctr"/>
-            <a:r>
-              <a:rPr lang="en-BE" dirty="0">
-                <a:latin typeface="Open Sans" panose="020B0606030504020204" pitchFamily="34" charset="0"/>
-                <a:ea typeface="Open Sans" panose="020B0606030504020204" pitchFamily="34" charset="0"/>
-                <a:cs typeface="Open Sans" panose="020B0606030504020204" pitchFamily="34" charset="0"/>
-              </a:rPr>
-              <a:t>2</a:t>
-            </a:r>
-          </a:p>
-        </p:txBody>
-      </p:sp>
-      <p:sp>
-        <p:nvSpPr>
-          <p:cNvPr id="10" name="Oval 9">
-            <a:extLst>
-              <a:ext uri="{FF2B5EF4-FFF2-40B4-BE49-F238E27FC236}">
-                <a16:creationId xmlns:a16="http://schemas.microsoft.com/office/drawing/2014/main" id="{993C3FF0-041F-1631-55DB-E49C8FE62629}"/>
-              </a:ext>
-            </a:extLst>
-          </p:cNvPr>
-          <p:cNvSpPr/>
-          <p:nvPr/>
-        </p:nvSpPr>
-        <p:spPr>
-          <a:xfrm>
-            <a:off x="6421366" y="3008533"/>
-            <a:ext cx="288032" cy="288032"/>
-          </a:xfrm>
-          <a:prstGeom prst="ellipse">
-            <a:avLst/>
-          </a:prstGeom>
-          <a:solidFill>
-            <a:srgbClr val="65318F"/>
-          </a:solidFill>
-          <a:ln>
+          </p:spPr>
+          <p:txBody>
+            <a:bodyPr wrap="square" rtlCol="0">
+              <a:spAutoFit/>
+            </a:bodyPr>
+            <a:lstStyle/>
+            <a:p>
+              <a:r>
+                <a:rPr lang="en-BE" dirty="0">
+                  <a:latin typeface="Roboto" panose="02000000000000000000" pitchFamily="2" charset="0"/>
+                  <a:ea typeface="Roboto" panose="02000000000000000000" pitchFamily="2" charset="0"/>
+                </a:rPr>
+                <a:t>Section 1, 2 &amp; 3</a:t>
+              </a:r>
+            </a:p>
+          </p:txBody>
+        </p:sp>
+        <p:cxnSp>
+          <p:nvCxnSpPr>
+            <p:cNvPr id="24" name="Straight Connector 23">
+              <a:extLst>
+                <a:ext uri="{FF2B5EF4-FFF2-40B4-BE49-F238E27FC236}">
+                  <a16:creationId xmlns:a16="http://schemas.microsoft.com/office/drawing/2014/main" id="{BC1922FC-0B94-1EA6-2F14-6EB70FD0C5DF}"/>
+                </a:ext>
+              </a:extLst>
+            </p:cNvPr>
+            <p:cNvCxnSpPr/>
+            <p:nvPr/>
+          </p:nvCxnSpPr>
+          <p:spPr>
+            <a:xfrm>
+              <a:off x="4170934" y="3574747"/>
+              <a:ext cx="0" cy="288032"/>
+            </a:xfrm>
+            <a:prstGeom prst="line">
+              <a:avLst/>
+            </a:prstGeom>
+            <a:ln w="12700">
+              <a:solidFill>
+                <a:schemeClr val="bg1">
+                  <a:lumMod val="75000"/>
+                </a:schemeClr>
+              </a:solidFill>
+            </a:ln>
+          </p:spPr>
+          <p:style>
+            <a:lnRef idx="1">
+              <a:schemeClr val="accent1"/>
+            </a:lnRef>
+            <a:fillRef idx="0">
+              <a:schemeClr val="accent1"/>
+            </a:fillRef>
+            <a:effectRef idx="0">
+              <a:schemeClr val="accent1"/>
+            </a:effectRef>
+            <a:fontRef idx="minor">
+              <a:schemeClr val="tx1"/>
+            </a:fontRef>
+          </p:style>
+        </p:cxnSp>
+        <p:cxnSp>
+          <p:nvCxnSpPr>
+            <p:cNvPr id="25" name="Straight Connector 24">
+              <a:extLst>
+                <a:ext uri="{FF2B5EF4-FFF2-40B4-BE49-F238E27FC236}">
+                  <a16:creationId xmlns:a16="http://schemas.microsoft.com/office/drawing/2014/main" id="{1588CA34-02FF-A9B8-AE11-0213CCC2E266}"/>
+                </a:ext>
+              </a:extLst>
+            </p:cNvPr>
+            <p:cNvCxnSpPr>
+              <a:cxnSpLocks/>
+            </p:cNvCxnSpPr>
+            <p:nvPr/>
+          </p:nvCxnSpPr>
+          <p:spPr>
+            <a:xfrm flipV="1">
+              <a:off x="4040422" y="3570693"/>
+              <a:ext cx="274528" cy="4054"/>
+            </a:xfrm>
+            <a:prstGeom prst="line">
+              <a:avLst/>
+            </a:prstGeom>
+            <a:ln w="12700">
+              <a:solidFill>
+                <a:schemeClr val="bg1">
+                  <a:lumMod val="75000"/>
+                </a:schemeClr>
+              </a:solidFill>
+            </a:ln>
+          </p:spPr>
+          <p:style>
+            <a:lnRef idx="1">
+              <a:schemeClr val="accent1"/>
+            </a:lnRef>
+            <a:fillRef idx="0">
+              <a:schemeClr val="accent1"/>
+            </a:fillRef>
+            <a:effectRef idx="0">
+              <a:schemeClr val="accent1"/>
+            </a:effectRef>
+            <a:fontRef idx="minor">
+              <a:schemeClr val="tx1"/>
+            </a:fontRef>
+          </p:style>
+        </p:cxnSp>
+        <p:cxnSp>
+          <p:nvCxnSpPr>
+            <p:cNvPr id="37" name="Straight Connector 36">
+              <a:extLst>
+                <a:ext uri="{FF2B5EF4-FFF2-40B4-BE49-F238E27FC236}">
+                  <a16:creationId xmlns:a16="http://schemas.microsoft.com/office/drawing/2014/main" id="{4BB8B9ED-873B-F033-92C1-7D9AD8ADE83D}"/>
+                </a:ext>
+              </a:extLst>
+            </p:cNvPr>
+            <p:cNvCxnSpPr/>
+            <p:nvPr/>
+          </p:nvCxnSpPr>
+          <p:spPr>
+            <a:xfrm>
+              <a:off x="5351692" y="2630011"/>
+              <a:ext cx="0" cy="288032"/>
+            </a:xfrm>
+            <a:prstGeom prst="line">
+              <a:avLst/>
+            </a:prstGeom>
+            <a:ln w="12700">
+              <a:solidFill>
+                <a:schemeClr val="bg1">
+                  <a:lumMod val="75000"/>
+                </a:schemeClr>
+              </a:solidFill>
+            </a:ln>
+          </p:spPr>
+          <p:style>
+            <a:lnRef idx="1">
+              <a:schemeClr val="accent1"/>
+            </a:lnRef>
+            <a:fillRef idx="0">
+              <a:schemeClr val="accent1"/>
+            </a:fillRef>
+            <a:effectRef idx="0">
+              <a:schemeClr val="accent1"/>
+            </a:effectRef>
+            <a:fontRef idx="minor">
+              <a:schemeClr val="tx1"/>
+            </a:fontRef>
+          </p:style>
+        </p:cxnSp>
+        <p:sp>
+          <p:nvSpPr>
+            <p:cNvPr id="38" name="TextBox 37">
+              <a:extLst>
+                <a:ext uri="{FF2B5EF4-FFF2-40B4-BE49-F238E27FC236}">
+                  <a16:creationId xmlns:a16="http://schemas.microsoft.com/office/drawing/2014/main" id="{65921716-A323-1E9D-8D5C-60105685D98A}"/>
+                </a:ext>
+              </a:extLst>
+            </p:cNvPr>
+            <p:cNvSpPr txBox="1"/>
+            <p:nvPr/>
+          </p:nvSpPr>
+          <p:spPr>
+            <a:xfrm>
+              <a:off x="3856918" y="2186382"/>
+              <a:ext cx="3107580" cy="369332"/>
+            </a:xfrm>
+            <a:prstGeom prst="rect">
+              <a:avLst/>
+            </a:prstGeom>
             <a:noFill/>
-          </a:ln>
-        </p:spPr>
-        <p:style>
-          <a:lnRef idx="2">
-            <a:schemeClr val="accent1">
-              <a:shade val="50000"/>
-            </a:schemeClr>
-          </a:lnRef>
-          <a:fillRef idx="1">
-            <a:schemeClr val="accent1"/>
-          </a:fillRef>
-          <a:effectRef idx="0">
-            <a:schemeClr val="accent1"/>
-          </a:effectRef>
-          <a:fontRef idx="minor">
-            <a:schemeClr val="lt1"/>
-          </a:fontRef>
-        </p:style>
-        <p:txBody>
-          <a:bodyPr rtlCol="0" anchor="ctr"/>
-          <a:lstStyle/>
-          <a:p>
-            <a:pPr algn="ctr"/>
-            <a:r>
-              <a:rPr lang="en-BE" dirty="0">
-                <a:latin typeface="Open Sans" panose="020B0606030504020204" pitchFamily="34" charset="0"/>
-                <a:ea typeface="Open Sans" panose="020B0606030504020204" pitchFamily="34" charset="0"/>
-                <a:cs typeface="Open Sans" panose="020B0606030504020204" pitchFamily="34" charset="0"/>
-              </a:rPr>
-              <a:t>4</a:t>
-            </a:r>
-          </a:p>
-        </p:txBody>
-      </p:sp>
-      <p:sp>
-        <p:nvSpPr>
-          <p:cNvPr id="13" name="Oval 12">
-            <a:extLst>
-              <a:ext uri="{FF2B5EF4-FFF2-40B4-BE49-F238E27FC236}">
-                <a16:creationId xmlns:a16="http://schemas.microsoft.com/office/drawing/2014/main" id="{5BA6FFF1-3017-7762-B645-5204C8C39BC6}"/>
-              </a:ext>
-            </a:extLst>
-          </p:cNvPr>
-          <p:cNvSpPr/>
-          <p:nvPr/>
-        </p:nvSpPr>
-        <p:spPr>
-          <a:xfrm>
-            <a:off x="2879092" y="3008533"/>
-            <a:ext cx="288032" cy="288032"/>
-          </a:xfrm>
-          <a:prstGeom prst="ellipse">
-            <a:avLst/>
-          </a:prstGeom>
-          <a:solidFill>
-            <a:schemeClr val="tx2"/>
-          </a:solidFill>
-          <a:ln>
+          </p:spPr>
+          <p:txBody>
+            <a:bodyPr wrap="square" rtlCol="0">
+              <a:spAutoFit/>
+            </a:bodyPr>
+            <a:lstStyle/>
+            <a:p>
+              <a:pPr algn="ctr"/>
+              <a:r>
+                <a:rPr lang="en-BE" dirty="0">
+                  <a:latin typeface="Roboto" panose="02000000000000000000" pitchFamily="2" charset="0"/>
+                  <a:ea typeface="Roboto" panose="02000000000000000000" pitchFamily="2" charset="0"/>
+                </a:rPr>
+                <a:t>Test Lab 1 + Section 4, 5 &amp; 6</a:t>
+              </a:r>
+            </a:p>
+          </p:txBody>
+        </p:sp>
+        <p:cxnSp>
+          <p:nvCxnSpPr>
+            <p:cNvPr id="5" name="Straight Connector 4">
+              <a:extLst>
+                <a:ext uri="{FF2B5EF4-FFF2-40B4-BE49-F238E27FC236}">
+                  <a16:creationId xmlns:a16="http://schemas.microsoft.com/office/drawing/2014/main" id="{8EC9ED70-A2A0-3380-EB6D-A3C544560ACC}"/>
+                </a:ext>
+              </a:extLst>
+            </p:cNvPr>
+            <p:cNvCxnSpPr>
+              <a:cxnSpLocks/>
+            </p:cNvCxnSpPr>
+            <p:nvPr/>
+          </p:nvCxnSpPr>
+          <p:spPr>
+            <a:xfrm flipV="1">
+              <a:off x="5225915" y="2921097"/>
+              <a:ext cx="274528" cy="4054"/>
+            </a:xfrm>
+            <a:prstGeom prst="line">
+              <a:avLst/>
+            </a:prstGeom>
+            <a:ln w="12700">
+              <a:solidFill>
+                <a:schemeClr val="bg1">
+                  <a:lumMod val="75000"/>
+                </a:schemeClr>
+              </a:solidFill>
+            </a:ln>
+          </p:spPr>
+          <p:style>
+            <a:lnRef idx="1">
+              <a:schemeClr val="accent1"/>
+            </a:lnRef>
+            <a:fillRef idx="0">
+              <a:schemeClr val="accent1"/>
+            </a:fillRef>
+            <a:effectRef idx="0">
+              <a:schemeClr val="accent1"/>
+            </a:effectRef>
+            <a:fontRef idx="minor">
+              <a:schemeClr val="tx1"/>
+            </a:fontRef>
+          </p:style>
+        </p:cxnSp>
+        <p:cxnSp>
+          <p:nvCxnSpPr>
+            <p:cNvPr id="6" name="Straight Connector 5">
+              <a:extLst>
+                <a:ext uri="{FF2B5EF4-FFF2-40B4-BE49-F238E27FC236}">
+                  <a16:creationId xmlns:a16="http://schemas.microsoft.com/office/drawing/2014/main" id="{60A4F342-2D6C-AEE2-8644-8A267F71341E}"/>
+                </a:ext>
+              </a:extLst>
+            </p:cNvPr>
+            <p:cNvCxnSpPr>
+              <a:cxnSpLocks/>
+            </p:cNvCxnSpPr>
+            <p:nvPr/>
+          </p:nvCxnSpPr>
+          <p:spPr>
+            <a:xfrm rot="16200000">
+              <a:off x="6523746" y="3430415"/>
+              <a:ext cx="0" cy="288032"/>
+            </a:xfrm>
+            <a:prstGeom prst="line">
+              <a:avLst/>
+            </a:prstGeom>
+            <a:ln w="12700">
+              <a:solidFill>
+                <a:schemeClr val="bg1">
+                  <a:lumMod val="75000"/>
+                </a:schemeClr>
+              </a:solidFill>
+            </a:ln>
+          </p:spPr>
+          <p:style>
+            <a:lnRef idx="1">
+              <a:schemeClr val="accent1"/>
+            </a:lnRef>
+            <a:fillRef idx="0">
+              <a:schemeClr val="accent1"/>
+            </a:fillRef>
+            <a:effectRef idx="0">
+              <a:schemeClr val="accent1"/>
+            </a:effectRef>
+            <a:fontRef idx="minor">
+              <a:schemeClr val="tx1"/>
+            </a:fontRef>
+          </p:style>
+        </p:cxnSp>
+        <p:cxnSp>
+          <p:nvCxnSpPr>
+            <p:cNvPr id="7" name="Straight Connector 6">
+              <a:extLst>
+                <a:ext uri="{FF2B5EF4-FFF2-40B4-BE49-F238E27FC236}">
+                  <a16:creationId xmlns:a16="http://schemas.microsoft.com/office/drawing/2014/main" id="{DCC82590-FF54-084A-AC5C-8EA9C212BFE3}"/>
+                </a:ext>
+              </a:extLst>
+            </p:cNvPr>
+            <p:cNvCxnSpPr>
+              <a:cxnSpLocks/>
+            </p:cNvCxnSpPr>
+            <p:nvPr/>
+          </p:nvCxnSpPr>
+          <p:spPr>
+            <a:xfrm rot="16200000" flipV="1">
+              <a:off x="6388509" y="3703275"/>
+              <a:ext cx="274528" cy="4054"/>
+            </a:xfrm>
+            <a:prstGeom prst="line">
+              <a:avLst/>
+            </a:prstGeom>
+            <a:ln w="12700">
+              <a:solidFill>
+                <a:schemeClr val="bg1">
+                  <a:lumMod val="75000"/>
+                </a:schemeClr>
+              </a:solidFill>
+            </a:ln>
+          </p:spPr>
+          <p:style>
+            <a:lnRef idx="1">
+              <a:schemeClr val="accent1"/>
+            </a:lnRef>
+            <a:fillRef idx="0">
+              <a:schemeClr val="accent1"/>
+            </a:fillRef>
+            <a:effectRef idx="0">
+              <a:schemeClr val="accent1"/>
+            </a:effectRef>
+            <a:fontRef idx="minor">
+              <a:schemeClr val="tx1"/>
+            </a:fontRef>
+          </p:style>
+        </p:cxnSp>
+        <p:sp>
+          <p:nvSpPr>
+            <p:cNvPr id="8" name="TextBox 7">
+              <a:extLst>
+                <a:ext uri="{FF2B5EF4-FFF2-40B4-BE49-F238E27FC236}">
+                  <a16:creationId xmlns:a16="http://schemas.microsoft.com/office/drawing/2014/main" id="{BF1AC3BE-F77B-2CDF-1C1F-15784ABDE646}"/>
+                </a:ext>
+              </a:extLst>
+            </p:cNvPr>
+            <p:cNvSpPr txBox="1"/>
+            <p:nvPr/>
+          </p:nvSpPr>
+          <p:spPr>
+            <a:xfrm>
+              <a:off x="5724724" y="3839783"/>
+              <a:ext cx="3107580" cy="369332"/>
+            </a:xfrm>
+            <a:prstGeom prst="rect">
+              <a:avLst/>
+            </a:prstGeom>
             <a:noFill/>
-          </a:ln>
-        </p:spPr>
-        <p:style>
-          <a:lnRef idx="2">
-            <a:schemeClr val="accent1">
-              <a:shade val="50000"/>
-            </a:schemeClr>
-          </a:lnRef>
-          <a:fillRef idx="1">
-            <a:schemeClr val="accent1"/>
-          </a:fillRef>
-          <a:effectRef idx="0">
-            <a:schemeClr val="accent1"/>
-          </a:effectRef>
-          <a:fontRef idx="minor">
-            <a:schemeClr val="lt1"/>
-          </a:fontRef>
-        </p:style>
-        <p:txBody>
-          <a:bodyPr rtlCol="0" anchor="ctr"/>
-          <a:lstStyle/>
-          <a:p>
-            <a:pPr algn="ctr"/>
-            <a:r>
-              <a:rPr lang="en-BE" dirty="0">
-                <a:latin typeface="Open Sans" panose="020B0606030504020204" pitchFamily="34" charset="0"/>
-                <a:ea typeface="Open Sans" panose="020B0606030504020204" pitchFamily="34" charset="0"/>
-                <a:cs typeface="Open Sans" panose="020B0606030504020204" pitchFamily="34" charset="0"/>
-              </a:rPr>
-              <a:t>1</a:t>
-            </a:r>
-          </a:p>
-        </p:txBody>
-      </p:sp>
-      <p:sp>
-        <p:nvSpPr>
-          <p:cNvPr id="15" name="Oval 14">
-            <a:extLst>
-              <a:ext uri="{FF2B5EF4-FFF2-40B4-BE49-F238E27FC236}">
-                <a16:creationId xmlns:a16="http://schemas.microsoft.com/office/drawing/2014/main" id="{B0E6C160-02F2-EFC7-FD9E-994FCF874B8E}"/>
-              </a:ext>
-            </a:extLst>
-          </p:cNvPr>
-          <p:cNvSpPr/>
-          <p:nvPr/>
-        </p:nvSpPr>
-        <p:spPr>
-          <a:xfrm>
-            <a:off x="5240608" y="3008533"/>
-            <a:ext cx="288032" cy="288032"/>
-          </a:xfrm>
-          <a:prstGeom prst="ellipse">
-            <a:avLst/>
-          </a:prstGeom>
-          <a:solidFill>
-            <a:schemeClr val="tx2"/>
-          </a:solidFill>
-          <a:ln>
-            <a:noFill/>
-          </a:ln>
-        </p:spPr>
-        <p:style>
-          <a:lnRef idx="2">
-            <a:schemeClr val="accent1">
-              <a:shade val="50000"/>
-            </a:schemeClr>
-          </a:lnRef>
-          <a:fillRef idx="1">
-            <a:schemeClr val="accent1"/>
-          </a:fillRef>
-          <a:effectRef idx="0">
-            <a:schemeClr val="accent1"/>
-          </a:effectRef>
-          <a:fontRef idx="minor">
-            <a:schemeClr val="lt1"/>
-          </a:fontRef>
-        </p:style>
-        <p:txBody>
-          <a:bodyPr rtlCol="0" anchor="ctr"/>
-          <a:lstStyle/>
-          <a:p>
-            <a:pPr algn="ctr"/>
-            <a:r>
-              <a:rPr lang="en-BE" dirty="0">
-                <a:latin typeface="Open Sans" panose="020B0606030504020204" pitchFamily="34" charset="0"/>
-                <a:ea typeface="Open Sans" panose="020B0606030504020204" pitchFamily="34" charset="0"/>
-                <a:cs typeface="Open Sans" panose="020B0606030504020204" pitchFamily="34" charset="0"/>
-              </a:rPr>
-              <a:t>3</a:t>
-            </a:r>
-          </a:p>
-        </p:txBody>
-      </p:sp>
-      <p:sp>
-        <p:nvSpPr>
-          <p:cNvPr id="16" name="Oval 15">
-            <a:extLst>
-              <a:ext uri="{FF2B5EF4-FFF2-40B4-BE49-F238E27FC236}">
-                <a16:creationId xmlns:a16="http://schemas.microsoft.com/office/drawing/2014/main" id="{4B2D8261-DBA9-14B1-FF41-0074FB4E9387}"/>
-              </a:ext>
-            </a:extLst>
-          </p:cNvPr>
-          <p:cNvSpPr/>
-          <p:nvPr/>
-        </p:nvSpPr>
-        <p:spPr>
-          <a:xfrm>
-            <a:off x="7602124" y="3008533"/>
-            <a:ext cx="288032" cy="288032"/>
-          </a:xfrm>
-          <a:prstGeom prst="ellipse">
-            <a:avLst/>
-          </a:prstGeom>
-          <a:solidFill>
-            <a:schemeClr val="tx2"/>
-          </a:solidFill>
-          <a:ln>
-            <a:noFill/>
-          </a:ln>
-        </p:spPr>
-        <p:style>
-          <a:lnRef idx="2">
-            <a:schemeClr val="accent1">
-              <a:shade val="50000"/>
-            </a:schemeClr>
-          </a:lnRef>
-          <a:fillRef idx="1">
-            <a:schemeClr val="accent1"/>
-          </a:fillRef>
-          <a:effectRef idx="0">
-            <a:schemeClr val="accent1"/>
-          </a:effectRef>
-          <a:fontRef idx="minor">
-            <a:schemeClr val="lt1"/>
-          </a:fontRef>
-        </p:style>
-        <p:txBody>
-          <a:bodyPr rtlCol="0" anchor="ctr"/>
-          <a:lstStyle/>
-          <a:p>
-            <a:pPr algn="ctr"/>
-            <a:r>
-              <a:rPr lang="en-BE" dirty="0">
-                <a:latin typeface="Open Sans" panose="020B0606030504020204" pitchFamily="34" charset="0"/>
-                <a:ea typeface="Open Sans" panose="020B0606030504020204" pitchFamily="34" charset="0"/>
-                <a:cs typeface="Open Sans" panose="020B0606030504020204" pitchFamily="34" charset="0"/>
-              </a:rPr>
-              <a:t>5</a:t>
-            </a:r>
-          </a:p>
-        </p:txBody>
-      </p:sp>
-      <p:sp>
-        <p:nvSpPr>
-          <p:cNvPr id="17" name="Oval 16">
-            <a:extLst>
-              <a:ext uri="{FF2B5EF4-FFF2-40B4-BE49-F238E27FC236}">
-                <a16:creationId xmlns:a16="http://schemas.microsoft.com/office/drawing/2014/main" id="{F96A8CCD-47BC-5E24-8666-3B738EA333BE}"/>
-              </a:ext>
-            </a:extLst>
-          </p:cNvPr>
-          <p:cNvSpPr/>
-          <p:nvPr/>
-        </p:nvSpPr>
-        <p:spPr>
-          <a:xfrm>
-            <a:off x="8782882" y="3008533"/>
-            <a:ext cx="288032" cy="288032"/>
-          </a:xfrm>
-          <a:prstGeom prst="ellipse">
-            <a:avLst/>
-          </a:prstGeom>
-          <a:solidFill>
-            <a:srgbClr val="F59231"/>
-          </a:solidFill>
-          <a:ln>
-            <a:noFill/>
-          </a:ln>
-        </p:spPr>
-        <p:style>
-          <a:lnRef idx="2">
-            <a:schemeClr val="accent1">
-              <a:shade val="50000"/>
-            </a:schemeClr>
-          </a:lnRef>
-          <a:fillRef idx="1">
-            <a:schemeClr val="accent1"/>
-          </a:fillRef>
-          <a:effectRef idx="0">
-            <a:schemeClr val="accent1"/>
-          </a:effectRef>
-          <a:fontRef idx="minor">
-            <a:schemeClr val="lt1"/>
-          </a:fontRef>
-        </p:style>
-        <p:txBody>
-          <a:bodyPr rtlCol="0" anchor="ctr"/>
-          <a:lstStyle/>
-          <a:p>
-            <a:pPr algn="ctr"/>
-            <a:r>
-              <a:rPr lang="en-BE" dirty="0">
-                <a:latin typeface="Open Sans" panose="020B0606030504020204" pitchFamily="34" charset="0"/>
-                <a:ea typeface="Open Sans" panose="020B0606030504020204" pitchFamily="34" charset="0"/>
-                <a:cs typeface="Open Sans" panose="020B0606030504020204" pitchFamily="34" charset="0"/>
-              </a:rPr>
-              <a:t>6</a:t>
-            </a:r>
-          </a:p>
-        </p:txBody>
-      </p:sp>
-      <p:sp>
-        <p:nvSpPr>
-          <p:cNvPr id="20" name="TextBox 19">
-            <a:extLst>
-              <a:ext uri="{FF2B5EF4-FFF2-40B4-BE49-F238E27FC236}">
-                <a16:creationId xmlns:a16="http://schemas.microsoft.com/office/drawing/2014/main" id="{74CA381C-5730-2AB8-6331-84C73FE4225B}"/>
-              </a:ext>
-            </a:extLst>
-          </p:cNvPr>
-          <p:cNvSpPr txBox="1"/>
-          <p:nvPr/>
-        </p:nvSpPr>
-        <p:spPr>
-          <a:xfrm>
-            <a:off x="2914200" y="3872906"/>
-            <a:ext cx="3107580" cy="369332"/>
-          </a:xfrm>
-          <a:prstGeom prst="rect">
-            <a:avLst/>
-          </a:prstGeom>
-          <a:noFill/>
-        </p:spPr>
-        <p:txBody>
-          <a:bodyPr wrap="square" rtlCol="0">
-            <a:spAutoFit/>
-          </a:bodyPr>
-          <a:lstStyle/>
-          <a:p>
-            <a:r>
-              <a:rPr lang="en-BE" dirty="0">
-                <a:latin typeface="Roboto" panose="02000000000000000000" pitchFamily="2" charset="0"/>
-                <a:ea typeface="Roboto" panose="02000000000000000000" pitchFamily="2" charset="0"/>
-              </a:rPr>
-              <a:t>Section 1, 2 &amp; 3</a:t>
-            </a:r>
-          </a:p>
-        </p:txBody>
-      </p:sp>
-      <p:sp>
-        <p:nvSpPr>
-          <p:cNvPr id="21" name="TextBox 20">
-            <a:extLst>
-              <a:ext uri="{FF2B5EF4-FFF2-40B4-BE49-F238E27FC236}">
-                <a16:creationId xmlns:a16="http://schemas.microsoft.com/office/drawing/2014/main" id="{FC0371C1-233F-C9E4-B071-793E97E63009}"/>
-              </a:ext>
-            </a:extLst>
-          </p:cNvPr>
-          <p:cNvSpPr txBox="1"/>
-          <p:nvPr/>
-        </p:nvSpPr>
-        <p:spPr>
-          <a:xfrm>
-            <a:off x="4653308" y="4735555"/>
-            <a:ext cx="3107580" cy="369332"/>
-          </a:xfrm>
-          <a:prstGeom prst="rect">
-            <a:avLst/>
-          </a:prstGeom>
-          <a:noFill/>
-        </p:spPr>
-        <p:txBody>
-          <a:bodyPr wrap="square" rtlCol="0">
-            <a:spAutoFit/>
-          </a:bodyPr>
-          <a:lstStyle/>
-          <a:p>
-            <a:r>
-              <a:rPr lang="en-BE">
-                <a:latin typeface="Roboto" panose="02000000000000000000" pitchFamily="2" charset="0"/>
-                <a:ea typeface="Roboto" panose="02000000000000000000" pitchFamily="2" charset="0"/>
-              </a:rPr>
-              <a:t>Section 4, 5 &amp; 6</a:t>
-            </a:r>
-            <a:endParaRPr lang="en-BE" dirty="0">
-              <a:latin typeface="Roboto" panose="02000000000000000000" pitchFamily="2" charset="0"/>
-              <a:ea typeface="Roboto" panose="02000000000000000000" pitchFamily="2" charset="0"/>
-            </a:endParaRPr>
-          </a:p>
-        </p:txBody>
-      </p:sp>
-      <p:sp>
-        <p:nvSpPr>
-          <p:cNvPr id="22" name="TextBox 21">
-            <a:extLst>
-              <a:ext uri="{FF2B5EF4-FFF2-40B4-BE49-F238E27FC236}">
-                <a16:creationId xmlns:a16="http://schemas.microsoft.com/office/drawing/2014/main" id="{21D0F762-7F2E-9BE8-A181-3351DBE0AEDC}"/>
-              </a:ext>
-            </a:extLst>
-          </p:cNvPr>
-          <p:cNvSpPr txBox="1"/>
-          <p:nvPr/>
-        </p:nvSpPr>
-        <p:spPr>
-          <a:xfrm>
-            <a:off x="5606955" y="3872906"/>
-            <a:ext cx="3107580" cy="369332"/>
-          </a:xfrm>
-          <a:prstGeom prst="rect">
-            <a:avLst/>
-          </a:prstGeom>
-          <a:noFill/>
-        </p:spPr>
-        <p:txBody>
-          <a:bodyPr wrap="square" rtlCol="0">
-            <a:spAutoFit/>
-          </a:bodyPr>
-          <a:lstStyle/>
-          <a:p>
-            <a:pPr algn="ctr"/>
-            <a:r>
-              <a:rPr lang="en-BE" dirty="0">
-                <a:latin typeface="Roboto" panose="02000000000000000000" pitchFamily="2" charset="0"/>
-                <a:ea typeface="Roboto" panose="02000000000000000000" pitchFamily="2" charset="0"/>
-              </a:rPr>
-              <a:t>Use Case</a:t>
-            </a:r>
-          </a:p>
-        </p:txBody>
-      </p:sp>
-      <p:cxnSp>
-        <p:nvCxnSpPr>
-          <p:cNvPr id="24" name="Straight Connector 23">
-            <a:extLst>
-              <a:ext uri="{FF2B5EF4-FFF2-40B4-BE49-F238E27FC236}">
-                <a16:creationId xmlns:a16="http://schemas.microsoft.com/office/drawing/2014/main" id="{BC1922FC-0B94-1EA6-2F14-6EB70FD0C5DF}"/>
-              </a:ext>
-            </a:extLst>
-          </p:cNvPr>
-          <p:cNvCxnSpPr/>
-          <p:nvPr/>
-        </p:nvCxnSpPr>
-        <p:spPr>
-          <a:xfrm>
-            <a:off x="3023108" y="3449213"/>
-            <a:ext cx="0" cy="288032"/>
-          </a:xfrm>
-          <a:prstGeom prst="line">
-            <a:avLst/>
-          </a:prstGeom>
-          <a:ln w="12700">
-            <a:solidFill>
-              <a:schemeClr val="bg1">
-                <a:lumMod val="75000"/>
-              </a:schemeClr>
-            </a:solidFill>
-          </a:ln>
-        </p:spPr>
-        <p:style>
-          <a:lnRef idx="1">
-            <a:schemeClr val="accent1"/>
-          </a:lnRef>
-          <a:fillRef idx="0">
-            <a:schemeClr val="accent1"/>
-          </a:fillRef>
-          <a:effectRef idx="0">
-            <a:schemeClr val="accent1"/>
-          </a:effectRef>
-          <a:fontRef idx="minor">
-            <a:schemeClr val="tx1"/>
-          </a:fontRef>
-        </p:style>
-      </p:cxnSp>
-      <p:cxnSp>
-        <p:nvCxnSpPr>
-          <p:cNvPr id="25" name="Straight Connector 24">
-            <a:extLst>
-              <a:ext uri="{FF2B5EF4-FFF2-40B4-BE49-F238E27FC236}">
-                <a16:creationId xmlns:a16="http://schemas.microsoft.com/office/drawing/2014/main" id="{1588CA34-02FF-A9B8-AE11-0213CCC2E266}"/>
-              </a:ext>
-            </a:extLst>
-          </p:cNvPr>
-          <p:cNvCxnSpPr>
-            <a:cxnSpLocks/>
-          </p:cNvCxnSpPr>
-          <p:nvPr/>
-        </p:nvCxnSpPr>
-        <p:spPr>
-          <a:xfrm flipV="1">
-            <a:off x="2892596" y="3445159"/>
-            <a:ext cx="274528" cy="4054"/>
-          </a:xfrm>
-          <a:prstGeom prst="line">
-            <a:avLst/>
-          </a:prstGeom>
-          <a:ln w="12700">
-            <a:solidFill>
-              <a:schemeClr val="bg1">
-                <a:lumMod val="75000"/>
-              </a:schemeClr>
-            </a:solidFill>
-          </a:ln>
-        </p:spPr>
-        <p:style>
-          <a:lnRef idx="1">
-            <a:schemeClr val="accent1"/>
-          </a:lnRef>
-          <a:fillRef idx="0">
-            <a:schemeClr val="accent1"/>
-          </a:fillRef>
-          <a:effectRef idx="0">
-            <a:schemeClr val="accent1"/>
-          </a:effectRef>
-          <a:fontRef idx="minor">
-            <a:schemeClr val="tx1"/>
-          </a:fontRef>
-        </p:style>
-      </p:cxnSp>
-      <p:cxnSp>
-        <p:nvCxnSpPr>
-          <p:cNvPr id="28" name="Straight Connector 27">
-            <a:extLst>
-              <a:ext uri="{FF2B5EF4-FFF2-40B4-BE49-F238E27FC236}">
-                <a16:creationId xmlns:a16="http://schemas.microsoft.com/office/drawing/2014/main" id="{6DB465E5-EF14-C26D-D8C0-7EFF9700D6C8}"/>
-              </a:ext>
-            </a:extLst>
-          </p:cNvPr>
-          <p:cNvCxnSpPr>
-            <a:cxnSpLocks/>
-          </p:cNvCxnSpPr>
-          <p:nvPr/>
-        </p:nvCxnSpPr>
-        <p:spPr>
-          <a:xfrm>
-            <a:off x="4797324" y="3464736"/>
-            <a:ext cx="0" cy="1261636"/>
-          </a:xfrm>
-          <a:prstGeom prst="line">
-            <a:avLst/>
-          </a:prstGeom>
-          <a:ln w="12700">
-            <a:solidFill>
-              <a:schemeClr val="bg1">
-                <a:lumMod val="75000"/>
-              </a:schemeClr>
-            </a:solidFill>
-          </a:ln>
-        </p:spPr>
-        <p:style>
-          <a:lnRef idx="1">
-            <a:schemeClr val="accent1"/>
-          </a:lnRef>
-          <a:fillRef idx="0">
-            <a:schemeClr val="accent1"/>
-          </a:fillRef>
-          <a:effectRef idx="0">
-            <a:schemeClr val="accent1"/>
-          </a:effectRef>
-          <a:fontRef idx="minor">
-            <a:schemeClr val="tx1"/>
-          </a:fontRef>
-        </p:style>
-      </p:cxnSp>
-      <p:cxnSp>
-        <p:nvCxnSpPr>
-          <p:cNvPr id="29" name="Straight Connector 28">
-            <a:extLst>
-              <a:ext uri="{FF2B5EF4-FFF2-40B4-BE49-F238E27FC236}">
-                <a16:creationId xmlns:a16="http://schemas.microsoft.com/office/drawing/2014/main" id="{52709D63-1649-2B7F-7417-C5DF7AF3D27B}"/>
-              </a:ext>
-            </a:extLst>
-          </p:cNvPr>
-          <p:cNvCxnSpPr>
-            <a:cxnSpLocks/>
-          </p:cNvCxnSpPr>
-          <p:nvPr/>
-        </p:nvCxnSpPr>
-        <p:spPr>
-          <a:xfrm flipV="1">
-            <a:off x="4106365" y="3460682"/>
-            <a:ext cx="1339031" cy="4054"/>
-          </a:xfrm>
-          <a:prstGeom prst="line">
-            <a:avLst/>
-          </a:prstGeom>
-          <a:ln w="12700">
-            <a:solidFill>
-              <a:schemeClr val="bg1">
-                <a:lumMod val="75000"/>
-              </a:schemeClr>
-            </a:solidFill>
-          </a:ln>
-        </p:spPr>
-        <p:style>
-          <a:lnRef idx="1">
-            <a:schemeClr val="accent1"/>
-          </a:lnRef>
-          <a:fillRef idx="0">
-            <a:schemeClr val="accent1"/>
-          </a:fillRef>
-          <a:effectRef idx="0">
-            <a:schemeClr val="accent1"/>
-          </a:effectRef>
-          <a:fontRef idx="minor">
-            <a:schemeClr val="tx1"/>
-          </a:fontRef>
-        </p:style>
-      </p:cxnSp>
-      <p:cxnSp>
-        <p:nvCxnSpPr>
-          <p:cNvPr id="33" name="Straight Connector 32">
-            <a:extLst>
-              <a:ext uri="{FF2B5EF4-FFF2-40B4-BE49-F238E27FC236}">
-                <a16:creationId xmlns:a16="http://schemas.microsoft.com/office/drawing/2014/main" id="{B39AEA4B-B861-636B-3B59-34E49D164002}"/>
-              </a:ext>
-            </a:extLst>
-          </p:cNvPr>
-          <p:cNvCxnSpPr>
-            <a:cxnSpLocks/>
-          </p:cNvCxnSpPr>
-          <p:nvPr/>
-        </p:nvCxnSpPr>
-        <p:spPr>
-          <a:xfrm flipV="1">
-            <a:off x="6474178" y="3451168"/>
-            <a:ext cx="1339031" cy="4054"/>
-          </a:xfrm>
-          <a:prstGeom prst="line">
-            <a:avLst/>
-          </a:prstGeom>
-          <a:ln w="12700">
-            <a:solidFill>
-              <a:schemeClr val="bg1">
-                <a:lumMod val="75000"/>
-              </a:schemeClr>
-            </a:solidFill>
-          </a:ln>
-        </p:spPr>
-        <p:style>
-          <a:lnRef idx="1">
-            <a:schemeClr val="accent1"/>
-          </a:lnRef>
-          <a:fillRef idx="0">
-            <a:schemeClr val="accent1"/>
-          </a:fillRef>
-          <a:effectRef idx="0">
-            <a:schemeClr val="accent1"/>
-          </a:effectRef>
-          <a:fontRef idx="minor">
-            <a:schemeClr val="tx1"/>
-          </a:fontRef>
-        </p:style>
-      </p:cxnSp>
-      <p:cxnSp>
-        <p:nvCxnSpPr>
-          <p:cNvPr id="35" name="Straight Connector 34">
-            <a:extLst>
-              <a:ext uri="{FF2B5EF4-FFF2-40B4-BE49-F238E27FC236}">
-                <a16:creationId xmlns:a16="http://schemas.microsoft.com/office/drawing/2014/main" id="{A1FD05DD-7989-34FF-FB8C-5B832E79BE14}"/>
-              </a:ext>
-            </a:extLst>
-          </p:cNvPr>
-          <p:cNvCxnSpPr/>
-          <p:nvPr/>
-        </p:nvCxnSpPr>
-        <p:spPr>
-          <a:xfrm>
-            <a:off x="7155261" y="3460682"/>
-            <a:ext cx="0" cy="288032"/>
-          </a:xfrm>
-          <a:prstGeom prst="line">
-            <a:avLst/>
-          </a:prstGeom>
-          <a:ln w="12700">
-            <a:solidFill>
-              <a:schemeClr val="bg1">
-                <a:lumMod val="75000"/>
-              </a:schemeClr>
-            </a:solidFill>
-          </a:ln>
-        </p:spPr>
-        <p:style>
-          <a:lnRef idx="1">
-            <a:schemeClr val="accent1"/>
-          </a:lnRef>
-          <a:fillRef idx="0">
-            <a:schemeClr val="accent1"/>
-          </a:fillRef>
-          <a:effectRef idx="0">
-            <a:schemeClr val="accent1"/>
-          </a:effectRef>
-          <a:fontRef idx="minor">
-            <a:schemeClr val="tx1"/>
-          </a:fontRef>
-        </p:style>
-      </p:cxnSp>
-      <p:cxnSp>
-        <p:nvCxnSpPr>
-          <p:cNvPr id="37" name="Straight Connector 36">
-            <a:extLst>
-              <a:ext uri="{FF2B5EF4-FFF2-40B4-BE49-F238E27FC236}">
-                <a16:creationId xmlns:a16="http://schemas.microsoft.com/office/drawing/2014/main" id="{4BB8B9ED-873B-F033-92C1-7D9AD8ADE83D}"/>
-              </a:ext>
-            </a:extLst>
-          </p:cNvPr>
-          <p:cNvCxnSpPr/>
-          <p:nvPr/>
-        </p:nvCxnSpPr>
-        <p:spPr>
-          <a:xfrm>
-            <a:off x="4203866" y="2504477"/>
-            <a:ext cx="0" cy="288032"/>
-          </a:xfrm>
-          <a:prstGeom prst="line">
-            <a:avLst/>
-          </a:prstGeom>
-          <a:ln w="12700">
-            <a:solidFill>
-              <a:schemeClr val="bg1">
-                <a:lumMod val="75000"/>
-              </a:schemeClr>
-            </a:solidFill>
-          </a:ln>
-        </p:spPr>
-        <p:style>
-          <a:lnRef idx="1">
-            <a:schemeClr val="accent1"/>
-          </a:lnRef>
-          <a:fillRef idx="0">
-            <a:schemeClr val="accent1"/>
-          </a:fillRef>
-          <a:effectRef idx="0">
-            <a:schemeClr val="accent1"/>
-          </a:effectRef>
-          <a:fontRef idx="minor">
-            <a:schemeClr val="tx1"/>
-          </a:fontRef>
-        </p:style>
-      </p:cxnSp>
-      <p:sp>
-        <p:nvSpPr>
-          <p:cNvPr id="38" name="TextBox 37">
-            <a:extLst>
-              <a:ext uri="{FF2B5EF4-FFF2-40B4-BE49-F238E27FC236}">
-                <a16:creationId xmlns:a16="http://schemas.microsoft.com/office/drawing/2014/main" id="{65921716-A323-1E9D-8D5C-60105685D98A}"/>
-              </a:ext>
-            </a:extLst>
-          </p:cNvPr>
-          <p:cNvSpPr txBox="1"/>
-          <p:nvPr/>
-        </p:nvSpPr>
-        <p:spPr>
-          <a:xfrm>
-            <a:off x="2709092" y="2060848"/>
-            <a:ext cx="3107580" cy="369332"/>
-          </a:xfrm>
-          <a:prstGeom prst="rect">
-            <a:avLst/>
-          </a:prstGeom>
-          <a:noFill/>
-        </p:spPr>
-        <p:txBody>
-          <a:bodyPr wrap="square" rtlCol="0">
-            <a:spAutoFit/>
-          </a:bodyPr>
-          <a:lstStyle/>
-          <a:p>
-            <a:pPr algn="ctr"/>
-            <a:r>
-              <a:rPr lang="en-BE" dirty="0">
-                <a:latin typeface="Roboto" panose="02000000000000000000" pitchFamily="2" charset="0"/>
-                <a:ea typeface="Roboto" panose="02000000000000000000" pitchFamily="2" charset="0"/>
-              </a:rPr>
-              <a:t>Test Lab 1 + Q4</a:t>
-            </a:r>
-          </a:p>
-        </p:txBody>
-      </p:sp>
-      <p:cxnSp>
-        <p:nvCxnSpPr>
-          <p:cNvPr id="39" name="Straight Connector 38">
-            <a:extLst>
-              <a:ext uri="{FF2B5EF4-FFF2-40B4-BE49-F238E27FC236}">
-                <a16:creationId xmlns:a16="http://schemas.microsoft.com/office/drawing/2014/main" id="{458C34B2-8DDA-9046-536C-10209C88E1AC}"/>
-              </a:ext>
-            </a:extLst>
-          </p:cNvPr>
-          <p:cNvCxnSpPr/>
-          <p:nvPr/>
-        </p:nvCxnSpPr>
-        <p:spPr>
-          <a:xfrm>
-            <a:off x="6576013" y="2506784"/>
-            <a:ext cx="0" cy="288032"/>
-          </a:xfrm>
-          <a:prstGeom prst="line">
-            <a:avLst/>
-          </a:prstGeom>
-          <a:ln w="12700">
-            <a:solidFill>
-              <a:schemeClr val="bg1">
-                <a:lumMod val="75000"/>
-              </a:schemeClr>
-            </a:solidFill>
-          </a:ln>
-        </p:spPr>
-        <p:style>
-          <a:lnRef idx="1">
-            <a:schemeClr val="accent1"/>
-          </a:lnRef>
-          <a:fillRef idx="0">
-            <a:schemeClr val="accent1"/>
-          </a:fillRef>
-          <a:effectRef idx="0">
-            <a:schemeClr val="accent1"/>
-          </a:effectRef>
-          <a:fontRef idx="minor">
-            <a:schemeClr val="tx1"/>
-          </a:fontRef>
-        </p:style>
-      </p:cxnSp>
-      <p:sp>
-        <p:nvSpPr>
-          <p:cNvPr id="40" name="TextBox 39">
-            <a:extLst>
-              <a:ext uri="{FF2B5EF4-FFF2-40B4-BE49-F238E27FC236}">
-                <a16:creationId xmlns:a16="http://schemas.microsoft.com/office/drawing/2014/main" id="{197BAE4A-77B6-5C1B-4F4E-0FD85CFBA031}"/>
-              </a:ext>
-            </a:extLst>
-          </p:cNvPr>
-          <p:cNvSpPr txBox="1"/>
-          <p:nvPr/>
-        </p:nvSpPr>
-        <p:spPr>
-          <a:xfrm>
-            <a:off x="5081239" y="2063155"/>
-            <a:ext cx="3107580" cy="369332"/>
-          </a:xfrm>
-          <a:prstGeom prst="rect">
-            <a:avLst/>
-          </a:prstGeom>
-          <a:noFill/>
-        </p:spPr>
-        <p:txBody>
-          <a:bodyPr wrap="square" rtlCol="0">
-            <a:spAutoFit/>
-          </a:bodyPr>
-          <a:lstStyle/>
-          <a:p>
-            <a:pPr algn="ctr"/>
-            <a:r>
-              <a:rPr lang="en-BE" dirty="0">
-                <a:latin typeface="Roboto" panose="02000000000000000000" pitchFamily="2" charset="0"/>
-                <a:ea typeface="Roboto" panose="02000000000000000000" pitchFamily="2" charset="0"/>
-              </a:rPr>
-              <a:t>Test Lab 2 &amp; 3</a:t>
-            </a:r>
-          </a:p>
-        </p:txBody>
-      </p:sp>
-      <p:cxnSp>
-        <p:nvCxnSpPr>
-          <p:cNvPr id="42" name="Straight Connector 41">
-            <a:extLst>
-              <a:ext uri="{FF2B5EF4-FFF2-40B4-BE49-F238E27FC236}">
-                <a16:creationId xmlns:a16="http://schemas.microsoft.com/office/drawing/2014/main" id="{6EBBE4B2-6A10-0ACD-0025-B78D2475B984}"/>
-              </a:ext>
-            </a:extLst>
-          </p:cNvPr>
-          <p:cNvCxnSpPr/>
-          <p:nvPr/>
-        </p:nvCxnSpPr>
-        <p:spPr>
-          <a:xfrm>
-            <a:off x="8925187" y="2509514"/>
-            <a:ext cx="0" cy="288032"/>
-          </a:xfrm>
-          <a:prstGeom prst="line">
-            <a:avLst/>
-          </a:prstGeom>
-          <a:ln w="12700">
-            <a:solidFill>
-              <a:schemeClr val="bg1">
-                <a:lumMod val="75000"/>
-              </a:schemeClr>
-            </a:solidFill>
-          </a:ln>
-        </p:spPr>
-        <p:style>
-          <a:lnRef idx="1">
-            <a:schemeClr val="accent1"/>
-          </a:lnRef>
-          <a:fillRef idx="0">
-            <a:schemeClr val="accent1"/>
-          </a:fillRef>
-          <a:effectRef idx="0">
-            <a:schemeClr val="accent1"/>
-          </a:effectRef>
-          <a:fontRef idx="minor">
-            <a:schemeClr val="tx1"/>
-          </a:fontRef>
-        </p:style>
-      </p:cxnSp>
-      <p:sp>
-        <p:nvSpPr>
-          <p:cNvPr id="43" name="TextBox 42">
-            <a:extLst>
-              <a:ext uri="{FF2B5EF4-FFF2-40B4-BE49-F238E27FC236}">
-                <a16:creationId xmlns:a16="http://schemas.microsoft.com/office/drawing/2014/main" id="{FCB52EBE-37C6-DDC6-ABE5-4C737DBF3FD9}"/>
-              </a:ext>
-            </a:extLst>
-          </p:cNvPr>
-          <p:cNvSpPr txBox="1"/>
-          <p:nvPr/>
-        </p:nvSpPr>
-        <p:spPr>
-          <a:xfrm>
-            <a:off x="7430413" y="2065885"/>
-            <a:ext cx="3107580" cy="369332"/>
-          </a:xfrm>
-          <a:prstGeom prst="rect">
-            <a:avLst/>
-          </a:prstGeom>
-          <a:noFill/>
-        </p:spPr>
-        <p:txBody>
-          <a:bodyPr wrap="square" rtlCol="0">
-            <a:spAutoFit/>
-          </a:bodyPr>
-          <a:lstStyle/>
-          <a:p>
-            <a:pPr algn="ctr"/>
-            <a:r>
-              <a:rPr lang="en-BE" dirty="0">
-                <a:latin typeface="Roboto" panose="02000000000000000000" pitchFamily="2" charset="0"/>
-                <a:ea typeface="Roboto" panose="02000000000000000000" pitchFamily="2" charset="0"/>
-              </a:rPr>
-              <a:t>Present use Case</a:t>
-            </a:r>
-          </a:p>
-        </p:txBody>
-      </p:sp>
+          </p:spPr>
+          <p:txBody>
+            <a:bodyPr wrap="square" rtlCol="0">
+              <a:spAutoFit/>
+            </a:bodyPr>
+            <a:lstStyle/>
+            <a:p>
+              <a:r>
+                <a:rPr lang="en-BE" dirty="0">
+                  <a:latin typeface="Roboto" panose="02000000000000000000" pitchFamily="2" charset="0"/>
+                  <a:ea typeface="Roboto" panose="02000000000000000000" pitchFamily="2" charset="0"/>
+                </a:rPr>
+                <a:t>Test Lab 2 + Q4</a:t>
+              </a:r>
+            </a:p>
+          </p:txBody>
+        </p:sp>
+      </p:grpSp>
     </p:spTree>
     <p:extLst>
       <p:ext uri="{BB962C8B-B14F-4D97-AF65-F5344CB8AC3E}">
@@ -13238,35 +13090,6 @@
               <a:rPr lang="en-BE" dirty="0"/>
               <a:t>Layer 2 versus layer 3</a:t>
             </a:r>
-          </a:p>
-        </p:txBody>
-      </p:sp>
-      <p:sp>
-        <p:nvSpPr>
-          <p:cNvPr id="3" name="Date Placeholder 2">
-            <a:extLst>
-              <a:ext uri="{FF2B5EF4-FFF2-40B4-BE49-F238E27FC236}">
-                <a16:creationId xmlns:a16="http://schemas.microsoft.com/office/drawing/2014/main" id="{BA3663FC-28FB-1FE2-5B3C-29ADEC13F0AE}"/>
-              </a:ext>
-            </a:extLst>
-          </p:cNvPr>
-          <p:cNvSpPr>
-            <a:spLocks noGrp="1"/>
-          </p:cNvSpPr>
-          <p:nvPr>
-            <p:ph type="dt" sz="half" idx="10"/>
-          </p:nvPr>
-        </p:nvSpPr>
-        <p:spPr/>
-        <p:txBody>
-          <a:bodyPr/>
-          <a:lstStyle/>
-          <a:p>
-            <a:fld id="{D1F088C9-0FC0-440B-8314-5EF9819A24DA}" type="datetime1">
-              <a:rPr lang="nl-BE" smtClean="0"/>
-              <a:t>27/09/2022</a:t>
-            </a:fld>
-            <a:endParaRPr lang="nl-BE" dirty="0"/>
           </a:p>
         </p:txBody>
       </p:sp>
@@ -14915,4 +14738,339 @@
   <a:objectDefaults/>
   <a:extraClrSchemeLst/>
 </a:theme>
+</file>
+
+<file path=customXml/item1.xml><?xml version="1.0" encoding="utf-8"?>
+<ct:contentTypeSchema xmlns:ct="http://schemas.microsoft.com/office/2006/metadata/contentType" xmlns:ma="http://schemas.microsoft.com/office/2006/metadata/properties/metaAttributes" ct:_="" ma:_="" ma:contentTypeName="Document" ma:contentTypeID="0x010100F636E510B83AE14BB768286DDA3060C8" ma:contentTypeVersion="21" ma:contentTypeDescription="Create a new document." ma:contentTypeScope="" ma:versionID="59622e832f8d78a7f837e7069c82ec99">
+  <xsd:schema xmlns:xsd="http://www.w3.org/2001/XMLSchema" xmlns:xs="http://www.w3.org/2001/XMLSchema" xmlns:p="http://schemas.microsoft.com/office/2006/metadata/properties" xmlns:ns2="c632d63d-d94d-44a4-8cd4-d414f261ccd2" xmlns:ns3="a966ec43-0ce2-440d-85cb-d7baa1361af9" targetNamespace="http://schemas.microsoft.com/office/2006/metadata/properties" ma:root="true" ma:fieldsID="4d6f63798877865b07a0269b92a3aab4" ns2:_="" ns3:_="">
+    <xsd:import namespace="c632d63d-d94d-44a4-8cd4-d414f261ccd2"/>
+    <xsd:import namespace="a966ec43-0ce2-440d-85cb-d7baa1361af9"/>
+    <xsd:element name="properties">
+      <xsd:complexType>
+        <xsd:sequence>
+          <xsd:element name="documentManagement">
+            <xsd:complexType>
+              <xsd:all>
+                <xsd:element ref="ns2:MediaServiceMetadata" minOccurs="0"/>
+                <xsd:element ref="ns2:MediaServiceFastMetadata" minOccurs="0"/>
+                <xsd:element ref="ns2:MediaServiceAutoKeyPoints" minOccurs="0"/>
+                <xsd:element ref="ns2:MediaServiceKeyPoints" minOccurs="0"/>
+                <xsd:element ref="ns2:MediaServiceDateTaken" minOccurs="0"/>
+                <xsd:element ref="ns2:MediaLengthInSeconds" minOccurs="0"/>
+                <xsd:element ref="ns3:TaxCatchAll" minOccurs="0"/>
+                <xsd:element ref="ns2:MediaServiceGenerationTime" minOccurs="0"/>
+                <xsd:element ref="ns2:MediaServiceEventHashCode" minOccurs="0"/>
+                <xsd:element ref="ns2:lcf76f155ced4ddcb4097134ff3c332f" minOccurs="0"/>
+                <xsd:element ref="ns2:MediaServiceOCR" minOccurs="0"/>
+                <xsd:element ref="ns2:MediaServiceLocation" minOccurs="0"/>
+                <xsd:element ref="ns3:SharedWithUsers" minOccurs="0"/>
+                <xsd:element ref="ns3:SharedWithDetails" minOccurs="0"/>
+                <xsd:element ref="ns2:MediaServiceObjectDetectorVersions" minOccurs="0"/>
+                <xsd:element ref="ns2:GillesCallebaut" minOccurs="0"/>
+                <xsd:element ref="ns2:Topics" minOccurs="0"/>
+                <xsd:element ref="ns2:MediaServiceSearchProperties" minOccurs="0"/>
+              </xsd:all>
+            </xsd:complexType>
+          </xsd:element>
+        </xsd:sequence>
+      </xsd:complexType>
+    </xsd:element>
+  </xsd:schema>
+  <xsd:schema xmlns:xsd="http://www.w3.org/2001/XMLSchema" xmlns:xs="http://www.w3.org/2001/XMLSchema" xmlns:dms="http://schemas.microsoft.com/office/2006/documentManagement/types" xmlns:pc="http://schemas.microsoft.com/office/infopath/2007/PartnerControls" targetNamespace="c632d63d-d94d-44a4-8cd4-d414f261ccd2" elementFormDefault="qualified">
+    <xsd:import namespace="http://schemas.microsoft.com/office/2006/documentManagement/types"/>
+    <xsd:import namespace="http://schemas.microsoft.com/office/infopath/2007/PartnerControls"/>
+    <xsd:element name="MediaServiceMetadata" ma:index="8" nillable="true" ma:displayName="MediaServiceMetadata" ma:hidden="true" ma:internalName="MediaServiceMetadata" ma:readOnly="true">
+      <xsd:simpleType>
+        <xsd:restriction base="dms:Note"/>
+      </xsd:simpleType>
+    </xsd:element>
+    <xsd:element name="MediaServiceFastMetadata" ma:index="9" nillable="true" ma:displayName="MediaServiceFastMetadata" ma:hidden="true" ma:internalName="MediaServiceFastMetadata" ma:readOnly="true">
+      <xsd:simpleType>
+        <xsd:restriction base="dms:Note"/>
+      </xsd:simpleType>
+    </xsd:element>
+    <xsd:element name="MediaServiceAutoKeyPoints" ma:index="10" nillable="true" ma:displayName="MediaServiceAutoKeyPoints" ma:hidden="true" ma:internalName="MediaServiceAutoKeyPoints" ma:readOnly="true">
+      <xsd:simpleType>
+        <xsd:restriction base="dms:Note"/>
+      </xsd:simpleType>
+    </xsd:element>
+    <xsd:element name="MediaServiceKeyPoints" ma:index="11" nillable="true" ma:displayName="KeyPoints" ma:internalName="MediaServiceKeyPoints" ma:readOnly="true">
+      <xsd:simpleType>
+        <xsd:restriction base="dms:Note">
+          <xsd:maxLength value="255"/>
+        </xsd:restriction>
+      </xsd:simpleType>
+    </xsd:element>
+    <xsd:element name="MediaServiceDateTaken" ma:index="12" nillable="true" ma:displayName="MediaServiceDateTaken" ma:hidden="true" ma:internalName="MediaServiceDateTaken" ma:readOnly="true">
+      <xsd:simpleType>
+        <xsd:restriction base="dms:Text"/>
+      </xsd:simpleType>
+    </xsd:element>
+    <xsd:element name="MediaLengthInSeconds" ma:index="13" nillable="true" ma:displayName="MediaLengthInSeconds" ma:hidden="true" ma:internalName="MediaLengthInSeconds" ma:readOnly="true">
+      <xsd:simpleType>
+        <xsd:restriction base="dms:Unknown"/>
+      </xsd:simpleType>
+    </xsd:element>
+    <xsd:element name="MediaServiceGenerationTime" ma:index="15" nillable="true" ma:displayName="MediaServiceGenerationTime" ma:hidden="true" ma:internalName="MediaServiceGenerationTime" ma:readOnly="true">
+      <xsd:simpleType>
+        <xsd:restriction base="dms:Text"/>
+      </xsd:simpleType>
+    </xsd:element>
+    <xsd:element name="MediaServiceEventHashCode" ma:index="16" nillable="true" ma:displayName="MediaServiceEventHashCode" ma:hidden="true" ma:internalName="MediaServiceEventHashCode" ma:readOnly="true">
+      <xsd:simpleType>
+        <xsd:restriction base="dms:Text"/>
+      </xsd:simpleType>
+    </xsd:element>
+    <xsd:element name="lcf76f155ced4ddcb4097134ff3c332f" ma:index="18" nillable="true" ma:taxonomy="true" ma:internalName="lcf76f155ced4ddcb4097134ff3c332f" ma:taxonomyFieldName="MediaServiceImageTags" ma:displayName="Image Tags" ma:readOnly="false" ma:fieldId="{5cf76f15-5ced-4ddc-b409-7134ff3c332f}" ma:taxonomyMulti="true" ma:sspId="8b6fc0cd-01fe-45a4-a6f7-42bcc5426b53" ma:termSetId="09814cd3-568e-fe90-9814-8d621ff8fb84" ma:anchorId="fba54fb3-c3e1-fe81-a776-ca4b69148c4d" ma:open="true" ma:isKeyword="false">
+      <xsd:complexType>
+        <xsd:sequence>
+          <xsd:element ref="pc:Terms" minOccurs="0" maxOccurs="1"/>
+        </xsd:sequence>
+      </xsd:complexType>
+    </xsd:element>
+    <xsd:element name="MediaServiceOCR" ma:index="19" nillable="true" ma:displayName="Extracted Text" ma:internalName="MediaServiceOCR" ma:readOnly="true">
+      <xsd:simpleType>
+        <xsd:restriction base="dms:Note">
+          <xsd:maxLength value="255"/>
+        </xsd:restriction>
+      </xsd:simpleType>
+    </xsd:element>
+    <xsd:element name="MediaServiceLocation" ma:index="20" nillable="true" ma:displayName="Location" ma:internalName="MediaServiceLocation" ma:readOnly="true">
+      <xsd:simpleType>
+        <xsd:restriction base="dms:Text"/>
+      </xsd:simpleType>
+    </xsd:element>
+    <xsd:element name="MediaServiceObjectDetectorVersions" ma:index="23" nillable="true" ma:displayName="MediaServiceObjectDetectorVersions" ma:description="" ma:hidden="true" ma:indexed="true" ma:internalName="MediaServiceObjectDetectorVersions" ma:readOnly="true">
+      <xsd:simpleType>
+        <xsd:restriction base="dms:Text"/>
+      </xsd:simpleType>
+    </xsd:element>
+    <xsd:element name="GillesCallebaut" ma:index="24" nillable="true" ma:displayName="Made By" ma:format="Dropdown" ma:list="UserInfo" ma:SharePointGroup="0" ma:internalName="GillesCallebaut">
+      <xsd:complexType>
+        <xsd:complexContent>
+          <xsd:extension base="dms:User">
+            <xsd:sequence>
+              <xsd:element name="UserInfo" minOccurs="0" maxOccurs="unbounded">
+                <xsd:complexType>
+                  <xsd:sequence>
+                    <xsd:element name="DisplayName" type="xsd:string" minOccurs="0"/>
+                    <xsd:element name="AccountId" type="dms:UserId" minOccurs="0" nillable="true"/>
+                    <xsd:element name="AccountType" type="xsd:string" minOccurs="0"/>
+                  </xsd:sequence>
+                </xsd:complexType>
+              </xsd:element>
+            </xsd:sequence>
+          </xsd:extension>
+        </xsd:complexContent>
+      </xsd:complexType>
+    </xsd:element>
+    <xsd:element name="Topics" ma:index="25" nillable="true" ma:displayName="Topics" ma:format="Dropdown" ma:internalName="Topics">
+      <xsd:complexType>
+        <xsd:complexContent>
+          <xsd:extension base="dms:MultiChoiceFillIn">
+            <xsd:sequence>
+              <xsd:element name="Value" maxOccurs="unbounded" minOccurs="0" nillable="true">
+                <xsd:simpleType>
+                  <xsd:union memberTypes="dms:Text">
+                    <xsd:simpleType>
+                      <xsd:restriction base="dms:Choice">
+                        <xsd:enumeration value="IoT"/>
+                        <xsd:enumeration value="5G and beyond"/>
+                        <xsd:enumeration value="Sustainability"/>
+                        <xsd:enumeration value="WPT"/>
+                        <xsd:enumeration value="Reindeer"/>
+                        <xsd:enumeration value="6GTandem"/>
+                        <xsd:enumeration value="Dramco"/>
+                        <xsd:enumeration value="Presentation"/>
+                        <xsd:enumeration value="Techtile"/>
+                      </xsd:restriction>
+                    </xsd:simpleType>
+                  </xsd:union>
+                </xsd:simpleType>
+              </xsd:element>
+            </xsd:sequence>
+          </xsd:extension>
+        </xsd:complexContent>
+      </xsd:complexType>
+    </xsd:element>
+    <xsd:element name="MediaServiceSearchProperties" ma:index="26" nillable="true" ma:displayName="MediaServiceSearchProperties" ma:hidden="true" ma:internalName="MediaServiceSearchProperties" ma:readOnly="true">
+      <xsd:simpleType>
+        <xsd:restriction base="dms:Note"/>
+      </xsd:simpleType>
+    </xsd:element>
+  </xsd:schema>
+  <xsd:schema xmlns:xsd="http://www.w3.org/2001/XMLSchema" xmlns:xs="http://www.w3.org/2001/XMLSchema" xmlns:dms="http://schemas.microsoft.com/office/2006/documentManagement/types" xmlns:pc="http://schemas.microsoft.com/office/infopath/2007/PartnerControls" targetNamespace="a966ec43-0ce2-440d-85cb-d7baa1361af9" elementFormDefault="qualified">
+    <xsd:import namespace="http://schemas.microsoft.com/office/2006/documentManagement/types"/>
+    <xsd:import namespace="http://schemas.microsoft.com/office/infopath/2007/PartnerControls"/>
+    <xsd:element name="TaxCatchAll" ma:index="14" nillable="true" ma:displayName="Taxonomy Catch All Column" ma:hidden="true" ma:list="{fd383904-99ab-4cb7-8cdb-b1ca560cad21}" ma:internalName="TaxCatchAll" ma:showField="CatchAllData" ma:web="a966ec43-0ce2-440d-85cb-d7baa1361af9">
+      <xsd:complexType>
+        <xsd:complexContent>
+          <xsd:extension base="dms:MultiChoiceLookup">
+            <xsd:sequence>
+              <xsd:element name="Value" type="dms:Lookup" maxOccurs="unbounded" minOccurs="0" nillable="true"/>
+            </xsd:sequence>
+          </xsd:extension>
+        </xsd:complexContent>
+      </xsd:complexType>
+    </xsd:element>
+    <xsd:element name="SharedWithUsers" ma:index="21" nillable="true" ma:displayName="Shared With" ma:internalName="SharedWithUsers" ma:readOnly="true">
+      <xsd:complexType>
+        <xsd:complexContent>
+          <xsd:extension base="dms:UserMulti">
+            <xsd:sequence>
+              <xsd:element name="UserInfo" minOccurs="0" maxOccurs="unbounded">
+                <xsd:complexType>
+                  <xsd:sequence>
+                    <xsd:element name="DisplayName" type="xsd:string" minOccurs="0"/>
+                    <xsd:element name="AccountId" type="dms:UserId" minOccurs="0" nillable="true"/>
+                    <xsd:element name="AccountType" type="xsd:string" minOccurs="0"/>
+                  </xsd:sequence>
+                </xsd:complexType>
+              </xsd:element>
+            </xsd:sequence>
+          </xsd:extension>
+        </xsd:complexContent>
+      </xsd:complexType>
+    </xsd:element>
+    <xsd:element name="SharedWithDetails" ma:index="22" nillable="true" ma:displayName="Shared With Details" ma:internalName="SharedWithDetails" ma:readOnly="true">
+      <xsd:simpleType>
+        <xsd:restriction base="dms:Note">
+          <xsd:maxLength value="255"/>
+        </xsd:restriction>
+      </xsd:simpleType>
+    </xsd:element>
+  </xsd:schema>
+  <xsd:schema xmlns="http://schemas.openxmlformats.org/package/2006/metadata/core-properties" xmlns:xsd="http://www.w3.org/2001/XMLSchema" xmlns:xsi="http://www.w3.org/2001/XMLSchema-instance" xmlns:dc="http://purl.org/dc/elements/1.1/" xmlns:dcterms="http://purl.org/dc/terms/" xmlns:odoc="http://schemas.microsoft.com/internal/obd" targetNamespace="http://schemas.openxmlformats.org/package/2006/metadata/core-properties" elementFormDefault="qualified" attributeFormDefault="unqualified" blockDefault="#all">
+    <xsd:import namespace="http://purl.org/dc/elements/1.1/" schemaLocation="http://dublincore.org/schemas/xmls/qdc/2003/04/02/dc.xsd"/>
+    <xsd:import namespace="http://purl.org/dc/terms/" schemaLocation="http://dublincore.org/schemas/xmls/qdc/2003/04/02/dcterms.xsd"/>
+    <xsd:element name="coreProperties" type="CT_coreProperties"/>
+    <xsd:complexType name="CT_coreProperties">
+      <xsd:all>
+        <xsd:element ref="dc:creator" minOccurs="0" maxOccurs="1"/>
+        <xsd:element ref="dcterms:created" minOccurs="0" maxOccurs="1"/>
+        <xsd:element ref="dc:identifier" minOccurs="0" maxOccurs="1"/>
+        <xsd:element name="contentType" minOccurs="0" maxOccurs="1" type="xsd:string" ma:index="0" ma:displayName="Content Type"/>
+        <xsd:element ref="dc:title" minOccurs="0" maxOccurs="1" ma:index="4" ma:displayName="Title"/>
+        <xsd:element ref="dc:subject" minOccurs="0" maxOccurs="1"/>
+        <xsd:element ref="dc:description" minOccurs="0" maxOccurs="1"/>
+        <xsd:element name="keywords" minOccurs="0" maxOccurs="1" type="xsd:string"/>
+        <xsd:element ref="dc:language" minOccurs="0" maxOccurs="1"/>
+        <xsd:element name="category" minOccurs="0" maxOccurs="1" type="xsd:string"/>
+        <xsd:element name="version" minOccurs="0" maxOccurs="1" type="xsd:string"/>
+        <xsd:element name="revision" minOccurs="0" maxOccurs="1" type="xsd:string">
+          <xsd:annotation>
+            <xsd:documentation>
+                        This value indicates the number of saves or revisions. The application is responsible for updating this value after each revision.
+                    </xsd:documentation>
+          </xsd:annotation>
+        </xsd:element>
+        <xsd:element name="lastModifiedBy" minOccurs="0" maxOccurs="1" type="xsd:string"/>
+        <xsd:element ref="dcterms:modified" minOccurs="0" maxOccurs="1"/>
+        <xsd:element name="contentStatus" minOccurs="0" maxOccurs="1" type="xsd:string"/>
+      </xsd:all>
+    </xsd:complexType>
+  </xsd:schema>
+  <xs:schema xmlns:pc="http://schemas.microsoft.com/office/infopath/2007/PartnerControls" xmlns:xs="http://www.w3.org/2001/XMLSchema" targetNamespace="http://schemas.microsoft.com/office/infopath/2007/PartnerControls" elementFormDefault="qualified" attributeFormDefault="unqualified">
+    <xs:element name="Person">
+      <xs:complexType>
+        <xs:sequence>
+          <xs:element ref="pc:DisplayName" minOccurs="0"/>
+          <xs:element ref="pc:AccountId" minOccurs="0"/>
+          <xs:element ref="pc:AccountType" minOccurs="0"/>
+        </xs:sequence>
+      </xs:complexType>
+    </xs:element>
+    <xs:element name="DisplayName" type="xs:string"/>
+    <xs:element name="AccountId" type="xs:string"/>
+    <xs:element name="AccountType" type="xs:string"/>
+    <xs:element name="BDCAssociatedEntity">
+      <xs:complexType>
+        <xs:sequence>
+          <xs:element ref="pc:BDCEntity" minOccurs="0" maxOccurs="unbounded"/>
+        </xs:sequence>
+        <xs:attribute ref="pc:EntityNamespace"/>
+        <xs:attribute ref="pc:EntityName"/>
+        <xs:attribute ref="pc:SystemInstanceName"/>
+        <xs:attribute ref="pc:AssociationName"/>
+      </xs:complexType>
+    </xs:element>
+    <xs:attribute name="EntityNamespace" type="xs:string"/>
+    <xs:attribute name="EntityName" type="xs:string"/>
+    <xs:attribute name="SystemInstanceName" type="xs:string"/>
+    <xs:attribute name="AssociationName" type="xs:string"/>
+    <xs:element name="BDCEntity">
+      <xs:complexType>
+        <xs:sequence>
+          <xs:element ref="pc:EntityDisplayName" minOccurs="0"/>
+          <xs:element ref="pc:EntityInstanceReference" minOccurs="0"/>
+          <xs:element ref="pc:EntityId1" minOccurs="0"/>
+          <xs:element ref="pc:EntityId2" minOccurs="0"/>
+          <xs:element ref="pc:EntityId3" minOccurs="0"/>
+          <xs:element ref="pc:EntityId4" minOccurs="0"/>
+          <xs:element ref="pc:EntityId5" minOccurs="0"/>
+        </xs:sequence>
+      </xs:complexType>
+    </xs:element>
+    <xs:element name="EntityDisplayName" type="xs:string"/>
+    <xs:element name="EntityInstanceReference" type="xs:string"/>
+    <xs:element name="EntityId1" type="xs:string"/>
+    <xs:element name="EntityId2" type="xs:string"/>
+    <xs:element name="EntityId3" type="xs:string"/>
+    <xs:element name="EntityId4" type="xs:string"/>
+    <xs:element name="EntityId5" type="xs:string"/>
+    <xs:element name="Terms">
+      <xs:complexType>
+        <xs:sequence>
+          <xs:element ref="pc:TermInfo" minOccurs="0" maxOccurs="unbounded"/>
+        </xs:sequence>
+      </xs:complexType>
+    </xs:element>
+    <xs:element name="TermInfo">
+      <xs:complexType>
+        <xs:sequence>
+          <xs:element ref="pc:TermName" minOccurs="0"/>
+          <xs:element ref="pc:TermId" minOccurs="0"/>
+        </xs:sequence>
+      </xs:complexType>
+    </xs:element>
+    <xs:element name="TermName" type="xs:string"/>
+    <xs:element name="TermId" type="xs:string"/>
+  </xs:schema>
+</ct:contentTypeSchema>
+</file>
+
+<file path=customXml/item2.xml><?xml version="1.0" encoding="utf-8"?>
+<?mso-contentType ?>
+<FormTemplates xmlns="http://schemas.microsoft.com/sharepoint/v3/contenttype/forms">
+  <Display>DocumentLibraryForm</Display>
+  <Edit>DocumentLibraryForm</Edit>
+  <New>DocumentLibraryForm</New>
+</FormTemplates>
+</file>
+
+<file path=customXml/itemProps1.xml><?xml version="1.0" encoding="utf-8"?>
+<ds:datastoreItem xmlns:ds="http://schemas.openxmlformats.org/officeDocument/2006/customXml" ds:itemID="{0DC7A721-7ADC-40A2-8180-84BC84AE20C5}">
+  <ds:schemaRefs>
+    <ds:schemaRef ds:uri="http://schemas.microsoft.com/office/2006/metadata/contentType"/>
+    <ds:schemaRef ds:uri="http://schemas.microsoft.com/office/2006/metadata/properties/metaAttributes"/>
+    <ds:schemaRef ds:uri="http://www.w3.org/2001/XMLSchema"/>
+    <ds:schemaRef ds:uri="http://schemas.microsoft.com/office/2006/metadata/properties"/>
+    <ds:schemaRef ds:uri="c632d63d-d94d-44a4-8cd4-d414f261ccd2"/>
+    <ds:schemaRef ds:uri="a966ec43-0ce2-440d-85cb-d7baa1361af9"/>
+    <ds:schemaRef ds:uri="http://schemas.microsoft.com/office/2006/documentManagement/types"/>
+    <ds:schemaRef ds:uri="http://schemas.microsoft.com/office/infopath/2007/PartnerControls"/>
+    <ds:schemaRef ds:uri="http://schemas.openxmlformats.org/package/2006/metadata/core-properties"/>
+    <ds:schemaRef ds:uri="http://purl.org/dc/elements/1.1/"/>
+    <ds:schemaRef ds:uri="http://purl.org/dc/terms/"/>
+    <ds:schemaRef ds:uri="http://schemas.microsoft.com/internal/obd"/>
+  </ds:schemaRefs>
+</ds:datastoreItem>
+</file>
+
+<file path=customXml/itemProps2.xml><?xml version="1.0" encoding="utf-8"?>
+<ds:datastoreItem xmlns:ds="http://schemas.openxmlformats.org/officeDocument/2006/customXml" ds:itemID="{5E126FBA-03B4-44EF-862F-8432DE9E7715}">
+  <ds:schemaRefs>
+    <ds:schemaRef ds:uri="http://schemas.microsoft.com/sharepoint/v3/contenttype/forms"/>
+  </ds:schemaRefs>
+</ds:datastoreItem>
 </file>